--- a/评审PPT/SE2019春-G11-软件需求规格说明(SRS)/SE2019春-G11-软件需求规格说明(SRS)PPT.pptx
+++ b/评审PPT/SE2019春-G11-软件需求规格说明(SRS)/SE2019春-G11-软件需求规格说明(SRS)PPT.pptx
@@ -5,7 +5,7 @@
     <p:sldMasterId id="2147483648" r:id="rId1"/>
   </p:sldMasterIdLst>
   <p:notesMasterIdLst>
-    <p:notesMasterId r:id="rId33"/>
+    <p:notesMasterId r:id="rId35"/>
   </p:notesMasterIdLst>
   <p:sldIdLst>
     <p:sldId id="256" r:id="rId2"/>
@@ -32,13 +32,15 @@
     <p:sldId id="267" r:id="rId23"/>
     <p:sldId id="293" r:id="rId24"/>
     <p:sldId id="302" r:id="rId25"/>
-    <p:sldId id="272" r:id="rId26"/>
-    <p:sldId id="303" r:id="rId27"/>
-    <p:sldId id="304" r:id="rId28"/>
-    <p:sldId id="308" r:id="rId29"/>
-    <p:sldId id="305" r:id="rId30"/>
-    <p:sldId id="306" r:id="rId31"/>
-    <p:sldId id="285" r:id="rId32"/>
+    <p:sldId id="309" r:id="rId26"/>
+    <p:sldId id="310" r:id="rId27"/>
+    <p:sldId id="272" r:id="rId28"/>
+    <p:sldId id="303" r:id="rId29"/>
+    <p:sldId id="304" r:id="rId30"/>
+    <p:sldId id="308" r:id="rId31"/>
+    <p:sldId id="305" r:id="rId32"/>
+    <p:sldId id="306" r:id="rId33"/>
+    <p:sldId id="285" r:id="rId34"/>
   </p:sldIdLst>
   <p:sldSz cx="12192000" cy="6858000"/>
   <p:notesSz cx="6858000" cy="9144000"/>
@@ -6581,7 +6583,7 @@
           <a:graphicData uri="http://schemas.openxmlformats.org/presentationml/2006/ole">
             <mc:AlternateContent xmlns:mc="http://schemas.openxmlformats.org/markup-compatibility/2006">
               <mc:Choice xmlns:v="urn:schemas-microsoft-com:vml" Requires="v">
-                <p:oleObj spid="_x0000_s6155" r:id="rId3" imgW="5552853" imgH="4086018" progId="Visio.Drawing.15">
+                <p:oleObj spid="_x0000_s6165" r:id="rId3" imgW="5552853" imgH="4086018" progId="Visio.Drawing.15">
                   <p:embed/>
                 </p:oleObj>
               </mc:Choice>
@@ -8332,7 +8334,7 @@
           <a:graphicData uri="http://schemas.openxmlformats.org/presentationml/2006/ole">
             <mc:AlternateContent xmlns:mc="http://schemas.openxmlformats.org/markup-compatibility/2006">
               <mc:Choice xmlns:v="urn:schemas-microsoft-com:vml" Requires="v">
-                <p:oleObj spid="_x0000_s7186" r:id="rId3" imgW="4324261" imgH="1580893" progId="Visio.Drawing.15">
+                <p:oleObj spid="_x0000_s7196" r:id="rId3" imgW="4324261" imgH="1580893" progId="Visio.Drawing.15">
                   <p:embed/>
                 </p:oleObj>
               </mc:Choice>
@@ -8764,7 +8766,7 @@
           <a:graphicData uri="http://schemas.openxmlformats.org/presentationml/2006/ole">
             <mc:AlternateContent xmlns:mc="http://schemas.openxmlformats.org/markup-compatibility/2006">
               <mc:Choice xmlns:v="urn:schemas-microsoft-com:vml" Requires="v">
-                <p:oleObj spid="_x0000_s8204" r:id="rId3" imgW="4324261" imgH="4114800" progId="Visio.Drawing.15">
+                <p:oleObj spid="_x0000_s8214" r:id="rId3" imgW="4324261" imgH="4114800" progId="Visio.Drawing.15">
                   <p:embed/>
                 </p:oleObj>
               </mc:Choice>
@@ -9174,7 +9176,7 @@
           <a:graphicData uri="http://schemas.openxmlformats.org/presentationml/2006/ole">
             <mc:AlternateContent xmlns:mc="http://schemas.openxmlformats.org/markup-compatibility/2006">
               <mc:Choice xmlns:v="urn:schemas-microsoft-com:vml" Requires="v">
-                <p:oleObj spid="_x0000_s9239" r:id="rId3" imgW="2572016" imgH="5315128" progId="Visio.Drawing.15">
+                <p:oleObj spid="_x0000_s9259" r:id="rId3" imgW="2572016" imgH="5315128" progId="Visio.Drawing.15">
                   <p:embed/>
                 </p:oleObj>
               </mc:Choice>
@@ -9327,7 +9329,7 @@
           <a:graphicData uri="http://schemas.openxmlformats.org/presentationml/2006/ole">
             <mc:AlternateContent xmlns:mc="http://schemas.openxmlformats.org/markup-compatibility/2006">
               <mc:Choice xmlns:v="urn:schemas-microsoft-com:vml" Requires="v">
-                <p:oleObj spid="_x0000_s9240" r:id="rId5" imgW="5552853" imgH="1876178" progId="Visio.Drawing.15">
+                <p:oleObj spid="_x0000_s9260" r:id="rId5" imgW="5552853" imgH="1876178" progId="Visio.Drawing.15">
                   <p:embed/>
                 </p:oleObj>
               </mc:Choice>
@@ -9677,7 +9679,7 @@
           <a:graphicData uri="http://schemas.openxmlformats.org/presentationml/2006/ole">
             <mc:AlternateContent xmlns:mc="http://schemas.openxmlformats.org/markup-compatibility/2006">
               <mc:Choice xmlns:v="urn:schemas-microsoft-com:vml" Requires="v">
-                <p:oleObj spid="_x0000_s10261" r:id="rId3" imgW="2572016" imgH="5315128" progId="Visio.Drawing.15">
+                <p:oleObj spid="_x0000_s10281" r:id="rId3" imgW="2572016" imgH="5315128" progId="Visio.Drawing.15">
                   <p:embed/>
                 </p:oleObj>
               </mc:Choice>
@@ -9845,7 +9847,7 @@
           <a:graphicData uri="http://schemas.openxmlformats.org/presentationml/2006/ole">
             <mc:AlternateContent xmlns:mc="http://schemas.openxmlformats.org/markup-compatibility/2006">
               <mc:Choice xmlns:v="urn:schemas-microsoft-com:vml" Requires="v">
-                <p:oleObj spid="_x0000_s10262" r:id="rId5" imgW="5552853" imgH="1876178" progId="Visio.Drawing.15">
+                <p:oleObj spid="_x0000_s10282" r:id="rId5" imgW="5552853" imgH="1876178" progId="Visio.Drawing.15">
                   <p:embed/>
                 </p:oleObj>
               </mc:Choice>
@@ -10290,7 +10292,7 @@
           <a:graphicData uri="http://schemas.openxmlformats.org/presentationml/2006/ole">
             <mc:AlternateContent xmlns:mc="http://schemas.openxmlformats.org/markup-compatibility/2006">
               <mc:Choice xmlns:v="urn:schemas-microsoft-com:vml" Requires="v">
-                <p:oleObj spid="_x0000_s11287" r:id="rId3" imgW="2572016" imgH="5315128" progId="Visio.Drawing.15">
+                <p:oleObj spid="_x0000_s11307" r:id="rId3" imgW="2572016" imgH="5315128" progId="Visio.Drawing.15">
                   <p:embed/>
                 </p:oleObj>
               </mc:Choice>
@@ -10363,7 +10365,7 @@
           <a:graphicData uri="http://schemas.openxmlformats.org/presentationml/2006/ole">
             <mc:AlternateContent xmlns:mc="http://schemas.openxmlformats.org/markup-compatibility/2006">
               <mc:Choice xmlns:v="urn:schemas-microsoft-com:vml" Requires="v">
-                <p:oleObj spid="_x0000_s11288" r:id="rId5" imgW="5495969" imgH="1876178" progId="Visio.Drawing.15">
+                <p:oleObj spid="_x0000_s11308" r:id="rId5" imgW="5495969" imgH="1876178" progId="Visio.Drawing.15">
                   <p:embed/>
                 </p:oleObj>
               </mc:Choice>
@@ -13575,6 +13577,7 @@
           </a:lstStyle>
           <a:p>
             <a:r>
+              <a:rPr dirty="0"/>
               <a:t>2</a:t>
             </a:r>
           </a:p>
@@ -13671,6 +13674,7 @@
           </a:lstStyle>
           <a:p>
             <a:r>
+              <a:rPr dirty="0"/>
               <a:t>3</a:t>
             </a:r>
           </a:p>
@@ -21940,6 +21944,1073 @@
           <a:chExt cx="0" cy="0"/>
         </a:xfrm>
       </p:grpSpPr>
+      <p:pic>
+        <p:nvPicPr>
+          <p:cNvPr id="7" name="图片 6">
+            <a:extLst>
+              <a:ext uri="{FF2B5EF4-FFF2-40B4-BE49-F238E27FC236}">
+                <a16:creationId xmlns:a16="http://schemas.microsoft.com/office/drawing/2014/main" id="{DFFA8F2E-6A74-43E5-B259-C20AA92B6AC8}"/>
+              </a:ext>
+            </a:extLst>
+          </p:cNvPr>
+          <p:cNvPicPr>
+            <a:picLocks noChangeAspect="1"/>
+          </p:cNvPicPr>
+          <p:nvPr/>
+        </p:nvPicPr>
+        <p:blipFill>
+          <a:blip r:embed="rId2">
+            <a:extLst>
+              <a:ext uri="{28A0092B-C50C-407E-A947-70E740481C1C}">
+                <a14:useLocalDpi xmlns:a14="http://schemas.microsoft.com/office/drawing/2010/main" val="0"/>
+              </a:ext>
+            </a:extLst>
+          </a:blip>
+          <a:stretch>
+            <a:fillRect/>
+          </a:stretch>
+        </p:blipFill>
+        <p:spPr>
+          <a:xfrm>
+            <a:off x="83497" y="1851560"/>
+            <a:ext cx="2874377" cy="4299334"/>
+          </a:xfrm>
+          <a:prstGeom prst="rect">
+            <a:avLst/>
+          </a:prstGeom>
+        </p:spPr>
+      </p:pic>
+      <p:pic>
+        <p:nvPicPr>
+          <p:cNvPr id="10" name="图片 9">
+            <a:extLst>
+              <a:ext uri="{FF2B5EF4-FFF2-40B4-BE49-F238E27FC236}">
+                <a16:creationId xmlns:a16="http://schemas.microsoft.com/office/drawing/2014/main" id="{B5641CCE-9265-42A0-A255-53C7F3CC9266}"/>
+              </a:ext>
+            </a:extLst>
+          </p:cNvPr>
+          <p:cNvPicPr>
+            <a:picLocks noChangeAspect="1"/>
+          </p:cNvPicPr>
+          <p:nvPr/>
+        </p:nvPicPr>
+        <p:blipFill>
+          <a:blip r:embed="rId3">
+            <a:extLst>
+              <a:ext uri="{28A0092B-C50C-407E-A947-70E740481C1C}">
+                <a14:useLocalDpi xmlns:a14="http://schemas.microsoft.com/office/drawing/2010/main" val="0"/>
+              </a:ext>
+            </a:extLst>
+          </a:blip>
+          <a:stretch>
+            <a:fillRect/>
+          </a:stretch>
+        </p:blipFill>
+        <p:spPr>
+          <a:xfrm>
+            <a:off x="3119215" y="1872752"/>
+            <a:ext cx="2852094" cy="4299334"/>
+          </a:xfrm>
+          <a:prstGeom prst="rect">
+            <a:avLst/>
+          </a:prstGeom>
+        </p:spPr>
+      </p:pic>
+      <p:pic>
+        <p:nvPicPr>
+          <p:cNvPr id="12" name="图片 11">
+            <a:extLst>
+              <a:ext uri="{FF2B5EF4-FFF2-40B4-BE49-F238E27FC236}">
+                <a16:creationId xmlns:a16="http://schemas.microsoft.com/office/drawing/2014/main" id="{D35E61DD-873B-45D5-BB55-B1810E9F045F}"/>
+              </a:ext>
+            </a:extLst>
+          </p:cNvPr>
+          <p:cNvPicPr>
+            <a:picLocks noChangeAspect="1"/>
+          </p:cNvPicPr>
+          <p:nvPr/>
+        </p:nvPicPr>
+        <p:blipFill>
+          <a:blip r:embed="rId4">
+            <a:extLst>
+              <a:ext uri="{28A0092B-C50C-407E-A947-70E740481C1C}">
+                <a14:useLocalDpi xmlns:a14="http://schemas.microsoft.com/office/drawing/2010/main" val="0"/>
+              </a:ext>
+            </a:extLst>
+          </a:blip>
+          <a:stretch>
+            <a:fillRect/>
+          </a:stretch>
+        </p:blipFill>
+        <p:spPr>
+          <a:xfrm>
+            <a:off x="6121753" y="1893944"/>
+            <a:ext cx="2874376" cy="4278142"/>
+          </a:xfrm>
+          <a:prstGeom prst="rect">
+            <a:avLst/>
+          </a:prstGeom>
+        </p:spPr>
+      </p:pic>
+      <p:pic>
+        <p:nvPicPr>
+          <p:cNvPr id="14" name="图片 13">
+            <a:extLst>
+              <a:ext uri="{FF2B5EF4-FFF2-40B4-BE49-F238E27FC236}">
+                <a16:creationId xmlns:a16="http://schemas.microsoft.com/office/drawing/2014/main" id="{D9B694E7-CB89-47F3-B5A6-1D6E0964B5A8}"/>
+              </a:ext>
+            </a:extLst>
+          </p:cNvPr>
+          <p:cNvPicPr>
+            <a:picLocks noChangeAspect="1"/>
+          </p:cNvPicPr>
+          <p:nvPr/>
+        </p:nvPicPr>
+        <p:blipFill>
+          <a:blip r:embed="rId5">
+            <a:extLst>
+              <a:ext uri="{28A0092B-C50C-407E-A947-70E740481C1C}">
+                <a14:useLocalDpi xmlns:a14="http://schemas.microsoft.com/office/drawing/2010/main" val="0"/>
+              </a:ext>
+            </a:extLst>
+          </a:blip>
+          <a:stretch>
+            <a:fillRect/>
+          </a:stretch>
+        </p:blipFill>
+        <p:spPr>
+          <a:xfrm>
+            <a:off x="9146573" y="1872752"/>
+            <a:ext cx="2852094" cy="4278142"/>
+          </a:xfrm>
+          <a:prstGeom prst="rect">
+            <a:avLst/>
+          </a:prstGeom>
+        </p:spPr>
+      </p:pic>
+      <p:sp>
+        <p:nvSpPr>
+          <p:cNvPr id="6" name="矩形 1"/>
+          <p:cNvSpPr/>
+          <p:nvPr/>
+        </p:nvSpPr>
+        <p:spPr>
+          <a:xfrm>
+            <a:off x="3742063" y="0"/>
+            <a:ext cx="4707874" cy="1851560"/>
+          </a:xfrm>
+          <a:prstGeom prst="rect">
+            <a:avLst/>
+          </a:prstGeom>
+          <a:solidFill>
+            <a:srgbClr val="F9B359"/>
+          </a:solidFill>
+          <a:ln w="12700">
+            <a:miter lim="400000"/>
+          </a:ln>
+          <a:effectLst>
+            <a:outerShdw blurRad="127000" rotWithShape="0">
+              <a:srgbClr val="D5D7D5">
+                <a:alpha val="40000"/>
+              </a:srgbClr>
+            </a:outerShdw>
+          </a:effectLst>
+        </p:spPr>
+        <p:txBody>
+          <a:bodyPr lIns="45719" rIns="45719" anchor="ctr"/>
+          <a:lstStyle/>
+          <a:p>
+            <a:pPr algn="ctr">
+              <a:defRPr>
+                <a:solidFill>
+                  <a:srgbClr val="FFFFFF"/>
+                </a:solidFill>
+              </a:defRPr>
+            </a:pPr>
+            <a:endParaRPr/>
+          </a:p>
+        </p:txBody>
+      </p:sp>
+      <p:sp>
+        <p:nvSpPr>
+          <p:cNvPr id="8" name="文本框 5"/>
+          <p:cNvSpPr txBox="1"/>
+          <p:nvPr/>
+        </p:nvSpPr>
+        <p:spPr>
+          <a:xfrm>
+            <a:off x="5434281" y="694947"/>
+            <a:ext cx="1323437" cy="461665"/>
+          </a:xfrm>
+          <a:prstGeom prst="rect">
+            <a:avLst/>
+          </a:prstGeom>
+          <a:ln w="12700">
+            <a:miter lim="400000"/>
+          </a:ln>
+          <a:extLst>
+            <a:ext uri="{C572A759-6A51-4108-AA02-DFA0A04FC94B}">
+              <ma14:wrappingTextBoxFlag xmlns="" xmlns:ma14="http://schemas.microsoft.com/office/mac/drawingml/2011/main" val="1"/>
+            </a:ext>
+          </a:extLst>
+        </p:spPr>
+        <p:txBody>
+          <a:bodyPr wrap="none" lIns="45719" rIns="45719">
+            <a:spAutoFit/>
+          </a:bodyPr>
+          <a:lstStyle>
+            <a:lvl1pPr algn="ctr">
+              <a:defRPr sz="3600" b="1">
+                <a:solidFill>
+                  <a:srgbClr val="3F403E"/>
+                </a:solidFill>
+                <a:latin typeface="微软雅黑"/>
+                <a:ea typeface="微软雅黑"/>
+                <a:cs typeface="微软雅黑"/>
+                <a:sym typeface="微软雅黑"/>
+              </a:defRPr>
+            </a:lvl1pPr>
+          </a:lstStyle>
+          <a:p>
+            <a:r>
+              <a:rPr lang="zh-CN" altLang="en-US" sz="2400" dirty="0"/>
+              <a:t>界面</a:t>
+            </a:r>
+            <a:r>
+              <a:rPr lang="zh-CN" altLang="en-US" sz="2400" dirty="0" smtClean="0"/>
+              <a:t>原型</a:t>
+            </a:r>
+            <a:endParaRPr lang="zh-CN" altLang="en-US" sz="2400" dirty="0"/>
+          </a:p>
+        </p:txBody>
+      </p:sp>
+    </p:spTree>
+    <p:extLst>
+      <p:ext uri="{BB962C8B-B14F-4D97-AF65-F5344CB8AC3E}">
+        <p14:creationId xmlns:p14="http://schemas.microsoft.com/office/powerpoint/2010/main" val="1457104473"/>
+      </p:ext>
+    </p:extLst>
+  </p:cSld>
+  <p:clrMapOvr>
+    <a:masterClrMapping/>
+  </p:clrMapOvr>
+  <p:transition spd="med"/>
+  <p:timing>
+    <p:tnLst>
+      <p:par>
+        <p:cTn id="1" dur="indefinite" restart="never" nodeType="tmRoot">
+          <p:childTnLst>
+            <p:seq concurrent="1" nextAc="seek">
+              <p:cTn id="2" dur="indefinite" nodeType="mainSeq">
+                <p:childTnLst>
+                  <p:par>
+                    <p:cTn id="3" fill="hold">
+                      <p:stCondLst>
+                        <p:cond delay="indefinite"/>
+                        <p:cond evt="onBegin" delay="0">
+                          <p:tn val="2"/>
+                        </p:cond>
+                      </p:stCondLst>
+                      <p:childTnLst>
+                        <p:par>
+                          <p:cTn id="4" fill="hold">
+                            <p:stCondLst>
+                              <p:cond delay="0"/>
+                            </p:stCondLst>
+                            <p:childTnLst>
+                              <p:par>
+                                <p:cTn id="5" presetID="2" presetClass="entr" presetSubtype="1" fill="hold" grpId="0" nodeType="afterEffect">
+                                  <p:stCondLst>
+                                    <p:cond delay="0"/>
+                                  </p:stCondLst>
+                                  <p:iterate>
+                                    <p:tmAbs val="0"/>
+                                  </p:iterate>
+                                  <p:childTnLst>
+                                    <p:set>
+                                      <p:cBhvr>
+                                        <p:cTn id="6" fill="hold"/>
+                                        <p:tgtEl>
+                                          <p:spTgt spid="6"/>
+                                        </p:tgtEl>
+                                        <p:attrNameLst>
+                                          <p:attrName>style.visibility</p:attrName>
+                                        </p:attrNameLst>
+                                      </p:cBhvr>
+                                      <p:to>
+                                        <p:strVal val="visible"/>
+                                      </p:to>
+                                    </p:set>
+                                    <p:anim calcmode="lin" valueType="num">
+                                      <p:cBhvr>
+                                        <p:cTn id="7" dur="1000" fill="hold"/>
+                                        <p:tgtEl>
+                                          <p:spTgt spid="6"/>
+                                        </p:tgtEl>
+                                        <p:attrNameLst>
+                                          <p:attrName>ppt_x</p:attrName>
+                                        </p:attrNameLst>
+                                      </p:cBhvr>
+                                      <p:tavLst>
+                                        <p:tav tm="0">
+                                          <p:val>
+                                            <p:strVal val="#ppt_x"/>
+                                          </p:val>
+                                        </p:tav>
+                                        <p:tav tm="100000">
+                                          <p:val>
+                                            <p:strVal val="#ppt_x"/>
+                                          </p:val>
+                                        </p:tav>
+                                      </p:tavLst>
+                                    </p:anim>
+                                    <p:anim calcmode="lin" valueType="num">
+                                      <p:cBhvr>
+                                        <p:cTn id="8" dur="1000" fill="hold"/>
+                                        <p:tgtEl>
+                                          <p:spTgt spid="6"/>
+                                        </p:tgtEl>
+                                        <p:attrNameLst>
+                                          <p:attrName>ppt_y</p:attrName>
+                                        </p:attrNameLst>
+                                      </p:cBhvr>
+                                      <p:tavLst>
+                                        <p:tav tm="0">
+                                          <p:val>
+                                            <p:strVal val="0-#ppt_h/2"/>
+                                          </p:val>
+                                        </p:tav>
+                                        <p:tav tm="100000">
+                                          <p:val>
+                                            <p:strVal val="#ppt_y"/>
+                                          </p:val>
+                                        </p:tav>
+                                      </p:tavLst>
+                                    </p:anim>
+                                  </p:childTnLst>
+                                </p:cTn>
+                              </p:par>
+                            </p:childTnLst>
+                          </p:cTn>
+                        </p:par>
+                        <p:par>
+                          <p:cTn id="9" fill="hold">
+                            <p:stCondLst>
+                              <p:cond delay="1000"/>
+                            </p:stCondLst>
+                            <p:childTnLst>
+                              <p:par>
+                                <p:cTn id="10" presetID="9" presetClass="entr" fill="hold" grpId="0" nodeType="afterEffect">
+                                  <p:stCondLst>
+                                    <p:cond delay="0"/>
+                                  </p:stCondLst>
+                                  <p:iterate>
+                                    <p:tmAbs val="0"/>
+                                  </p:iterate>
+                                  <p:childTnLst>
+                                    <p:set>
+                                      <p:cBhvr>
+                                        <p:cTn id="11" fill="hold"/>
+                                        <p:tgtEl>
+                                          <p:spTgt spid="8"/>
+                                        </p:tgtEl>
+                                        <p:attrNameLst>
+                                          <p:attrName>style.visibility</p:attrName>
+                                        </p:attrNameLst>
+                                      </p:cBhvr>
+                                      <p:to>
+                                        <p:strVal val="visible"/>
+                                      </p:to>
+                                    </p:set>
+                                    <p:animEffect transition="in" filter="dissolve">
+                                      <p:cBhvr>
+                                        <p:cTn id="12" dur="500"/>
+                                        <p:tgtEl>
+                                          <p:spTgt spid="8"/>
+                                        </p:tgtEl>
+                                      </p:cBhvr>
+                                    </p:animEffect>
+                                  </p:childTnLst>
+                                </p:cTn>
+                              </p:par>
+                            </p:childTnLst>
+                          </p:cTn>
+                        </p:par>
+                      </p:childTnLst>
+                    </p:cTn>
+                  </p:par>
+                </p:childTnLst>
+              </p:cTn>
+              <p:prevCondLst>
+                <p:cond evt="onPrev" delay="0">
+                  <p:tgtEl>
+                    <p:sldTgt/>
+                  </p:tgtEl>
+                </p:cond>
+              </p:prevCondLst>
+              <p:nextCondLst>
+                <p:cond evt="onNext" delay="0">
+                  <p:tgtEl>
+                    <p:sldTgt/>
+                  </p:tgtEl>
+                </p:cond>
+              </p:nextCondLst>
+            </p:seq>
+          </p:childTnLst>
+        </p:cTn>
+      </p:par>
+    </p:tnLst>
+    <p:bldLst>
+      <p:bldP spid="6" grpId="0" animBg="1" advAuto="0"/>
+      <p:bldP spid="8" grpId="0" animBg="1" advAuto="0"/>
+    </p:bldLst>
+  </p:timing>
+</p:sld>
+</file>
+
+<file path=ppt/slides/slide26.xml><?xml version="1.0" encoding="utf-8"?>
+<p:sld xmlns:a="http://schemas.openxmlformats.org/drawingml/2006/main" xmlns:r="http://schemas.openxmlformats.org/officeDocument/2006/relationships" xmlns:p="http://schemas.openxmlformats.org/presentationml/2006/main">
+  <p:cSld>
+    <p:spTree>
+      <p:nvGrpSpPr>
+        <p:cNvPr id="1" name=""/>
+        <p:cNvGrpSpPr/>
+        <p:nvPr/>
+      </p:nvGrpSpPr>
+      <p:grpSpPr>
+        <a:xfrm>
+          <a:off x="0" y="0"/>
+          <a:ext cx="0" cy="0"/>
+          <a:chOff x="0" y="0"/>
+          <a:chExt cx="0" cy="0"/>
+        </a:xfrm>
+      </p:grpSpPr>
+      <p:sp>
+        <p:nvSpPr>
+          <p:cNvPr id="9" name="矩形 1"/>
+          <p:cNvSpPr/>
+          <p:nvPr/>
+        </p:nvSpPr>
+        <p:spPr>
+          <a:xfrm>
+            <a:off x="3742063" y="0"/>
+            <a:ext cx="4434118" cy="1156355"/>
+          </a:xfrm>
+          <a:prstGeom prst="rect">
+            <a:avLst/>
+          </a:prstGeom>
+          <a:solidFill>
+            <a:srgbClr val="F9B359"/>
+          </a:solidFill>
+          <a:ln w="12700">
+            <a:miter lim="400000"/>
+          </a:ln>
+          <a:effectLst>
+            <a:outerShdw blurRad="127000" rotWithShape="0">
+              <a:srgbClr val="D5D7D5">
+                <a:alpha val="40000"/>
+              </a:srgbClr>
+            </a:outerShdw>
+          </a:effectLst>
+        </p:spPr>
+        <p:txBody>
+          <a:bodyPr lIns="45719" rIns="45719" anchor="ctr"/>
+          <a:lstStyle/>
+          <a:p>
+            <a:pPr algn="ctr">
+              <a:defRPr>
+                <a:solidFill>
+                  <a:srgbClr val="FFFFFF"/>
+                </a:solidFill>
+              </a:defRPr>
+            </a:pPr>
+            <a:endParaRPr/>
+          </a:p>
+        </p:txBody>
+      </p:sp>
+      <p:pic>
+        <p:nvPicPr>
+          <p:cNvPr id="6" name="图片 5">
+            <a:extLst>
+              <a:ext uri="{FF2B5EF4-FFF2-40B4-BE49-F238E27FC236}">
+                <a16:creationId xmlns:a16="http://schemas.microsoft.com/office/drawing/2014/main" id="{1C3A567D-34D7-4A71-9B07-22774C85FC6B}"/>
+              </a:ext>
+            </a:extLst>
+          </p:cNvPr>
+          <p:cNvPicPr>
+            <a:picLocks noChangeAspect="1"/>
+          </p:cNvPicPr>
+          <p:nvPr/>
+        </p:nvPicPr>
+        <p:blipFill>
+          <a:blip r:embed="rId2" cstate="print">
+            <a:extLst>
+              <a:ext uri="{28A0092B-C50C-407E-A947-70E740481C1C}">
+                <a14:useLocalDpi xmlns:a14="http://schemas.microsoft.com/office/drawing/2010/main" val="0"/>
+              </a:ext>
+            </a:extLst>
+          </a:blip>
+          <a:stretch>
+            <a:fillRect/>
+          </a:stretch>
+        </p:blipFill>
+        <p:spPr>
+          <a:xfrm>
+            <a:off x="1705466" y="1156355"/>
+            <a:ext cx="1857866" cy="1857866"/>
+          </a:xfrm>
+          <a:prstGeom prst="rect">
+            <a:avLst/>
+          </a:prstGeom>
+        </p:spPr>
+      </p:pic>
+      <p:sp>
+        <p:nvSpPr>
+          <p:cNvPr id="7" name="文本框 6">
+            <a:extLst>
+              <a:ext uri="{FF2B5EF4-FFF2-40B4-BE49-F238E27FC236}">
+                <a16:creationId xmlns:a16="http://schemas.microsoft.com/office/drawing/2014/main" id="{A4805F7E-826B-420C-B2E0-1197BB98024B}"/>
+              </a:ext>
+            </a:extLst>
+          </p:cNvPr>
+          <p:cNvSpPr txBox="1"/>
+          <p:nvPr/>
+        </p:nvSpPr>
+        <p:spPr>
+          <a:xfrm>
+            <a:off x="3847518" y="255012"/>
+            <a:ext cx="4223208" cy="646329"/>
+          </a:xfrm>
+          <a:prstGeom prst="rect">
+            <a:avLst/>
+          </a:prstGeom>
+          <a:noFill/>
+          <a:ln w="12700" cap="flat">
+            <a:noFill/>
+            <a:miter lim="400000"/>
+          </a:ln>
+          <a:effectLst/>
+          <a:sp3d/>
+        </p:spPr>
+        <p:style>
+          <a:lnRef idx="0">
+            <a:scrgbClr r="0" g="0" b="0"/>
+          </a:lnRef>
+          <a:fillRef idx="0">
+            <a:scrgbClr r="0" g="0" b="0"/>
+          </a:fillRef>
+          <a:effectRef idx="0">
+            <a:scrgbClr r="0" g="0" b="0"/>
+          </a:effectRef>
+          <a:fontRef idx="none"/>
+        </p:style>
+        <p:txBody>
+          <a:bodyPr rot="0" spcFirstLastPara="1" vertOverflow="overflow" horzOverflow="overflow" vert="horz" wrap="square" lIns="45719" tIns="45719" rIns="45719" bIns="45719" numCol="1" spcCol="38100" rtlCol="0" anchor="t">
+            <a:spAutoFit/>
+          </a:bodyPr>
+          <a:lstStyle/>
+          <a:p>
+            <a:pPr algn="ctr"/>
+            <a:r>
+              <a:rPr lang="zh-CN" altLang="en-US" sz="3600" b="1" dirty="0">
+                <a:solidFill>
+                  <a:srgbClr val="3F403E"/>
+                </a:solidFill>
+                <a:latin typeface="微软雅黑"/>
+                <a:ea typeface="微软雅黑"/>
+              </a:rPr>
+              <a:t>客户代表</a:t>
+            </a:r>
+          </a:p>
+        </p:txBody>
+      </p:sp>
+      <p:sp>
+        <p:nvSpPr>
+          <p:cNvPr id="8" name="文本框 7">
+            <a:extLst>
+              <a:ext uri="{FF2B5EF4-FFF2-40B4-BE49-F238E27FC236}">
+                <a16:creationId xmlns:a16="http://schemas.microsoft.com/office/drawing/2014/main" id="{68D6E53A-7FCB-440A-9416-F80080B60747}"/>
+              </a:ext>
+            </a:extLst>
+          </p:cNvPr>
+          <p:cNvSpPr txBox="1"/>
+          <p:nvPr/>
+        </p:nvSpPr>
+        <p:spPr>
+          <a:xfrm>
+            <a:off x="1705466" y="3299381"/>
+            <a:ext cx="3465922" cy="1754324"/>
+          </a:xfrm>
+          <a:prstGeom prst="rect">
+            <a:avLst/>
+          </a:prstGeom>
+          <a:noFill/>
+          <a:ln w="12700" cap="flat">
+            <a:noFill/>
+            <a:miter lim="400000"/>
+          </a:ln>
+          <a:effectLst/>
+          <a:sp3d/>
+        </p:spPr>
+        <p:style>
+          <a:lnRef idx="0">
+            <a:scrgbClr r="0" g="0" b="0"/>
+          </a:lnRef>
+          <a:fillRef idx="0">
+            <a:scrgbClr r="0" g="0" b="0"/>
+          </a:fillRef>
+          <a:effectRef idx="0">
+            <a:scrgbClr r="0" g="0" b="0"/>
+          </a:effectRef>
+          <a:fontRef idx="none"/>
+        </p:style>
+        <p:txBody>
+          <a:bodyPr rot="0" spcFirstLastPara="1" vertOverflow="overflow" horzOverflow="overflow" vert="horz" wrap="square" lIns="45719" tIns="45719" rIns="45719" bIns="45719" numCol="1" spcCol="38100" rtlCol="0" anchor="t">
+            <a:spAutoFit/>
+          </a:bodyPr>
+          <a:lstStyle/>
+          <a:p>
+            <a:pPr marL="0" marR="0" indent="0" algn="l" defTabSz="914400" rtl="0" fontAlgn="auto" latinLnBrk="0" hangingPunct="0">
+              <a:lnSpc>
+                <a:spcPct val="100000"/>
+              </a:lnSpc>
+              <a:spcBef>
+                <a:spcPts val="0"/>
+              </a:spcBef>
+              <a:spcAft>
+                <a:spcPts val="0"/>
+              </a:spcAft>
+              <a:buClrTx/>
+              <a:buSzTx/>
+              <a:buFontTx/>
+              <a:buNone/>
+              <a:tabLst/>
+            </a:pPr>
+            <a:r>
+              <a:rPr lang="zh-CN" altLang="en-US" dirty="0">
+                <a:solidFill>
+                  <a:srgbClr val="3F403E"/>
+                </a:solidFill>
+                <a:latin typeface="微软雅黑 Light"/>
+                <a:ea typeface="微软雅黑 Light"/>
+              </a:rPr>
+              <a:t>昵称：柯基</a:t>
+            </a:r>
+            <a:endParaRPr lang="en-US" altLang="zh-CN" dirty="0">
+              <a:solidFill>
+                <a:srgbClr val="3F403E"/>
+              </a:solidFill>
+              <a:latin typeface="微软雅黑 Light"/>
+              <a:ea typeface="微软雅黑 Light"/>
+            </a:endParaRPr>
+          </a:p>
+          <a:p>
+            <a:pPr marL="0" marR="0" indent="0" algn="l" defTabSz="914400" rtl="0" fontAlgn="auto" latinLnBrk="0" hangingPunct="0">
+              <a:lnSpc>
+                <a:spcPct val="100000"/>
+              </a:lnSpc>
+              <a:spcBef>
+                <a:spcPts val="0"/>
+              </a:spcBef>
+              <a:spcAft>
+                <a:spcPts val="0"/>
+              </a:spcAft>
+              <a:buClrTx/>
+              <a:buSzTx/>
+              <a:buFontTx/>
+              <a:buNone/>
+              <a:tabLst/>
+            </a:pPr>
+            <a:r>
+              <a:rPr lang="zh-CN" altLang="en-US" dirty="0">
+                <a:solidFill>
+                  <a:srgbClr val="3F403E"/>
+                </a:solidFill>
+                <a:latin typeface="微软雅黑 Light"/>
+                <a:ea typeface="微软雅黑 Light"/>
+                <a:sym typeface="微软雅黑 Light"/>
+              </a:rPr>
+              <a:t>专业：法学</a:t>
+            </a:r>
+            <a:endParaRPr lang="en-US" altLang="zh-CN" dirty="0">
+              <a:solidFill>
+                <a:srgbClr val="3F403E"/>
+              </a:solidFill>
+              <a:latin typeface="微软雅黑 Light"/>
+              <a:ea typeface="微软雅黑 Light"/>
+              <a:sym typeface="微软雅黑 Light"/>
+            </a:endParaRPr>
+          </a:p>
+          <a:p>
+            <a:pPr marL="0" marR="0" indent="0" algn="l" defTabSz="914400" rtl="0" fontAlgn="auto" latinLnBrk="0" hangingPunct="0">
+              <a:lnSpc>
+                <a:spcPct val="100000"/>
+              </a:lnSpc>
+              <a:spcBef>
+                <a:spcPts val="0"/>
+              </a:spcBef>
+              <a:spcAft>
+                <a:spcPts val="0"/>
+              </a:spcAft>
+              <a:buClrTx/>
+              <a:buSzTx/>
+              <a:buFontTx/>
+              <a:buNone/>
+              <a:tabLst/>
+            </a:pPr>
+            <a:r>
+              <a:rPr lang="zh-CN" altLang="en-US" dirty="0">
+                <a:solidFill>
+                  <a:srgbClr val="3F403E"/>
+                </a:solidFill>
+                <a:latin typeface="微软雅黑 Light"/>
+                <a:ea typeface="微软雅黑 Light"/>
+              </a:rPr>
+              <a:t>需求：宿舍楼离快递点较远，大件常常又搬不动，常需要找代拿帮忙取快递。对交互要求不高，实用就好。</a:t>
+            </a:r>
+          </a:p>
+        </p:txBody>
+      </p:sp>
+      <p:pic>
+        <p:nvPicPr>
+          <p:cNvPr id="10" name="图片 9">
+            <a:extLst>
+              <a:ext uri="{FF2B5EF4-FFF2-40B4-BE49-F238E27FC236}">
+                <a16:creationId xmlns:a16="http://schemas.microsoft.com/office/drawing/2014/main" id="{0AD3FA24-0D5F-4283-9C8F-F3ACDD37B6AD}"/>
+              </a:ext>
+            </a:extLst>
+          </p:cNvPr>
+          <p:cNvPicPr>
+            <a:picLocks noChangeAspect="1"/>
+          </p:cNvPicPr>
+          <p:nvPr/>
+        </p:nvPicPr>
+        <p:blipFill>
+          <a:blip r:embed="rId3" cstate="print">
+            <a:extLst>
+              <a:ext uri="{28A0092B-C50C-407E-A947-70E740481C1C}">
+                <a14:useLocalDpi xmlns:a14="http://schemas.microsoft.com/office/drawing/2010/main" val="0"/>
+              </a:ext>
+            </a:extLst>
+          </a:blip>
+          <a:stretch>
+            <a:fillRect/>
+          </a:stretch>
+        </p:blipFill>
+        <p:spPr>
+          <a:xfrm>
+            <a:off x="8176181" y="1156355"/>
+            <a:ext cx="1857867" cy="1857867"/>
+          </a:xfrm>
+          <a:prstGeom prst="rect">
+            <a:avLst/>
+          </a:prstGeom>
+        </p:spPr>
+      </p:pic>
+      <p:sp>
+        <p:nvSpPr>
+          <p:cNvPr id="11" name="文本框 10">
+            <a:extLst>
+              <a:ext uri="{FF2B5EF4-FFF2-40B4-BE49-F238E27FC236}">
+                <a16:creationId xmlns:a16="http://schemas.microsoft.com/office/drawing/2014/main" id="{625303BD-DB0F-4413-9ABA-4A7BD4C6C00E}"/>
+              </a:ext>
+            </a:extLst>
+          </p:cNvPr>
+          <p:cNvSpPr txBox="1"/>
+          <p:nvPr/>
+        </p:nvSpPr>
+        <p:spPr>
+          <a:xfrm>
+            <a:off x="8176181" y="3429000"/>
+            <a:ext cx="3465922" cy="1754324"/>
+          </a:xfrm>
+          <a:prstGeom prst="rect">
+            <a:avLst/>
+          </a:prstGeom>
+          <a:noFill/>
+          <a:ln w="12700" cap="flat">
+            <a:noFill/>
+            <a:miter lim="400000"/>
+          </a:ln>
+          <a:effectLst/>
+          <a:sp3d/>
+        </p:spPr>
+        <p:style>
+          <a:lnRef idx="0">
+            <a:scrgbClr r="0" g="0" b="0"/>
+          </a:lnRef>
+          <a:fillRef idx="0">
+            <a:scrgbClr r="0" g="0" b="0"/>
+          </a:fillRef>
+          <a:effectRef idx="0">
+            <a:scrgbClr r="0" g="0" b="0"/>
+          </a:effectRef>
+          <a:fontRef idx="none"/>
+        </p:style>
+        <p:txBody>
+          <a:bodyPr rot="0" spcFirstLastPara="1" vertOverflow="overflow" horzOverflow="overflow" vert="horz" wrap="square" lIns="45719" tIns="45719" rIns="45719" bIns="45719" numCol="1" spcCol="38100" rtlCol="0" anchor="t">
+            <a:spAutoFit/>
+          </a:bodyPr>
+          <a:lstStyle/>
+          <a:p>
+            <a:pPr marL="0" marR="0" indent="0" algn="l" defTabSz="914400" rtl="0" fontAlgn="auto" latinLnBrk="0" hangingPunct="0">
+              <a:lnSpc>
+                <a:spcPct val="100000"/>
+              </a:lnSpc>
+              <a:spcBef>
+                <a:spcPts val="0"/>
+              </a:spcBef>
+              <a:spcAft>
+                <a:spcPts val="0"/>
+              </a:spcAft>
+              <a:buClrTx/>
+              <a:buSzTx/>
+              <a:buFontTx/>
+              <a:buNone/>
+              <a:tabLst/>
+            </a:pPr>
+            <a:r>
+              <a:rPr lang="zh-CN" altLang="en-US" dirty="0">
+                <a:solidFill>
+                  <a:srgbClr val="3F403E"/>
+                </a:solidFill>
+                <a:latin typeface="微软雅黑 Light"/>
+                <a:ea typeface="微软雅黑 Light"/>
+              </a:rPr>
+              <a:t>昵称：素素</a:t>
+            </a:r>
+            <a:endParaRPr lang="en-US" altLang="zh-CN" dirty="0">
+              <a:solidFill>
+                <a:srgbClr val="3F403E"/>
+              </a:solidFill>
+              <a:latin typeface="微软雅黑 Light"/>
+              <a:ea typeface="微软雅黑 Light"/>
+            </a:endParaRPr>
+          </a:p>
+          <a:p>
+            <a:pPr marL="0" marR="0" indent="0" algn="l" defTabSz="914400" rtl="0" fontAlgn="auto" latinLnBrk="0" hangingPunct="0">
+              <a:lnSpc>
+                <a:spcPct val="100000"/>
+              </a:lnSpc>
+              <a:spcBef>
+                <a:spcPts val="0"/>
+              </a:spcBef>
+              <a:spcAft>
+                <a:spcPts val="0"/>
+              </a:spcAft>
+              <a:buClrTx/>
+              <a:buSzTx/>
+              <a:buFontTx/>
+              <a:buNone/>
+              <a:tabLst/>
+            </a:pPr>
+            <a:r>
+              <a:rPr lang="zh-CN" altLang="en-US" dirty="0">
+                <a:solidFill>
+                  <a:srgbClr val="3F403E"/>
+                </a:solidFill>
+                <a:latin typeface="微软雅黑 Light"/>
+                <a:ea typeface="微软雅黑 Light"/>
+                <a:sym typeface="微软雅黑 Light"/>
+              </a:rPr>
+              <a:t>专业：金融学</a:t>
+            </a:r>
+            <a:endParaRPr lang="en-US" altLang="zh-CN" dirty="0">
+              <a:solidFill>
+                <a:srgbClr val="3F403E"/>
+              </a:solidFill>
+              <a:latin typeface="微软雅黑 Light"/>
+              <a:ea typeface="微软雅黑 Light"/>
+              <a:sym typeface="微软雅黑 Light"/>
+            </a:endParaRPr>
+          </a:p>
+          <a:p>
+            <a:pPr marL="0" marR="0" indent="0" algn="l" defTabSz="914400" rtl="0" fontAlgn="auto" latinLnBrk="0" hangingPunct="0">
+              <a:lnSpc>
+                <a:spcPct val="100000"/>
+              </a:lnSpc>
+              <a:spcBef>
+                <a:spcPts val="0"/>
+              </a:spcBef>
+              <a:spcAft>
+                <a:spcPts val="0"/>
+              </a:spcAft>
+              <a:buClrTx/>
+              <a:buSzTx/>
+              <a:buFontTx/>
+              <a:buNone/>
+              <a:tabLst/>
+            </a:pPr>
+            <a:r>
+              <a:rPr lang="zh-CN" altLang="en-US" dirty="0">
+                <a:solidFill>
+                  <a:srgbClr val="3F403E"/>
+                </a:solidFill>
+                <a:latin typeface="微软雅黑 Light"/>
+                <a:ea typeface="微软雅黑 Light"/>
+              </a:rPr>
+              <a:t>需求：学生工作较忙，经常没有时间取快递，有时会没时间去买饭（否则只能点外卖）。希望产品体验较好，用起来舒服。</a:t>
+            </a:r>
+          </a:p>
+        </p:txBody>
+      </p:sp>
+    </p:spTree>
+    <p:extLst>
+      <p:ext uri="{BB962C8B-B14F-4D97-AF65-F5344CB8AC3E}">
+        <p14:creationId xmlns:p14="http://schemas.microsoft.com/office/powerpoint/2010/main" val="4265058226"/>
+      </p:ext>
+    </p:extLst>
+  </p:cSld>
+  <p:clrMapOvr>
+    <a:masterClrMapping/>
+  </p:clrMapOvr>
+  <p:transition spd="med"/>
+  <p:timing>
+    <p:tnLst>
+      <p:par>
+        <p:cTn id="1" dur="indefinite" restart="never" nodeType="tmRoot">
+          <p:childTnLst>
+            <p:seq concurrent="1" nextAc="seek">
+              <p:cTn id="2" dur="indefinite" nodeType="mainSeq">
+                <p:childTnLst>
+                  <p:par>
+                    <p:cTn id="3" fill="hold">
+                      <p:stCondLst>
+                        <p:cond delay="indefinite"/>
+                        <p:cond evt="onBegin" delay="0">
+                          <p:tn val="2"/>
+                        </p:cond>
+                      </p:stCondLst>
+                      <p:childTnLst>
+                        <p:par>
+                          <p:cTn id="4" fill="hold">
+                            <p:stCondLst>
+                              <p:cond delay="0"/>
+                            </p:stCondLst>
+                            <p:childTnLst>
+                              <p:par>
+                                <p:cTn id="5" presetID="2" presetClass="entr" presetSubtype="1" fill="hold" grpId="0" nodeType="afterEffect">
+                                  <p:stCondLst>
+                                    <p:cond delay="0"/>
+                                  </p:stCondLst>
+                                  <p:iterate>
+                                    <p:tmAbs val="0"/>
+                                  </p:iterate>
+                                  <p:childTnLst>
+                                    <p:set>
+                                      <p:cBhvr>
+                                        <p:cTn id="6" fill="hold"/>
+                                        <p:tgtEl>
+                                          <p:spTgt spid="9"/>
+                                        </p:tgtEl>
+                                        <p:attrNameLst>
+                                          <p:attrName>style.visibility</p:attrName>
+                                        </p:attrNameLst>
+                                      </p:cBhvr>
+                                      <p:to>
+                                        <p:strVal val="visible"/>
+                                      </p:to>
+                                    </p:set>
+                                    <p:anim calcmode="lin" valueType="num">
+                                      <p:cBhvr>
+                                        <p:cTn id="7" dur="1000" fill="hold"/>
+                                        <p:tgtEl>
+                                          <p:spTgt spid="9"/>
+                                        </p:tgtEl>
+                                        <p:attrNameLst>
+                                          <p:attrName>ppt_x</p:attrName>
+                                        </p:attrNameLst>
+                                      </p:cBhvr>
+                                      <p:tavLst>
+                                        <p:tav tm="0">
+                                          <p:val>
+                                            <p:strVal val="#ppt_x"/>
+                                          </p:val>
+                                        </p:tav>
+                                        <p:tav tm="100000">
+                                          <p:val>
+                                            <p:strVal val="#ppt_x"/>
+                                          </p:val>
+                                        </p:tav>
+                                      </p:tavLst>
+                                    </p:anim>
+                                    <p:anim calcmode="lin" valueType="num">
+                                      <p:cBhvr>
+                                        <p:cTn id="8" dur="1000" fill="hold"/>
+                                        <p:tgtEl>
+                                          <p:spTgt spid="9"/>
+                                        </p:tgtEl>
+                                        <p:attrNameLst>
+                                          <p:attrName>ppt_y</p:attrName>
+                                        </p:attrNameLst>
+                                      </p:cBhvr>
+                                      <p:tavLst>
+                                        <p:tav tm="0">
+                                          <p:val>
+                                            <p:strVal val="0-#ppt_h/2"/>
+                                          </p:val>
+                                        </p:tav>
+                                        <p:tav tm="100000">
+                                          <p:val>
+                                            <p:strVal val="#ppt_y"/>
+                                          </p:val>
+                                        </p:tav>
+                                      </p:tavLst>
+                                    </p:anim>
+                                  </p:childTnLst>
+                                </p:cTn>
+                              </p:par>
+                            </p:childTnLst>
+                          </p:cTn>
+                        </p:par>
+                      </p:childTnLst>
+                    </p:cTn>
+                  </p:par>
+                </p:childTnLst>
+              </p:cTn>
+              <p:prevCondLst>
+                <p:cond evt="onPrev" delay="0">
+                  <p:tgtEl>
+                    <p:sldTgt/>
+                  </p:tgtEl>
+                </p:cond>
+              </p:prevCondLst>
+              <p:nextCondLst>
+                <p:cond evt="onNext" delay="0">
+                  <p:tgtEl>
+                    <p:sldTgt/>
+                  </p:tgtEl>
+                </p:cond>
+              </p:nextCondLst>
+            </p:seq>
+          </p:childTnLst>
+        </p:cTn>
+      </p:par>
+    </p:tnLst>
+    <p:bldLst>
+      <p:bldP spid="9" grpId="0" animBg="1" advAuto="0"/>
+    </p:bldLst>
+  </p:timing>
+</p:sld>
+</file>
+
+<file path=ppt/slides/slide27.xml><?xml version="1.0" encoding="utf-8"?>
+<p:sld xmlns:a="http://schemas.openxmlformats.org/drawingml/2006/main" xmlns:r="http://schemas.openxmlformats.org/officeDocument/2006/relationships" xmlns:p="http://schemas.openxmlformats.org/presentationml/2006/main">
+  <p:cSld>
+    <p:spTree>
+      <p:nvGrpSpPr>
+        <p:cNvPr id="1" name=""/>
+        <p:cNvGrpSpPr/>
+        <p:nvPr/>
+      </p:nvGrpSpPr>
+      <p:grpSpPr>
+        <a:xfrm>
+          <a:off x="0" y="0"/>
+          <a:ext cx="0" cy="0"/>
+          <a:chOff x="0" y="0"/>
+          <a:chExt cx="0" cy="0"/>
+        </a:xfrm>
+      </p:grpSpPr>
       <p:sp>
         <p:nvSpPr>
           <p:cNvPr id="467" name="矩形 14"/>
@@ -22559,7 +23630,7 @@
 </p:sld>
 </file>
 
-<file path=ppt/slides/slide26.xml><?xml version="1.0" encoding="utf-8"?>
+<file path=ppt/slides/slide28.xml><?xml version="1.0" encoding="utf-8"?>
 <p:sld xmlns:a="http://schemas.openxmlformats.org/drawingml/2006/main" xmlns:r="http://schemas.openxmlformats.org/officeDocument/2006/relationships" xmlns:p="http://schemas.openxmlformats.org/presentationml/2006/main">
   <p:cSld>
     <p:spTree>
@@ -23259,7 +24330,7 @@
 </p:sld>
 </file>
 
-<file path=ppt/slides/slide27.xml><?xml version="1.0" encoding="utf-8"?>
+<file path=ppt/slides/slide29.xml><?xml version="1.0" encoding="utf-8"?>
 <p:sld xmlns:a="http://schemas.openxmlformats.org/drawingml/2006/main" xmlns:r="http://schemas.openxmlformats.org/officeDocument/2006/relationships" xmlns:p="http://schemas.openxmlformats.org/presentationml/2006/main">
   <p:cSld>
     <p:spTree>
@@ -23900,7 +24971,779 @@
 </p:sld>
 </file>
 
-<file path=ppt/slides/slide28.xml><?xml version="1.0" encoding="utf-8"?>
+<file path=ppt/slides/slide3.xml><?xml version="1.0" encoding="utf-8"?>
+<p:sld xmlns:a="http://schemas.openxmlformats.org/drawingml/2006/main" xmlns:r="http://schemas.openxmlformats.org/officeDocument/2006/relationships" xmlns:p="http://schemas.openxmlformats.org/presentationml/2006/main">
+  <p:cSld>
+    <p:spTree>
+      <p:nvGrpSpPr>
+        <p:cNvPr id="1" name=""/>
+        <p:cNvGrpSpPr/>
+        <p:nvPr/>
+      </p:nvGrpSpPr>
+      <p:grpSpPr>
+        <a:xfrm>
+          <a:off x="0" y="0"/>
+          <a:ext cx="0" cy="0"/>
+          <a:chOff x="0" y="0"/>
+          <a:chExt cx="0" cy="0"/>
+        </a:xfrm>
+      </p:grpSpPr>
+      <p:sp>
+        <p:nvSpPr>
+          <p:cNvPr id="295" name="矩形 9"/>
+          <p:cNvSpPr/>
+          <p:nvPr/>
+        </p:nvSpPr>
+        <p:spPr>
+          <a:xfrm>
+            <a:off x="1277957" y="1094341"/>
+            <a:ext cx="9636084" cy="4702368"/>
+          </a:xfrm>
+          <a:prstGeom prst="rect">
+            <a:avLst/>
+          </a:prstGeom>
+          <a:ln w="25400">
+            <a:solidFill>
+              <a:srgbClr val="3F403E"/>
+            </a:solidFill>
+            <a:miter/>
+          </a:ln>
+        </p:spPr>
+        <p:txBody>
+          <a:bodyPr lIns="45719" rIns="45719" anchor="ctr"/>
+          <a:lstStyle/>
+          <a:p>
+            <a:pPr algn="ctr">
+              <a:defRPr>
+                <a:solidFill>
+                  <a:srgbClr val="FFFFFF"/>
+                </a:solidFill>
+              </a:defRPr>
+            </a:pPr>
+            <a:endParaRPr/>
+          </a:p>
+        </p:txBody>
+      </p:sp>
+      <p:sp>
+        <p:nvSpPr>
+          <p:cNvPr id="296" name="矩形 1"/>
+          <p:cNvSpPr/>
+          <p:nvPr/>
+        </p:nvSpPr>
+        <p:spPr>
+          <a:xfrm>
+            <a:off x="3742063" y="0"/>
+            <a:ext cx="4707874" cy="6858000"/>
+          </a:xfrm>
+          <a:prstGeom prst="rect">
+            <a:avLst/>
+          </a:prstGeom>
+          <a:solidFill>
+            <a:srgbClr val="F9B359"/>
+          </a:solidFill>
+          <a:ln w="12700">
+            <a:miter lim="400000"/>
+          </a:ln>
+          <a:effectLst>
+            <a:outerShdw blurRad="127000" rotWithShape="0">
+              <a:srgbClr val="D5D7D5">
+                <a:alpha val="40000"/>
+              </a:srgbClr>
+            </a:outerShdw>
+          </a:effectLst>
+        </p:spPr>
+        <p:txBody>
+          <a:bodyPr lIns="45719" rIns="45719" anchor="ctr"/>
+          <a:lstStyle/>
+          <a:p>
+            <a:pPr algn="ctr">
+              <a:defRPr>
+                <a:solidFill>
+                  <a:srgbClr val="FFFFFF"/>
+                </a:solidFill>
+              </a:defRPr>
+            </a:pPr>
+            <a:endParaRPr/>
+          </a:p>
+        </p:txBody>
+      </p:sp>
+      <p:sp>
+        <p:nvSpPr>
+          <p:cNvPr id="297" name="矩形 2"/>
+          <p:cNvSpPr/>
+          <p:nvPr/>
+        </p:nvSpPr>
+        <p:spPr>
+          <a:xfrm>
+            <a:off x="1836144" y="1652529"/>
+            <a:ext cx="8519712" cy="3585991"/>
+          </a:xfrm>
+          <a:prstGeom prst="rect">
+            <a:avLst/>
+          </a:prstGeom>
+          <a:solidFill>
+            <a:srgbClr val="FCFCFD"/>
+          </a:solidFill>
+          <a:ln w="12700">
+            <a:miter lim="400000"/>
+          </a:ln>
+          <a:effectLst>
+            <a:outerShdw blurRad="254000" dist="38100" dir="5400000" rotWithShape="0">
+              <a:srgbClr val="969F98">
+                <a:alpha val="20000"/>
+              </a:srgbClr>
+            </a:outerShdw>
+          </a:effectLst>
+        </p:spPr>
+        <p:txBody>
+          <a:bodyPr lIns="45719" rIns="45719" anchor="ctr"/>
+          <a:lstStyle/>
+          <a:p>
+            <a:pPr algn="ctr">
+              <a:defRPr>
+                <a:solidFill>
+                  <a:srgbClr val="FFFFFF"/>
+                </a:solidFill>
+              </a:defRPr>
+            </a:pPr>
+            <a:endParaRPr/>
+          </a:p>
+        </p:txBody>
+      </p:sp>
+      <p:sp>
+        <p:nvSpPr>
+          <p:cNvPr id="298" name="文本框 4"/>
+          <p:cNvSpPr txBox="1"/>
+          <p:nvPr/>
+        </p:nvSpPr>
+        <p:spPr>
+          <a:xfrm>
+            <a:off x="2508173" y="3220586"/>
+            <a:ext cx="7175654" cy="1063176"/>
+          </a:xfrm>
+          <a:prstGeom prst="rect">
+            <a:avLst/>
+          </a:prstGeom>
+          <a:ln w="12700">
+            <a:miter lim="400000"/>
+          </a:ln>
+          <a:extLst>
+            <a:ext uri="{C572A759-6A51-4108-AA02-DFA0A04FC94B}">
+              <ma14:wrappingTextBoxFlag xmlns="" xmlns:ma14="http://schemas.microsoft.com/office/mac/drawingml/2011/main" val="1"/>
+            </a:ext>
+          </a:extLst>
+        </p:spPr>
+        <p:txBody>
+          <a:bodyPr lIns="45719" rIns="45719">
+            <a:spAutoFit/>
+          </a:bodyPr>
+          <a:lstStyle>
+            <a:lvl1pPr algn="ctr">
+              <a:lnSpc>
+                <a:spcPct val="120000"/>
+              </a:lnSpc>
+              <a:defRPr>
+                <a:solidFill>
+                  <a:srgbClr val="3F403E"/>
+                </a:solidFill>
+                <a:latin typeface="微软雅黑 Light"/>
+                <a:ea typeface="微软雅黑 Light"/>
+                <a:cs typeface="微软雅黑 Light"/>
+                <a:sym typeface="微软雅黑 Light"/>
+              </a:defRPr>
+            </a:lvl1pPr>
+          </a:lstStyle>
+          <a:p>
+            <a:r>
+              <a:rPr lang="zh-CN" altLang="zh-CN" dirty="0"/>
+              <a:t>标题：《软件需求规格说明》</a:t>
+            </a:r>
+          </a:p>
+          <a:p>
+            <a:r>
+              <a:rPr lang="zh-CN" altLang="zh-CN" dirty="0"/>
+              <a:t>简称：</a:t>
+            </a:r>
+            <a:r>
+              <a:rPr lang="en-US" altLang="zh-CN" dirty="0"/>
+              <a:t>SAS</a:t>
+            </a:r>
+            <a:endParaRPr lang="zh-CN" altLang="zh-CN" dirty="0"/>
+          </a:p>
+          <a:p>
+            <a:r>
+              <a:rPr lang="zh-CN" altLang="zh-CN" dirty="0"/>
+              <a:t>版本号：</a:t>
+            </a:r>
+            <a:r>
+              <a:rPr lang="en-US" altLang="zh-CN" dirty="0"/>
+              <a:t>v0.5</a:t>
+            </a:r>
+            <a:endParaRPr lang="zh-CN" altLang="zh-CN" dirty="0"/>
+          </a:p>
+        </p:txBody>
+      </p:sp>
+      <p:sp>
+        <p:nvSpPr>
+          <p:cNvPr id="299" name="文本框 5"/>
+          <p:cNvSpPr txBox="1"/>
+          <p:nvPr/>
+        </p:nvSpPr>
+        <p:spPr>
+          <a:xfrm>
+            <a:off x="5588175" y="2288543"/>
+            <a:ext cx="1015661" cy="646331"/>
+          </a:xfrm>
+          <a:prstGeom prst="rect">
+            <a:avLst/>
+          </a:prstGeom>
+          <a:ln w="12700">
+            <a:miter lim="400000"/>
+          </a:ln>
+          <a:extLst>
+            <a:ext uri="{C572A759-6A51-4108-AA02-DFA0A04FC94B}">
+              <ma14:wrappingTextBoxFlag xmlns="" xmlns:ma14="http://schemas.microsoft.com/office/mac/drawingml/2011/main" val="1"/>
+            </a:ext>
+          </a:extLst>
+        </p:spPr>
+        <p:txBody>
+          <a:bodyPr wrap="none" lIns="45719" rIns="45719">
+            <a:spAutoFit/>
+          </a:bodyPr>
+          <a:lstStyle>
+            <a:lvl1pPr algn="ctr">
+              <a:defRPr sz="3600" b="1">
+                <a:solidFill>
+                  <a:srgbClr val="3F403E"/>
+                </a:solidFill>
+                <a:latin typeface="微软雅黑"/>
+                <a:ea typeface="微软雅黑"/>
+                <a:cs typeface="微软雅黑"/>
+                <a:sym typeface="微软雅黑"/>
+              </a:defRPr>
+            </a:lvl1pPr>
+          </a:lstStyle>
+          <a:p>
+            <a:r>
+              <a:rPr lang="zh-CN" altLang="en-US" dirty="0"/>
+              <a:t>标识</a:t>
+            </a:r>
+            <a:endParaRPr dirty="0"/>
+          </a:p>
+        </p:txBody>
+      </p:sp>
+      <p:sp>
+        <p:nvSpPr>
+          <p:cNvPr id="300" name="直接连接符 6"/>
+          <p:cNvSpPr/>
+          <p:nvPr/>
+        </p:nvSpPr>
+        <p:spPr>
+          <a:xfrm flipH="1" flipV="1">
+            <a:off x="4095991" y="3065335"/>
+            <a:ext cx="4000016" cy="1"/>
+          </a:xfrm>
+          <a:prstGeom prst="line">
+            <a:avLst/>
+          </a:prstGeom>
+          <a:ln w="6350">
+            <a:solidFill>
+              <a:srgbClr val="969F98">
+                <a:alpha val="50000"/>
+              </a:srgbClr>
+            </a:solidFill>
+            <a:miter/>
+          </a:ln>
+        </p:spPr>
+        <p:txBody>
+          <a:bodyPr lIns="45719" rIns="45719"/>
+          <a:lstStyle/>
+          <a:p>
+            <a:endParaRPr/>
+          </a:p>
+        </p:txBody>
+      </p:sp>
+      <p:pic>
+        <p:nvPicPr>
+          <p:cNvPr id="8" name="图片 7">
+            <a:extLst>
+              <a:ext uri="{FF2B5EF4-FFF2-40B4-BE49-F238E27FC236}">
+                <a16:creationId xmlns:a16="http://schemas.microsoft.com/office/drawing/2014/main" id="{1760666A-8C83-4EF2-B0D7-90C0F4534C1D}"/>
+              </a:ext>
+            </a:extLst>
+          </p:cNvPr>
+          <p:cNvPicPr>
+            <a:picLocks noChangeAspect="1"/>
+          </p:cNvPicPr>
+          <p:nvPr/>
+        </p:nvPicPr>
+        <p:blipFill>
+          <a:blip r:embed="rId2" cstate="print">
+            <a:extLst>
+              <a:ext uri="{28A0092B-C50C-407E-A947-70E740481C1C}">
+                <a14:useLocalDpi xmlns:a14="http://schemas.microsoft.com/office/drawing/2010/main" val="0"/>
+              </a:ext>
+            </a:extLst>
+          </a:blip>
+          <a:stretch>
+            <a:fillRect/>
+          </a:stretch>
+        </p:blipFill>
+        <p:spPr>
+          <a:xfrm>
+            <a:off x="0" y="0"/>
+            <a:ext cx="701608" cy="701608"/>
+          </a:xfrm>
+          <a:prstGeom prst="rect">
+            <a:avLst/>
+          </a:prstGeom>
+        </p:spPr>
+      </p:pic>
+    </p:spTree>
+    <p:extLst>
+      <p:ext uri="{BB962C8B-B14F-4D97-AF65-F5344CB8AC3E}">
+        <p14:creationId xmlns:p14="http://schemas.microsoft.com/office/powerpoint/2010/main" val="1656238935"/>
+      </p:ext>
+    </p:extLst>
+  </p:cSld>
+  <p:clrMapOvr>
+    <a:masterClrMapping/>
+  </p:clrMapOvr>
+  <mc:AlternateContent xmlns:mc="http://schemas.openxmlformats.org/markup-compatibility/2006" xmlns:p14="http://schemas.microsoft.com/office/powerpoint/2010/main">
+    <mc:Choice Requires="p14">
+      <p:transition spd="slow" p14:dur="1200" advClick="0" advTm="8000">
+        <p:push dir="u"/>
+      </p:transition>
+    </mc:Choice>
+    <mc:Fallback xmlns="">
+      <p:transition spd="slow">
+        <p:fade/>
+      </p:transition>
+    </mc:Fallback>
+  </mc:AlternateContent>
+  <p:timing>
+    <p:tnLst>
+      <p:par>
+        <p:cTn id="1" dur="indefinite" restart="never" fill="hold" nodeType="tmRoot">
+          <p:childTnLst>
+            <p:seq concurrent="1" prevAc="none" nextAc="seek">
+              <p:cTn id="2" dur="indefinite" fill="hold" nodeType="mainSeq">
+                <p:childTnLst>
+                  <p:par>
+                    <p:cTn id="3" fill="hold">
+                      <p:stCondLst>
+                        <p:cond delay="indefinite"/>
+                        <p:cond evt="onBegin" delay="0">
+                          <p:tn val="2"/>
+                        </p:cond>
+                      </p:stCondLst>
+                      <p:childTnLst>
+                        <p:par>
+                          <p:cTn id="4" fill="hold">
+                            <p:stCondLst>
+                              <p:cond delay="0"/>
+                            </p:stCondLst>
+                            <p:childTnLst>
+                              <p:par>
+                                <p:cTn id="5" presetID="2" presetClass="entr" presetSubtype="1" fill="hold" grpId="0" nodeType="afterEffect">
+                                  <p:stCondLst>
+                                    <p:cond delay="0"/>
+                                  </p:stCondLst>
+                                  <p:iterate>
+                                    <p:tmAbs val="0"/>
+                                  </p:iterate>
+                                  <p:childTnLst>
+                                    <p:set>
+                                      <p:cBhvr>
+                                        <p:cTn id="6" fill="hold"/>
+                                        <p:tgtEl>
+                                          <p:spTgt spid="296"/>
+                                        </p:tgtEl>
+                                        <p:attrNameLst>
+                                          <p:attrName>style.visibility</p:attrName>
+                                        </p:attrNameLst>
+                                      </p:cBhvr>
+                                      <p:to>
+                                        <p:strVal val="visible"/>
+                                      </p:to>
+                                    </p:set>
+                                    <p:anim calcmode="lin" valueType="num">
+                                      <p:cBhvr>
+                                        <p:cTn id="7" dur="1000" fill="hold"/>
+                                        <p:tgtEl>
+                                          <p:spTgt spid="296"/>
+                                        </p:tgtEl>
+                                        <p:attrNameLst>
+                                          <p:attrName>ppt_x</p:attrName>
+                                        </p:attrNameLst>
+                                      </p:cBhvr>
+                                      <p:tavLst>
+                                        <p:tav tm="0">
+                                          <p:val>
+                                            <p:strVal val="#ppt_x"/>
+                                          </p:val>
+                                        </p:tav>
+                                        <p:tav tm="100000">
+                                          <p:val>
+                                            <p:strVal val="#ppt_x"/>
+                                          </p:val>
+                                        </p:tav>
+                                      </p:tavLst>
+                                    </p:anim>
+                                    <p:anim calcmode="lin" valueType="num">
+                                      <p:cBhvr>
+                                        <p:cTn id="8" dur="1000" fill="hold"/>
+                                        <p:tgtEl>
+                                          <p:spTgt spid="296"/>
+                                        </p:tgtEl>
+                                        <p:attrNameLst>
+                                          <p:attrName>ppt_y</p:attrName>
+                                        </p:attrNameLst>
+                                      </p:cBhvr>
+                                      <p:tavLst>
+                                        <p:tav tm="0">
+                                          <p:val>
+                                            <p:strVal val="0-#ppt_h/2"/>
+                                          </p:val>
+                                        </p:tav>
+                                        <p:tav tm="100000">
+                                          <p:val>
+                                            <p:strVal val="#ppt_y"/>
+                                          </p:val>
+                                        </p:tav>
+                                      </p:tavLst>
+                                    </p:anim>
+                                  </p:childTnLst>
+                                </p:cTn>
+                              </p:par>
+                            </p:childTnLst>
+                          </p:cTn>
+                        </p:par>
+                        <p:par>
+                          <p:cTn id="9" fill="hold">
+                            <p:stCondLst>
+                              <p:cond delay="1000"/>
+                            </p:stCondLst>
+                            <p:childTnLst>
+                              <p:par>
+                                <p:cTn id="10" presetID="9" presetClass="entr" fill="hold" grpId="0" nodeType="afterEffect">
+                                  <p:stCondLst>
+                                    <p:cond delay="0"/>
+                                  </p:stCondLst>
+                                  <p:iterate>
+                                    <p:tmAbs val="0"/>
+                                  </p:iterate>
+                                  <p:childTnLst>
+                                    <p:set>
+                                      <p:cBhvr>
+                                        <p:cTn id="11" fill="hold"/>
+                                        <p:tgtEl>
+                                          <p:spTgt spid="295"/>
+                                        </p:tgtEl>
+                                        <p:attrNameLst>
+                                          <p:attrName>style.visibility</p:attrName>
+                                        </p:attrNameLst>
+                                      </p:cBhvr>
+                                      <p:to>
+                                        <p:strVal val="visible"/>
+                                      </p:to>
+                                    </p:set>
+                                    <p:animEffect transition="in" filter="dissolve">
+                                      <p:cBhvr>
+                                        <p:cTn id="12" dur="1000"/>
+                                        <p:tgtEl>
+                                          <p:spTgt spid="295"/>
+                                        </p:tgtEl>
+                                      </p:cBhvr>
+                                    </p:animEffect>
+                                  </p:childTnLst>
+                                </p:cTn>
+                              </p:par>
+                            </p:childTnLst>
+                          </p:cTn>
+                        </p:par>
+                        <p:par>
+                          <p:cTn id="13" fill="hold">
+                            <p:stCondLst>
+                              <p:cond delay="2000"/>
+                            </p:stCondLst>
+                            <p:childTnLst>
+                              <p:par>
+                                <p:cTn id="14" presetID="2" presetClass="entr" presetSubtype="4" fill="hold" grpId="0" nodeType="afterEffect">
+                                  <p:stCondLst>
+                                    <p:cond delay="0"/>
+                                  </p:stCondLst>
+                                  <p:iterate>
+                                    <p:tmAbs val="0"/>
+                                  </p:iterate>
+                                  <p:childTnLst>
+                                    <p:set>
+                                      <p:cBhvr>
+                                        <p:cTn id="15" fill="hold"/>
+                                        <p:tgtEl>
+                                          <p:spTgt spid="297"/>
+                                        </p:tgtEl>
+                                        <p:attrNameLst>
+                                          <p:attrName>style.visibility</p:attrName>
+                                        </p:attrNameLst>
+                                      </p:cBhvr>
+                                      <p:to>
+                                        <p:strVal val="visible"/>
+                                      </p:to>
+                                    </p:set>
+                                    <p:anim calcmode="lin" valueType="num">
+                                      <p:cBhvr>
+                                        <p:cTn id="16" dur="1000" fill="hold"/>
+                                        <p:tgtEl>
+                                          <p:spTgt spid="297"/>
+                                        </p:tgtEl>
+                                        <p:attrNameLst>
+                                          <p:attrName>ppt_x</p:attrName>
+                                        </p:attrNameLst>
+                                      </p:cBhvr>
+                                      <p:tavLst>
+                                        <p:tav tm="0">
+                                          <p:val>
+                                            <p:strVal val="#ppt_x"/>
+                                          </p:val>
+                                        </p:tav>
+                                        <p:tav tm="100000">
+                                          <p:val>
+                                            <p:strVal val="#ppt_x"/>
+                                          </p:val>
+                                        </p:tav>
+                                      </p:tavLst>
+                                    </p:anim>
+                                    <p:anim calcmode="lin" valueType="num">
+                                      <p:cBhvr>
+                                        <p:cTn id="17" dur="1000" fill="hold"/>
+                                        <p:tgtEl>
+                                          <p:spTgt spid="297"/>
+                                        </p:tgtEl>
+                                        <p:attrNameLst>
+                                          <p:attrName>ppt_y</p:attrName>
+                                        </p:attrNameLst>
+                                      </p:cBhvr>
+                                      <p:tavLst>
+                                        <p:tav tm="0">
+                                          <p:val>
+                                            <p:strVal val="1+#ppt_h/2"/>
+                                          </p:val>
+                                        </p:tav>
+                                        <p:tav tm="100000">
+                                          <p:val>
+                                            <p:strVal val="#ppt_y"/>
+                                          </p:val>
+                                        </p:tav>
+                                      </p:tavLst>
+                                    </p:anim>
+                                  </p:childTnLst>
+                                </p:cTn>
+                              </p:par>
+                            </p:childTnLst>
+                          </p:cTn>
+                        </p:par>
+                        <p:par>
+                          <p:cTn id="18" fill="hold">
+                            <p:stCondLst>
+                              <p:cond delay="3000"/>
+                            </p:stCondLst>
+                            <p:childTnLst>
+                              <p:par>
+                                <p:cTn id="19" presetID="9" presetClass="entr" fill="hold" grpId="0" nodeType="afterEffect">
+                                  <p:stCondLst>
+                                    <p:cond delay="0"/>
+                                  </p:stCondLst>
+                                  <p:iterate>
+                                    <p:tmAbs val="0"/>
+                                  </p:iterate>
+                                  <p:childTnLst>
+                                    <p:set>
+                                      <p:cBhvr>
+                                        <p:cTn id="20" fill="hold"/>
+                                        <p:tgtEl>
+                                          <p:spTgt spid="299"/>
+                                        </p:tgtEl>
+                                        <p:attrNameLst>
+                                          <p:attrName>style.visibility</p:attrName>
+                                        </p:attrNameLst>
+                                      </p:cBhvr>
+                                      <p:to>
+                                        <p:strVal val="visible"/>
+                                      </p:to>
+                                    </p:set>
+                                    <p:animEffect transition="in" filter="dissolve">
+                                      <p:cBhvr>
+                                        <p:cTn id="21" dur="500"/>
+                                        <p:tgtEl>
+                                          <p:spTgt spid="299"/>
+                                        </p:tgtEl>
+                                      </p:cBhvr>
+                                    </p:animEffect>
+                                  </p:childTnLst>
+                                </p:cTn>
+                              </p:par>
+                            </p:childTnLst>
+                          </p:cTn>
+                        </p:par>
+                        <p:par>
+                          <p:cTn id="22" fill="hold">
+                            <p:stCondLst>
+                              <p:cond delay="3500"/>
+                            </p:stCondLst>
+                            <p:childTnLst>
+                              <p:par>
+                                <p:cTn id="23" presetID="22" presetClass="entr" presetSubtype="8" fill="hold" grpId="0" nodeType="afterEffect">
+                                  <p:stCondLst>
+                                    <p:cond delay="0"/>
+                                  </p:stCondLst>
+                                  <p:iterate>
+                                    <p:tmAbs val="0"/>
+                                  </p:iterate>
+                                  <p:childTnLst>
+                                    <p:set>
+                                      <p:cBhvr>
+                                        <p:cTn id="24" fill="hold"/>
+                                        <p:tgtEl>
+                                          <p:spTgt spid="300"/>
+                                        </p:tgtEl>
+                                        <p:attrNameLst>
+                                          <p:attrName>style.visibility</p:attrName>
+                                        </p:attrNameLst>
+                                      </p:cBhvr>
+                                      <p:to>
+                                        <p:strVal val="visible"/>
+                                      </p:to>
+                                    </p:set>
+                                    <p:animEffect transition="in" filter="wipe(left)">
+                                      <p:cBhvr>
+                                        <p:cTn id="25" dur="500"/>
+                                        <p:tgtEl>
+                                          <p:spTgt spid="300"/>
+                                        </p:tgtEl>
+                                      </p:cBhvr>
+                                    </p:animEffect>
+                                  </p:childTnLst>
+                                </p:cTn>
+                              </p:par>
+                            </p:childTnLst>
+                          </p:cTn>
+                        </p:par>
+                        <p:par>
+                          <p:cTn id="26" fill="hold">
+                            <p:stCondLst>
+                              <p:cond delay="4000"/>
+                            </p:stCondLst>
+                            <p:childTnLst>
+                              <p:par>
+                                <p:cTn id="27" presetID="22" presetClass="entr" presetSubtype="1" fill="hold" grpId="0" nodeType="afterEffect">
+                                  <p:stCondLst>
+                                    <p:cond delay="0"/>
+                                  </p:stCondLst>
+                                  <p:iterate>
+                                    <p:tmAbs val="0"/>
+                                  </p:iterate>
+                                  <p:childTnLst>
+                                    <p:set>
+                                      <p:cBhvr>
+                                        <p:cTn id="28" fill="hold"/>
+                                        <p:tgtEl>
+                                          <p:spTgt spid="298"/>
+                                        </p:tgtEl>
+                                        <p:attrNameLst>
+                                          <p:attrName>style.visibility</p:attrName>
+                                        </p:attrNameLst>
+                                      </p:cBhvr>
+                                      <p:to>
+                                        <p:strVal val="visible"/>
+                                      </p:to>
+                                    </p:set>
+                                    <p:animEffect transition="in" filter="wipe(up)">
+                                      <p:cBhvr>
+                                        <p:cTn id="29" dur="1000"/>
+                                        <p:tgtEl>
+                                          <p:spTgt spid="298"/>
+                                        </p:tgtEl>
+                                      </p:cBhvr>
+                                    </p:animEffect>
+                                  </p:childTnLst>
+                                </p:cTn>
+                              </p:par>
+                              <p:par>
+                                <p:cTn id="30" presetID="10" presetClass="entr" presetSubtype="0" fill="hold" nodeType="withEffect">
+                                  <p:stCondLst>
+                                    <p:cond delay="0"/>
+                                  </p:stCondLst>
+                                  <p:childTnLst>
+                                    <p:set>
+                                      <p:cBhvr>
+                                        <p:cTn id="31" dur="1" fill="hold">
+                                          <p:stCondLst>
+                                            <p:cond delay="0"/>
+                                          </p:stCondLst>
+                                        </p:cTn>
+                                        <p:tgtEl>
+                                          <p:spTgt spid="8"/>
+                                        </p:tgtEl>
+                                        <p:attrNameLst>
+                                          <p:attrName>style.visibility</p:attrName>
+                                        </p:attrNameLst>
+                                      </p:cBhvr>
+                                      <p:to>
+                                        <p:strVal val="visible"/>
+                                      </p:to>
+                                    </p:set>
+                                    <p:animEffect transition="in" filter="fade">
+                                      <p:cBhvr>
+                                        <p:cTn id="32" dur="1000"/>
+                                        <p:tgtEl>
+                                          <p:spTgt spid="8"/>
+                                        </p:tgtEl>
+                                      </p:cBhvr>
+                                    </p:animEffect>
+                                  </p:childTnLst>
+                                </p:cTn>
+                              </p:par>
+                            </p:childTnLst>
+                          </p:cTn>
+                        </p:par>
+                      </p:childTnLst>
+                    </p:cTn>
+                  </p:par>
+                </p:childTnLst>
+              </p:cTn>
+              <p:prevCondLst>
+                <p:cond evt="onPrev" delay="0">
+                  <p:tgtEl>
+                    <p:sldTgt/>
+                  </p:tgtEl>
+                </p:cond>
+              </p:prevCondLst>
+              <p:nextCondLst>
+                <p:cond evt="onNext" delay="0">
+                  <p:tgtEl>
+                    <p:sldTgt/>
+                  </p:tgtEl>
+                </p:cond>
+              </p:nextCondLst>
+            </p:seq>
+          </p:childTnLst>
+        </p:cTn>
+      </p:par>
+    </p:tnLst>
+    <p:bldLst>
+      <p:bldP spid="295" grpId="0" animBg="1" advAuto="0"/>
+      <p:bldP spid="296" grpId="0" animBg="1" advAuto="0"/>
+      <p:bldP spid="297" grpId="0" animBg="1" advAuto="0"/>
+      <p:bldP spid="298" grpId="0" animBg="1" advAuto="0"/>
+      <p:bldP spid="299" grpId="0" animBg="1" advAuto="0"/>
+      <p:bldP spid="300" grpId="0" animBg="1" advAuto="0"/>
+    </p:bldLst>
+  </p:timing>
+</p:sld>
+</file>
+
+<file path=ppt/slides/slide30.xml><?xml version="1.0" encoding="utf-8"?>
 <p:sld xmlns:a="http://schemas.openxmlformats.org/drawingml/2006/main" xmlns:r="http://schemas.openxmlformats.org/officeDocument/2006/relationships" xmlns:p="http://schemas.openxmlformats.org/presentationml/2006/main">
   <p:cSld>
     <p:spTree>
@@ -24044,23 +25887,22 @@
           <a:p>
             <a:pPr algn="ctr"/>
             <a:r>
-              <a:rPr lang="en-US" altLang="zh-CN" dirty="0" smtClean="0"/>
+              <a:rPr lang="en-US" altLang="zh-CN" dirty="0"/>
               <a:t>20190407</a:t>
             </a:r>
+          </a:p>
+          <a:p>
+            <a:pPr algn="ctr"/>
+            <a:r>
+              <a:rPr lang="zh-CN" altLang="en-US" dirty="0"/>
+              <a:t>会议记录</a:t>
+            </a:r>
             <a:endParaRPr lang="en-US" altLang="zh-CN" dirty="0"/>
           </a:p>
           <a:p>
             <a:pPr algn="ctr"/>
             <a:r>
-              <a:rPr lang="zh-CN" altLang="en-US" dirty="0" smtClean="0"/>
-              <a:t>会议记录</a:t>
-            </a:r>
-            <a:endParaRPr lang="en-US" altLang="zh-CN" dirty="0" smtClean="0"/>
-          </a:p>
-          <a:p>
-            <a:pPr algn="ctr"/>
-            <a:r>
-              <a:rPr lang="zh-CN" altLang="en-US" dirty="0" smtClean="0">
+              <a:rPr lang="zh-CN" altLang="en-US" dirty="0">
                 <a:hlinkClick r:id="rId4" action="ppaction://hlinkfile"/>
               </a:rPr>
               <a:t>录音</a:t>
@@ -24235,7 +26077,7 @@
 </p:sld>
 </file>
 
-<file path=ppt/slides/slide29.xml><?xml version="1.0" encoding="utf-8"?>
+<file path=ppt/slides/slide31.xml><?xml version="1.0" encoding="utf-8"?>
 <p:sld xmlns:a="http://schemas.openxmlformats.org/drawingml/2006/main" xmlns:r="http://schemas.openxmlformats.org/officeDocument/2006/relationships" xmlns:p="http://schemas.openxmlformats.org/presentationml/2006/main">
   <p:cSld>
     <p:spTree>
@@ -24876,779 +26718,7 @@
 </p:sld>
 </file>
 
-<file path=ppt/slides/slide3.xml><?xml version="1.0" encoding="utf-8"?>
-<p:sld xmlns:a="http://schemas.openxmlformats.org/drawingml/2006/main" xmlns:r="http://schemas.openxmlformats.org/officeDocument/2006/relationships" xmlns:p="http://schemas.openxmlformats.org/presentationml/2006/main">
-  <p:cSld>
-    <p:spTree>
-      <p:nvGrpSpPr>
-        <p:cNvPr id="1" name=""/>
-        <p:cNvGrpSpPr/>
-        <p:nvPr/>
-      </p:nvGrpSpPr>
-      <p:grpSpPr>
-        <a:xfrm>
-          <a:off x="0" y="0"/>
-          <a:ext cx="0" cy="0"/>
-          <a:chOff x="0" y="0"/>
-          <a:chExt cx="0" cy="0"/>
-        </a:xfrm>
-      </p:grpSpPr>
-      <p:sp>
-        <p:nvSpPr>
-          <p:cNvPr id="295" name="矩形 9"/>
-          <p:cNvSpPr/>
-          <p:nvPr/>
-        </p:nvSpPr>
-        <p:spPr>
-          <a:xfrm>
-            <a:off x="1277957" y="1094341"/>
-            <a:ext cx="9636084" cy="4702368"/>
-          </a:xfrm>
-          <a:prstGeom prst="rect">
-            <a:avLst/>
-          </a:prstGeom>
-          <a:ln w="25400">
-            <a:solidFill>
-              <a:srgbClr val="3F403E"/>
-            </a:solidFill>
-            <a:miter/>
-          </a:ln>
-        </p:spPr>
-        <p:txBody>
-          <a:bodyPr lIns="45719" rIns="45719" anchor="ctr"/>
-          <a:lstStyle/>
-          <a:p>
-            <a:pPr algn="ctr">
-              <a:defRPr>
-                <a:solidFill>
-                  <a:srgbClr val="FFFFFF"/>
-                </a:solidFill>
-              </a:defRPr>
-            </a:pPr>
-            <a:endParaRPr/>
-          </a:p>
-        </p:txBody>
-      </p:sp>
-      <p:sp>
-        <p:nvSpPr>
-          <p:cNvPr id="296" name="矩形 1"/>
-          <p:cNvSpPr/>
-          <p:nvPr/>
-        </p:nvSpPr>
-        <p:spPr>
-          <a:xfrm>
-            <a:off x="3742063" y="0"/>
-            <a:ext cx="4707874" cy="6858000"/>
-          </a:xfrm>
-          <a:prstGeom prst="rect">
-            <a:avLst/>
-          </a:prstGeom>
-          <a:solidFill>
-            <a:srgbClr val="F9B359"/>
-          </a:solidFill>
-          <a:ln w="12700">
-            <a:miter lim="400000"/>
-          </a:ln>
-          <a:effectLst>
-            <a:outerShdw blurRad="127000" rotWithShape="0">
-              <a:srgbClr val="D5D7D5">
-                <a:alpha val="40000"/>
-              </a:srgbClr>
-            </a:outerShdw>
-          </a:effectLst>
-        </p:spPr>
-        <p:txBody>
-          <a:bodyPr lIns="45719" rIns="45719" anchor="ctr"/>
-          <a:lstStyle/>
-          <a:p>
-            <a:pPr algn="ctr">
-              <a:defRPr>
-                <a:solidFill>
-                  <a:srgbClr val="FFFFFF"/>
-                </a:solidFill>
-              </a:defRPr>
-            </a:pPr>
-            <a:endParaRPr/>
-          </a:p>
-        </p:txBody>
-      </p:sp>
-      <p:sp>
-        <p:nvSpPr>
-          <p:cNvPr id="297" name="矩形 2"/>
-          <p:cNvSpPr/>
-          <p:nvPr/>
-        </p:nvSpPr>
-        <p:spPr>
-          <a:xfrm>
-            <a:off x="1836144" y="1652529"/>
-            <a:ext cx="8519712" cy="3585991"/>
-          </a:xfrm>
-          <a:prstGeom prst="rect">
-            <a:avLst/>
-          </a:prstGeom>
-          <a:solidFill>
-            <a:srgbClr val="FCFCFD"/>
-          </a:solidFill>
-          <a:ln w="12700">
-            <a:miter lim="400000"/>
-          </a:ln>
-          <a:effectLst>
-            <a:outerShdw blurRad="254000" dist="38100" dir="5400000" rotWithShape="0">
-              <a:srgbClr val="969F98">
-                <a:alpha val="20000"/>
-              </a:srgbClr>
-            </a:outerShdw>
-          </a:effectLst>
-        </p:spPr>
-        <p:txBody>
-          <a:bodyPr lIns="45719" rIns="45719" anchor="ctr"/>
-          <a:lstStyle/>
-          <a:p>
-            <a:pPr algn="ctr">
-              <a:defRPr>
-                <a:solidFill>
-                  <a:srgbClr val="FFFFFF"/>
-                </a:solidFill>
-              </a:defRPr>
-            </a:pPr>
-            <a:endParaRPr/>
-          </a:p>
-        </p:txBody>
-      </p:sp>
-      <p:sp>
-        <p:nvSpPr>
-          <p:cNvPr id="298" name="文本框 4"/>
-          <p:cNvSpPr txBox="1"/>
-          <p:nvPr/>
-        </p:nvSpPr>
-        <p:spPr>
-          <a:xfrm>
-            <a:off x="2508173" y="3220586"/>
-            <a:ext cx="7175654" cy="1063176"/>
-          </a:xfrm>
-          <a:prstGeom prst="rect">
-            <a:avLst/>
-          </a:prstGeom>
-          <a:ln w="12700">
-            <a:miter lim="400000"/>
-          </a:ln>
-          <a:extLst>
-            <a:ext uri="{C572A759-6A51-4108-AA02-DFA0A04FC94B}">
-              <ma14:wrappingTextBoxFlag xmlns="" xmlns:ma14="http://schemas.microsoft.com/office/mac/drawingml/2011/main" val="1"/>
-            </a:ext>
-          </a:extLst>
-        </p:spPr>
-        <p:txBody>
-          <a:bodyPr lIns="45719" rIns="45719">
-            <a:spAutoFit/>
-          </a:bodyPr>
-          <a:lstStyle>
-            <a:lvl1pPr algn="ctr">
-              <a:lnSpc>
-                <a:spcPct val="120000"/>
-              </a:lnSpc>
-              <a:defRPr>
-                <a:solidFill>
-                  <a:srgbClr val="3F403E"/>
-                </a:solidFill>
-                <a:latin typeface="微软雅黑 Light"/>
-                <a:ea typeface="微软雅黑 Light"/>
-                <a:cs typeface="微软雅黑 Light"/>
-                <a:sym typeface="微软雅黑 Light"/>
-              </a:defRPr>
-            </a:lvl1pPr>
-          </a:lstStyle>
-          <a:p>
-            <a:r>
-              <a:rPr lang="zh-CN" altLang="zh-CN" dirty="0"/>
-              <a:t>标题：《软件需求规格说明》</a:t>
-            </a:r>
-          </a:p>
-          <a:p>
-            <a:r>
-              <a:rPr lang="zh-CN" altLang="zh-CN" dirty="0"/>
-              <a:t>简称：</a:t>
-            </a:r>
-            <a:r>
-              <a:rPr lang="en-US" altLang="zh-CN" dirty="0"/>
-              <a:t>SAS</a:t>
-            </a:r>
-            <a:endParaRPr lang="zh-CN" altLang="zh-CN" dirty="0"/>
-          </a:p>
-          <a:p>
-            <a:r>
-              <a:rPr lang="zh-CN" altLang="zh-CN" dirty="0"/>
-              <a:t>版本号：</a:t>
-            </a:r>
-            <a:r>
-              <a:rPr lang="en-US" altLang="zh-CN" dirty="0"/>
-              <a:t>v0.5</a:t>
-            </a:r>
-            <a:endParaRPr lang="zh-CN" altLang="zh-CN" dirty="0"/>
-          </a:p>
-        </p:txBody>
-      </p:sp>
-      <p:sp>
-        <p:nvSpPr>
-          <p:cNvPr id="299" name="文本框 5"/>
-          <p:cNvSpPr txBox="1"/>
-          <p:nvPr/>
-        </p:nvSpPr>
-        <p:spPr>
-          <a:xfrm>
-            <a:off x="5588175" y="2288543"/>
-            <a:ext cx="1015661" cy="646331"/>
-          </a:xfrm>
-          <a:prstGeom prst="rect">
-            <a:avLst/>
-          </a:prstGeom>
-          <a:ln w="12700">
-            <a:miter lim="400000"/>
-          </a:ln>
-          <a:extLst>
-            <a:ext uri="{C572A759-6A51-4108-AA02-DFA0A04FC94B}">
-              <ma14:wrappingTextBoxFlag xmlns="" xmlns:ma14="http://schemas.microsoft.com/office/mac/drawingml/2011/main" val="1"/>
-            </a:ext>
-          </a:extLst>
-        </p:spPr>
-        <p:txBody>
-          <a:bodyPr wrap="none" lIns="45719" rIns="45719">
-            <a:spAutoFit/>
-          </a:bodyPr>
-          <a:lstStyle>
-            <a:lvl1pPr algn="ctr">
-              <a:defRPr sz="3600" b="1">
-                <a:solidFill>
-                  <a:srgbClr val="3F403E"/>
-                </a:solidFill>
-                <a:latin typeface="微软雅黑"/>
-                <a:ea typeface="微软雅黑"/>
-                <a:cs typeface="微软雅黑"/>
-                <a:sym typeface="微软雅黑"/>
-              </a:defRPr>
-            </a:lvl1pPr>
-          </a:lstStyle>
-          <a:p>
-            <a:r>
-              <a:rPr lang="zh-CN" altLang="en-US" dirty="0"/>
-              <a:t>标识</a:t>
-            </a:r>
-            <a:endParaRPr dirty="0"/>
-          </a:p>
-        </p:txBody>
-      </p:sp>
-      <p:sp>
-        <p:nvSpPr>
-          <p:cNvPr id="300" name="直接连接符 6"/>
-          <p:cNvSpPr/>
-          <p:nvPr/>
-        </p:nvSpPr>
-        <p:spPr>
-          <a:xfrm flipH="1" flipV="1">
-            <a:off x="4095991" y="3065335"/>
-            <a:ext cx="4000016" cy="1"/>
-          </a:xfrm>
-          <a:prstGeom prst="line">
-            <a:avLst/>
-          </a:prstGeom>
-          <a:ln w="6350">
-            <a:solidFill>
-              <a:srgbClr val="969F98">
-                <a:alpha val="50000"/>
-              </a:srgbClr>
-            </a:solidFill>
-            <a:miter/>
-          </a:ln>
-        </p:spPr>
-        <p:txBody>
-          <a:bodyPr lIns="45719" rIns="45719"/>
-          <a:lstStyle/>
-          <a:p>
-            <a:endParaRPr/>
-          </a:p>
-        </p:txBody>
-      </p:sp>
-      <p:pic>
-        <p:nvPicPr>
-          <p:cNvPr id="8" name="图片 7">
-            <a:extLst>
-              <a:ext uri="{FF2B5EF4-FFF2-40B4-BE49-F238E27FC236}">
-                <a16:creationId xmlns:a16="http://schemas.microsoft.com/office/drawing/2014/main" id="{1760666A-8C83-4EF2-B0D7-90C0F4534C1D}"/>
-              </a:ext>
-            </a:extLst>
-          </p:cNvPr>
-          <p:cNvPicPr>
-            <a:picLocks noChangeAspect="1"/>
-          </p:cNvPicPr>
-          <p:nvPr/>
-        </p:nvPicPr>
-        <p:blipFill>
-          <a:blip r:embed="rId2" cstate="print">
-            <a:extLst>
-              <a:ext uri="{28A0092B-C50C-407E-A947-70E740481C1C}">
-                <a14:useLocalDpi xmlns:a14="http://schemas.microsoft.com/office/drawing/2010/main" val="0"/>
-              </a:ext>
-            </a:extLst>
-          </a:blip>
-          <a:stretch>
-            <a:fillRect/>
-          </a:stretch>
-        </p:blipFill>
-        <p:spPr>
-          <a:xfrm>
-            <a:off x="0" y="0"/>
-            <a:ext cx="701608" cy="701608"/>
-          </a:xfrm>
-          <a:prstGeom prst="rect">
-            <a:avLst/>
-          </a:prstGeom>
-        </p:spPr>
-      </p:pic>
-    </p:spTree>
-    <p:extLst>
-      <p:ext uri="{BB962C8B-B14F-4D97-AF65-F5344CB8AC3E}">
-        <p14:creationId xmlns:p14="http://schemas.microsoft.com/office/powerpoint/2010/main" val="1656238935"/>
-      </p:ext>
-    </p:extLst>
-  </p:cSld>
-  <p:clrMapOvr>
-    <a:masterClrMapping/>
-  </p:clrMapOvr>
-  <mc:AlternateContent xmlns:mc="http://schemas.openxmlformats.org/markup-compatibility/2006" xmlns:p14="http://schemas.microsoft.com/office/powerpoint/2010/main">
-    <mc:Choice Requires="p14">
-      <p:transition spd="slow" p14:dur="1200" advClick="0" advTm="8000">
-        <p:push dir="u"/>
-      </p:transition>
-    </mc:Choice>
-    <mc:Fallback xmlns="">
-      <p:transition spd="slow">
-        <p:fade/>
-      </p:transition>
-    </mc:Fallback>
-  </mc:AlternateContent>
-  <p:timing>
-    <p:tnLst>
-      <p:par>
-        <p:cTn id="1" dur="indefinite" restart="never" fill="hold" nodeType="tmRoot">
-          <p:childTnLst>
-            <p:seq concurrent="1" prevAc="none" nextAc="seek">
-              <p:cTn id="2" dur="indefinite" fill="hold" nodeType="mainSeq">
-                <p:childTnLst>
-                  <p:par>
-                    <p:cTn id="3" fill="hold">
-                      <p:stCondLst>
-                        <p:cond delay="indefinite"/>
-                        <p:cond evt="onBegin" delay="0">
-                          <p:tn val="2"/>
-                        </p:cond>
-                      </p:stCondLst>
-                      <p:childTnLst>
-                        <p:par>
-                          <p:cTn id="4" fill="hold">
-                            <p:stCondLst>
-                              <p:cond delay="0"/>
-                            </p:stCondLst>
-                            <p:childTnLst>
-                              <p:par>
-                                <p:cTn id="5" presetID="2" presetClass="entr" presetSubtype="1" fill="hold" grpId="0" nodeType="afterEffect">
-                                  <p:stCondLst>
-                                    <p:cond delay="0"/>
-                                  </p:stCondLst>
-                                  <p:iterate>
-                                    <p:tmAbs val="0"/>
-                                  </p:iterate>
-                                  <p:childTnLst>
-                                    <p:set>
-                                      <p:cBhvr>
-                                        <p:cTn id="6" fill="hold"/>
-                                        <p:tgtEl>
-                                          <p:spTgt spid="296"/>
-                                        </p:tgtEl>
-                                        <p:attrNameLst>
-                                          <p:attrName>style.visibility</p:attrName>
-                                        </p:attrNameLst>
-                                      </p:cBhvr>
-                                      <p:to>
-                                        <p:strVal val="visible"/>
-                                      </p:to>
-                                    </p:set>
-                                    <p:anim calcmode="lin" valueType="num">
-                                      <p:cBhvr>
-                                        <p:cTn id="7" dur="1000" fill="hold"/>
-                                        <p:tgtEl>
-                                          <p:spTgt spid="296"/>
-                                        </p:tgtEl>
-                                        <p:attrNameLst>
-                                          <p:attrName>ppt_x</p:attrName>
-                                        </p:attrNameLst>
-                                      </p:cBhvr>
-                                      <p:tavLst>
-                                        <p:tav tm="0">
-                                          <p:val>
-                                            <p:strVal val="#ppt_x"/>
-                                          </p:val>
-                                        </p:tav>
-                                        <p:tav tm="100000">
-                                          <p:val>
-                                            <p:strVal val="#ppt_x"/>
-                                          </p:val>
-                                        </p:tav>
-                                      </p:tavLst>
-                                    </p:anim>
-                                    <p:anim calcmode="lin" valueType="num">
-                                      <p:cBhvr>
-                                        <p:cTn id="8" dur="1000" fill="hold"/>
-                                        <p:tgtEl>
-                                          <p:spTgt spid="296"/>
-                                        </p:tgtEl>
-                                        <p:attrNameLst>
-                                          <p:attrName>ppt_y</p:attrName>
-                                        </p:attrNameLst>
-                                      </p:cBhvr>
-                                      <p:tavLst>
-                                        <p:tav tm="0">
-                                          <p:val>
-                                            <p:strVal val="0-#ppt_h/2"/>
-                                          </p:val>
-                                        </p:tav>
-                                        <p:tav tm="100000">
-                                          <p:val>
-                                            <p:strVal val="#ppt_y"/>
-                                          </p:val>
-                                        </p:tav>
-                                      </p:tavLst>
-                                    </p:anim>
-                                  </p:childTnLst>
-                                </p:cTn>
-                              </p:par>
-                            </p:childTnLst>
-                          </p:cTn>
-                        </p:par>
-                        <p:par>
-                          <p:cTn id="9" fill="hold">
-                            <p:stCondLst>
-                              <p:cond delay="1000"/>
-                            </p:stCondLst>
-                            <p:childTnLst>
-                              <p:par>
-                                <p:cTn id="10" presetID="9" presetClass="entr" fill="hold" grpId="0" nodeType="afterEffect">
-                                  <p:stCondLst>
-                                    <p:cond delay="0"/>
-                                  </p:stCondLst>
-                                  <p:iterate>
-                                    <p:tmAbs val="0"/>
-                                  </p:iterate>
-                                  <p:childTnLst>
-                                    <p:set>
-                                      <p:cBhvr>
-                                        <p:cTn id="11" fill="hold"/>
-                                        <p:tgtEl>
-                                          <p:spTgt spid="295"/>
-                                        </p:tgtEl>
-                                        <p:attrNameLst>
-                                          <p:attrName>style.visibility</p:attrName>
-                                        </p:attrNameLst>
-                                      </p:cBhvr>
-                                      <p:to>
-                                        <p:strVal val="visible"/>
-                                      </p:to>
-                                    </p:set>
-                                    <p:animEffect transition="in" filter="dissolve">
-                                      <p:cBhvr>
-                                        <p:cTn id="12" dur="1000"/>
-                                        <p:tgtEl>
-                                          <p:spTgt spid="295"/>
-                                        </p:tgtEl>
-                                      </p:cBhvr>
-                                    </p:animEffect>
-                                  </p:childTnLst>
-                                </p:cTn>
-                              </p:par>
-                            </p:childTnLst>
-                          </p:cTn>
-                        </p:par>
-                        <p:par>
-                          <p:cTn id="13" fill="hold">
-                            <p:stCondLst>
-                              <p:cond delay="2000"/>
-                            </p:stCondLst>
-                            <p:childTnLst>
-                              <p:par>
-                                <p:cTn id="14" presetID="2" presetClass="entr" presetSubtype="4" fill="hold" grpId="0" nodeType="afterEffect">
-                                  <p:stCondLst>
-                                    <p:cond delay="0"/>
-                                  </p:stCondLst>
-                                  <p:iterate>
-                                    <p:tmAbs val="0"/>
-                                  </p:iterate>
-                                  <p:childTnLst>
-                                    <p:set>
-                                      <p:cBhvr>
-                                        <p:cTn id="15" fill="hold"/>
-                                        <p:tgtEl>
-                                          <p:spTgt spid="297"/>
-                                        </p:tgtEl>
-                                        <p:attrNameLst>
-                                          <p:attrName>style.visibility</p:attrName>
-                                        </p:attrNameLst>
-                                      </p:cBhvr>
-                                      <p:to>
-                                        <p:strVal val="visible"/>
-                                      </p:to>
-                                    </p:set>
-                                    <p:anim calcmode="lin" valueType="num">
-                                      <p:cBhvr>
-                                        <p:cTn id="16" dur="1000" fill="hold"/>
-                                        <p:tgtEl>
-                                          <p:spTgt spid="297"/>
-                                        </p:tgtEl>
-                                        <p:attrNameLst>
-                                          <p:attrName>ppt_x</p:attrName>
-                                        </p:attrNameLst>
-                                      </p:cBhvr>
-                                      <p:tavLst>
-                                        <p:tav tm="0">
-                                          <p:val>
-                                            <p:strVal val="#ppt_x"/>
-                                          </p:val>
-                                        </p:tav>
-                                        <p:tav tm="100000">
-                                          <p:val>
-                                            <p:strVal val="#ppt_x"/>
-                                          </p:val>
-                                        </p:tav>
-                                      </p:tavLst>
-                                    </p:anim>
-                                    <p:anim calcmode="lin" valueType="num">
-                                      <p:cBhvr>
-                                        <p:cTn id="17" dur="1000" fill="hold"/>
-                                        <p:tgtEl>
-                                          <p:spTgt spid="297"/>
-                                        </p:tgtEl>
-                                        <p:attrNameLst>
-                                          <p:attrName>ppt_y</p:attrName>
-                                        </p:attrNameLst>
-                                      </p:cBhvr>
-                                      <p:tavLst>
-                                        <p:tav tm="0">
-                                          <p:val>
-                                            <p:strVal val="1+#ppt_h/2"/>
-                                          </p:val>
-                                        </p:tav>
-                                        <p:tav tm="100000">
-                                          <p:val>
-                                            <p:strVal val="#ppt_y"/>
-                                          </p:val>
-                                        </p:tav>
-                                      </p:tavLst>
-                                    </p:anim>
-                                  </p:childTnLst>
-                                </p:cTn>
-                              </p:par>
-                            </p:childTnLst>
-                          </p:cTn>
-                        </p:par>
-                        <p:par>
-                          <p:cTn id="18" fill="hold">
-                            <p:stCondLst>
-                              <p:cond delay="3000"/>
-                            </p:stCondLst>
-                            <p:childTnLst>
-                              <p:par>
-                                <p:cTn id="19" presetID="9" presetClass="entr" fill="hold" grpId="0" nodeType="afterEffect">
-                                  <p:stCondLst>
-                                    <p:cond delay="0"/>
-                                  </p:stCondLst>
-                                  <p:iterate>
-                                    <p:tmAbs val="0"/>
-                                  </p:iterate>
-                                  <p:childTnLst>
-                                    <p:set>
-                                      <p:cBhvr>
-                                        <p:cTn id="20" fill="hold"/>
-                                        <p:tgtEl>
-                                          <p:spTgt spid="299"/>
-                                        </p:tgtEl>
-                                        <p:attrNameLst>
-                                          <p:attrName>style.visibility</p:attrName>
-                                        </p:attrNameLst>
-                                      </p:cBhvr>
-                                      <p:to>
-                                        <p:strVal val="visible"/>
-                                      </p:to>
-                                    </p:set>
-                                    <p:animEffect transition="in" filter="dissolve">
-                                      <p:cBhvr>
-                                        <p:cTn id="21" dur="500"/>
-                                        <p:tgtEl>
-                                          <p:spTgt spid="299"/>
-                                        </p:tgtEl>
-                                      </p:cBhvr>
-                                    </p:animEffect>
-                                  </p:childTnLst>
-                                </p:cTn>
-                              </p:par>
-                            </p:childTnLst>
-                          </p:cTn>
-                        </p:par>
-                        <p:par>
-                          <p:cTn id="22" fill="hold">
-                            <p:stCondLst>
-                              <p:cond delay="3500"/>
-                            </p:stCondLst>
-                            <p:childTnLst>
-                              <p:par>
-                                <p:cTn id="23" presetID="22" presetClass="entr" presetSubtype="8" fill="hold" grpId="0" nodeType="afterEffect">
-                                  <p:stCondLst>
-                                    <p:cond delay="0"/>
-                                  </p:stCondLst>
-                                  <p:iterate>
-                                    <p:tmAbs val="0"/>
-                                  </p:iterate>
-                                  <p:childTnLst>
-                                    <p:set>
-                                      <p:cBhvr>
-                                        <p:cTn id="24" fill="hold"/>
-                                        <p:tgtEl>
-                                          <p:spTgt spid="300"/>
-                                        </p:tgtEl>
-                                        <p:attrNameLst>
-                                          <p:attrName>style.visibility</p:attrName>
-                                        </p:attrNameLst>
-                                      </p:cBhvr>
-                                      <p:to>
-                                        <p:strVal val="visible"/>
-                                      </p:to>
-                                    </p:set>
-                                    <p:animEffect transition="in" filter="wipe(left)">
-                                      <p:cBhvr>
-                                        <p:cTn id="25" dur="500"/>
-                                        <p:tgtEl>
-                                          <p:spTgt spid="300"/>
-                                        </p:tgtEl>
-                                      </p:cBhvr>
-                                    </p:animEffect>
-                                  </p:childTnLst>
-                                </p:cTn>
-                              </p:par>
-                            </p:childTnLst>
-                          </p:cTn>
-                        </p:par>
-                        <p:par>
-                          <p:cTn id="26" fill="hold">
-                            <p:stCondLst>
-                              <p:cond delay="4000"/>
-                            </p:stCondLst>
-                            <p:childTnLst>
-                              <p:par>
-                                <p:cTn id="27" presetID="22" presetClass="entr" presetSubtype="1" fill="hold" grpId="0" nodeType="afterEffect">
-                                  <p:stCondLst>
-                                    <p:cond delay="0"/>
-                                  </p:stCondLst>
-                                  <p:iterate>
-                                    <p:tmAbs val="0"/>
-                                  </p:iterate>
-                                  <p:childTnLst>
-                                    <p:set>
-                                      <p:cBhvr>
-                                        <p:cTn id="28" fill="hold"/>
-                                        <p:tgtEl>
-                                          <p:spTgt spid="298"/>
-                                        </p:tgtEl>
-                                        <p:attrNameLst>
-                                          <p:attrName>style.visibility</p:attrName>
-                                        </p:attrNameLst>
-                                      </p:cBhvr>
-                                      <p:to>
-                                        <p:strVal val="visible"/>
-                                      </p:to>
-                                    </p:set>
-                                    <p:animEffect transition="in" filter="wipe(up)">
-                                      <p:cBhvr>
-                                        <p:cTn id="29" dur="1000"/>
-                                        <p:tgtEl>
-                                          <p:spTgt spid="298"/>
-                                        </p:tgtEl>
-                                      </p:cBhvr>
-                                    </p:animEffect>
-                                  </p:childTnLst>
-                                </p:cTn>
-                              </p:par>
-                              <p:par>
-                                <p:cTn id="30" presetID="10" presetClass="entr" presetSubtype="0" fill="hold" nodeType="withEffect">
-                                  <p:stCondLst>
-                                    <p:cond delay="0"/>
-                                  </p:stCondLst>
-                                  <p:childTnLst>
-                                    <p:set>
-                                      <p:cBhvr>
-                                        <p:cTn id="31" dur="1" fill="hold">
-                                          <p:stCondLst>
-                                            <p:cond delay="0"/>
-                                          </p:stCondLst>
-                                        </p:cTn>
-                                        <p:tgtEl>
-                                          <p:spTgt spid="8"/>
-                                        </p:tgtEl>
-                                        <p:attrNameLst>
-                                          <p:attrName>style.visibility</p:attrName>
-                                        </p:attrNameLst>
-                                      </p:cBhvr>
-                                      <p:to>
-                                        <p:strVal val="visible"/>
-                                      </p:to>
-                                    </p:set>
-                                    <p:animEffect transition="in" filter="fade">
-                                      <p:cBhvr>
-                                        <p:cTn id="32" dur="1000"/>
-                                        <p:tgtEl>
-                                          <p:spTgt spid="8"/>
-                                        </p:tgtEl>
-                                      </p:cBhvr>
-                                    </p:animEffect>
-                                  </p:childTnLst>
-                                </p:cTn>
-                              </p:par>
-                            </p:childTnLst>
-                          </p:cTn>
-                        </p:par>
-                      </p:childTnLst>
-                    </p:cTn>
-                  </p:par>
-                </p:childTnLst>
-              </p:cTn>
-              <p:prevCondLst>
-                <p:cond evt="onPrev" delay="0">
-                  <p:tgtEl>
-                    <p:sldTgt/>
-                  </p:tgtEl>
-                </p:cond>
-              </p:prevCondLst>
-              <p:nextCondLst>
-                <p:cond evt="onNext" delay="0">
-                  <p:tgtEl>
-                    <p:sldTgt/>
-                  </p:tgtEl>
-                </p:cond>
-              </p:nextCondLst>
-            </p:seq>
-          </p:childTnLst>
-        </p:cTn>
-      </p:par>
-    </p:tnLst>
-    <p:bldLst>
-      <p:bldP spid="295" grpId="0" animBg="1" advAuto="0"/>
-      <p:bldP spid="296" grpId="0" animBg="1" advAuto="0"/>
-      <p:bldP spid="297" grpId="0" animBg="1" advAuto="0"/>
-      <p:bldP spid="298" grpId="0" animBg="1" advAuto="0"/>
-      <p:bldP spid="299" grpId="0" animBg="1" advAuto="0"/>
-      <p:bldP spid="300" grpId="0" animBg="1" advAuto="0"/>
-    </p:bldLst>
-  </p:timing>
-</p:sld>
-</file>
-
-<file path=ppt/slides/slide30.xml><?xml version="1.0" encoding="utf-8"?>
+<file path=ppt/slides/slide32.xml><?xml version="1.0" encoding="utf-8"?>
 <p:sld xmlns:a="http://schemas.openxmlformats.org/drawingml/2006/main" xmlns:r="http://schemas.openxmlformats.org/officeDocument/2006/relationships" xmlns:p="http://schemas.openxmlformats.org/presentationml/2006/main">
   <p:cSld>
     <p:spTree>
@@ -25831,7 +26901,7 @@
 </p:sld>
 </file>
 
-<file path=ppt/slides/slide31.xml><?xml version="1.0" encoding="utf-8"?>
+<file path=ppt/slides/slide33.xml><?xml version="1.0" encoding="utf-8"?>
 <p:sld xmlns:a="http://schemas.openxmlformats.org/drawingml/2006/main" xmlns:r="http://schemas.openxmlformats.org/officeDocument/2006/relationships" xmlns:p="http://schemas.openxmlformats.org/presentationml/2006/main">
   <p:cSld>
     <p:spTree>
@@ -27732,7 +28802,7 @@
         <p:spPr>
           <a:xfrm>
             <a:off x="1957632" y="3089608"/>
-            <a:ext cx="8276734" cy="1063176"/>
+            <a:ext cx="8276734" cy="1754326"/>
           </a:xfrm>
           <a:prstGeom prst="rect">
             <a:avLst/>
@@ -27842,8 +28912,54 @@
             </a:r>
             <a:r>
               <a:rPr lang="zh-CN" altLang="zh-CN" dirty="0"/>
-              <a:t>深圳有我行科技有限公司</a:t>
-            </a:r>
+              <a:t>深圳有我行科技</a:t>
+            </a:r>
+            <a:r>
+              <a:rPr lang="zh-CN" altLang="zh-CN" dirty="0" smtClean="0"/>
+              <a:t>有限公司</a:t>
+            </a:r>
+            <a:endParaRPr lang="en-US" altLang="zh-CN" dirty="0" smtClean="0"/>
+          </a:p>
+          <a:p>
+            <a:r>
+              <a:rPr lang="en-US" altLang="zh-CN" dirty="0"/>
+              <a:t>3. SE2019</a:t>
+            </a:r>
+            <a:r>
+              <a:rPr lang="zh-CN" altLang="en-US" dirty="0"/>
+              <a:t>春</a:t>
+            </a:r>
+            <a:r>
+              <a:rPr lang="en-US" altLang="zh-CN" dirty="0"/>
+              <a:t>-G11-</a:t>
+            </a:r>
+            <a:r>
+              <a:rPr lang="zh-CN" altLang="en-US" dirty="0"/>
+              <a:t>软件需求规格说明</a:t>
+            </a:r>
+            <a:r>
+              <a:rPr lang="en-US" altLang="zh-CN" dirty="0"/>
+              <a:t>(SRS)v0.5</a:t>
+            </a:r>
+          </a:p>
+          <a:p>
+            <a:r>
+              <a:rPr lang="en-US" altLang="zh-CN" dirty="0"/>
+              <a:t>4. GB/T-8567-2006</a:t>
+            </a:r>
+            <a:r>
+              <a:rPr lang="zh-CN" altLang="zh-CN" dirty="0"/>
+              <a:t>软件需求规格说明</a:t>
+            </a:r>
+            <a:r>
+              <a:rPr lang="en-US" altLang="zh-CN" dirty="0"/>
+              <a:t>(SRS</a:t>
+            </a:r>
+            <a:r>
+              <a:rPr lang="en-US" altLang="zh-CN" dirty="0" smtClean="0"/>
+              <a:t>)</a:t>
+            </a:r>
+            <a:endParaRPr lang="zh-CN" altLang="zh-CN" dirty="0"/>
           </a:p>
         </p:txBody>
       </p:sp>
@@ -30461,7 +31577,7 @@
           <a:graphicData uri="http://schemas.openxmlformats.org/presentationml/2006/ole">
             <mc:AlternateContent xmlns:mc="http://schemas.openxmlformats.org/markup-compatibility/2006">
               <mc:Choice xmlns:v="urn:schemas-microsoft-com:vml" Requires="v">
-                <p:oleObj spid="_x0000_s4108" r:id="rId3" imgW="3095669" imgH="5972323" progId="Visio.Drawing.15">
+                <p:oleObj spid="_x0000_s4118" r:id="rId3" imgW="3095669" imgH="5972323" progId="Visio.Drawing.15">
                   <p:embed/>
                 </p:oleObj>
               </mc:Choice>
@@ -31134,7 +32250,7 @@
           <a:graphicData uri="http://schemas.openxmlformats.org/presentationml/2006/ole">
             <mc:AlternateContent xmlns:mc="http://schemas.openxmlformats.org/markup-compatibility/2006">
               <mc:Choice xmlns:v="urn:schemas-microsoft-com:vml" Requires="v">
-                <p:oleObj spid="_x0000_s5132" r:id="rId3" imgW="6505531" imgH="4419679" progId="Visio.Drawing.15">
+                <p:oleObj spid="_x0000_s5142" r:id="rId3" imgW="6505531" imgH="4419679" progId="Visio.Drawing.15">
                   <p:embed/>
                 </p:oleObj>
               </mc:Choice>

--- a/评审PPT/SE2019春-G11-软件需求规格说明(SRS)/SE2019春-G11-软件需求规格说明(SRS)PPT.pptx
+++ b/评审PPT/SE2019春-G11-软件需求规格说明(SRS)/SE2019春-G11-软件需求规格说明(SRS)PPT.pptx
@@ -6583,7 +6583,7 @@
           <a:graphicData uri="http://schemas.openxmlformats.org/presentationml/2006/ole">
             <mc:AlternateContent xmlns:mc="http://schemas.openxmlformats.org/markup-compatibility/2006">
               <mc:Choice xmlns:v="urn:schemas-microsoft-com:vml" Requires="v">
-                <p:oleObj spid="_x0000_s6165" r:id="rId3" imgW="5552853" imgH="4086018" progId="Visio.Drawing.15">
+                <p:oleObj spid="_x0000_s6167" r:id="rId3" imgW="5552853" imgH="4086018" progId="Visio.Drawing.15">
                   <p:embed/>
                 </p:oleObj>
               </mc:Choice>
@@ -8334,7 +8334,7 @@
           <a:graphicData uri="http://schemas.openxmlformats.org/presentationml/2006/ole">
             <mc:AlternateContent xmlns:mc="http://schemas.openxmlformats.org/markup-compatibility/2006">
               <mc:Choice xmlns:v="urn:schemas-microsoft-com:vml" Requires="v">
-                <p:oleObj spid="_x0000_s7196" r:id="rId3" imgW="4324261" imgH="1580893" progId="Visio.Drawing.15">
+                <p:oleObj spid="_x0000_s7198" r:id="rId3" imgW="4324261" imgH="1580893" progId="Visio.Drawing.15">
                   <p:embed/>
                 </p:oleObj>
               </mc:Choice>
@@ -8766,7 +8766,7 @@
           <a:graphicData uri="http://schemas.openxmlformats.org/presentationml/2006/ole">
             <mc:AlternateContent xmlns:mc="http://schemas.openxmlformats.org/markup-compatibility/2006">
               <mc:Choice xmlns:v="urn:schemas-microsoft-com:vml" Requires="v">
-                <p:oleObj spid="_x0000_s8214" r:id="rId3" imgW="4324261" imgH="4114800" progId="Visio.Drawing.15">
+                <p:oleObj spid="_x0000_s8216" r:id="rId3" imgW="4324261" imgH="4114800" progId="Visio.Drawing.15">
                   <p:embed/>
                 </p:oleObj>
               </mc:Choice>
@@ -9176,7 +9176,7 @@
           <a:graphicData uri="http://schemas.openxmlformats.org/presentationml/2006/ole">
             <mc:AlternateContent xmlns:mc="http://schemas.openxmlformats.org/markup-compatibility/2006">
               <mc:Choice xmlns:v="urn:schemas-microsoft-com:vml" Requires="v">
-                <p:oleObj spid="_x0000_s9259" r:id="rId3" imgW="2572016" imgH="5315128" progId="Visio.Drawing.15">
+                <p:oleObj spid="_x0000_s9263" r:id="rId3" imgW="2572016" imgH="5315128" progId="Visio.Drawing.15">
                   <p:embed/>
                 </p:oleObj>
               </mc:Choice>
@@ -9329,7 +9329,7 @@
           <a:graphicData uri="http://schemas.openxmlformats.org/presentationml/2006/ole">
             <mc:AlternateContent xmlns:mc="http://schemas.openxmlformats.org/markup-compatibility/2006">
               <mc:Choice xmlns:v="urn:schemas-microsoft-com:vml" Requires="v">
-                <p:oleObj spid="_x0000_s9260" r:id="rId5" imgW="5552853" imgH="1876178" progId="Visio.Drawing.15">
+                <p:oleObj spid="_x0000_s9264" r:id="rId5" imgW="5552853" imgH="1876178" progId="Visio.Drawing.15">
                   <p:embed/>
                 </p:oleObj>
               </mc:Choice>
@@ -9679,7 +9679,7 @@
           <a:graphicData uri="http://schemas.openxmlformats.org/presentationml/2006/ole">
             <mc:AlternateContent xmlns:mc="http://schemas.openxmlformats.org/markup-compatibility/2006">
               <mc:Choice xmlns:v="urn:schemas-microsoft-com:vml" Requires="v">
-                <p:oleObj spid="_x0000_s10281" r:id="rId3" imgW="2572016" imgH="5315128" progId="Visio.Drawing.15">
+                <p:oleObj spid="_x0000_s10285" r:id="rId3" imgW="2572016" imgH="5315128" progId="Visio.Drawing.15">
                   <p:embed/>
                 </p:oleObj>
               </mc:Choice>
@@ -9847,7 +9847,7 @@
           <a:graphicData uri="http://schemas.openxmlformats.org/presentationml/2006/ole">
             <mc:AlternateContent xmlns:mc="http://schemas.openxmlformats.org/markup-compatibility/2006">
               <mc:Choice xmlns:v="urn:schemas-microsoft-com:vml" Requires="v">
-                <p:oleObj spid="_x0000_s10282" r:id="rId5" imgW="5552853" imgH="1876178" progId="Visio.Drawing.15">
+                <p:oleObj spid="_x0000_s10286" r:id="rId5" imgW="5552853" imgH="1876178" progId="Visio.Drawing.15">
                   <p:embed/>
                 </p:oleObj>
               </mc:Choice>
@@ -10292,7 +10292,7 @@
           <a:graphicData uri="http://schemas.openxmlformats.org/presentationml/2006/ole">
             <mc:AlternateContent xmlns:mc="http://schemas.openxmlformats.org/markup-compatibility/2006">
               <mc:Choice xmlns:v="urn:schemas-microsoft-com:vml" Requires="v">
-                <p:oleObj spid="_x0000_s11307" r:id="rId3" imgW="2572016" imgH="5315128" progId="Visio.Drawing.15">
+                <p:oleObj spid="_x0000_s11311" r:id="rId3" imgW="2572016" imgH="5315128" progId="Visio.Drawing.15">
                   <p:embed/>
                 </p:oleObj>
               </mc:Choice>
@@ -10365,7 +10365,7 @@
           <a:graphicData uri="http://schemas.openxmlformats.org/presentationml/2006/ole">
             <mc:AlternateContent xmlns:mc="http://schemas.openxmlformats.org/markup-compatibility/2006">
               <mc:Choice xmlns:v="urn:schemas-microsoft-com:vml" Requires="v">
-                <p:oleObj spid="_x0000_s11308" r:id="rId5" imgW="5495969" imgH="1876178" progId="Visio.Drawing.15">
+                <p:oleObj spid="_x0000_s11312" r:id="rId5" imgW="5495969" imgH="1876178" progId="Visio.Drawing.15">
                   <p:embed/>
                 </p:oleObj>
               </mc:Choice>
@@ -31577,7 +31577,7 @@
           <a:graphicData uri="http://schemas.openxmlformats.org/presentationml/2006/ole">
             <mc:AlternateContent xmlns:mc="http://schemas.openxmlformats.org/markup-compatibility/2006">
               <mc:Choice xmlns:v="urn:schemas-microsoft-com:vml" Requires="v">
-                <p:oleObj spid="_x0000_s4118" r:id="rId3" imgW="3095669" imgH="5972323" progId="Visio.Drawing.15">
+                <p:oleObj spid="_x0000_s4120" r:id="rId3" imgW="3095669" imgH="5972323" progId="Visio.Drawing.15">
                   <p:embed/>
                 </p:oleObj>
               </mc:Choice>
@@ -32237,7 +32237,7 @@
           <p:nvPr>
             <p:extLst>
               <p:ext uri="{D42A27DB-BD31-4B8C-83A1-F6EECF244321}">
-                <p14:modId xmlns:p14="http://schemas.microsoft.com/office/powerpoint/2010/main" val="2202630134"/>
+                <p14:modId xmlns:p14="http://schemas.microsoft.com/office/powerpoint/2010/main" val="3343388570"/>
               </p:ext>
             </p:extLst>
           </p:nvPr>
@@ -32250,12 +32250,12 @@
           <a:graphicData uri="http://schemas.openxmlformats.org/presentationml/2006/ole">
             <mc:AlternateContent xmlns:mc="http://schemas.openxmlformats.org/markup-compatibility/2006">
               <mc:Choice xmlns:v="urn:schemas-microsoft-com:vml" Requires="v">
-                <p:oleObj spid="_x0000_s5142" r:id="rId3" imgW="6505531" imgH="4419679" progId="Visio.Drawing.15">
+                <p:oleObj spid="_x0000_s5144" name="Visio" r:id="rId3" imgW="6505390" imgH="4419736" progId="Visio.Drawing.15">
                   <p:embed/>
                 </p:oleObj>
               </mc:Choice>
               <mc:Fallback>
-                <p:oleObj r:id="rId3" imgW="6505531" imgH="4419679" progId="Visio.Drawing.15">
+                <p:oleObj name="Visio" r:id="rId3" imgW="6505390" imgH="4419736" progId="Visio.Drawing.15">
                   <p:embed/>
                   <p:pic>
                     <p:nvPicPr>
@@ -32266,13 +32266,7 @@
                       <p:nvPr/>
                     </p:nvPicPr>
                     <p:blipFill>
-                      <a:blip r:embed="rId4">
-                        <a:extLst>
-                          <a:ext uri="{28A0092B-C50C-407E-A947-70E740481C1C}">
-                            <a14:useLocalDpi xmlns:a14="http://schemas.microsoft.com/office/drawing/2010/main" val="0"/>
-                          </a:ext>
-                        </a:extLst>
-                      </a:blip>
+                      <a:blip r:embed="rId4"/>
                       <a:srcRect/>
                       <a:stretch>
                         <a:fillRect/>

--- a/评审PPT/SE2019春-G11-软件需求规格说明(SRS)/SE2019春-G11-软件需求规格说明(SRS)PPT.pptx
+++ b/评审PPT/SE2019春-G11-软件需求规格说明(SRS)/SE2019春-G11-软件需求规格说明(SRS)PPT.pptx
@@ -5,7 +5,7 @@
     <p:sldMasterId id="2147483648" r:id="rId1"/>
   </p:sldMasterIdLst>
   <p:notesMasterIdLst>
-    <p:notesMasterId r:id="rId35"/>
+    <p:notesMasterId r:id="rId36"/>
   </p:notesMasterIdLst>
   <p:sldIdLst>
     <p:sldId id="256" r:id="rId2"/>
@@ -18,29 +18,30 @@
     <p:sldId id="261" r:id="rId9"/>
     <p:sldId id="291" r:id="rId10"/>
     <p:sldId id="260" r:id="rId11"/>
-    <p:sldId id="266" r:id="rId12"/>
-    <p:sldId id="295" r:id="rId13"/>
-    <p:sldId id="296" r:id="rId14"/>
-    <p:sldId id="297" r:id="rId15"/>
-    <p:sldId id="298" r:id="rId16"/>
-    <p:sldId id="299" r:id="rId17"/>
-    <p:sldId id="262" r:id="rId18"/>
-    <p:sldId id="300" r:id="rId19"/>
-    <p:sldId id="301" r:id="rId20"/>
-    <p:sldId id="264" r:id="rId21"/>
-    <p:sldId id="268" r:id="rId22"/>
-    <p:sldId id="267" r:id="rId23"/>
-    <p:sldId id="293" r:id="rId24"/>
-    <p:sldId id="302" r:id="rId25"/>
-    <p:sldId id="309" r:id="rId26"/>
-    <p:sldId id="310" r:id="rId27"/>
-    <p:sldId id="272" r:id="rId28"/>
-    <p:sldId id="303" r:id="rId29"/>
-    <p:sldId id="304" r:id="rId30"/>
-    <p:sldId id="308" r:id="rId31"/>
-    <p:sldId id="305" r:id="rId32"/>
-    <p:sldId id="306" r:id="rId33"/>
-    <p:sldId id="285" r:id="rId34"/>
+    <p:sldId id="311" r:id="rId12"/>
+    <p:sldId id="266" r:id="rId13"/>
+    <p:sldId id="295" r:id="rId14"/>
+    <p:sldId id="296" r:id="rId15"/>
+    <p:sldId id="297" r:id="rId16"/>
+    <p:sldId id="298" r:id="rId17"/>
+    <p:sldId id="299" r:id="rId18"/>
+    <p:sldId id="262" r:id="rId19"/>
+    <p:sldId id="300" r:id="rId20"/>
+    <p:sldId id="301" r:id="rId21"/>
+    <p:sldId id="264" r:id="rId22"/>
+    <p:sldId id="268" r:id="rId23"/>
+    <p:sldId id="267" r:id="rId24"/>
+    <p:sldId id="293" r:id="rId25"/>
+    <p:sldId id="302" r:id="rId26"/>
+    <p:sldId id="309" r:id="rId27"/>
+    <p:sldId id="310" r:id="rId28"/>
+    <p:sldId id="272" r:id="rId29"/>
+    <p:sldId id="303" r:id="rId30"/>
+    <p:sldId id="304" r:id="rId31"/>
+    <p:sldId id="308" r:id="rId32"/>
+    <p:sldId id="305" r:id="rId33"/>
+    <p:sldId id="306" r:id="rId34"/>
+    <p:sldId id="285" r:id="rId35"/>
   </p:sldIdLst>
   <p:sldSz cx="12192000" cy="6858000"/>
   <p:notesSz cx="6858000" cy="9144000"/>
@@ -4252,7 +4253,7 @@
           </a:ln>
           <a:extLst>
             <a:ext uri="{C572A759-6A51-4108-AA02-DFA0A04FC94B}">
-              <ma14:wrappingTextBoxFlag xmlns="" xmlns:ma14="http://schemas.microsoft.com/office/mac/drawingml/2011/main" val="1"/>
+              <ma14:wrappingTextBoxFlag xmlns:ma14="http://schemas.microsoft.com/office/mac/drawingml/2011/main" xmlns="" val="1"/>
             </a:ext>
           </a:extLst>
         </p:spPr>
@@ -4291,7 +4292,7 @@
           </a:ln>
           <a:extLst>
             <a:ext uri="{C572A759-6A51-4108-AA02-DFA0A04FC94B}">
-              <ma14:wrappingTextBoxFlag xmlns="" xmlns:ma14="http://schemas.microsoft.com/office/mac/drawingml/2011/main" val="1"/>
+              <ma14:wrappingTextBoxFlag xmlns:ma14="http://schemas.microsoft.com/office/mac/drawingml/2011/main" xmlns="" val="1"/>
             </a:ext>
           </a:extLst>
         </p:spPr>
@@ -5267,7 +5268,7 @@
           </a:ln>
           <a:extLst>
             <a:ext uri="{C572A759-6A51-4108-AA02-DFA0A04FC94B}">
-              <ma14:wrappingTextBoxFlag xmlns="" xmlns:ma14="http://schemas.microsoft.com/office/mac/drawingml/2011/main" val="1"/>
+              <ma14:wrappingTextBoxFlag xmlns:ma14="http://schemas.microsoft.com/office/mac/drawingml/2011/main" xmlns="" val="1"/>
             </a:ext>
           </a:extLst>
         </p:spPr>
@@ -5435,7 +5436,7 @@
           </a:ln>
           <a:extLst>
             <a:ext uri="{C572A759-6A51-4108-AA02-DFA0A04FC94B}">
-              <ma14:wrappingTextBoxFlag xmlns="" xmlns:ma14="http://schemas.microsoft.com/office/mac/drawingml/2011/main" val="1"/>
+              <ma14:wrappingTextBoxFlag xmlns:ma14="http://schemas.microsoft.com/office/mac/drawingml/2011/main" xmlns="" val="1"/>
             </a:ext>
           </a:extLst>
         </p:spPr>
@@ -5534,7 +5535,7 @@
           </a:ln>
           <a:extLst>
             <a:ext uri="{C572A759-6A51-4108-AA02-DFA0A04FC94B}">
-              <ma14:wrappingTextBoxFlag xmlns="" xmlns:ma14="http://schemas.microsoft.com/office/mac/drawingml/2011/main" val="1"/>
+              <ma14:wrappingTextBoxFlag xmlns:ma14="http://schemas.microsoft.com/office/mac/drawingml/2011/main" xmlns="" val="1"/>
             </a:ext>
           </a:extLst>
         </p:spPr>
@@ -5589,7 +5590,7 @@
           </a:ln>
           <a:extLst>
             <a:ext uri="{C572A759-6A51-4108-AA02-DFA0A04FC94B}">
-              <ma14:wrappingTextBoxFlag xmlns="" xmlns:ma14="http://schemas.microsoft.com/office/mac/drawingml/2011/main" val="1"/>
+              <ma14:wrappingTextBoxFlag xmlns:ma14="http://schemas.microsoft.com/office/mac/drawingml/2011/main" xmlns="" val="1"/>
             </a:ext>
           </a:extLst>
         </p:spPr>
@@ -5643,7 +5644,7 @@
           </a:ln>
           <a:extLst>
             <a:ext uri="{C572A759-6A51-4108-AA02-DFA0A04FC94B}">
-              <ma14:wrappingTextBoxFlag xmlns="" xmlns:ma14="http://schemas.microsoft.com/office/mac/drawingml/2011/main" val="1"/>
+              <ma14:wrappingTextBoxFlag xmlns:ma14="http://schemas.microsoft.com/office/mac/drawingml/2011/main" xmlns="" val="1"/>
             </a:ext>
           </a:extLst>
         </p:spPr>
@@ -6456,7 +6457,7 @@
           </a:ln>
           <a:extLst>
             <a:ext uri="{C572A759-6A51-4108-AA02-DFA0A04FC94B}">
-              <ma14:wrappingTextBoxFlag xmlns="" xmlns:ma14="http://schemas.microsoft.com/office/mac/drawingml/2011/main" val="1"/>
+              <ma14:wrappingTextBoxFlag xmlns:ma14="http://schemas.microsoft.com/office/mac/drawingml/2011/main" xmlns="" val="1"/>
             </a:ext>
           </a:extLst>
         </p:spPr>
@@ -6583,7 +6584,7 @@
           <a:graphicData uri="http://schemas.openxmlformats.org/presentationml/2006/ole">
             <mc:AlternateContent xmlns:mc="http://schemas.openxmlformats.org/markup-compatibility/2006">
               <mc:Choice xmlns:v="urn:schemas-microsoft-com:vml" Requires="v">
-                <p:oleObj spid="_x0000_s6167" r:id="rId3" imgW="5552853" imgH="4086018" progId="Visio.Drawing.15">
+                <p:oleObj spid="_x0000_s6173" r:id="rId3" imgW="5552853" imgH="4086018" progId="Visio.Drawing.15">
                   <p:embed/>
                 </p:oleObj>
               </mc:Choice>
@@ -7050,6 +7051,420 @@
 </file>
 
 <file path=ppt/slides/slide11.xml><?xml version="1.0" encoding="utf-8"?>
+<p:sld xmlns:a="http://schemas.openxmlformats.org/drawingml/2006/main" xmlns:r="http://schemas.openxmlformats.org/officeDocument/2006/relationships" xmlns:p="http://schemas.openxmlformats.org/presentationml/2006/main">
+  <p:cSld>
+    <p:spTree>
+      <p:nvGrpSpPr>
+        <p:cNvPr id="1" name=""/>
+        <p:cNvGrpSpPr/>
+        <p:nvPr/>
+      </p:nvGrpSpPr>
+      <p:grpSpPr>
+        <a:xfrm>
+          <a:off x="0" y="0"/>
+          <a:ext cx="0" cy="0"/>
+          <a:chOff x="0" y="0"/>
+          <a:chExt cx="0" cy="0"/>
+        </a:xfrm>
+      </p:grpSpPr>
+      <p:sp>
+        <p:nvSpPr>
+          <p:cNvPr id="2" name="直接连接符 33"/>
+          <p:cNvSpPr/>
+          <p:nvPr/>
+        </p:nvSpPr>
+        <p:spPr>
+          <a:xfrm>
+            <a:off x="0" y="549275"/>
+            <a:ext cx="12192001" cy="0"/>
+          </a:xfrm>
+          <a:prstGeom prst="line">
+            <a:avLst/>
+          </a:prstGeom>
+          <a:ln w="25400">
+            <a:solidFill>
+              <a:srgbClr val="F9B359"/>
+            </a:solidFill>
+            <a:miter/>
+          </a:ln>
+        </p:spPr>
+        <p:txBody>
+          <a:bodyPr lIns="45719" rIns="45719"/>
+          <a:lstStyle/>
+          <a:p>
+            <a:endParaRPr/>
+          </a:p>
+        </p:txBody>
+      </p:sp>
+      <p:sp>
+        <p:nvSpPr>
+          <p:cNvPr id="3" name="文本框 5"/>
+          <p:cNvSpPr txBox="1"/>
+          <p:nvPr/>
+        </p:nvSpPr>
+        <p:spPr>
+          <a:xfrm>
+            <a:off x="4555640" y="226108"/>
+            <a:ext cx="3080719" cy="646331"/>
+          </a:xfrm>
+          <a:prstGeom prst="rect">
+            <a:avLst/>
+          </a:prstGeom>
+          <a:solidFill>
+            <a:srgbClr val="F9FAFB"/>
+          </a:solidFill>
+          <a:ln w="12700">
+            <a:miter lim="400000"/>
+          </a:ln>
+          <a:extLst>
+            <a:ext uri="{C572A759-6A51-4108-AA02-DFA0A04FC94B}">
+              <ma14:wrappingTextBoxFlag xmlns:ma14="http://schemas.microsoft.com/office/mac/drawingml/2011/main" xmlns="" val="1"/>
+            </a:ext>
+          </a:extLst>
+        </p:spPr>
+        <p:txBody>
+          <a:bodyPr lIns="45719" rIns="45719">
+            <a:spAutoFit/>
+          </a:bodyPr>
+          <a:lstStyle>
+            <a:lvl1pPr algn="ctr">
+              <a:defRPr sz="3600" b="1">
+                <a:solidFill>
+                  <a:srgbClr val="F9B359"/>
+                </a:solidFill>
+                <a:latin typeface="微软雅黑"/>
+                <a:ea typeface="微软雅黑"/>
+                <a:cs typeface="微软雅黑"/>
+                <a:sym typeface="微软雅黑"/>
+              </a:defRPr>
+            </a:lvl1pPr>
+          </a:lstStyle>
+          <a:p>
+            <a:r>
+              <a:rPr lang="en-US" dirty="0" smtClean="0"/>
+              <a:t>ER</a:t>
+            </a:r>
+            <a:r>
+              <a:rPr lang="zh-CN" altLang="en-US" dirty="0" smtClean="0"/>
+              <a:t>图</a:t>
+            </a:r>
+            <a:endParaRPr dirty="0"/>
+          </a:p>
+        </p:txBody>
+      </p:sp>
+      <p:pic>
+        <p:nvPicPr>
+          <p:cNvPr id="4" name="图片 3">
+            <a:extLst>
+              <a:ext uri="{FF2B5EF4-FFF2-40B4-BE49-F238E27FC236}">
+                <a16:creationId xmlns:a16="http://schemas.microsoft.com/office/drawing/2014/main" id="{1760666A-8C83-4EF2-B0D7-90C0F4534C1D}"/>
+              </a:ext>
+            </a:extLst>
+          </p:cNvPr>
+          <p:cNvPicPr>
+            <a:picLocks noChangeAspect="1"/>
+          </p:cNvPicPr>
+          <p:nvPr/>
+        </p:nvPicPr>
+        <p:blipFill>
+          <a:blip r:embed="rId3" cstate="print">
+            <a:extLst>
+              <a:ext uri="{28A0092B-C50C-407E-A947-70E740481C1C}">
+                <a14:useLocalDpi xmlns:a14="http://schemas.microsoft.com/office/drawing/2010/main" val="0"/>
+              </a:ext>
+            </a:extLst>
+          </a:blip>
+          <a:stretch>
+            <a:fillRect/>
+          </a:stretch>
+        </p:blipFill>
+        <p:spPr>
+          <a:xfrm>
+            <a:off x="0" y="0"/>
+            <a:ext cx="701608" cy="701608"/>
+          </a:xfrm>
+          <a:prstGeom prst="rect">
+            <a:avLst/>
+          </a:prstGeom>
+        </p:spPr>
+      </p:pic>
+      <p:graphicFrame>
+        <p:nvGraphicFramePr>
+          <p:cNvPr id="5" name="对象 4"/>
+          <p:cNvGraphicFramePr>
+            <a:graphicFrameLocks noChangeAspect="1"/>
+          </p:cNvGraphicFramePr>
+          <p:nvPr>
+            <p:extLst>
+              <p:ext uri="{D42A27DB-BD31-4B8C-83A1-F6EECF244321}">
+                <p14:modId xmlns:p14="http://schemas.microsoft.com/office/powerpoint/2010/main" val="2725961676"/>
+              </p:ext>
+            </p:extLst>
+          </p:nvPr>
+        </p:nvGraphicFramePr>
+        <p:xfrm>
+          <a:off x="2933700" y="1846263"/>
+          <a:ext cx="6324600" cy="3162300"/>
+        </p:xfrm>
+        <a:graphic>
+          <a:graphicData uri="http://schemas.openxmlformats.org/presentationml/2006/ole">
+            <mc:AlternateContent xmlns:mc="http://schemas.openxmlformats.org/markup-compatibility/2006">
+              <mc:Choice xmlns:v="urn:schemas-microsoft-com:vml" Requires="v">
+                <p:oleObj spid="_x0000_s12295" name="Visio" r:id="rId4" imgW="6324753" imgH="3162436" progId="Visio.Drawing.15">
+                  <p:embed/>
+                </p:oleObj>
+              </mc:Choice>
+              <mc:Fallback>
+                <p:oleObj name="Visio" r:id="rId4" imgW="6324753" imgH="3162436" progId="Visio.Drawing.15">
+                  <p:embed/>
+                  <p:pic>
+                    <p:nvPicPr>
+                      <p:cNvPr id="0" name=""/>
+                      <p:cNvPicPr/>
+                      <p:nvPr/>
+                    </p:nvPicPr>
+                    <p:blipFill>
+                      <a:blip r:embed="rId5"/>
+                      <a:stretch>
+                        <a:fillRect/>
+                      </a:stretch>
+                    </p:blipFill>
+                    <p:spPr>
+                      <a:xfrm>
+                        <a:off x="2933700" y="1846263"/>
+                        <a:ext cx="6324600" cy="3162300"/>
+                      </a:xfrm>
+                      <a:prstGeom prst="rect">
+                        <a:avLst/>
+                      </a:prstGeom>
+                    </p:spPr>
+                  </p:pic>
+                </p:oleObj>
+              </mc:Fallback>
+            </mc:AlternateContent>
+          </a:graphicData>
+        </a:graphic>
+      </p:graphicFrame>
+    </p:spTree>
+    <p:extLst>
+      <p:ext uri="{BB962C8B-B14F-4D97-AF65-F5344CB8AC3E}">
+        <p14:creationId xmlns:p14="http://schemas.microsoft.com/office/powerpoint/2010/main" val="3936925084"/>
+      </p:ext>
+    </p:extLst>
+  </p:cSld>
+  <p:clrMapOvr>
+    <a:masterClrMapping/>
+  </p:clrMapOvr>
+  <p:transition spd="med"/>
+  <p:timing>
+    <p:tnLst>
+      <p:par>
+        <p:cTn id="1" dur="indefinite" restart="never" nodeType="tmRoot">
+          <p:childTnLst>
+            <p:seq concurrent="1" nextAc="seek">
+              <p:cTn id="2" dur="indefinite" nodeType="mainSeq">
+                <p:childTnLst>
+                  <p:par>
+                    <p:cTn id="3" fill="hold">
+                      <p:stCondLst>
+                        <p:cond delay="indefinite"/>
+                        <p:cond evt="onBegin" delay="0">
+                          <p:tn val="2"/>
+                        </p:cond>
+                      </p:stCondLst>
+                      <p:childTnLst>
+                        <p:par>
+                          <p:cTn id="4" fill="hold">
+                            <p:stCondLst>
+                              <p:cond delay="0"/>
+                            </p:stCondLst>
+                            <p:childTnLst>
+                              <p:par>
+                                <p:cTn id="5" presetID="2" presetClass="entr" presetSubtype="1" fill="hold" grpId="0" nodeType="afterEffect">
+                                  <p:stCondLst>
+                                    <p:cond delay="0"/>
+                                  </p:stCondLst>
+                                  <p:iterate>
+                                    <p:tmAbs val="0"/>
+                                  </p:iterate>
+                                  <p:childTnLst>
+                                    <p:set>
+                                      <p:cBhvr>
+                                        <p:cTn id="6" fill="hold"/>
+                                        <p:tgtEl>
+                                          <p:spTgt spid="3"/>
+                                        </p:tgtEl>
+                                        <p:attrNameLst>
+                                          <p:attrName>style.visibility</p:attrName>
+                                        </p:attrNameLst>
+                                      </p:cBhvr>
+                                      <p:to>
+                                        <p:strVal val="visible"/>
+                                      </p:to>
+                                    </p:set>
+                                    <p:anim calcmode="lin" valueType="num">
+                                      <p:cBhvr>
+                                        <p:cTn id="7" dur="500" fill="hold"/>
+                                        <p:tgtEl>
+                                          <p:spTgt spid="3"/>
+                                        </p:tgtEl>
+                                        <p:attrNameLst>
+                                          <p:attrName>ppt_x</p:attrName>
+                                        </p:attrNameLst>
+                                      </p:cBhvr>
+                                      <p:tavLst>
+                                        <p:tav tm="0">
+                                          <p:val>
+                                            <p:strVal val="#ppt_x"/>
+                                          </p:val>
+                                        </p:tav>
+                                        <p:tav tm="100000">
+                                          <p:val>
+                                            <p:strVal val="#ppt_x"/>
+                                          </p:val>
+                                        </p:tav>
+                                      </p:tavLst>
+                                    </p:anim>
+                                    <p:anim calcmode="lin" valueType="num">
+                                      <p:cBhvr>
+                                        <p:cTn id="8" dur="500" fill="hold"/>
+                                        <p:tgtEl>
+                                          <p:spTgt spid="3"/>
+                                        </p:tgtEl>
+                                        <p:attrNameLst>
+                                          <p:attrName>ppt_y</p:attrName>
+                                        </p:attrNameLst>
+                                      </p:cBhvr>
+                                      <p:tavLst>
+                                        <p:tav tm="0">
+                                          <p:val>
+                                            <p:strVal val="0-#ppt_h/2"/>
+                                          </p:val>
+                                        </p:tav>
+                                        <p:tav tm="100000">
+                                          <p:val>
+                                            <p:strVal val="#ppt_y"/>
+                                          </p:val>
+                                        </p:tav>
+                                      </p:tavLst>
+                                    </p:anim>
+                                  </p:childTnLst>
+                                </p:cTn>
+                              </p:par>
+                            </p:childTnLst>
+                          </p:cTn>
+                        </p:par>
+                        <p:par>
+                          <p:cTn id="9" fill="hold">
+                            <p:stCondLst>
+                              <p:cond delay="500"/>
+                            </p:stCondLst>
+                            <p:childTnLst>
+                              <p:par>
+                                <p:cTn id="10" presetID="22" presetClass="entr" presetSubtype="8" fill="hold" grpId="0" nodeType="afterEffect">
+                                  <p:stCondLst>
+                                    <p:cond delay="0"/>
+                                  </p:stCondLst>
+                                  <p:iterate>
+                                    <p:tmAbs val="0"/>
+                                  </p:iterate>
+                                  <p:childTnLst>
+                                    <p:set>
+                                      <p:cBhvr>
+                                        <p:cTn id="11" fill="hold"/>
+                                        <p:tgtEl>
+                                          <p:spTgt spid="2"/>
+                                        </p:tgtEl>
+                                        <p:attrNameLst>
+                                          <p:attrName>style.visibility</p:attrName>
+                                        </p:attrNameLst>
+                                      </p:cBhvr>
+                                      <p:to>
+                                        <p:strVal val="visible"/>
+                                      </p:to>
+                                    </p:set>
+                                    <p:animEffect transition="in" filter="wipe(left)">
+                                      <p:cBhvr>
+                                        <p:cTn id="12" dur="1000"/>
+                                        <p:tgtEl>
+                                          <p:spTgt spid="2"/>
+                                        </p:tgtEl>
+                                      </p:cBhvr>
+                                    </p:animEffect>
+                                  </p:childTnLst>
+                                </p:cTn>
+                              </p:par>
+                              <p:par>
+                                <p:cTn id="13" presetID="10" presetClass="entr" presetSubtype="0" fill="hold" nodeType="withEffect">
+                                  <p:stCondLst>
+                                    <p:cond delay="0"/>
+                                  </p:stCondLst>
+                                  <p:childTnLst>
+                                    <p:set>
+                                      <p:cBhvr>
+                                        <p:cTn id="14" dur="1" fill="hold">
+                                          <p:stCondLst>
+                                            <p:cond delay="0"/>
+                                          </p:stCondLst>
+                                        </p:cTn>
+                                        <p:tgtEl>
+                                          <p:spTgt spid="4"/>
+                                        </p:tgtEl>
+                                        <p:attrNameLst>
+                                          <p:attrName>style.visibility</p:attrName>
+                                        </p:attrNameLst>
+                                      </p:cBhvr>
+                                      <p:to>
+                                        <p:strVal val="visible"/>
+                                      </p:to>
+                                    </p:set>
+                                    <p:animEffect transition="in" filter="fade">
+                                      <p:cBhvr>
+                                        <p:cTn id="15" dur="1000"/>
+                                        <p:tgtEl>
+                                          <p:spTgt spid="4"/>
+                                        </p:tgtEl>
+                                      </p:cBhvr>
+                                    </p:animEffect>
+                                  </p:childTnLst>
+                                </p:cTn>
+                              </p:par>
+                            </p:childTnLst>
+                          </p:cTn>
+                        </p:par>
+                      </p:childTnLst>
+                    </p:cTn>
+                  </p:par>
+                </p:childTnLst>
+              </p:cTn>
+              <p:prevCondLst>
+                <p:cond evt="onPrev" delay="0">
+                  <p:tgtEl>
+                    <p:sldTgt/>
+                  </p:tgtEl>
+                </p:cond>
+              </p:prevCondLst>
+              <p:nextCondLst>
+                <p:cond evt="onNext" delay="0">
+                  <p:tgtEl>
+                    <p:sldTgt/>
+                  </p:tgtEl>
+                </p:cond>
+              </p:nextCondLst>
+            </p:seq>
+          </p:childTnLst>
+        </p:cTn>
+      </p:par>
+    </p:tnLst>
+    <p:bldLst>
+      <p:bldP spid="2" grpId="0" animBg="1" advAuto="0"/>
+      <p:bldP spid="3" grpId="0" animBg="1" advAuto="0"/>
+    </p:bldLst>
+  </p:timing>
+</p:sld>
+</file>
+
+<file path=ppt/slides/slide12.xml><?xml version="1.0" encoding="utf-8"?>
 <p:sld xmlns:a="http://schemas.openxmlformats.org/drawingml/2006/main" xmlns:r="http://schemas.openxmlformats.org/officeDocument/2006/relationships" xmlns:p="http://schemas.openxmlformats.org/presentationml/2006/main">
   <p:cSld>
     <p:spTree>
@@ -7293,7 +7708,7 @@
           </a:ln>
           <a:extLst>
             <a:ext uri="{C572A759-6A51-4108-AA02-DFA0A04FC94B}">
-              <ma14:wrappingTextBoxFlag xmlns="" xmlns:ma14="http://schemas.microsoft.com/office/mac/drawingml/2011/main" val="1"/>
+              <ma14:wrappingTextBoxFlag xmlns:ma14="http://schemas.microsoft.com/office/mac/drawingml/2011/main" xmlns="" val="1"/>
             </a:ext>
           </a:extLst>
         </p:spPr>
@@ -7361,7 +7776,7 @@
           </a:ln>
           <a:extLst>
             <a:ext uri="{C572A759-6A51-4108-AA02-DFA0A04FC94B}">
-              <ma14:wrappingTextBoxFlag xmlns="" xmlns:ma14="http://schemas.microsoft.com/office/mac/drawingml/2011/main" val="1"/>
+              <ma14:wrappingTextBoxFlag xmlns:ma14="http://schemas.microsoft.com/office/mac/drawingml/2011/main" xmlns="" val="1"/>
             </a:ext>
           </a:extLst>
         </p:spPr>
@@ -7697,7 +8112,7 @@
         <p15:prstTrans prst="pageCurlDouble"/>
       </p:transition>
     </mc:Choice>
-    <mc:Choice xmlns="" xmlns:p14="http://schemas.microsoft.com/office/powerpoint/2010/main" Requires="p14">
+    <mc:Choice xmlns:p14="http://schemas.microsoft.com/office/powerpoint/2010/main" xmlns="" Requires="p14">
       <p:transition spd="slow" advClick="0" advTm="9000" p14:dur="1200">
         <p14:prism dir="l"/>
       </p:transition>
@@ -8218,7 +8633,7 @@
 </p:sld>
 </file>
 
-<file path=ppt/slides/slide12.xml><?xml version="1.0" encoding="utf-8"?>
+<file path=ppt/slides/slide13.xml><?xml version="1.0" encoding="utf-8"?>
 <p:sld xmlns:a="http://schemas.openxmlformats.org/drawingml/2006/main" xmlns:r="http://schemas.openxmlformats.org/officeDocument/2006/relationships" xmlns:p="http://schemas.openxmlformats.org/presentationml/2006/main">
   <p:cSld>
     <p:spTree>
@@ -8334,7 +8749,7 @@
           <a:graphicData uri="http://schemas.openxmlformats.org/presentationml/2006/ole">
             <mc:AlternateContent xmlns:mc="http://schemas.openxmlformats.org/markup-compatibility/2006">
               <mc:Choice xmlns:v="urn:schemas-microsoft-com:vml" Requires="v">
-                <p:oleObj spid="_x0000_s7198" r:id="rId3" imgW="4324261" imgH="1580893" progId="Visio.Drawing.15">
+                <p:oleObj spid="_x0000_s7204" r:id="rId3" imgW="4324261" imgH="1580893" progId="Visio.Drawing.15">
                   <p:embed/>
                 </p:oleObj>
               </mc:Choice>
@@ -8721,7 +9136,7 @@
 </p:sld>
 </file>
 
-<file path=ppt/slides/slide13.xml><?xml version="1.0" encoding="utf-8"?>
+<file path=ppt/slides/slide14.xml><?xml version="1.0" encoding="utf-8"?>
 <p:sld xmlns:a="http://schemas.openxmlformats.org/drawingml/2006/main" xmlns:r="http://schemas.openxmlformats.org/officeDocument/2006/relationships" xmlns:p="http://schemas.openxmlformats.org/presentationml/2006/main">
   <p:cSld>
     <p:spTree>
@@ -8766,7 +9181,7 @@
           <a:graphicData uri="http://schemas.openxmlformats.org/presentationml/2006/ole">
             <mc:AlternateContent xmlns:mc="http://schemas.openxmlformats.org/markup-compatibility/2006">
               <mc:Choice xmlns:v="urn:schemas-microsoft-com:vml" Requires="v">
-                <p:oleObj spid="_x0000_s8216" r:id="rId3" imgW="4324261" imgH="4114800" progId="Visio.Drawing.15">
+                <p:oleObj spid="_x0000_s8222" r:id="rId3" imgW="4324261" imgH="4114800" progId="Visio.Drawing.15">
                   <p:embed/>
                 </p:oleObj>
               </mc:Choice>
@@ -9131,7 +9546,7 @@
 </p:sld>
 </file>
 
-<file path=ppt/slides/slide14.xml><?xml version="1.0" encoding="utf-8"?>
+<file path=ppt/slides/slide15.xml><?xml version="1.0" encoding="utf-8"?>
 <p:sld xmlns:a="http://schemas.openxmlformats.org/drawingml/2006/main" xmlns:r="http://schemas.openxmlformats.org/officeDocument/2006/relationships" xmlns:p="http://schemas.openxmlformats.org/presentationml/2006/main">
   <p:cSld>
     <p:spTree>
@@ -9176,7 +9591,7 @@
           <a:graphicData uri="http://schemas.openxmlformats.org/presentationml/2006/ole">
             <mc:AlternateContent xmlns:mc="http://schemas.openxmlformats.org/markup-compatibility/2006">
               <mc:Choice xmlns:v="urn:schemas-microsoft-com:vml" Requires="v">
-                <p:oleObj spid="_x0000_s9263" r:id="rId3" imgW="2572016" imgH="5315128" progId="Visio.Drawing.15">
+                <p:oleObj spid="_x0000_s9275" r:id="rId3" imgW="2572016" imgH="5315128" progId="Visio.Drawing.15">
                   <p:embed/>
                 </p:oleObj>
               </mc:Choice>
@@ -9329,7 +9744,7 @@
           <a:graphicData uri="http://schemas.openxmlformats.org/presentationml/2006/ole">
             <mc:AlternateContent xmlns:mc="http://schemas.openxmlformats.org/markup-compatibility/2006">
               <mc:Choice xmlns:v="urn:schemas-microsoft-com:vml" Requires="v">
-                <p:oleObj spid="_x0000_s9264" r:id="rId5" imgW="5552853" imgH="1876178" progId="Visio.Drawing.15">
+                <p:oleObj spid="_x0000_s9276" r:id="rId5" imgW="5552853" imgH="1876178" progId="Visio.Drawing.15">
                   <p:embed/>
                 </p:oleObj>
               </mc:Choice>
@@ -9634,7 +10049,7 @@
 </p:sld>
 </file>
 
-<file path=ppt/slides/slide15.xml><?xml version="1.0" encoding="utf-8"?>
+<file path=ppt/slides/slide16.xml><?xml version="1.0" encoding="utf-8"?>
 <p:sld xmlns:a="http://schemas.openxmlformats.org/drawingml/2006/main" xmlns:r="http://schemas.openxmlformats.org/officeDocument/2006/relationships" xmlns:p="http://schemas.openxmlformats.org/presentationml/2006/main">
   <p:cSld>
     <p:spTree>
@@ -9679,7 +10094,7 @@
           <a:graphicData uri="http://schemas.openxmlformats.org/presentationml/2006/ole">
             <mc:AlternateContent xmlns:mc="http://schemas.openxmlformats.org/markup-compatibility/2006">
               <mc:Choice xmlns:v="urn:schemas-microsoft-com:vml" Requires="v">
-                <p:oleObj spid="_x0000_s10285" r:id="rId3" imgW="2572016" imgH="5315128" progId="Visio.Drawing.15">
+                <p:oleObj spid="_x0000_s10297" r:id="rId3" imgW="2572016" imgH="5315128" progId="Visio.Drawing.15">
                   <p:embed/>
                 </p:oleObj>
               </mc:Choice>
@@ -9847,7 +10262,7 @@
           <a:graphicData uri="http://schemas.openxmlformats.org/presentationml/2006/ole">
             <mc:AlternateContent xmlns:mc="http://schemas.openxmlformats.org/markup-compatibility/2006">
               <mc:Choice xmlns:v="urn:schemas-microsoft-com:vml" Requires="v">
-                <p:oleObj spid="_x0000_s10286" r:id="rId5" imgW="5552853" imgH="1876178" progId="Visio.Drawing.15">
+                <p:oleObj spid="_x0000_s10298" r:id="rId5" imgW="5552853" imgH="1876178" progId="Visio.Drawing.15">
                   <p:embed/>
                 </p:oleObj>
               </mc:Choice>
@@ -10152,7 +10567,7 @@
 </p:sld>
 </file>
 
-<file path=ppt/slides/slide16.xml><?xml version="1.0" encoding="utf-8"?>
+<file path=ppt/slides/slide17.xml><?xml version="1.0" encoding="utf-8"?>
 <p:sld xmlns:a="http://schemas.openxmlformats.org/drawingml/2006/main" xmlns:r="http://schemas.openxmlformats.org/officeDocument/2006/relationships" xmlns:p="http://schemas.openxmlformats.org/presentationml/2006/main">
   <p:cSld>
     <p:spTree>
@@ -10292,7 +10707,7 @@
           <a:graphicData uri="http://schemas.openxmlformats.org/presentationml/2006/ole">
             <mc:AlternateContent xmlns:mc="http://schemas.openxmlformats.org/markup-compatibility/2006">
               <mc:Choice xmlns:v="urn:schemas-microsoft-com:vml" Requires="v">
-                <p:oleObj spid="_x0000_s11311" r:id="rId3" imgW="2572016" imgH="5315128" progId="Visio.Drawing.15">
+                <p:oleObj spid="_x0000_s11323" r:id="rId3" imgW="2572016" imgH="5315128" progId="Visio.Drawing.15">
                   <p:embed/>
                 </p:oleObj>
               </mc:Choice>
@@ -10365,7 +10780,7 @@
           <a:graphicData uri="http://schemas.openxmlformats.org/presentationml/2006/ole">
             <mc:AlternateContent xmlns:mc="http://schemas.openxmlformats.org/markup-compatibility/2006">
               <mc:Choice xmlns:v="urn:schemas-microsoft-com:vml" Requires="v">
-                <p:oleObj spid="_x0000_s11312" r:id="rId5" imgW="5495969" imgH="1876178" progId="Visio.Drawing.15">
+                <p:oleObj spid="_x0000_s11324" r:id="rId5" imgW="5495969" imgH="1876178" progId="Visio.Drawing.15">
                   <p:embed/>
                 </p:oleObj>
               </mc:Choice>
@@ -10670,7 +11085,7 @@
 </p:sld>
 </file>
 
-<file path=ppt/slides/slide17.xml><?xml version="1.0" encoding="utf-8"?>
+<file path=ppt/slides/slide18.xml><?xml version="1.0" encoding="utf-8"?>
 <p:sld xmlns:a="http://schemas.openxmlformats.org/drawingml/2006/main" xmlns:r="http://schemas.openxmlformats.org/officeDocument/2006/relationships" xmlns:p="http://schemas.openxmlformats.org/presentationml/2006/main">
   <p:cSld>
     <p:spTree>
@@ -10828,7 +11243,7 @@
           </a:ln>
           <a:extLst>
             <a:ext uri="{C572A759-6A51-4108-AA02-DFA0A04FC94B}">
-              <ma14:wrappingTextBoxFlag xmlns="" xmlns:ma14="http://schemas.microsoft.com/office/mac/drawingml/2011/main" val="1"/>
+              <ma14:wrappingTextBoxFlag xmlns:ma14="http://schemas.microsoft.com/office/mac/drawingml/2011/main" xmlns="" val="1"/>
             </a:ext>
           </a:extLst>
         </p:spPr>
@@ -11053,7 +11468,7 @@
           </a:ln>
           <a:extLst>
             <a:ext uri="{C572A759-6A51-4108-AA02-DFA0A04FC94B}">
-              <ma14:wrappingTextBoxFlag xmlns="" xmlns:ma14="http://schemas.microsoft.com/office/mac/drawingml/2011/main" val="1"/>
+              <ma14:wrappingTextBoxFlag xmlns:ma14="http://schemas.microsoft.com/office/mac/drawingml/2011/main" xmlns="" val="1"/>
             </a:ext>
           </a:extLst>
         </p:spPr>
@@ -11526,7 +11941,7 @@
 </p:sld>
 </file>
 
-<file path=ppt/slides/slide18.xml><?xml version="1.0" encoding="utf-8"?>
+<file path=ppt/slides/slide19.xml><?xml version="1.0" encoding="utf-8"?>
 <p:sld xmlns:a="http://schemas.openxmlformats.org/drawingml/2006/main" xmlns:r="http://schemas.openxmlformats.org/officeDocument/2006/relationships" xmlns:p="http://schemas.openxmlformats.org/presentationml/2006/main">
   <p:cSld>
     <p:spTree>
@@ -11684,7 +12099,7 @@
           </a:ln>
           <a:extLst>
             <a:ext uri="{C572A759-6A51-4108-AA02-DFA0A04FC94B}">
-              <ma14:wrappingTextBoxFlag xmlns="" xmlns:ma14="http://schemas.microsoft.com/office/mac/drawingml/2011/main" val="1"/>
+              <ma14:wrappingTextBoxFlag xmlns:ma14="http://schemas.microsoft.com/office/mac/drawingml/2011/main" xmlns="" val="1"/>
             </a:ext>
           </a:extLst>
         </p:spPr>
@@ -11916,7 +12331,7 @@
           </a:ln>
           <a:extLst>
             <a:ext uri="{C572A759-6A51-4108-AA02-DFA0A04FC94B}">
-              <ma14:wrappingTextBoxFlag xmlns="" xmlns:ma14="http://schemas.microsoft.com/office/mac/drawingml/2011/main" val="1"/>
+              <ma14:wrappingTextBoxFlag xmlns:ma14="http://schemas.microsoft.com/office/mac/drawingml/2011/main" xmlns="" val="1"/>
             </a:ext>
           </a:extLst>
         </p:spPr>
@@ -12402,7 +12817,1355 @@
 </p:sld>
 </file>
 
-<file path=ppt/slides/slide19.xml><?xml version="1.0" encoding="utf-8"?>
+<file path=ppt/slides/slide2.xml><?xml version="1.0" encoding="utf-8"?>
+<p:sld xmlns:a="http://schemas.openxmlformats.org/drawingml/2006/main" xmlns:r="http://schemas.openxmlformats.org/officeDocument/2006/relationships" xmlns:p="http://schemas.openxmlformats.org/presentationml/2006/main">
+  <p:cSld>
+    <p:spTree>
+      <p:nvGrpSpPr>
+        <p:cNvPr id="1" name=""/>
+        <p:cNvGrpSpPr/>
+        <p:nvPr/>
+      </p:nvGrpSpPr>
+      <p:grpSpPr>
+        <a:xfrm>
+          <a:off x="0" y="0"/>
+          <a:ext cx="0" cy="0"/>
+          <a:chOff x="0" y="0"/>
+          <a:chExt cx="0" cy="0"/>
+        </a:xfrm>
+      </p:grpSpPr>
+      <p:sp>
+        <p:nvSpPr>
+          <p:cNvPr id="221" name="矩形 37"/>
+          <p:cNvSpPr/>
+          <p:nvPr/>
+        </p:nvSpPr>
+        <p:spPr>
+          <a:xfrm>
+            <a:off x="2324558" y="286438"/>
+            <a:ext cx="6874900" cy="6285124"/>
+          </a:xfrm>
+          <a:prstGeom prst="rect">
+            <a:avLst/>
+          </a:prstGeom>
+          <a:ln w="25400">
+            <a:solidFill>
+              <a:srgbClr val="3F403E"/>
+            </a:solidFill>
+            <a:miter/>
+          </a:ln>
+        </p:spPr>
+        <p:txBody>
+          <a:bodyPr lIns="45719" rIns="45719" anchor="ctr"/>
+          <a:lstStyle/>
+          <a:p>
+            <a:pPr algn="ctr">
+              <a:defRPr>
+                <a:solidFill>
+                  <a:srgbClr val="FFFFFF"/>
+                </a:solidFill>
+              </a:defRPr>
+            </a:pPr>
+            <a:endParaRPr/>
+          </a:p>
+        </p:txBody>
+      </p:sp>
+      <p:sp>
+        <p:nvSpPr>
+          <p:cNvPr id="222" name="矩形 2"/>
+          <p:cNvSpPr/>
+          <p:nvPr/>
+        </p:nvSpPr>
+        <p:spPr>
+          <a:xfrm>
+            <a:off x="2290264" y="635794"/>
+            <a:ext cx="9348563" cy="5759451"/>
+          </a:xfrm>
+          <a:prstGeom prst="rect">
+            <a:avLst/>
+          </a:prstGeom>
+          <a:solidFill>
+            <a:srgbClr val="FCFCFD"/>
+          </a:solidFill>
+          <a:ln w="12700">
+            <a:miter lim="400000"/>
+          </a:ln>
+          <a:effectLst>
+            <a:outerShdw blurRad="254000" dist="38100" dir="5400000" rotWithShape="0">
+              <a:srgbClr val="969F98">
+                <a:alpha val="20000"/>
+              </a:srgbClr>
+            </a:outerShdw>
+          </a:effectLst>
+        </p:spPr>
+        <p:txBody>
+          <a:bodyPr lIns="45719" rIns="45719" anchor="ctr"/>
+          <a:lstStyle/>
+          <a:p>
+            <a:pPr algn="ctr">
+              <a:defRPr>
+                <a:solidFill>
+                  <a:srgbClr val="FFFFFF"/>
+                </a:solidFill>
+              </a:defRPr>
+            </a:pPr>
+            <a:endParaRPr/>
+          </a:p>
+        </p:txBody>
+      </p:sp>
+      <p:sp>
+        <p:nvSpPr>
+          <p:cNvPr id="223" name="文本框 4"/>
+          <p:cNvSpPr txBox="1"/>
+          <p:nvPr/>
+        </p:nvSpPr>
+        <p:spPr>
+          <a:xfrm>
+            <a:off x="7960477" y="1112490"/>
+            <a:ext cx="810476" cy="523220"/>
+          </a:xfrm>
+          <a:prstGeom prst="rect">
+            <a:avLst/>
+          </a:prstGeom>
+          <a:ln w="12700">
+            <a:miter lim="400000"/>
+          </a:ln>
+          <a:extLst>
+            <a:ext uri="{C572A759-6A51-4108-AA02-DFA0A04FC94B}">
+              <ma14:wrappingTextBoxFlag xmlns:ma14="http://schemas.microsoft.com/office/mac/drawingml/2011/main" xmlns="" val="1"/>
+            </a:ext>
+          </a:extLst>
+        </p:spPr>
+        <p:txBody>
+          <a:bodyPr wrap="none" lIns="45719" rIns="45719">
+            <a:spAutoFit/>
+          </a:bodyPr>
+          <a:lstStyle>
+            <a:lvl1pPr algn="ctr">
+              <a:defRPr sz="2800" b="1">
+                <a:solidFill>
+                  <a:srgbClr val="3F403E"/>
+                </a:solidFill>
+                <a:latin typeface="微软雅黑"/>
+                <a:ea typeface="微软雅黑"/>
+                <a:cs typeface="微软雅黑"/>
+                <a:sym typeface="微软雅黑"/>
+              </a:defRPr>
+            </a:lvl1pPr>
+          </a:lstStyle>
+          <a:p>
+            <a:r>
+              <a:rPr lang="zh-CN" altLang="en-US" dirty="0"/>
+              <a:t>需求</a:t>
+            </a:r>
+            <a:endParaRPr dirty="0"/>
+          </a:p>
+        </p:txBody>
+      </p:sp>
+      <p:sp>
+        <p:nvSpPr>
+          <p:cNvPr id="225" name="文本框 6"/>
+          <p:cNvSpPr txBox="1"/>
+          <p:nvPr/>
+        </p:nvSpPr>
+        <p:spPr>
+          <a:xfrm>
+            <a:off x="5035004" y="883504"/>
+            <a:ext cx="574587" cy="1183641"/>
+          </a:xfrm>
+          <a:prstGeom prst="rect">
+            <a:avLst/>
+          </a:prstGeom>
+          <a:ln w="12700">
+            <a:miter lim="400000"/>
+          </a:ln>
+          <a:extLst>
+            <a:ext uri="{C572A759-6A51-4108-AA02-DFA0A04FC94B}">
+              <ma14:wrappingTextBoxFlag xmlns:ma14="http://schemas.microsoft.com/office/mac/drawingml/2011/main" xmlns="" val="1"/>
+            </a:ext>
+          </a:extLst>
+        </p:spPr>
+        <p:txBody>
+          <a:bodyPr wrap="none" lIns="45719" rIns="45719">
+            <a:spAutoFit/>
+          </a:bodyPr>
+          <a:lstStyle>
+            <a:lvl1pPr algn="ctr">
+              <a:defRPr sz="7200" spc="-300">
+                <a:solidFill>
+                  <a:srgbClr val="F9B359"/>
+                </a:solidFill>
+                <a:latin typeface="微软雅黑"/>
+                <a:ea typeface="微软雅黑"/>
+                <a:cs typeface="微软雅黑"/>
+                <a:sym typeface="微软雅黑"/>
+              </a:defRPr>
+            </a:lvl1pPr>
+          </a:lstStyle>
+          <a:p>
+            <a:r>
+              <a:t>1</a:t>
+            </a:r>
+          </a:p>
+        </p:txBody>
+      </p:sp>
+      <p:sp>
+        <p:nvSpPr>
+          <p:cNvPr id="226" name="直接连接符 8"/>
+          <p:cNvSpPr/>
+          <p:nvPr/>
+        </p:nvSpPr>
+        <p:spPr>
+          <a:xfrm flipH="1">
+            <a:off x="5917974" y="973141"/>
+            <a:ext cx="1" cy="5084759"/>
+          </a:xfrm>
+          <a:prstGeom prst="line">
+            <a:avLst/>
+          </a:prstGeom>
+          <a:ln w="6350">
+            <a:solidFill>
+              <a:srgbClr val="969F98">
+                <a:alpha val="40000"/>
+              </a:srgbClr>
+            </a:solidFill>
+            <a:miter/>
+          </a:ln>
+        </p:spPr>
+        <p:txBody>
+          <a:bodyPr lIns="45719" rIns="45719"/>
+          <a:lstStyle/>
+          <a:p>
+            <a:endParaRPr/>
+          </a:p>
+        </p:txBody>
+      </p:sp>
+      <p:sp>
+        <p:nvSpPr>
+          <p:cNvPr id="227" name="文本框 18"/>
+          <p:cNvSpPr txBox="1"/>
+          <p:nvPr/>
+        </p:nvSpPr>
+        <p:spPr>
+          <a:xfrm>
+            <a:off x="7326792" y="2499167"/>
+            <a:ext cx="1887694" cy="523220"/>
+          </a:xfrm>
+          <a:prstGeom prst="rect">
+            <a:avLst/>
+          </a:prstGeom>
+          <a:ln w="12700">
+            <a:miter lim="400000"/>
+          </a:ln>
+          <a:extLst>
+            <a:ext uri="{C572A759-6A51-4108-AA02-DFA0A04FC94B}">
+              <ma14:wrappingTextBoxFlag xmlns:ma14="http://schemas.microsoft.com/office/mac/drawingml/2011/main" xmlns="" val="1"/>
+            </a:ext>
+          </a:extLst>
+        </p:spPr>
+        <p:txBody>
+          <a:bodyPr wrap="none" lIns="45719" rIns="45719">
+            <a:spAutoFit/>
+          </a:bodyPr>
+          <a:lstStyle>
+            <a:lvl1pPr algn="ctr">
+              <a:defRPr sz="2800" b="1">
+                <a:solidFill>
+                  <a:srgbClr val="3F403E"/>
+                </a:solidFill>
+                <a:latin typeface="微软雅黑"/>
+                <a:ea typeface="微软雅黑"/>
+                <a:cs typeface="微软雅黑"/>
+                <a:sym typeface="微软雅黑"/>
+              </a:defRPr>
+            </a:lvl1pPr>
+          </a:lstStyle>
+          <a:p>
+            <a:r>
+              <a:rPr lang="zh-CN" altLang="en-US" dirty="0"/>
+              <a:t>合格性规定</a:t>
+            </a:r>
+            <a:endParaRPr dirty="0"/>
+          </a:p>
+        </p:txBody>
+      </p:sp>
+      <p:sp>
+        <p:nvSpPr>
+          <p:cNvPr id="229" name="文本框 20"/>
+          <p:cNvSpPr txBox="1"/>
+          <p:nvPr/>
+        </p:nvSpPr>
+        <p:spPr>
+          <a:xfrm>
+            <a:off x="5035004" y="2235218"/>
+            <a:ext cx="574587" cy="1183641"/>
+          </a:xfrm>
+          <a:prstGeom prst="rect">
+            <a:avLst/>
+          </a:prstGeom>
+          <a:ln w="12700">
+            <a:miter lim="400000"/>
+          </a:ln>
+          <a:extLst>
+            <a:ext uri="{C572A759-6A51-4108-AA02-DFA0A04FC94B}">
+              <ma14:wrappingTextBoxFlag xmlns:ma14="http://schemas.microsoft.com/office/mac/drawingml/2011/main" xmlns="" val="1"/>
+            </a:ext>
+          </a:extLst>
+        </p:spPr>
+        <p:txBody>
+          <a:bodyPr wrap="none" lIns="45719" rIns="45719">
+            <a:spAutoFit/>
+          </a:bodyPr>
+          <a:lstStyle>
+            <a:lvl1pPr algn="ctr">
+              <a:defRPr sz="7200" spc="-300">
+                <a:solidFill>
+                  <a:srgbClr val="F9B359"/>
+                </a:solidFill>
+                <a:latin typeface="微软雅黑"/>
+                <a:ea typeface="微软雅黑"/>
+                <a:cs typeface="微软雅黑"/>
+                <a:sym typeface="微软雅黑"/>
+              </a:defRPr>
+            </a:lvl1pPr>
+          </a:lstStyle>
+          <a:p>
+            <a:r>
+              <a:rPr dirty="0"/>
+              <a:t>2</a:t>
+            </a:r>
+          </a:p>
+        </p:txBody>
+      </p:sp>
+      <p:sp>
+        <p:nvSpPr>
+          <p:cNvPr id="230" name="文本框 21"/>
+          <p:cNvSpPr txBox="1"/>
+          <p:nvPr/>
+        </p:nvSpPr>
+        <p:spPr>
+          <a:xfrm>
+            <a:off x="6563432" y="3917141"/>
+            <a:ext cx="3683058" cy="523220"/>
+          </a:xfrm>
+          <a:prstGeom prst="rect">
+            <a:avLst/>
+          </a:prstGeom>
+          <a:ln w="12700">
+            <a:miter lim="400000"/>
+          </a:ln>
+          <a:extLst>
+            <a:ext uri="{C572A759-6A51-4108-AA02-DFA0A04FC94B}">
+              <ma14:wrappingTextBoxFlag xmlns:ma14="http://schemas.microsoft.com/office/mac/drawingml/2011/main" xmlns="" val="1"/>
+            </a:ext>
+          </a:extLst>
+        </p:spPr>
+        <p:txBody>
+          <a:bodyPr wrap="none" lIns="45719" rIns="45719">
+            <a:spAutoFit/>
+          </a:bodyPr>
+          <a:lstStyle>
+            <a:lvl1pPr algn="ctr">
+              <a:defRPr sz="2800" b="1">
+                <a:solidFill>
+                  <a:srgbClr val="3F403E"/>
+                </a:solidFill>
+                <a:latin typeface="微软雅黑"/>
+                <a:ea typeface="微软雅黑"/>
+                <a:cs typeface="微软雅黑"/>
+                <a:sym typeface="微软雅黑"/>
+              </a:defRPr>
+            </a:lvl1pPr>
+          </a:lstStyle>
+          <a:p>
+            <a:r>
+              <a:rPr lang="zh-CN" altLang="en-US" dirty="0"/>
+              <a:t>会议记录及项目甘特图</a:t>
+            </a:r>
+            <a:endParaRPr dirty="0"/>
+          </a:p>
+        </p:txBody>
+      </p:sp>
+      <p:sp>
+        <p:nvSpPr>
+          <p:cNvPr id="232" name="文本框 23"/>
+          <p:cNvSpPr txBox="1"/>
+          <p:nvPr/>
+        </p:nvSpPr>
+        <p:spPr>
+          <a:xfrm>
+            <a:off x="5035004" y="3586931"/>
+            <a:ext cx="574587" cy="1183641"/>
+          </a:xfrm>
+          <a:prstGeom prst="rect">
+            <a:avLst/>
+          </a:prstGeom>
+          <a:ln w="12700">
+            <a:miter lim="400000"/>
+          </a:ln>
+          <a:extLst>
+            <a:ext uri="{C572A759-6A51-4108-AA02-DFA0A04FC94B}">
+              <ma14:wrappingTextBoxFlag xmlns:ma14="http://schemas.microsoft.com/office/mac/drawingml/2011/main" xmlns="" val="1"/>
+            </a:ext>
+          </a:extLst>
+        </p:spPr>
+        <p:txBody>
+          <a:bodyPr wrap="none" lIns="45719" rIns="45719">
+            <a:spAutoFit/>
+          </a:bodyPr>
+          <a:lstStyle>
+            <a:lvl1pPr algn="ctr">
+              <a:defRPr sz="7200" spc="-300">
+                <a:solidFill>
+                  <a:srgbClr val="F9B359"/>
+                </a:solidFill>
+                <a:latin typeface="微软雅黑"/>
+                <a:ea typeface="微软雅黑"/>
+                <a:cs typeface="微软雅黑"/>
+                <a:sym typeface="微软雅黑"/>
+              </a:defRPr>
+            </a:lvl1pPr>
+          </a:lstStyle>
+          <a:p>
+            <a:r>
+              <a:rPr dirty="0"/>
+              <a:t>3</a:t>
+            </a:r>
+          </a:p>
+        </p:txBody>
+      </p:sp>
+      <p:sp>
+        <p:nvSpPr>
+          <p:cNvPr id="233" name="文本框 24"/>
+          <p:cNvSpPr txBox="1"/>
+          <p:nvPr/>
+        </p:nvSpPr>
+        <p:spPr>
+          <a:xfrm>
+            <a:off x="7601404" y="5270872"/>
+            <a:ext cx="1528622" cy="523220"/>
+          </a:xfrm>
+          <a:prstGeom prst="rect">
+            <a:avLst/>
+          </a:prstGeom>
+          <a:ln w="12700">
+            <a:miter lim="400000"/>
+          </a:ln>
+          <a:extLst>
+            <a:ext uri="{C572A759-6A51-4108-AA02-DFA0A04FC94B}">
+              <ma14:wrappingTextBoxFlag xmlns:ma14="http://schemas.microsoft.com/office/mac/drawingml/2011/main" xmlns="" val="1"/>
+            </a:ext>
+          </a:extLst>
+        </p:spPr>
+        <p:txBody>
+          <a:bodyPr wrap="none" lIns="45719" rIns="45719">
+            <a:spAutoFit/>
+          </a:bodyPr>
+          <a:lstStyle>
+            <a:lvl1pPr algn="ctr">
+              <a:defRPr sz="2800" b="1">
+                <a:solidFill>
+                  <a:srgbClr val="3F403E"/>
+                </a:solidFill>
+                <a:latin typeface="微软雅黑"/>
+                <a:ea typeface="微软雅黑"/>
+                <a:cs typeface="微软雅黑"/>
+                <a:sym typeface="微软雅黑"/>
+              </a:defRPr>
+            </a:lvl1pPr>
+          </a:lstStyle>
+          <a:p>
+            <a:r>
+              <a:rPr lang="zh-CN" altLang="en-US" dirty="0"/>
+              <a:t>绩效评价</a:t>
+            </a:r>
+            <a:endParaRPr dirty="0"/>
+          </a:p>
+        </p:txBody>
+      </p:sp>
+      <p:sp>
+        <p:nvSpPr>
+          <p:cNvPr id="235" name="文本框 26"/>
+          <p:cNvSpPr txBox="1"/>
+          <p:nvPr/>
+        </p:nvSpPr>
+        <p:spPr>
+          <a:xfrm>
+            <a:off x="5035004" y="4938645"/>
+            <a:ext cx="574587" cy="1183641"/>
+          </a:xfrm>
+          <a:prstGeom prst="rect">
+            <a:avLst/>
+          </a:prstGeom>
+          <a:ln w="12700">
+            <a:miter lim="400000"/>
+          </a:ln>
+          <a:extLst>
+            <a:ext uri="{C572A759-6A51-4108-AA02-DFA0A04FC94B}">
+              <ma14:wrappingTextBoxFlag xmlns:ma14="http://schemas.microsoft.com/office/mac/drawingml/2011/main" xmlns="" val="1"/>
+            </a:ext>
+          </a:extLst>
+        </p:spPr>
+        <p:txBody>
+          <a:bodyPr wrap="none" lIns="45719" rIns="45719">
+            <a:spAutoFit/>
+          </a:bodyPr>
+          <a:lstStyle>
+            <a:lvl1pPr algn="ctr">
+              <a:defRPr sz="7200" spc="-300">
+                <a:solidFill>
+                  <a:srgbClr val="F9B359"/>
+                </a:solidFill>
+                <a:latin typeface="微软雅黑"/>
+                <a:ea typeface="微软雅黑"/>
+                <a:cs typeface="微软雅黑"/>
+                <a:sym typeface="微软雅黑"/>
+              </a:defRPr>
+            </a:lvl1pPr>
+          </a:lstStyle>
+          <a:p>
+            <a:r>
+              <a:t>4</a:t>
+            </a:r>
+          </a:p>
+        </p:txBody>
+      </p:sp>
+      <p:sp>
+        <p:nvSpPr>
+          <p:cNvPr id="236" name="矩形 1"/>
+          <p:cNvSpPr/>
+          <p:nvPr/>
+        </p:nvSpPr>
+        <p:spPr>
+          <a:xfrm>
+            <a:off x="695325" y="1"/>
+            <a:ext cx="3325132" cy="6858001"/>
+          </a:xfrm>
+          <a:prstGeom prst="rect">
+            <a:avLst/>
+          </a:prstGeom>
+          <a:solidFill>
+            <a:srgbClr val="F9B359"/>
+          </a:solidFill>
+          <a:ln w="12700">
+            <a:miter lim="400000"/>
+          </a:ln>
+          <a:effectLst>
+            <a:outerShdw blurRad="127000" rotWithShape="0">
+              <a:srgbClr val="969F98">
+                <a:alpha val="40000"/>
+              </a:srgbClr>
+            </a:outerShdw>
+          </a:effectLst>
+        </p:spPr>
+        <p:txBody>
+          <a:bodyPr lIns="45719" rIns="45719" anchor="ctr"/>
+          <a:lstStyle/>
+          <a:p>
+            <a:pPr algn="ctr">
+              <a:defRPr>
+                <a:solidFill>
+                  <a:srgbClr val="FFFFFF"/>
+                </a:solidFill>
+              </a:defRPr>
+            </a:pPr>
+            <a:endParaRPr/>
+          </a:p>
+        </p:txBody>
+      </p:sp>
+      <p:sp>
+        <p:nvSpPr>
+          <p:cNvPr id="237" name="文本框 3"/>
+          <p:cNvSpPr txBox="1"/>
+          <p:nvPr/>
+        </p:nvSpPr>
+        <p:spPr>
+          <a:xfrm rot="5400000">
+            <a:off x="7398" y="2782891"/>
+            <a:ext cx="4714241" cy="1094741"/>
+          </a:xfrm>
+          <a:prstGeom prst="rect">
+            <a:avLst/>
+          </a:prstGeom>
+          <a:ln w="12700">
+            <a:miter lim="400000"/>
+          </a:ln>
+          <a:extLst>
+            <a:ext uri="{C572A759-6A51-4108-AA02-DFA0A04FC94B}">
+              <ma14:wrappingTextBoxFlag xmlns:ma14="http://schemas.microsoft.com/office/mac/drawingml/2011/main" xmlns="" val="1"/>
+            </a:ext>
+          </a:extLst>
+        </p:spPr>
+        <p:txBody>
+          <a:bodyPr wrap="none" lIns="45719" rIns="45719">
+            <a:spAutoFit/>
+          </a:bodyPr>
+          <a:lstStyle>
+            <a:lvl1pPr>
+              <a:defRPr sz="6600" b="1">
+                <a:solidFill>
+                  <a:srgbClr val="FFFFFF"/>
+                </a:solidFill>
+                <a:latin typeface="微软雅黑"/>
+                <a:ea typeface="微软雅黑"/>
+                <a:cs typeface="微软雅黑"/>
+                <a:sym typeface="微软雅黑"/>
+              </a:defRPr>
+            </a:lvl1pPr>
+          </a:lstStyle>
+          <a:p>
+            <a:r>
+              <a:t>CONTENTS</a:t>
+            </a:r>
+          </a:p>
+        </p:txBody>
+      </p:sp>
+      <p:pic>
+        <p:nvPicPr>
+          <p:cNvPr id="15" name="图片 14">
+            <a:extLst>
+              <a:ext uri="{FF2B5EF4-FFF2-40B4-BE49-F238E27FC236}">
+                <a16:creationId xmlns:a16="http://schemas.microsoft.com/office/drawing/2014/main" id="{1760666A-8C83-4EF2-B0D7-90C0F4534C1D}"/>
+              </a:ext>
+            </a:extLst>
+          </p:cNvPr>
+          <p:cNvPicPr>
+            <a:picLocks noChangeAspect="1"/>
+          </p:cNvPicPr>
+          <p:nvPr/>
+        </p:nvPicPr>
+        <p:blipFill>
+          <a:blip r:embed="rId2" cstate="print">
+            <a:extLst>
+              <a:ext uri="{28A0092B-C50C-407E-A947-70E740481C1C}">
+                <a14:useLocalDpi xmlns:a14="http://schemas.microsoft.com/office/drawing/2010/main" val="0"/>
+              </a:ext>
+            </a:extLst>
+          </a:blip>
+          <a:stretch>
+            <a:fillRect/>
+          </a:stretch>
+        </p:blipFill>
+        <p:spPr>
+          <a:xfrm>
+            <a:off x="0" y="0"/>
+            <a:ext cx="701608" cy="701608"/>
+          </a:xfrm>
+          <a:prstGeom prst="rect">
+            <a:avLst/>
+          </a:prstGeom>
+        </p:spPr>
+      </p:pic>
+    </p:spTree>
+  </p:cSld>
+  <p:clrMapOvr>
+    <a:masterClrMapping/>
+  </p:clrMapOvr>
+  <mc:AlternateContent xmlns:mc="http://schemas.openxmlformats.org/markup-compatibility/2006" xmlns:p14="http://schemas.microsoft.com/office/powerpoint/2010/main">
+    <mc:Choice Requires="p14">
+      <p:transition spd="slow" p14:dur="1200" advClick="0" advTm="5000">
+        <p:push dir="u"/>
+      </p:transition>
+    </mc:Choice>
+    <mc:Fallback xmlns="">
+      <p:transition spd="slow">
+        <p:fade/>
+      </p:transition>
+    </mc:Fallback>
+  </mc:AlternateContent>
+  <p:timing>
+    <p:tnLst>
+      <p:par>
+        <p:cTn id="1" dur="indefinite" restart="never" fill="hold" nodeType="tmRoot">
+          <p:childTnLst>
+            <p:seq concurrent="1" prevAc="none" nextAc="seek">
+              <p:cTn id="2" dur="indefinite" fill="hold" nodeType="mainSeq">
+                <p:childTnLst>
+                  <p:par>
+                    <p:cTn id="3" fill="hold">
+                      <p:stCondLst>
+                        <p:cond delay="indefinite"/>
+                        <p:cond evt="onBegin" delay="0">
+                          <p:tn val="2"/>
+                        </p:cond>
+                      </p:stCondLst>
+                      <p:childTnLst>
+                        <p:par>
+                          <p:cTn id="4" fill="hold">
+                            <p:stCondLst>
+                              <p:cond delay="0"/>
+                            </p:stCondLst>
+                            <p:childTnLst>
+                              <p:par>
+                                <p:cTn id="5" presetID="2" presetClass="entr" presetSubtype="1" fill="hold" grpId="1" nodeType="afterEffect">
+                                  <p:stCondLst>
+                                    <p:cond delay="0"/>
+                                  </p:stCondLst>
+                                  <p:iterate>
+                                    <p:tmAbs val="0"/>
+                                  </p:iterate>
+                                  <p:childTnLst>
+                                    <p:set>
+                                      <p:cBhvr>
+                                        <p:cTn id="6" fill="hold"/>
+                                        <p:tgtEl>
+                                          <p:spTgt spid="236"/>
+                                        </p:tgtEl>
+                                        <p:attrNameLst>
+                                          <p:attrName>style.visibility</p:attrName>
+                                        </p:attrNameLst>
+                                      </p:cBhvr>
+                                      <p:to>
+                                        <p:strVal val="visible"/>
+                                      </p:to>
+                                    </p:set>
+                                    <p:anim calcmode="lin" valueType="num">
+                                      <p:cBhvr>
+                                        <p:cTn id="7" dur="1000" fill="hold"/>
+                                        <p:tgtEl>
+                                          <p:spTgt spid="236"/>
+                                        </p:tgtEl>
+                                        <p:attrNameLst>
+                                          <p:attrName>ppt_x</p:attrName>
+                                        </p:attrNameLst>
+                                      </p:cBhvr>
+                                      <p:tavLst>
+                                        <p:tav tm="0">
+                                          <p:val>
+                                            <p:strVal val="#ppt_x"/>
+                                          </p:val>
+                                        </p:tav>
+                                        <p:tav tm="100000">
+                                          <p:val>
+                                            <p:strVal val="#ppt_x"/>
+                                          </p:val>
+                                        </p:tav>
+                                      </p:tavLst>
+                                    </p:anim>
+                                    <p:anim calcmode="lin" valueType="num">
+                                      <p:cBhvr>
+                                        <p:cTn id="8" dur="1000" fill="hold"/>
+                                        <p:tgtEl>
+                                          <p:spTgt spid="236"/>
+                                        </p:tgtEl>
+                                        <p:attrNameLst>
+                                          <p:attrName>ppt_y</p:attrName>
+                                        </p:attrNameLst>
+                                      </p:cBhvr>
+                                      <p:tavLst>
+                                        <p:tav tm="0">
+                                          <p:val>
+                                            <p:strVal val="0-#ppt_h/2"/>
+                                          </p:val>
+                                        </p:tav>
+                                        <p:tav tm="100000">
+                                          <p:val>
+                                            <p:strVal val="#ppt_y"/>
+                                          </p:val>
+                                        </p:tav>
+                                      </p:tavLst>
+                                    </p:anim>
+                                  </p:childTnLst>
+                                </p:cTn>
+                              </p:par>
+                            </p:childTnLst>
+                          </p:cTn>
+                        </p:par>
+                        <p:par>
+                          <p:cTn id="9" fill="hold">
+                            <p:stCondLst>
+                              <p:cond delay="1000"/>
+                            </p:stCondLst>
+                            <p:childTnLst>
+                              <p:par>
+                                <p:cTn id="10" presetID="22" presetClass="entr" presetSubtype="1" fill="hold" grpId="2" nodeType="afterEffect">
+                                  <p:stCondLst>
+                                    <p:cond delay="500"/>
+                                  </p:stCondLst>
+                                  <p:iterate>
+                                    <p:tmAbs val="0"/>
+                                  </p:iterate>
+                                  <p:childTnLst>
+                                    <p:set>
+                                      <p:cBhvr>
+                                        <p:cTn id="11" fill="hold"/>
+                                        <p:tgtEl>
+                                          <p:spTgt spid="237"/>
+                                        </p:tgtEl>
+                                        <p:attrNameLst>
+                                          <p:attrName>style.visibility</p:attrName>
+                                        </p:attrNameLst>
+                                      </p:cBhvr>
+                                      <p:to>
+                                        <p:strVal val="visible"/>
+                                      </p:to>
+                                    </p:set>
+                                    <p:animEffect transition="in" filter="wipe(up)">
+                                      <p:cBhvr>
+                                        <p:cTn id="12" dur="1000"/>
+                                        <p:tgtEl>
+                                          <p:spTgt spid="237"/>
+                                        </p:tgtEl>
+                                      </p:cBhvr>
+                                    </p:animEffect>
+                                  </p:childTnLst>
+                                </p:cTn>
+                              </p:par>
+                            </p:childTnLst>
+                          </p:cTn>
+                        </p:par>
+                        <p:par>
+                          <p:cTn id="13" fill="hold">
+                            <p:stCondLst>
+                              <p:cond delay="2500"/>
+                            </p:stCondLst>
+                            <p:childTnLst>
+                              <p:par>
+                                <p:cTn id="14" presetID="22" presetClass="entr" presetSubtype="8" fill="hold" grpId="3" nodeType="afterEffect">
+                                  <p:stCondLst>
+                                    <p:cond delay="0"/>
+                                  </p:stCondLst>
+                                  <p:iterate>
+                                    <p:tmAbs val="0"/>
+                                  </p:iterate>
+                                  <p:childTnLst>
+                                    <p:set>
+                                      <p:cBhvr>
+                                        <p:cTn id="15" fill="hold"/>
+                                        <p:tgtEl>
+                                          <p:spTgt spid="221"/>
+                                        </p:tgtEl>
+                                        <p:attrNameLst>
+                                          <p:attrName>style.visibility</p:attrName>
+                                        </p:attrNameLst>
+                                      </p:cBhvr>
+                                      <p:to>
+                                        <p:strVal val="visible"/>
+                                      </p:to>
+                                    </p:set>
+                                    <p:animEffect transition="in" filter="wipe(left)">
+                                      <p:cBhvr>
+                                        <p:cTn id="16" dur="1000"/>
+                                        <p:tgtEl>
+                                          <p:spTgt spid="221"/>
+                                        </p:tgtEl>
+                                      </p:cBhvr>
+                                    </p:animEffect>
+                                  </p:childTnLst>
+                                </p:cTn>
+                              </p:par>
+                            </p:childTnLst>
+                          </p:cTn>
+                        </p:par>
+                        <p:par>
+                          <p:cTn id="17" fill="hold">
+                            <p:stCondLst>
+                              <p:cond delay="3500"/>
+                            </p:stCondLst>
+                            <p:childTnLst>
+                              <p:par>
+                                <p:cTn id="18" presetID="9" presetClass="entr" fill="hold" grpId="4" nodeType="afterEffect">
+                                  <p:stCondLst>
+                                    <p:cond delay="0"/>
+                                  </p:stCondLst>
+                                  <p:iterate>
+                                    <p:tmAbs val="0"/>
+                                  </p:iterate>
+                                  <p:childTnLst>
+                                    <p:set>
+                                      <p:cBhvr>
+                                        <p:cTn id="19" fill="hold"/>
+                                        <p:tgtEl>
+                                          <p:spTgt spid="222"/>
+                                        </p:tgtEl>
+                                        <p:attrNameLst>
+                                          <p:attrName>style.visibility</p:attrName>
+                                        </p:attrNameLst>
+                                      </p:cBhvr>
+                                      <p:to>
+                                        <p:strVal val="visible"/>
+                                      </p:to>
+                                    </p:set>
+                                    <p:animEffect transition="in" filter="dissolve">
+                                      <p:cBhvr>
+                                        <p:cTn id="20" dur="1000"/>
+                                        <p:tgtEl>
+                                          <p:spTgt spid="222"/>
+                                        </p:tgtEl>
+                                      </p:cBhvr>
+                                    </p:animEffect>
+                                  </p:childTnLst>
+                                </p:cTn>
+                              </p:par>
+                            </p:childTnLst>
+                          </p:cTn>
+                        </p:par>
+                        <p:par>
+                          <p:cTn id="21" fill="hold">
+                            <p:stCondLst>
+                              <p:cond delay="4500"/>
+                            </p:stCondLst>
+                            <p:childTnLst>
+                              <p:par>
+                                <p:cTn id="22" presetID="9" presetClass="entr" fill="hold" grpId="5" nodeType="afterEffect">
+                                  <p:stCondLst>
+                                    <p:cond delay="0"/>
+                                  </p:stCondLst>
+                                  <p:iterate>
+                                    <p:tmAbs val="0"/>
+                                  </p:iterate>
+                                  <p:childTnLst>
+                                    <p:set>
+                                      <p:cBhvr>
+                                        <p:cTn id="23" fill="hold"/>
+                                        <p:tgtEl>
+                                          <p:spTgt spid="225"/>
+                                        </p:tgtEl>
+                                        <p:attrNameLst>
+                                          <p:attrName>style.visibility</p:attrName>
+                                        </p:attrNameLst>
+                                      </p:cBhvr>
+                                      <p:to>
+                                        <p:strVal val="visible"/>
+                                      </p:to>
+                                    </p:set>
+                                    <p:animEffect transition="in" filter="dissolve">
+                                      <p:cBhvr>
+                                        <p:cTn id="24" dur="500"/>
+                                        <p:tgtEl>
+                                          <p:spTgt spid="225"/>
+                                        </p:tgtEl>
+                                      </p:cBhvr>
+                                    </p:animEffect>
+                                  </p:childTnLst>
+                                </p:cTn>
+                              </p:par>
+                            </p:childTnLst>
+                          </p:cTn>
+                        </p:par>
+                        <p:par>
+                          <p:cTn id="25" fill="hold">
+                            <p:stCondLst>
+                              <p:cond delay="5000"/>
+                            </p:stCondLst>
+                            <p:childTnLst>
+                              <p:par>
+                                <p:cTn id="26" presetID="9" presetClass="entr" fill="hold" grpId="6" nodeType="afterEffect">
+                                  <p:stCondLst>
+                                    <p:cond delay="200"/>
+                                  </p:stCondLst>
+                                  <p:iterate>
+                                    <p:tmAbs val="0"/>
+                                  </p:iterate>
+                                  <p:childTnLst>
+                                    <p:set>
+                                      <p:cBhvr>
+                                        <p:cTn id="27" fill="hold"/>
+                                        <p:tgtEl>
+                                          <p:spTgt spid="229"/>
+                                        </p:tgtEl>
+                                        <p:attrNameLst>
+                                          <p:attrName>style.visibility</p:attrName>
+                                        </p:attrNameLst>
+                                      </p:cBhvr>
+                                      <p:to>
+                                        <p:strVal val="visible"/>
+                                      </p:to>
+                                    </p:set>
+                                    <p:animEffect transition="in" filter="dissolve">
+                                      <p:cBhvr>
+                                        <p:cTn id="28" dur="500"/>
+                                        <p:tgtEl>
+                                          <p:spTgt spid="229"/>
+                                        </p:tgtEl>
+                                      </p:cBhvr>
+                                    </p:animEffect>
+                                  </p:childTnLst>
+                                </p:cTn>
+                              </p:par>
+                            </p:childTnLst>
+                          </p:cTn>
+                        </p:par>
+                        <p:par>
+                          <p:cTn id="29" fill="hold">
+                            <p:stCondLst>
+                              <p:cond delay="5700"/>
+                            </p:stCondLst>
+                            <p:childTnLst>
+                              <p:par>
+                                <p:cTn id="30" presetID="9" presetClass="entr" fill="hold" grpId="7" nodeType="afterEffect">
+                                  <p:stCondLst>
+                                    <p:cond delay="400"/>
+                                  </p:stCondLst>
+                                  <p:iterate>
+                                    <p:tmAbs val="0"/>
+                                  </p:iterate>
+                                  <p:childTnLst>
+                                    <p:set>
+                                      <p:cBhvr>
+                                        <p:cTn id="31" fill="hold"/>
+                                        <p:tgtEl>
+                                          <p:spTgt spid="232"/>
+                                        </p:tgtEl>
+                                        <p:attrNameLst>
+                                          <p:attrName>style.visibility</p:attrName>
+                                        </p:attrNameLst>
+                                      </p:cBhvr>
+                                      <p:to>
+                                        <p:strVal val="visible"/>
+                                      </p:to>
+                                    </p:set>
+                                    <p:animEffect transition="in" filter="dissolve">
+                                      <p:cBhvr>
+                                        <p:cTn id="32" dur="500"/>
+                                        <p:tgtEl>
+                                          <p:spTgt spid="232"/>
+                                        </p:tgtEl>
+                                      </p:cBhvr>
+                                    </p:animEffect>
+                                  </p:childTnLst>
+                                </p:cTn>
+                              </p:par>
+                            </p:childTnLst>
+                          </p:cTn>
+                        </p:par>
+                        <p:par>
+                          <p:cTn id="33" fill="hold">
+                            <p:stCondLst>
+                              <p:cond delay="6600"/>
+                            </p:stCondLst>
+                            <p:childTnLst>
+                              <p:par>
+                                <p:cTn id="34" presetID="9" presetClass="entr" fill="hold" grpId="8" nodeType="afterEffect">
+                                  <p:stCondLst>
+                                    <p:cond delay="600"/>
+                                  </p:stCondLst>
+                                  <p:iterate>
+                                    <p:tmAbs val="0"/>
+                                  </p:iterate>
+                                  <p:childTnLst>
+                                    <p:set>
+                                      <p:cBhvr>
+                                        <p:cTn id="35" fill="hold"/>
+                                        <p:tgtEl>
+                                          <p:spTgt spid="235"/>
+                                        </p:tgtEl>
+                                        <p:attrNameLst>
+                                          <p:attrName>style.visibility</p:attrName>
+                                        </p:attrNameLst>
+                                      </p:cBhvr>
+                                      <p:to>
+                                        <p:strVal val="visible"/>
+                                      </p:to>
+                                    </p:set>
+                                    <p:animEffect transition="in" filter="dissolve">
+                                      <p:cBhvr>
+                                        <p:cTn id="36" dur="500"/>
+                                        <p:tgtEl>
+                                          <p:spTgt spid="235"/>
+                                        </p:tgtEl>
+                                      </p:cBhvr>
+                                    </p:animEffect>
+                                  </p:childTnLst>
+                                </p:cTn>
+                              </p:par>
+                            </p:childTnLst>
+                          </p:cTn>
+                        </p:par>
+                        <p:par>
+                          <p:cTn id="37" fill="hold">
+                            <p:stCondLst>
+                              <p:cond delay="7700"/>
+                            </p:stCondLst>
+                            <p:childTnLst>
+                              <p:par>
+                                <p:cTn id="38" presetID="22" presetClass="entr" presetSubtype="1" fill="hold" grpId="9" nodeType="afterEffect">
+                                  <p:stCondLst>
+                                    <p:cond delay="0"/>
+                                  </p:stCondLst>
+                                  <p:iterate>
+                                    <p:tmAbs val="0"/>
+                                  </p:iterate>
+                                  <p:childTnLst>
+                                    <p:set>
+                                      <p:cBhvr>
+                                        <p:cTn id="39" fill="hold"/>
+                                        <p:tgtEl>
+                                          <p:spTgt spid="226"/>
+                                        </p:tgtEl>
+                                        <p:attrNameLst>
+                                          <p:attrName>style.visibility</p:attrName>
+                                        </p:attrNameLst>
+                                      </p:cBhvr>
+                                      <p:to>
+                                        <p:strVal val="visible"/>
+                                      </p:to>
+                                    </p:set>
+                                    <p:animEffect transition="in" filter="wipe(up)">
+                                      <p:cBhvr>
+                                        <p:cTn id="40" dur="1000"/>
+                                        <p:tgtEl>
+                                          <p:spTgt spid="226"/>
+                                        </p:tgtEl>
+                                      </p:cBhvr>
+                                    </p:animEffect>
+                                  </p:childTnLst>
+                                </p:cTn>
+                              </p:par>
+                            </p:childTnLst>
+                          </p:cTn>
+                        </p:par>
+                        <p:par>
+                          <p:cTn id="41" fill="hold">
+                            <p:stCondLst>
+                              <p:cond delay="8700"/>
+                            </p:stCondLst>
+                            <p:childTnLst>
+                              <p:par>
+                                <p:cTn id="42" presetID="9" presetClass="entr" fill="hold" grpId="10" nodeType="afterEffect">
+                                  <p:stCondLst>
+                                    <p:cond delay="0"/>
+                                  </p:stCondLst>
+                                  <p:iterate>
+                                    <p:tmAbs val="0"/>
+                                  </p:iterate>
+                                  <p:childTnLst>
+                                    <p:set>
+                                      <p:cBhvr>
+                                        <p:cTn id="43" fill="hold"/>
+                                        <p:tgtEl>
+                                          <p:spTgt spid="223"/>
+                                        </p:tgtEl>
+                                        <p:attrNameLst>
+                                          <p:attrName>style.visibility</p:attrName>
+                                        </p:attrNameLst>
+                                      </p:cBhvr>
+                                      <p:to>
+                                        <p:strVal val="visible"/>
+                                      </p:to>
+                                    </p:set>
+                                    <p:animEffect transition="in" filter="dissolve">
+                                      <p:cBhvr>
+                                        <p:cTn id="44" dur="500"/>
+                                        <p:tgtEl>
+                                          <p:spTgt spid="223"/>
+                                        </p:tgtEl>
+                                      </p:cBhvr>
+                                    </p:animEffect>
+                                  </p:childTnLst>
+                                </p:cTn>
+                              </p:par>
+                            </p:childTnLst>
+                          </p:cTn>
+                        </p:par>
+                        <p:par>
+                          <p:cTn id="45" fill="hold">
+                            <p:stCondLst>
+                              <p:cond delay="9200"/>
+                            </p:stCondLst>
+                            <p:childTnLst>
+                              <p:par>
+                                <p:cTn id="46" presetID="9" presetClass="entr" fill="hold" grpId="12" nodeType="afterEffect">
+                                  <p:stCondLst>
+                                    <p:cond delay="0"/>
+                                  </p:stCondLst>
+                                  <p:iterate>
+                                    <p:tmAbs val="0"/>
+                                  </p:iterate>
+                                  <p:childTnLst>
+                                    <p:set>
+                                      <p:cBhvr>
+                                        <p:cTn id="47" fill="hold"/>
+                                        <p:tgtEl>
+                                          <p:spTgt spid="227"/>
+                                        </p:tgtEl>
+                                        <p:attrNameLst>
+                                          <p:attrName>style.visibility</p:attrName>
+                                        </p:attrNameLst>
+                                      </p:cBhvr>
+                                      <p:to>
+                                        <p:strVal val="visible"/>
+                                      </p:to>
+                                    </p:set>
+                                    <p:animEffect transition="in" filter="dissolve">
+                                      <p:cBhvr>
+                                        <p:cTn id="48" dur="500"/>
+                                        <p:tgtEl>
+                                          <p:spTgt spid="227"/>
+                                        </p:tgtEl>
+                                      </p:cBhvr>
+                                    </p:animEffect>
+                                  </p:childTnLst>
+                                </p:cTn>
+                              </p:par>
+                            </p:childTnLst>
+                          </p:cTn>
+                        </p:par>
+                        <p:par>
+                          <p:cTn id="49" fill="hold">
+                            <p:stCondLst>
+                              <p:cond delay="9700"/>
+                            </p:stCondLst>
+                            <p:childTnLst>
+                              <p:par>
+                                <p:cTn id="50" presetID="9" presetClass="entr" fill="hold" grpId="14" nodeType="afterEffect">
+                                  <p:stCondLst>
+                                    <p:cond delay="0"/>
+                                  </p:stCondLst>
+                                  <p:iterate>
+                                    <p:tmAbs val="0"/>
+                                  </p:iterate>
+                                  <p:childTnLst>
+                                    <p:set>
+                                      <p:cBhvr>
+                                        <p:cTn id="51" fill="hold"/>
+                                        <p:tgtEl>
+                                          <p:spTgt spid="230"/>
+                                        </p:tgtEl>
+                                        <p:attrNameLst>
+                                          <p:attrName>style.visibility</p:attrName>
+                                        </p:attrNameLst>
+                                      </p:cBhvr>
+                                      <p:to>
+                                        <p:strVal val="visible"/>
+                                      </p:to>
+                                    </p:set>
+                                    <p:animEffect transition="in" filter="dissolve">
+                                      <p:cBhvr>
+                                        <p:cTn id="52" dur="500"/>
+                                        <p:tgtEl>
+                                          <p:spTgt spid="230"/>
+                                        </p:tgtEl>
+                                      </p:cBhvr>
+                                    </p:animEffect>
+                                  </p:childTnLst>
+                                </p:cTn>
+                              </p:par>
+                            </p:childTnLst>
+                          </p:cTn>
+                        </p:par>
+                        <p:par>
+                          <p:cTn id="53" fill="hold">
+                            <p:stCondLst>
+                              <p:cond delay="10200"/>
+                            </p:stCondLst>
+                            <p:childTnLst>
+                              <p:par>
+                                <p:cTn id="54" presetID="9" presetClass="entr" fill="hold" grpId="16" nodeType="afterEffect">
+                                  <p:stCondLst>
+                                    <p:cond delay="0"/>
+                                  </p:stCondLst>
+                                  <p:iterate>
+                                    <p:tmAbs val="0"/>
+                                  </p:iterate>
+                                  <p:childTnLst>
+                                    <p:set>
+                                      <p:cBhvr>
+                                        <p:cTn id="55" fill="hold"/>
+                                        <p:tgtEl>
+                                          <p:spTgt spid="233"/>
+                                        </p:tgtEl>
+                                        <p:attrNameLst>
+                                          <p:attrName>style.visibility</p:attrName>
+                                        </p:attrNameLst>
+                                      </p:cBhvr>
+                                      <p:to>
+                                        <p:strVal val="visible"/>
+                                      </p:to>
+                                    </p:set>
+                                    <p:animEffect transition="in" filter="dissolve">
+                                      <p:cBhvr>
+                                        <p:cTn id="56" dur="500"/>
+                                        <p:tgtEl>
+                                          <p:spTgt spid="233"/>
+                                        </p:tgtEl>
+                                      </p:cBhvr>
+                                    </p:animEffect>
+                                  </p:childTnLst>
+                                </p:cTn>
+                              </p:par>
+                              <p:par>
+                                <p:cTn id="57" presetID="10" presetClass="entr" presetSubtype="0" fill="hold" nodeType="withEffect">
+                                  <p:stCondLst>
+                                    <p:cond delay="0"/>
+                                  </p:stCondLst>
+                                  <p:childTnLst>
+                                    <p:set>
+                                      <p:cBhvr>
+                                        <p:cTn id="58" dur="1" fill="hold">
+                                          <p:stCondLst>
+                                            <p:cond delay="0"/>
+                                          </p:stCondLst>
+                                        </p:cTn>
+                                        <p:tgtEl>
+                                          <p:spTgt spid="15"/>
+                                        </p:tgtEl>
+                                        <p:attrNameLst>
+                                          <p:attrName>style.visibility</p:attrName>
+                                        </p:attrNameLst>
+                                      </p:cBhvr>
+                                      <p:to>
+                                        <p:strVal val="visible"/>
+                                      </p:to>
+                                    </p:set>
+                                    <p:animEffect transition="in" filter="fade">
+                                      <p:cBhvr>
+                                        <p:cTn id="59" dur="1000"/>
+                                        <p:tgtEl>
+                                          <p:spTgt spid="15"/>
+                                        </p:tgtEl>
+                                      </p:cBhvr>
+                                    </p:animEffect>
+                                  </p:childTnLst>
+                                </p:cTn>
+                              </p:par>
+                            </p:childTnLst>
+                          </p:cTn>
+                        </p:par>
+                      </p:childTnLst>
+                    </p:cTn>
+                  </p:par>
+                </p:childTnLst>
+              </p:cTn>
+              <p:prevCondLst>
+                <p:cond evt="onPrev" delay="0">
+                  <p:tgtEl>
+                    <p:sldTgt/>
+                  </p:tgtEl>
+                </p:cond>
+              </p:prevCondLst>
+              <p:nextCondLst>
+                <p:cond evt="onNext" delay="0">
+                  <p:tgtEl>
+                    <p:sldTgt/>
+                  </p:tgtEl>
+                </p:cond>
+              </p:nextCondLst>
+            </p:seq>
+          </p:childTnLst>
+        </p:cTn>
+      </p:par>
+    </p:tnLst>
+    <p:bldLst>
+      <p:bldP spid="221" grpId="3" animBg="1" advAuto="0"/>
+      <p:bldP spid="222" grpId="4" animBg="1" advAuto="0"/>
+      <p:bldP spid="223" grpId="10" animBg="1" advAuto="0"/>
+      <p:bldP spid="225" grpId="5" animBg="1" advAuto="0"/>
+      <p:bldP spid="226" grpId="9" animBg="1" advAuto="0"/>
+      <p:bldP spid="227" grpId="12" animBg="1" advAuto="0"/>
+      <p:bldP spid="229" grpId="6" animBg="1" advAuto="0"/>
+      <p:bldP spid="230" grpId="14" animBg="1" advAuto="0"/>
+      <p:bldP spid="232" grpId="7" animBg="1" advAuto="0"/>
+      <p:bldP spid="233" grpId="16" animBg="1" advAuto="0"/>
+      <p:bldP spid="235" grpId="8" animBg="1" advAuto="0"/>
+      <p:bldP spid="236" grpId="1" animBg="1" advAuto="0"/>
+      <p:bldP spid="237" grpId="2" animBg="1" advAuto="0"/>
+    </p:bldLst>
+  </p:timing>
+</p:sld>
+</file>
+
+<file path=ppt/slides/slide20.xml><?xml version="1.0" encoding="utf-8"?>
 <p:sld xmlns:a="http://schemas.openxmlformats.org/drawingml/2006/main" xmlns:r="http://schemas.openxmlformats.org/officeDocument/2006/relationships" xmlns:p="http://schemas.openxmlformats.org/presentationml/2006/main">
   <p:cSld>
     <p:spTree>
@@ -12560,7 +14323,7 @@
           </a:ln>
           <a:extLst>
             <a:ext uri="{C572A759-6A51-4108-AA02-DFA0A04FC94B}">
-              <ma14:wrappingTextBoxFlag xmlns="" xmlns:ma14="http://schemas.microsoft.com/office/mac/drawingml/2011/main" val="1"/>
+              <ma14:wrappingTextBoxFlag xmlns:ma14="http://schemas.microsoft.com/office/mac/drawingml/2011/main" xmlns="" val="1"/>
             </a:ext>
           </a:extLst>
         </p:spPr>
@@ -12781,7 +14544,7 @@
           </a:ln>
           <a:extLst>
             <a:ext uri="{C572A759-6A51-4108-AA02-DFA0A04FC94B}">
-              <ma14:wrappingTextBoxFlag xmlns="" xmlns:ma14="http://schemas.microsoft.com/office/mac/drawingml/2011/main" val="1"/>
+              <ma14:wrappingTextBoxFlag xmlns:ma14="http://schemas.microsoft.com/office/mac/drawingml/2011/main" xmlns="" val="1"/>
             </a:ext>
           </a:extLst>
         </p:spPr>
@@ -13263,1355 +15026,7 @@
 </p:sld>
 </file>
 
-<file path=ppt/slides/slide2.xml><?xml version="1.0" encoding="utf-8"?>
-<p:sld xmlns:a="http://schemas.openxmlformats.org/drawingml/2006/main" xmlns:r="http://schemas.openxmlformats.org/officeDocument/2006/relationships" xmlns:p="http://schemas.openxmlformats.org/presentationml/2006/main">
-  <p:cSld>
-    <p:spTree>
-      <p:nvGrpSpPr>
-        <p:cNvPr id="1" name=""/>
-        <p:cNvGrpSpPr/>
-        <p:nvPr/>
-      </p:nvGrpSpPr>
-      <p:grpSpPr>
-        <a:xfrm>
-          <a:off x="0" y="0"/>
-          <a:ext cx="0" cy="0"/>
-          <a:chOff x="0" y="0"/>
-          <a:chExt cx="0" cy="0"/>
-        </a:xfrm>
-      </p:grpSpPr>
-      <p:sp>
-        <p:nvSpPr>
-          <p:cNvPr id="221" name="矩形 37"/>
-          <p:cNvSpPr/>
-          <p:nvPr/>
-        </p:nvSpPr>
-        <p:spPr>
-          <a:xfrm>
-            <a:off x="2324558" y="286438"/>
-            <a:ext cx="6874900" cy="6285124"/>
-          </a:xfrm>
-          <a:prstGeom prst="rect">
-            <a:avLst/>
-          </a:prstGeom>
-          <a:ln w="25400">
-            <a:solidFill>
-              <a:srgbClr val="3F403E"/>
-            </a:solidFill>
-            <a:miter/>
-          </a:ln>
-        </p:spPr>
-        <p:txBody>
-          <a:bodyPr lIns="45719" rIns="45719" anchor="ctr"/>
-          <a:lstStyle/>
-          <a:p>
-            <a:pPr algn="ctr">
-              <a:defRPr>
-                <a:solidFill>
-                  <a:srgbClr val="FFFFFF"/>
-                </a:solidFill>
-              </a:defRPr>
-            </a:pPr>
-            <a:endParaRPr/>
-          </a:p>
-        </p:txBody>
-      </p:sp>
-      <p:sp>
-        <p:nvSpPr>
-          <p:cNvPr id="222" name="矩形 2"/>
-          <p:cNvSpPr/>
-          <p:nvPr/>
-        </p:nvSpPr>
-        <p:spPr>
-          <a:xfrm>
-            <a:off x="2290264" y="635794"/>
-            <a:ext cx="9348563" cy="5759451"/>
-          </a:xfrm>
-          <a:prstGeom prst="rect">
-            <a:avLst/>
-          </a:prstGeom>
-          <a:solidFill>
-            <a:srgbClr val="FCFCFD"/>
-          </a:solidFill>
-          <a:ln w="12700">
-            <a:miter lim="400000"/>
-          </a:ln>
-          <a:effectLst>
-            <a:outerShdw blurRad="254000" dist="38100" dir="5400000" rotWithShape="0">
-              <a:srgbClr val="969F98">
-                <a:alpha val="20000"/>
-              </a:srgbClr>
-            </a:outerShdw>
-          </a:effectLst>
-        </p:spPr>
-        <p:txBody>
-          <a:bodyPr lIns="45719" rIns="45719" anchor="ctr"/>
-          <a:lstStyle/>
-          <a:p>
-            <a:pPr algn="ctr">
-              <a:defRPr>
-                <a:solidFill>
-                  <a:srgbClr val="FFFFFF"/>
-                </a:solidFill>
-              </a:defRPr>
-            </a:pPr>
-            <a:endParaRPr/>
-          </a:p>
-        </p:txBody>
-      </p:sp>
-      <p:sp>
-        <p:nvSpPr>
-          <p:cNvPr id="223" name="文本框 4"/>
-          <p:cNvSpPr txBox="1"/>
-          <p:nvPr/>
-        </p:nvSpPr>
-        <p:spPr>
-          <a:xfrm>
-            <a:off x="7960477" y="1112490"/>
-            <a:ext cx="810476" cy="523220"/>
-          </a:xfrm>
-          <a:prstGeom prst="rect">
-            <a:avLst/>
-          </a:prstGeom>
-          <a:ln w="12700">
-            <a:miter lim="400000"/>
-          </a:ln>
-          <a:extLst>
-            <a:ext uri="{C572A759-6A51-4108-AA02-DFA0A04FC94B}">
-              <ma14:wrappingTextBoxFlag xmlns="" xmlns:ma14="http://schemas.microsoft.com/office/mac/drawingml/2011/main" val="1"/>
-            </a:ext>
-          </a:extLst>
-        </p:spPr>
-        <p:txBody>
-          <a:bodyPr wrap="none" lIns="45719" rIns="45719">
-            <a:spAutoFit/>
-          </a:bodyPr>
-          <a:lstStyle>
-            <a:lvl1pPr algn="ctr">
-              <a:defRPr sz="2800" b="1">
-                <a:solidFill>
-                  <a:srgbClr val="3F403E"/>
-                </a:solidFill>
-                <a:latin typeface="微软雅黑"/>
-                <a:ea typeface="微软雅黑"/>
-                <a:cs typeface="微软雅黑"/>
-                <a:sym typeface="微软雅黑"/>
-              </a:defRPr>
-            </a:lvl1pPr>
-          </a:lstStyle>
-          <a:p>
-            <a:r>
-              <a:rPr lang="zh-CN" altLang="en-US" dirty="0"/>
-              <a:t>需求</a:t>
-            </a:r>
-            <a:endParaRPr dirty="0"/>
-          </a:p>
-        </p:txBody>
-      </p:sp>
-      <p:sp>
-        <p:nvSpPr>
-          <p:cNvPr id="225" name="文本框 6"/>
-          <p:cNvSpPr txBox="1"/>
-          <p:nvPr/>
-        </p:nvSpPr>
-        <p:spPr>
-          <a:xfrm>
-            <a:off x="5035004" y="883504"/>
-            <a:ext cx="574587" cy="1183641"/>
-          </a:xfrm>
-          <a:prstGeom prst="rect">
-            <a:avLst/>
-          </a:prstGeom>
-          <a:ln w="12700">
-            <a:miter lim="400000"/>
-          </a:ln>
-          <a:extLst>
-            <a:ext uri="{C572A759-6A51-4108-AA02-DFA0A04FC94B}">
-              <ma14:wrappingTextBoxFlag xmlns="" xmlns:ma14="http://schemas.microsoft.com/office/mac/drawingml/2011/main" val="1"/>
-            </a:ext>
-          </a:extLst>
-        </p:spPr>
-        <p:txBody>
-          <a:bodyPr wrap="none" lIns="45719" rIns="45719">
-            <a:spAutoFit/>
-          </a:bodyPr>
-          <a:lstStyle>
-            <a:lvl1pPr algn="ctr">
-              <a:defRPr sz="7200" spc="-300">
-                <a:solidFill>
-                  <a:srgbClr val="F9B359"/>
-                </a:solidFill>
-                <a:latin typeface="微软雅黑"/>
-                <a:ea typeface="微软雅黑"/>
-                <a:cs typeface="微软雅黑"/>
-                <a:sym typeface="微软雅黑"/>
-              </a:defRPr>
-            </a:lvl1pPr>
-          </a:lstStyle>
-          <a:p>
-            <a:r>
-              <a:t>1</a:t>
-            </a:r>
-          </a:p>
-        </p:txBody>
-      </p:sp>
-      <p:sp>
-        <p:nvSpPr>
-          <p:cNvPr id="226" name="直接连接符 8"/>
-          <p:cNvSpPr/>
-          <p:nvPr/>
-        </p:nvSpPr>
-        <p:spPr>
-          <a:xfrm flipH="1">
-            <a:off x="5917974" y="973141"/>
-            <a:ext cx="1" cy="5084759"/>
-          </a:xfrm>
-          <a:prstGeom prst="line">
-            <a:avLst/>
-          </a:prstGeom>
-          <a:ln w="6350">
-            <a:solidFill>
-              <a:srgbClr val="969F98">
-                <a:alpha val="40000"/>
-              </a:srgbClr>
-            </a:solidFill>
-            <a:miter/>
-          </a:ln>
-        </p:spPr>
-        <p:txBody>
-          <a:bodyPr lIns="45719" rIns="45719"/>
-          <a:lstStyle/>
-          <a:p>
-            <a:endParaRPr/>
-          </a:p>
-        </p:txBody>
-      </p:sp>
-      <p:sp>
-        <p:nvSpPr>
-          <p:cNvPr id="227" name="文本框 18"/>
-          <p:cNvSpPr txBox="1"/>
-          <p:nvPr/>
-        </p:nvSpPr>
-        <p:spPr>
-          <a:xfrm>
-            <a:off x="7326792" y="2499167"/>
-            <a:ext cx="1887694" cy="523220"/>
-          </a:xfrm>
-          <a:prstGeom prst="rect">
-            <a:avLst/>
-          </a:prstGeom>
-          <a:ln w="12700">
-            <a:miter lim="400000"/>
-          </a:ln>
-          <a:extLst>
-            <a:ext uri="{C572A759-6A51-4108-AA02-DFA0A04FC94B}">
-              <ma14:wrappingTextBoxFlag xmlns="" xmlns:ma14="http://schemas.microsoft.com/office/mac/drawingml/2011/main" val="1"/>
-            </a:ext>
-          </a:extLst>
-        </p:spPr>
-        <p:txBody>
-          <a:bodyPr wrap="none" lIns="45719" rIns="45719">
-            <a:spAutoFit/>
-          </a:bodyPr>
-          <a:lstStyle>
-            <a:lvl1pPr algn="ctr">
-              <a:defRPr sz="2800" b="1">
-                <a:solidFill>
-                  <a:srgbClr val="3F403E"/>
-                </a:solidFill>
-                <a:latin typeface="微软雅黑"/>
-                <a:ea typeface="微软雅黑"/>
-                <a:cs typeface="微软雅黑"/>
-                <a:sym typeface="微软雅黑"/>
-              </a:defRPr>
-            </a:lvl1pPr>
-          </a:lstStyle>
-          <a:p>
-            <a:r>
-              <a:rPr lang="zh-CN" altLang="en-US" dirty="0"/>
-              <a:t>合格性规定</a:t>
-            </a:r>
-            <a:endParaRPr dirty="0"/>
-          </a:p>
-        </p:txBody>
-      </p:sp>
-      <p:sp>
-        <p:nvSpPr>
-          <p:cNvPr id="229" name="文本框 20"/>
-          <p:cNvSpPr txBox="1"/>
-          <p:nvPr/>
-        </p:nvSpPr>
-        <p:spPr>
-          <a:xfrm>
-            <a:off x="5035004" y="2235218"/>
-            <a:ext cx="574587" cy="1183641"/>
-          </a:xfrm>
-          <a:prstGeom prst="rect">
-            <a:avLst/>
-          </a:prstGeom>
-          <a:ln w="12700">
-            <a:miter lim="400000"/>
-          </a:ln>
-          <a:extLst>
-            <a:ext uri="{C572A759-6A51-4108-AA02-DFA0A04FC94B}">
-              <ma14:wrappingTextBoxFlag xmlns="" xmlns:ma14="http://schemas.microsoft.com/office/mac/drawingml/2011/main" val="1"/>
-            </a:ext>
-          </a:extLst>
-        </p:spPr>
-        <p:txBody>
-          <a:bodyPr wrap="none" lIns="45719" rIns="45719">
-            <a:spAutoFit/>
-          </a:bodyPr>
-          <a:lstStyle>
-            <a:lvl1pPr algn="ctr">
-              <a:defRPr sz="7200" spc="-300">
-                <a:solidFill>
-                  <a:srgbClr val="F9B359"/>
-                </a:solidFill>
-                <a:latin typeface="微软雅黑"/>
-                <a:ea typeface="微软雅黑"/>
-                <a:cs typeface="微软雅黑"/>
-                <a:sym typeface="微软雅黑"/>
-              </a:defRPr>
-            </a:lvl1pPr>
-          </a:lstStyle>
-          <a:p>
-            <a:r>
-              <a:rPr dirty="0"/>
-              <a:t>2</a:t>
-            </a:r>
-          </a:p>
-        </p:txBody>
-      </p:sp>
-      <p:sp>
-        <p:nvSpPr>
-          <p:cNvPr id="230" name="文本框 21"/>
-          <p:cNvSpPr txBox="1"/>
-          <p:nvPr/>
-        </p:nvSpPr>
-        <p:spPr>
-          <a:xfrm>
-            <a:off x="6563432" y="3917141"/>
-            <a:ext cx="3683058" cy="523220"/>
-          </a:xfrm>
-          <a:prstGeom prst="rect">
-            <a:avLst/>
-          </a:prstGeom>
-          <a:ln w="12700">
-            <a:miter lim="400000"/>
-          </a:ln>
-          <a:extLst>
-            <a:ext uri="{C572A759-6A51-4108-AA02-DFA0A04FC94B}">
-              <ma14:wrappingTextBoxFlag xmlns="" xmlns:ma14="http://schemas.microsoft.com/office/mac/drawingml/2011/main" val="1"/>
-            </a:ext>
-          </a:extLst>
-        </p:spPr>
-        <p:txBody>
-          <a:bodyPr wrap="none" lIns="45719" rIns="45719">
-            <a:spAutoFit/>
-          </a:bodyPr>
-          <a:lstStyle>
-            <a:lvl1pPr algn="ctr">
-              <a:defRPr sz="2800" b="1">
-                <a:solidFill>
-                  <a:srgbClr val="3F403E"/>
-                </a:solidFill>
-                <a:latin typeface="微软雅黑"/>
-                <a:ea typeface="微软雅黑"/>
-                <a:cs typeface="微软雅黑"/>
-                <a:sym typeface="微软雅黑"/>
-              </a:defRPr>
-            </a:lvl1pPr>
-          </a:lstStyle>
-          <a:p>
-            <a:r>
-              <a:rPr lang="zh-CN" altLang="en-US" dirty="0"/>
-              <a:t>会议记录及项目甘特图</a:t>
-            </a:r>
-            <a:endParaRPr dirty="0"/>
-          </a:p>
-        </p:txBody>
-      </p:sp>
-      <p:sp>
-        <p:nvSpPr>
-          <p:cNvPr id="232" name="文本框 23"/>
-          <p:cNvSpPr txBox="1"/>
-          <p:nvPr/>
-        </p:nvSpPr>
-        <p:spPr>
-          <a:xfrm>
-            <a:off x="5035004" y="3586931"/>
-            <a:ext cx="574587" cy="1183641"/>
-          </a:xfrm>
-          <a:prstGeom prst="rect">
-            <a:avLst/>
-          </a:prstGeom>
-          <a:ln w="12700">
-            <a:miter lim="400000"/>
-          </a:ln>
-          <a:extLst>
-            <a:ext uri="{C572A759-6A51-4108-AA02-DFA0A04FC94B}">
-              <ma14:wrappingTextBoxFlag xmlns="" xmlns:ma14="http://schemas.microsoft.com/office/mac/drawingml/2011/main" val="1"/>
-            </a:ext>
-          </a:extLst>
-        </p:spPr>
-        <p:txBody>
-          <a:bodyPr wrap="none" lIns="45719" rIns="45719">
-            <a:spAutoFit/>
-          </a:bodyPr>
-          <a:lstStyle>
-            <a:lvl1pPr algn="ctr">
-              <a:defRPr sz="7200" spc="-300">
-                <a:solidFill>
-                  <a:srgbClr val="F9B359"/>
-                </a:solidFill>
-                <a:latin typeface="微软雅黑"/>
-                <a:ea typeface="微软雅黑"/>
-                <a:cs typeface="微软雅黑"/>
-                <a:sym typeface="微软雅黑"/>
-              </a:defRPr>
-            </a:lvl1pPr>
-          </a:lstStyle>
-          <a:p>
-            <a:r>
-              <a:rPr dirty="0"/>
-              <a:t>3</a:t>
-            </a:r>
-          </a:p>
-        </p:txBody>
-      </p:sp>
-      <p:sp>
-        <p:nvSpPr>
-          <p:cNvPr id="233" name="文本框 24"/>
-          <p:cNvSpPr txBox="1"/>
-          <p:nvPr/>
-        </p:nvSpPr>
-        <p:spPr>
-          <a:xfrm>
-            <a:off x="7601404" y="5270872"/>
-            <a:ext cx="1528622" cy="523220"/>
-          </a:xfrm>
-          <a:prstGeom prst="rect">
-            <a:avLst/>
-          </a:prstGeom>
-          <a:ln w="12700">
-            <a:miter lim="400000"/>
-          </a:ln>
-          <a:extLst>
-            <a:ext uri="{C572A759-6A51-4108-AA02-DFA0A04FC94B}">
-              <ma14:wrappingTextBoxFlag xmlns="" xmlns:ma14="http://schemas.microsoft.com/office/mac/drawingml/2011/main" val="1"/>
-            </a:ext>
-          </a:extLst>
-        </p:spPr>
-        <p:txBody>
-          <a:bodyPr wrap="none" lIns="45719" rIns="45719">
-            <a:spAutoFit/>
-          </a:bodyPr>
-          <a:lstStyle>
-            <a:lvl1pPr algn="ctr">
-              <a:defRPr sz="2800" b="1">
-                <a:solidFill>
-                  <a:srgbClr val="3F403E"/>
-                </a:solidFill>
-                <a:latin typeface="微软雅黑"/>
-                <a:ea typeface="微软雅黑"/>
-                <a:cs typeface="微软雅黑"/>
-                <a:sym typeface="微软雅黑"/>
-              </a:defRPr>
-            </a:lvl1pPr>
-          </a:lstStyle>
-          <a:p>
-            <a:r>
-              <a:rPr lang="zh-CN" altLang="en-US" dirty="0"/>
-              <a:t>绩效评价</a:t>
-            </a:r>
-            <a:endParaRPr dirty="0"/>
-          </a:p>
-        </p:txBody>
-      </p:sp>
-      <p:sp>
-        <p:nvSpPr>
-          <p:cNvPr id="235" name="文本框 26"/>
-          <p:cNvSpPr txBox="1"/>
-          <p:nvPr/>
-        </p:nvSpPr>
-        <p:spPr>
-          <a:xfrm>
-            <a:off x="5035004" y="4938645"/>
-            <a:ext cx="574587" cy="1183641"/>
-          </a:xfrm>
-          <a:prstGeom prst="rect">
-            <a:avLst/>
-          </a:prstGeom>
-          <a:ln w="12700">
-            <a:miter lim="400000"/>
-          </a:ln>
-          <a:extLst>
-            <a:ext uri="{C572A759-6A51-4108-AA02-DFA0A04FC94B}">
-              <ma14:wrappingTextBoxFlag xmlns="" xmlns:ma14="http://schemas.microsoft.com/office/mac/drawingml/2011/main" val="1"/>
-            </a:ext>
-          </a:extLst>
-        </p:spPr>
-        <p:txBody>
-          <a:bodyPr wrap="none" lIns="45719" rIns="45719">
-            <a:spAutoFit/>
-          </a:bodyPr>
-          <a:lstStyle>
-            <a:lvl1pPr algn="ctr">
-              <a:defRPr sz="7200" spc="-300">
-                <a:solidFill>
-                  <a:srgbClr val="F9B359"/>
-                </a:solidFill>
-                <a:latin typeface="微软雅黑"/>
-                <a:ea typeface="微软雅黑"/>
-                <a:cs typeface="微软雅黑"/>
-                <a:sym typeface="微软雅黑"/>
-              </a:defRPr>
-            </a:lvl1pPr>
-          </a:lstStyle>
-          <a:p>
-            <a:r>
-              <a:t>4</a:t>
-            </a:r>
-          </a:p>
-        </p:txBody>
-      </p:sp>
-      <p:sp>
-        <p:nvSpPr>
-          <p:cNvPr id="236" name="矩形 1"/>
-          <p:cNvSpPr/>
-          <p:nvPr/>
-        </p:nvSpPr>
-        <p:spPr>
-          <a:xfrm>
-            <a:off x="695325" y="1"/>
-            <a:ext cx="3325132" cy="6858001"/>
-          </a:xfrm>
-          <a:prstGeom prst="rect">
-            <a:avLst/>
-          </a:prstGeom>
-          <a:solidFill>
-            <a:srgbClr val="F9B359"/>
-          </a:solidFill>
-          <a:ln w="12700">
-            <a:miter lim="400000"/>
-          </a:ln>
-          <a:effectLst>
-            <a:outerShdw blurRad="127000" rotWithShape="0">
-              <a:srgbClr val="969F98">
-                <a:alpha val="40000"/>
-              </a:srgbClr>
-            </a:outerShdw>
-          </a:effectLst>
-        </p:spPr>
-        <p:txBody>
-          <a:bodyPr lIns="45719" rIns="45719" anchor="ctr"/>
-          <a:lstStyle/>
-          <a:p>
-            <a:pPr algn="ctr">
-              <a:defRPr>
-                <a:solidFill>
-                  <a:srgbClr val="FFFFFF"/>
-                </a:solidFill>
-              </a:defRPr>
-            </a:pPr>
-            <a:endParaRPr/>
-          </a:p>
-        </p:txBody>
-      </p:sp>
-      <p:sp>
-        <p:nvSpPr>
-          <p:cNvPr id="237" name="文本框 3"/>
-          <p:cNvSpPr txBox="1"/>
-          <p:nvPr/>
-        </p:nvSpPr>
-        <p:spPr>
-          <a:xfrm rot="5400000">
-            <a:off x="7398" y="2782891"/>
-            <a:ext cx="4714241" cy="1094741"/>
-          </a:xfrm>
-          <a:prstGeom prst="rect">
-            <a:avLst/>
-          </a:prstGeom>
-          <a:ln w="12700">
-            <a:miter lim="400000"/>
-          </a:ln>
-          <a:extLst>
-            <a:ext uri="{C572A759-6A51-4108-AA02-DFA0A04FC94B}">
-              <ma14:wrappingTextBoxFlag xmlns="" xmlns:ma14="http://schemas.microsoft.com/office/mac/drawingml/2011/main" val="1"/>
-            </a:ext>
-          </a:extLst>
-        </p:spPr>
-        <p:txBody>
-          <a:bodyPr wrap="none" lIns="45719" rIns="45719">
-            <a:spAutoFit/>
-          </a:bodyPr>
-          <a:lstStyle>
-            <a:lvl1pPr>
-              <a:defRPr sz="6600" b="1">
-                <a:solidFill>
-                  <a:srgbClr val="FFFFFF"/>
-                </a:solidFill>
-                <a:latin typeface="微软雅黑"/>
-                <a:ea typeface="微软雅黑"/>
-                <a:cs typeface="微软雅黑"/>
-                <a:sym typeface="微软雅黑"/>
-              </a:defRPr>
-            </a:lvl1pPr>
-          </a:lstStyle>
-          <a:p>
-            <a:r>
-              <a:t>CONTENTS</a:t>
-            </a:r>
-          </a:p>
-        </p:txBody>
-      </p:sp>
-      <p:pic>
-        <p:nvPicPr>
-          <p:cNvPr id="15" name="图片 14">
-            <a:extLst>
-              <a:ext uri="{FF2B5EF4-FFF2-40B4-BE49-F238E27FC236}">
-                <a16:creationId xmlns:a16="http://schemas.microsoft.com/office/drawing/2014/main" id="{1760666A-8C83-4EF2-B0D7-90C0F4534C1D}"/>
-              </a:ext>
-            </a:extLst>
-          </p:cNvPr>
-          <p:cNvPicPr>
-            <a:picLocks noChangeAspect="1"/>
-          </p:cNvPicPr>
-          <p:nvPr/>
-        </p:nvPicPr>
-        <p:blipFill>
-          <a:blip r:embed="rId2" cstate="print">
-            <a:extLst>
-              <a:ext uri="{28A0092B-C50C-407E-A947-70E740481C1C}">
-                <a14:useLocalDpi xmlns:a14="http://schemas.microsoft.com/office/drawing/2010/main" val="0"/>
-              </a:ext>
-            </a:extLst>
-          </a:blip>
-          <a:stretch>
-            <a:fillRect/>
-          </a:stretch>
-        </p:blipFill>
-        <p:spPr>
-          <a:xfrm>
-            <a:off x="0" y="0"/>
-            <a:ext cx="701608" cy="701608"/>
-          </a:xfrm>
-          <a:prstGeom prst="rect">
-            <a:avLst/>
-          </a:prstGeom>
-        </p:spPr>
-      </p:pic>
-    </p:spTree>
-  </p:cSld>
-  <p:clrMapOvr>
-    <a:masterClrMapping/>
-  </p:clrMapOvr>
-  <mc:AlternateContent xmlns:mc="http://schemas.openxmlformats.org/markup-compatibility/2006" xmlns:p14="http://schemas.microsoft.com/office/powerpoint/2010/main">
-    <mc:Choice Requires="p14">
-      <p:transition spd="slow" p14:dur="1200" advClick="0" advTm="5000">
-        <p:push dir="u"/>
-      </p:transition>
-    </mc:Choice>
-    <mc:Fallback xmlns="">
-      <p:transition spd="slow">
-        <p:fade/>
-      </p:transition>
-    </mc:Fallback>
-  </mc:AlternateContent>
-  <p:timing>
-    <p:tnLst>
-      <p:par>
-        <p:cTn id="1" dur="indefinite" restart="never" fill="hold" nodeType="tmRoot">
-          <p:childTnLst>
-            <p:seq concurrent="1" prevAc="none" nextAc="seek">
-              <p:cTn id="2" dur="indefinite" fill="hold" nodeType="mainSeq">
-                <p:childTnLst>
-                  <p:par>
-                    <p:cTn id="3" fill="hold">
-                      <p:stCondLst>
-                        <p:cond delay="indefinite"/>
-                        <p:cond evt="onBegin" delay="0">
-                          <p:tn val="2"/>
-                        </p:cond>
-                      </p:stCondLst>
-                      <p:childTnLst>
-                        <p:par>
-                          <p:cTn id="4" fill="hold">
-                            <p:stCondLst>
-                              <p:cond delay="0"/>
-                            </p:stCondLst>
-                            <p:childTnLst>
-                              <p:par>
-                                <p:cTn id="5" presetID="2" presetClass="entr" presetSubtype="1" fill="hold" grpId="1" nodeType="afterEffect">
-                                  <p:stCondLst>
-                                    <p:cond delay="0"/>
-                                  </p:stCondLst>
-                                  <p:iterate>
-                                    <p:tmAbs val="0"/>
-                                  </p:iterate>
-                                  <p:childTnLst>
-                                    <p:set>
-                                      <p:cBhvr>
-                                        <p:cTn id="6" fill="hold"/>
-                                        <p:tgtEl>
-                                          <p:spTgt spid="236"/>
-                                        </p:tgtEl>
-                                        <p:attrNameLst>
-                                          <p:attrName>style.visibility</p:attrName>
-                                        </p:attrNameLst>
-                                      </p:cBhvr>
-                                      <p:to>
-                                        <p:strVal val="visible"/>
-                                      </p:to>
-                                    </p:set>
-                                    <p:anim calcmode="lin" valueType="num">
-                                      <p:cBhvr>
-                                        <p:cTn id="7" dur="1000" fill="hold"/>
-                                        <p:tgtEl>
-                                          <p:spTgt spid="236"/>
-                                        </p:tgtEl>
-                                        <p:attrNameLst>
-                                          <p:attrName>ppt_x</p:attrName>
-                                        </p:attrNameLst>
-                                      </p:cBhvr>
-                                      <p:tavLst>
-                                        <p:tav tm="0">
-                                          <p:val>
-                                            <p:strVal val="#ppt_x"/>
-                                          </p:val>
-                                        </p:tav>
-                                        <p:tav tm="100000">
-                                          <p:val>
-                                            <p:strVal val="#ppt_x"/>
-                                          </p:val>
-                                        </p:tav>
-                                      </p:tavLst>
-                                    </p:anim>
-                                    <p:anim calcmode="lin" valueType="num">
-                                      <p:cBhvr>
-                                        <p:cTn id="8" dur="1000" fill="hold"/>
-                                        <p:tgtEl>
-                                          <p:spTgt spid="236"/>
-                                        </p:tgtEl>
-                                        <p:attrNameLst>
-                                          <p:attrName>ppt_y</p:attrName>
-                                        </p:attrNameLst>
-                                      </p:cBhvr>
-                                      <p:tavLst>
-                                        <p:tav tm="0">
-                                          <p:val>
-                                            <p:strVal val="0-#ppt_h/2"/>
-                                          </p:val>
-                                        </p:tav>
-                                        <p:tav tm="100000">
-                                          <p:val>
-                                            <p:strVal val="#ppt_y"/>
-                                          </p:val>
-                                        </p:tav>
-                                      </p:tavLst>
-                                    </p:anim>
-                                  </p:childTnLst>
-                                </p:cTn>
-                              </p:par>
-                            </p:childTnLst>
-                          </p:cTn>
-                        </p:par>
-                        <p:par>
-                          <p:cTn id="9" fill="hold">
-                            <p:stCondLst>
-                              <p:cond delay="1000"/>
-                            </p:stCondLst>
-                            <p:childTnLst>
-                              <p:par>
-                                <p:cTn id="10" presetID="22" presetClass="entr" presetSubtype="1" fill="hold" grpId="2" nodeType="afterEffect">
-                                  <p:stCondLst>
-                                    <p:cond delay="500"/>
-                                  </p:stCondLst>
-                                  <p:iterate>
-                                    <p:tmAbs val="0"/>
-                                  </p:iterate>
-                                  <p:childTnLst>
-                                    <p:set>
-                                      <p:cBhvr>
-                                        <p:cTn id="11" fill="hold"/>
-                                        <p:tgtEl>
-                                          <p:spTgt spid="237"/>
-                                        </p:tgtEl>
-                                        <p:attrNameLst>
-                                          <p:attrName>style.visibility</p:attrName>
-                                        </p:attrNameLst>
-                                      </p:cBhvr>
-                                      <p:to>
-                                        <p:strVal val="visible"/>
-                                      </p:to>
-                                    </p:set>
-                                    <p:animEffect transition="in" filter="wipe(up)">
-                                      <p:cBhvr>
-                                        <p:cTn id="12" dur="1000"/>
-                                        <p:tgtEl>
-                                          <p:spTgt spid="237"/>
-                                        </p:tgtEl>
-                                      </p:cBhvr>
-                                    </p:animEffect>
-                                  </p:childTnLst>
-                                </p:cTn>
-                              </p:par>
-                            </p:childTnLst>
-                          </p:cTn>
-                        </p:par>
-                        <p:par>
-                          <p:cTn id="13" fill="hold">
-                            <p:stCondLst>
-                              <p:cond delay="2500"/>
-                            </p:stCondLst>
-                            <p:childTnLst>
-                              <p:par>
-                                <p:cTn id="14" presetID="22" presetClass="entr" presetSubtype="8" fill="hold" grpId="3" nodeType="afterEffect">
-                                  <p:stCondLst>
-                                    <p:cond delay="0"/>
-                                  </p:stCondLst>
-                                  <p:iterate>
-                                    <p:tmAbs val="0"/>
-                                  </p:iterate>
-                                  <p:childTnLst>
-                                    <p:set>
-                                      <p:cBhvr>
-                                        <p:cTn id="15" fill="hold"/>
-                                        <p:tgtEl>
-                                          <p:spTgt spid="221"/>
-                                        </p:tgtEl>
-                                        <p:attrNameLst>
-                                          <p:attrName>style.visibility</p:attrName>
-                                        </p:attrNameLst>
-                                      </p:cBhvr>
-                                      <p:to>
-                                        <p:strVal val="visible"/>
-                                      </p:to>
-                                    </p:set>
-                                    <p:animEffect transition="in" filter="wipe(left)">
-                                      <p:cBhvr>
-                                        <p:cTn id="16" dur="1000"/>
-                                        <p:tgtEl>
-                                          <p:spTgt spid="221"/>
-                                        </p:tgtEl>
-                                      </p:cBhvr>
-                                    </p:animEffect>
-                                  </p:childTnLst>
-                                </p:cTn>
-                              </p:par>
-                            </p:childTnLst>
-                          </p:cTn>
-                        </p:par>
-                        <p:par>
-                          <p:cTn id="17" fill="hold">
-                            <p:stCondLst>
-                              <p:cond delay="3500"/>
-                            </p:stCondLst>
-                            <p:childTnLst>
-                              <p:par>
-                                <p:cTn id="18" presetID="9" presetClass="entr" fill="hold" grpId="4" nodeType="afterEffect">
-                                  <p:stCondLst>
-                                    <p:cond delay="0"/>
-                                  </p:stCondLst>
-                                  <p:iterate>
-                                    <p:tmAbs val="0"/>
-                                  </p:iterate>
-                                  <p:childTnLst>
-                                    <p:set>
-                                      <p:cBhvr>
-                                        <p:cTn id="19" fill="hold"/>
-                                        <p:tgtEl>
-                                          <p:spTgt spid="222"/>
-                                        </p:tgtEl>
-                                        <p:attrNameLst>
-                                          <p:attrName>style.visibility</p:attrName>
-                                        </p:attrNameLst>
-                                      </p:cBhvr>
-                                      <p:to>
-                                        <p:strVal val="visible"/>
-                                      </p:to>
-                                    </p:set>
-                                    <p:animEffect transition="in" filter="dissolve">
-                                      <p:cBhvr>
-                                        <p:cTn id="20" dur="1000"/>
-                                        <p:tgtEl>
-                                          <p:spTgt spid="222"/>
-                                        </p:tgtEl>
-                                      </p:cBhvr>
-                                    </p:animEffect>
-                                  </p:childTnLst>
-                                </p:cTn>
-                              </p:par>
-                            </p:childTnLst>
-                          </p:cTn>
-                        </p:par>
-                        <p:par>
-                          <p:cTn id="21" fill="hold">
-                            <p:stCondLst>
-                              <p:cond delay="4500"/>
-                            </p:stCondLst>
-                            <p:childTnLst>
-                              <p:par>
-                                <p:cTn id="22" presetID="9" presetClass="entr" fill="hold" grpId="5" nodeType="afterEffect">
-                                  <p:stCondLst>
-                                    <p:cond delay="0"/>
-                                  </p:stCondLst>
-                                  <p:iterate>
-                                    <p:tmAbs val="0"/>
-                                  </p:iterate>
-                                  <p:childTnLst>
-                                    <p:set>
-                                      <p:cBhvr>
-                                        <p:cTn id="23" fill="hold"/>
-                                        <p:tgtEl>
-                                          <p:spTgt spid="225"/>
-                                        </p:tgtEl>
-                                        <p:attrNameLst>
-                                          <p:attrName>style.visibility</p:attrName>
-                                        </p:attrNameLst>
-                                      </p:cBhvr>
-                                      <p:to>
-                                        <p:strVal val="visible"/>
-                                      </p:to>
-                                    </p:set>
-                                    <p:animEffect transition="in" filter="dissolve">
-                                      <p:cBhvr>
-                                        <p:cTn id="24" dur="500"/>
-                                        <p:tgtEl>
-                                          <p:spTgt spid="225"/>
-                                        </p:tgtEl>
-                                      </p:cBhvr>
-                                    </p:animEffect>
-                                  </p:childTnLst>
-                                </p:cTn>
-                              </p:par>
-                            </p:childTnLst>
-                          </p:cTn>
-                        </p:par>
-                        <p:par>
-                          <p:cTn id="25" fill="hold">
-                            <p:stCondLst>
-                              <p:cond delay="5000"/>
-                            </p:stCondLst>
-                            <p:childTnLst>
-                              <p:par>
-                                <p:cTn id="26" presetID="9" presetClass="entr" fill="hold" grpId="6" nodeType="afterEffect">
-                                  <p:stCondLst>
-                                    <p:cond delay="200"/>
-                                  </p:stCondLst>
-                                  <p:iterate>
-                                    <p:tmAbs val="0"/>
-                                  </p:iterate>
-                                  <p:childTnLst>
-                                    <p:set>
-                                      <p:cBhvr>
-                                        <p:cTn id="27" fill="hold"/>
-                                        <p:tgtEl>
-                                          <p:spTgt spid="229"/>
-                                        </p:tgtEl>
-                                        <p:attrNameLst>
-                                          <p:attrName>style.visibility</p:attrName>
-                                        </p:attrNameLst>
-                                      </p:cBhvr>
-                                      <p:to>
-                                        <p:strVal val="visible"/>
-                                      </p:to>
-                                    </p:set>
-                                    <p:animEffect transition="in" filter="dissolve">
-                                      <p:cBhvr>
-                                        <p:cTn id="28" dur="500"/>
-                                        <p:tgtEl>
-                                          <p:spTgt spid="229"/>
-                                        </p:tgtEl>
-                                      </p:cBhvr>
-                                    </p:animEffect>
-                                  </p:childTnLst>
-                                </p:cTn>
-                              </p:par>
-                            </p:childTnLst>
-                          </p:cTn>
-                        </p:par>
-                        <p:par>
-                          <p:cTn id="29" fill="hold">
-                            <p:stCondLst>
-                              <p:cond delay="5700"/>
-                            </p:stCondLst>
-                            <p:childTnLst>
-                              <p:par>
-                                <p:cTn id="30" presetID="9" presetClass="entr" fill="hold" grpId="7" nodeType="afterEffect">
-                                  <p:stCondLst>
-                                    <p:cond delay="400"/>
-                                  </p:stCondLst>
-                                  <p:iterate>
-                                    <p:tmAbs val="0"/>
-                                  </p:iterate>
-                                  <p:childTnLst>
-                                    <p:set>
-                                      <p:cBhvr>
-                                        <p:cTn id="31" fill="hold"/>
-                                        <p:tgtEl>
-                                          <p:spTgt spid="232"/>
-                                        </p:tgtEl>
-                                        <p:attrNameLst>
-                                          <p:attrName>style.visibility</p:attrName>
-                                        </p:attrNameLst>
-                                      </p:cBhvr>
-                                      <p:to>
-                                        <p:strVal val="visible"/>
-                                      </p:to>
-                                    </p:set>
-                                    <p:animEffect transition="in" filter="dissolve">
-                                      <p:cBhvr>
-                                        <p:cTn id="32" dur="500"/>
-                                        <p:tgtEl>
-                                          <p:spTgt spid="232"/>
-                                        </p:tgtEl>
-                                      </p:cBhvr>
-                                    </p:animEffect>
-                                  </p:childTnLst>
-                                </p:cTn>
-                              </p:par>
-                            </p:childTnLst>
-                          </p:cTn>
-                        </p:par>
-                        <p:par>
-                          <p:cTn id="33" fill="hold">
-                            <p:stCondLst>
-                              <p:cond delay="6600"/>
-                            </p:stCondLst>
-                            <p:childTnLst>
-                              <p:par>
-                                <p:cTn id="34" presetID="9" presetClass="entr" fill="hold" grpId="8" nodeType="afterEffect">
-                                  <p:stCondLst>
-                                    <p:cond delay="600"/>
-                                  </p:stCondLst>
-                                  <p:iterate>
-                                    <p:tmAbs val="0"/>
-                                  </p:iterate>
-                                  <p:childTnLst>
-                                    <p:set>
-                                      <p:cBhvr>
-                                        <p:cTn id="35" fill="hold"/>
-                                        <p:tgtEl>
-                                          <p:spTgt spid="235"/>
-                                        </p:tgtEl>
-                                        <p:attrNameLst>
-                                          <p:attrName>style.visibility</p:attrName>
-                                        </p:attrNameLst>
-                                      </p:cBhvr>
-                                      <p:to>
-                                        <p:strVal val="visible"/>
-                                      </p:to>
-                                    </p:set>
-                                    <p:animEffect transition="in" filter="dissolve">
-                                      <p:cBhvr>
-                                        <p:cTn id="36" dur="500"/>
-                                        <p:tgtEl>
-                                          <p:spTgt spid="235"/>
-                                        </p:tgtEl>
-                                      </p:cBhvr>
-                                    </p:animEffect>
-                                  </p:childTnLst>
-                                </p:cTn>
-                              </p:par>
-                            </p:childTnLst>
-                          </p:cTn>
-                        </p:par>
-                        <p:par>
-                          <p:cTn id="37" fill="hold">
-                            <p:stCondLst>
-                              <p:cond delay="7700"/>
-                            </p:stCondLst>
-                            <p:childTnLst>
-                              <p:par>
-                                <p:cTn id="38" presetID="22" presetClass="entr" presetSubtype="1" fill="hold" grpId="9" nodeType="afterEffect">
-                                  <p:stCondLst>
-                                    <p:cond delay="0"/>
-                                  </p:stCondLst>
-                                  <p:iterate>
-                                    <p:tmAbs val="0"/>
-                                  </p:iterate>
-                                  <p:childTnLst>
-                                    <p:set>
-                                      <p:cBhvr>
-                                        <p:cTn id="39" fill="hold"/>
-                                        <p:tgtEl>
-                                          <p:spTgt spid="226"/>
-                                        </p:tgtEl>
-                                        <p:attrNameLst>
-                                          <p:attrName>style.visibility</p:attrName>
-                                        </p:attrNameLst>
-                                      </p:cBhvr>
-                                      <p:to>
-                                        <p:strVal val="visible"/>
-                                      </p:to>
-                                    </p:set>
-                                    <p:animEffect transition="in" filter="wipe(up)">
-                                      <p:cBhvr>
-                                        <p:cTn id="40" dur="1000"/>
-                                        <p:tgtEl>
-                                          <p:spTgt spid="226"/>
-                                        </p:tgtEl>
-                                      </p:cBhvr>
-                                    </p:animEffect>
-                                  </p:childTnLst>
-                                </p:cTn>
-                              </p:par>
-                            </p:childTnLst>
-                          </p:cTn>
-                        </p:par>
-                        <p:par>
-                          <p:cTn id="41" fill="hold">
-                            <p:stCondLst>
-                              <p:cond delay="8700"/>
-                            </p:stCondLst>
-                            <p:childTnLst>
-                              <p:par>
-                                <p:cTn id="42" presetID="9" presetClass="entr" fill="hold" grpId="10" nodeType="afterEffect">
-                                  <p:stCondLst>
-                                    <p:cond delay="0"/>
-                                  </p:stCondLst>
-                                  <p:iterate>
-                                    <p:tmAbs val="0"/>
-                                  </p:iterate>
-                                  <p:childTnLst>
-                                    <p:set>
-                                      <p:cBhvr>
-                                        <p:cTn id="43" fill="hold"/>
-                                        <p:tgtEl>
-                                          <p:spTgt spid="223"/>
-                                        </p:tgtEl>
-                                        <p:attrNameLst>
-                                          <p:attrName>style.visibility</p:attrName>
-                                        </p:attrNameLst>
-                                      </p:cBhvr>
-                                      <p:to>
-                                        <p:strVal val="visible"/>
-                                      </p:to>
-                                    </p:set>
-                                    <p:animEffect transition="in" filter="dissolve">
-                                      <p:cBhvr>
-                                        <p:cTn id="44" dur="500"/>
-                                        <p:tgtEl>
-                                          <p:spTgt spid="223"/>
-                                        </p:tgtEl>
-                                      </p:cBhvr>
-                                    </p:animEffect>
-                                  </p:childTnLst>
-                                </p:cTn>
-                              </p:par>
-                            </p:childTnLst>
-                          </p:cTn>
-                        </p:par>
-                        <p:par>
-                          <p:cTn id="45" fill="hold">
-                            <p:stCondLst>
-                              <p:cond delay="9200"/>
-                            </p:stCondLst>
-                            <p:childTnLst>
-                              <p:par>
-                                <p:cTn id="46" presetID="9" presetClass="entr" fill="hold" grpId="12" nodeType="afterEffect">
-                                  <p:stCondLst>
-                                    <p:cond delay="0"/>
-                                  </p:stCondLst>
-                                  <p:iterate>
-                                    <p:tmAbs val="0"/>
-                                  </p:iterate>
-                                  <p:childTnLst>
-                                    <p:set>
-                                      <p:cBhvr>
-                                        <p:cTn id="47" fill="hold"/>
-                                        <p:tgtEl>
-                                          <p:spTgt spid="227"/>
-                                        </p:tgtEl>
-                                        <p:attrNameLst>
-                                          <p:attrName>style.visibility</p:attrName>
-                                        </p:attrNameLst>
-                                      </p:cBhvr>
-                                      <p:to>
-                                        <p:strVal val="visible"/>
-                                      </p:to>
-                                    </p:set>
-                                    <p:animEffect transition="in" filter="dissolve">
-                                      <p:cBhvr>
-                                        <p:cTn id="48" dur="500"/>
-                                        <p:tgtEl>
-                                          <p:spTgt spid="227"/>
-                                        </p:tgtEl>
-                                      </p:cBhvr>
-                                    </p:animEffect>
-                                  </p:childTnLst>
-                                </p:cTn>
-                              </p:par>
-                            </p:childTnLst>
-                          </p:cTn>
-                        </p:par>
-                        <p:par>
-                          <p:cTn id="49" fill="hold">
-                            <p:stCondLst>
-                              <p:cond delay="9700"/>
-                            </p:stCondLst>
-                            <p:childTnLst>
-                              <p:par>
-                                <p:cTn id="50" presetID="9" presetClass="entr" fill="hold" grpId="14" nodeType="afterEffect">
-                                  <p:stCondLst>
-                                    <p:cond delay="0"/>
-                                  </p:stCondLst>
-                                  <p:iterate>
-                                    <p:tmAbs val="0"/>
-                                  </p:iterate>
-                                  <p:childTnLst>
-                                    <p:set>
-                                      <p:cBhvr>
-                                        <p:cTn id="51" fill="hold"/>
-                                        <p:tgtEl>
-                                          <p:spTgt spid="230"/>
-                                        </p:tgtEl>
-                                        <p:attrNameLst>
-                                          <p:attrName>style.visibility</p:attrName>
-                                        </p:attrNameLst>
-                                      </p:cBhvr>
-                                      <p:to>
-                                        <p:strVal val="visible"/>
-                                      </p:to>
-                                    </p:set>
-                                    <p:animEffect transition="in" filter="dissolve">
-                                      <p:cBhvr>
-                                        <p:cTn id="52" dur="500"/>
-                                        <p:tgtEl>
-                                          <p:spTgt spid="230"/>
-                                        </p:tgtEl>
-                                      </p:cBhvr>
-                                    </p:animEffect>
-                                  </p:childTnLst>
-                                </p:cTn>
-                              </p:par>
-                            </p:childTnLst>
-                          </p:cTn>
-                        </p:par>
-                        <p:par>
-                          <p:cTn id="53" fill="hold">
-                            <p:stCondLst>
-                              <p:cond delay="10200"/>
-                            </p:stCondLst>
-                            <p:childTnLst>
-                              <p:par>
-                                <p:cTn id="54" presetID="9" presetClass="entr" fill="hold" grpId="16" nodeType="afterEffect">
-                                  <p:stCondLst>
-                                    <p:cond delay="0"/>
-                                  </p:stCondLst>
-                                  <p:iterate>
-                                    <p:tmAbs val="0"/>
-                                  </p:iterate>
-                                  <p:childTnLst>
-                                    <p:set>
-                                      <p:cBhvr>
-                                        <p:cTn id="55" fill="hold"/>
-                                        <p:tgtEl>
-                                          <p:spTgt spid="233"/>
-                                        </p:tgtEl>
-                                        <p:attrNameLst>
-                                          <p:attrName>style.visibility</p:attrName>
-                                        </p:attrNameLst>
-                                      </p:cBhvr>
-                                      <p:to>
-                                        <p:strVal val="visible"/>
-                                      </p:to>
-                                    </p:set>
-                                    <p:animEffect transition="in" filter="dissolve">
-                                      <p:cBhvr>
-                                        <p:cTn id="56" dur="500"/>
-                                        <p:tgtEl>
-                                          <p:spTgt spid="233"/>
-                                        </p:tgtEl>
-                                      </p:cBhvr>
-                                    </p:animEffect>
-                                  </p:childTnLst>
-                                </p:cTn>
-                              </p:par>
-                              <p:par>
-                                <p:cTn id="57" presetID="10" presetClass="entr" presetSubtype="0" fill="hold" nodeType="withEffect">
-                                  <p:stCondLst>
-                                    <p:cond delay="0"/>
-                                  </p:stCondLst>
-                                  <p:childTnLst>
-                                    <p:set>
-                                      <p:cBhvr>
-                                        <p:cTn id="58" dur="1" fill="hold">
-                                          <p:stCondLst>
-                                            <p:cond delay="0"/>
-                                          </p:stCondLst>
-                                        </p:cTn>
-                                        <p:tgtEl>
-                                          <p:spTgt spid="15"/>
-                                        </p:tgtEl>
-                                        <p:attrNameLst>
-                                          <p:attrName>style.visibility</p:attrName>
-                                        </p:attrNameLst>
-                                      </p:cBhvr>
-                                      <p:to>
-                                        <p:strVal val="visible"/>
-                                      </p:to>
-                                    </p:set>
-                                    <p:animEffect transition="in" filter="fade">
-                                      <p:cBhvr>
-                                        <p:cTn id="59" dur="1000"/>
-                                        <p:tgtEl>
-                                          <p:spTgt spid="15"/>
-                                        </p:tgtEl>
-                                      </p:cBhvr>
-                                    </p:animEffect>
-                                  </p:childTnLst>
-                                </p:cTn>
-                              </p:par>
-                            </p:childTnLst>
-                          </p:cTn>
-                        </p:par>
-                      </p:childTnLst>
-                    </p:cTn>
-                  </p:par>
-                </p:childTnLst>
-              </p:cTn>
-              <p:prevCondLst>
-                <p:cond evt="onPrev" delay="0">
-                  <p:tgtEl>
-                    <p:sldTgt/>
-                  </p:tgtEl>
-                </p:cond>
-              </p:prevCondLst>
-              <p:nextCondLst>
-                <p:cond evt="onNext" delay="0">
-                  <p:tgtEl>
-                    <p:sldTgt/>
-                  </p:tgtEl>
-                </p:cond>
-              </p:nextCondLst>
-            </p:seq>
-          </p:childTnLst>
-        </p:cTn>
-      </p:par>
-    </p:tnLst>
-    <p:bldLst>
-      <p:bldP spid="221" grpId="3" animBg="1" advAuto="0"/>
-      <p:bldP spid="222" grpId="4" animBg="1" advAuto="0"/>
-      <p:bldP spid="223" grpId="10" animBg="1" advAuto="0"/>
-      <p:bldP spid="225" grpId="5" animBg="1" advAuto="0"/>
-      <p:bldP spid="226" grpId="9" animBg="1" advAuto="0"/>
-      <p:bldP spid="227" grpId="12" animBg="1" advAuto="0"/>
-      <p:bldP spid="229" grpId="6" animBg="1" advAuto="0"/>
-      <p:bldP spid="230" grpId="14" animBg="1" advAuto="0"/>
-      <p:bldP spid="232" grpId="7" animBg="1" advAuto="0"/>
-      <p:bldP spid="233" grpId="16" animBg="1" advAuto="0"/>
-      <p:bldP spid="235" grpId="8" animBg="1" advAuto="0"/>
-      <p:bldP spid="236" grpId="1" animBg="1" advAuto="0"/>
-      <p:bldP spid="237" grpId="2" animBg="1" advAuto="0"/>
-    </p:bldLst>
-  </p:timing>
-</p:sld>
-</file>
-
-<file path=ppt/slides/slide20.xml><?xml version="1.0" encoding="utf-8"?>
+<file path=ppt/slides/slide21.xml><?xml version="1.0" encoding="utf-8"?>
 <p:sld xmlns:a="http://schemas.openxmlformats.org/drawingml/2006/main" xmlns:r="http://schemas.openxmlformats.org/officeDocument/2006/relationships" xmlns:p="http://schemas.openxmlformats.org/presentationml/2006/main">
   <p:cSld>
     <p:spTree>
@@ -15503,7 +15918,7 @@
           </a:ln>
           <a:extLst>
             <a:ext uri="{C572A759-6A51-4108-AA02-DFA0A04FC94B}">
-              <ma14:wrappingTextBoxFlag xmlns="" xmlns:ma14="http://schemas.microsoft.com/office/mac/drawingml/2011/main" val="1"/>
+              <ma14:wrappingTextBoxFlag xmlns:ma14="http://schemas.microsoft.com/office/mac/drawingml/2011/main" xmlns="" val="1"/>
             </a:ext>
           </a:extLst>
         </p:spPr>
@@ -15645,7 +16060,7 @@
           </a:ln>
           <a:extLst>
             <a:ext uri="{C572A759-6A51-4108-AA02-DFA0A04FC94B}">
-              <ma14:wrappingTextBoxFlag xmlns="" xmlns:ma14="http://schemas.microsoft.com/office/mac/drawingml/2011/main" val="1"/>
+              <ma14:wrappingTextBoxFlag xmlns:ma14="http://schemas.microsoft.com/office/mac/drawingml/2011/main" xmlns="" val="1"/>
             </a:ext>
           </a:extLst>
         </p:spPr>
@@ -16225,7 +16640,7 @@
 </p:sld>
 </file>
 
-<file path=ppt/slides/slide21.xml><?xml version="1.0" encoding="utf-8"?>
+<file path=ppt/slides/slide22.xml><?xml version="1.0" encoding="utf-8"?>
 <p:sld xmlns:a="http://schemas.openxmlformats.org/drawingml/2006/main" xmlns:r="http://schemas.openxmlformats.org/officeDocument/2006/relationships" xmlns:p="http://schemas.openxmlformats.org/presentationml/2006/main">
   <p:cSld>
     <p:spTree>
@@ -17400,7 +17815,7 @@
           </a:ln>
           <a:extLst>
             <a:ext uri="{C572A759-6A51-4108-AA02-DFA0A04FC94B}">
-              <ma14:wrappingTextBoxFlag xmlns="" xmlns:ma14="http://schemas.microsoft.com/office/mac/drawingml/2011/main" val="1"/>
+              <ma14:wrappingTextBoxFlag xmlns:ma14="http://schemas.microsoft.com/office/mac/drawingml/2011/main" xmlns="" val="1"/>
             </a:ext>
           </a:extLst>
         </p:spPr>
@@ -17529,7 +17944,7 @@
           </a:ln>
           <a:extLst>
             <a:ext uri="{C572A759-6A51-4108-AA02-DFA0A04FC94B}">
-              <ma14:wrappingTextBoxFlag xmlns="" xmlns:ma14="http://schemas.microsoft.com/office/mac/drawingml/2011/main" val="1"/>
+              <ma14:wrappingTextBoxFlag xmlns:ma14="http://schemas.microsoft.com/office/mac/drawingml/2011/main" xmlns="" val="1"/>
             </a:ext>
           </a:extLst>
         </p:spPr>
@@ -17609,7 +18024,7 @@
           </a:ln>
           <a:extLst>
             <a:ext uri="{C572A759-6A51-4108-AA02-DFA0A04FC94B}">
-              <ma14:wrappingTextBoxFlag xmlns="" xmlns:ma14="http://schemas.microsoft.com/office/mac/drawingml/2011/main" val="1"/>
+              <ma14:wrappingTextBoxFlag xmlns:ma14="http://schemas.microsoft.com/office/mac/drawingml/2011/main" xmlns="" val="1"/>
             </a:ext>
           </a:extLst>
         </p:spPr>
@@ -17667,7 +18082,7 @@
           </a:ln>
           <a:extLst>
             <a:ext uri="{C572A759-6A51-4108-AA02-DFA0A04FC94B}">
-              <ma14:wrappingTextBoxFlag xmlns="" xmlns:ma14="http://schemas.microsoft.com/office/mac/drawingml/2011/main" val="1"/>
+              <ma14:wrappingTextBoxFlag xmlns:ma14="http://schemas.microsoft.com/office/mac/drawingml/2011/main" xmlns="" val="1"/>
             </a:ext>
           </a:extLst>
         </p:spPr>
@@ -17747,7 +18162,7 @@
           </a:ln>
           <a:extLst>
             <a:ext uri="{C572A759-6A51-4108-AA02-DFA0A04FC94B}">
-              <ma14:wrappingTextBoxFlag xmlns="" xmlns:ma14="http://schemas.microsoft.com/office/mac/drawingml/2011/main" val="1"/>
+              <ma14:wrappingTextBoxFlag xmlns:ma14="http://schemas.microsoft.com/office/mac/drawingml/2011/main" xmlns="" val="1"/>
             </a:ext>
           </a:extLst>
         </p:spPr>
@@ -17814,7 +18229,7 @@
           </a:ln>
           <a:extLst>
             <a:ext uri="{C572A759-6A51-4108-AA02-DFA0A04FC94B}">
-              <ma14:wrappingTextBoxFlag xmlns="" xmlns:ma14="http://schemas.microsoft.com/office/mac/drawingml/2011/main" val="1"/>
+              <ma14:wrappingTextBoxFlag xmlns:ma14="http://schemas.microsoft.com/office/mac/drawingml/2011/main" xmlns="" val="1"/>
             </a:ext>
           </a:extLst>
         </p:spPr>
@@ -17866,7 +18281,7 @@
           </a:ln>
           <a:extLst>
             <a:ext uri="{C572A759-6A51-4108-AA02-DFA0A04FC94B}">
-              <ma14:wrappingTextBoxFlag xmlns="" xmlns:ma14="http://schemas.microsoft.com/office/mac/drawingml/2011/main" val="1"/>
+              <ma14:wrappingTextBoxFlag xmlns:ma14="http://schemas.microsoft.com/office/mac/drawingml/2011/main" xmlns="" val="1"/>
             </a:ext>
           </a:extLst>
         </p:spPr>
@@ -19500,7 +19915,7 @@
 </p:sld>
 </file>
 
-<file path=ppt/slides/slide22.xml><?xml version="1.0" encoding="utf-8"?>
+<file path=ppt/slides/slide23.xml><?xml version="1.0" encoding="utf-8"?>
 <p:sld xmlns:a="http://schemas.openxmlformats.org/drawingml/2006/main" xmlns:r="http://schemas.openxmlformats.org/officeDocument/2006/relationships" xmlns:p="http://schemas.openxmlformats.org/presentationml/2006/main">
   <p:cSld>
     <p:spTree>
@@ -19701,7 +20116,7 @@
           </a:ln>
           <a:extLst>
             <a:ext uri="{C572A759-6A51-4108-AA02-DFA0A04FC94B}">
-              <ma14:wrappingTextBoxFlag xmlns="" xmlns:ma14="http://schemas.microsoft.com/office/mac/drawingml/2011/main" val="1"/>
+              <ma14:wrappingTextBoxFlag xmlns:ma14="http://schemas.microsoft.com/office/mac/drawingml/2011/main" xmlns="" val="1"/>
             </a:ext>
           </a:extLst>
         </p:spPr>
@@ -19842,7 +20257,7 @@
           </a:ln>
           <a:extLst>
             <a:ext uri="{C572A759-6A51-4108-AA02-DFA0A04FC94B}">
-              <ma14:wrappingTextBoxFlag xmlns="" xmlns:ma14="http://schemas.microsoft.com/office/mac/drawingml/2011/main" val="1"/>
+              <ma14:wrappingTextBoxFlag xmlns:ma14="http://schemas.microsoft.com/office/mac/drawingml/2011/main" xmlns="" val="1"/>
             </a:ext>
           </a:extLst>
         </p:spPr>
@@ -20378,7 +20793,7 @@
 </p:sld>
 </file>
 
-<file path=ppt/slides/slide23.xml><?xml version="1.0" encoding="utf-8"?>
+<file path=ppt/slides/slide24.xml><?xml version="1.0" encoding="utf-8"?>
 <p:sld xmlns:a="http://schemas.openxmlformats.org/drawingml/2006/main" xmlns:r="http://schemas.openxmlformats.org/officeDocument/2006/relationships" xmlns:p="http://schemas.openxmlformats.org/presentationml/2006/main">
   <p:cSld>
     <p:spTree>
@@ -20536,7 +20951,7 @@
           </a:ln>
           <a:extLst>
             <a:ext uri="{C572A759-6A51-4108-AA02-DFA0A04FC94B}">
-              <ma14:wrappingTextBoxFlag xmlns="" xmlns:ma14="http://schemas.microsoft.com/office/mac/drawingml/2011/main" val="1"/>
+              <ma14:wrappingTextBoxFlag xmlns:ma14="http://schemas.microsoft.com/office/mac/drawingml/2011/main" xmlns="" val="1"/>
             </a:ext>
           </a:extLst>
         </p:spPr>
@@ -20602,7 +21017,7 @@
           </a:ln>
           <a:extLst>
             <a:ext uri="{C572A759-6A51-4108-AA02-DFA0A04FC94B}">
-              <ma14:wrappingTextBoxFlag xmlns="" xmlns:ma14="http://schemas.microsoft.com/office/mac/drawingml/2011/main" val="1"/>
+              <ma14:wrappingTextBoxFlag xmlns:ma14="http://schemas.microsoft.com/office/mac/drawingml/2011/main" xmlns="" val="1"/>
             </a:ext>
           </a:extLst>
         </p:spPr>
@@ -21143,7 +21558,7 @@
 </p:sld>
 </file>
 
-<file path=ppt/slides/slide24.xml><?xml version="1.0" encoding="utf-8"?>
+<file path=ppt/slides/slide25.xml><?xml version="1.0" encoding="utf-8"?>
 <p:sld xmlns:a="http://schemas.openxmlformats.org/drawingml/2006/main" xmlns:r="http://schemas.openxmlformats.org/officeDocument/2006/relationships" xmlns:p="http://schemas.openxmlformats.org/presentationml/2006/main">
   <p:cSld>
     <p:spTree>
@@ -21301,7 +21716,7 @@
           </a:ln>
           <a:extLst>
             <a:ext uri="{C572A759-6A51-4108-AA02-DFA0A04FC94B}">
-              <ma14:wrappingTextBoxFlag xmlns="" xmlns:ma14="http://schemas.microsoft.com/office/mac/drawingml/2011/main" val="1"/>
+              <ma14:wrappingTextBoxFlag xmlns:ma14="http://schemas.microsoft.com/office/mac/drawingml/2011/main" xmlns="" val="1"/>
             </a:ext>
           </a:extLst>
         </p:spPr>
@@ -21386,7 +21801,7 @@
           </a:ln>
           <a:extLst>
             <a:ext uri="{C572A759-6A51-4108-AA02-DFA0A04FC94B}">
-              <ma14:wrappingTextBoxFlag xmlns="" xmlns:ma14="http://schemas.microsoft.com/office/mac/drawingml/2011/main" val="1"/>
+              <ma14:wrappingTextBoxFlag xmlns:ma14="http://schemas.microsoft.com/office/mac/drawingml/2011/main" xmlns="" val="1"/>
             </a:ext>
           </a:extLst>
         </p:spPr>
@@ -21927,7 +22342,7 @@
 </p:sld>
 </file>
 
-<file path=ppt/slides/slide25.xml><?xml version="1.0" encoding="utf-8"?>
+<file path=ppt/slides/slide26.xml><?xml version="1.0" encoding="utf-8"?>
 <p:sld xmlns:a="http://schemas.openxmlformats.org/drawingml/2006/main" xmlns:r="http://schemas.openxmlformats.org/officeDocument/2006/relationships" xmlns:p="http://schemas.openxmlformats.org/presentationml/2006/main">
   <p:cSld>
     <p:spTree>
@@ -22150,7 +22565,7 @@
           </a:ln>
           <a:extLst>
             <a:ext uri="{C572A759-6A51-4108-AA02-DFA0A04FC94B}">
-              <ma14:wrappingTextBoxFlag xmlns="" xmlns:ma14="http://schemas.microsoft.com/office/mac/drawingml/2011/main" val="1"/>
+              <ma14:wrappingTextBoxFlag xmlns:ma14="http://schemas.microsoft.com/office/mac/drawingml/2011/main" xmlns="" val="1"/>
             </a:ext>
           </a:extLst>
         </p:spPr>
@@ -22368,7 +22783,7 @@
 </p:sld>
 </file>
 
-<file path=ppt/slides/slide26.xml><?xml version="1.0" encoding="utf-8"?>
+<file path=ppt/slides/slide27.xml><?xml version="1.0" encoding="utf-8"?>
 <p:sld xmlns:a="http://schemas.openxmlformats.org/drawingml/2006/main" xmlns:r="http://schemas.openxmlformats.org/officeDocument/2006/relationships" xmlns:p="http://schemas.openxmlformats.org/presentationml/2006/main">
   <p:cSld>
     <p:spTree>
@@ -22456,7 +22871,7 @@
         </p:blipFill>
         <p:spPr>
           <a:xfrm>
-            <a:off x="1705466" y="1156355"/>
+            <a:off x="1705466" y="1298934"/>
             <a:ext cx="1857866" cy="1857866"/>
           </a:xfrm>
           <a:prstGeom prst="rect">
@@ -22512,15 +22927,22 @@
           <a:p>
             <a:pPr algn="ctr"/>
             <a:r>
-              <a:rPr lang="zh-CN" altLang="en-US" sz="3600" b="1" dirty="0">
+              <a:rPr lang="zh-CN" altLang="en-US" sz="3600" b="1" dirty="0" smtClean="0">
                 <a:solidFill>
                   <a:srgbClr val="3F403E"/>
                 </a:solidFill>
                 <a:latin typeface="微软雅黑"/>
                 <a:ea typeface="微软雅黑"/>
               </a:rPr>
-              <a:t>客户代表</a:t>
-            </a:r>
+              <a:t>用户代表</a:t>
+            </a:r>
+            <a:endParaRPr lang="zh-CN" altLang="en-US" sz="3600" b="1" dirty="0">
+              <a:solidFill>
+                <a:srgbClr val="3F403E"/>
+              </a:solidFill>
+              <a:latin typeface="微软雅黑"/>
+              <a:ea typeface="微软雅黑"/>
+            </a:endParaRPr>
           </a:p>
         </p:txBody>
       </p:sp>
@@ -22699,7 +23121,7 @@
         </p:blipFill>
         <p:spPr>
           <a:xfrm>
-            <a:off x="8176181" y="1156355"/>
+            <a:off x="8176181" y="1298934"/>
             <a:ext cx="1857867" cy="1857867"/>
           </a:xfrm>
           <a:prstGeom prst="rect">
@@ -22994,7 +23416,7 @@
 </p:sld>
 </file>
 
-<file path=ppt/slides/slide27.xml><?xml version="1.0" encoding="utf-8"?>
+<file path=ppt/slides/slide28.xml><?xml version="1.0" encoding="utf-8"?>
 <p:sld xmlns:a="http://schemas.openxmlformats.org/drawingml/2006/main" xmlns:r="http://schemas.openxmlformats.org/officeDocument/2006/relationships" xmlns:p="http://schemas.openxmlformats.org/presentationml/2006/main">
   <p:cSld>
     <p:spTree>
@@ -23154,7 +23576,7 @@
           </a:ln>
           <a:extLst>
             <a:ext uri="{C572A759-6A51-4108-AA02-DFA0A04FC94B}">
-              <ma14:wrappingTextBoxFlag xmlns="" xmlns:ma14="http://schemas.microsoft.com/office/mac/drawingml/2011/main" val="1"/>
+              <ma14:wrappingTextBoxFlag xmlns:ma14="http://schemas.microsoft.com/office/mac/drawingml/2011/main" xmlns="" val="1"/>
             </a:ext>
           </a:extLst>
         </p:spPr>
@@ -23203,7 +23625,7 @@
           </a:ln>
           <a:extLst>
             <a:ext uri="{C572A759-6A51-4108-AA02-DFA0A04FC94B}">
-              <ma14:wrappingTextBoxFlag xmlns="" xmlns:ma14="http://schemas.microsoft.com/office/mac/drawingml/2011/main" val="1"/>
+              <ma14:wrappingTextBoxFlag xmlns:ma14="http://schemas.microsoft.com/office/mac/drawingml/2011/main" xmlns="" val="1"/>
             </a:ext>
           </a:extLst>
         </p:spPr>
@@ -23630,7 +24052,7 @@
 </p:sld>
 </file>
 
-<file path=ppt/slides/slide28.xml><?xml version="1.0" encoding="utf-8"?>
+<file path=ppt/slides/slide29.xml><?xml version="1.0" encoding="utf-8"?>
 <p:sld xmlns:a="http://schemas.openxmlformats.org/drawingml/2006/main" xmlns:r="http://schemas.openxmlformats.org/officeDocument/2006/relationships" xmlns:p="http://schemas.openxmlformats.org/presentationml/2006/main">
   <p:cSld>
     <p:spTree>
@@ -24330,7 +24752,779 @@
 </p:sld>
 </file>
 
-<file path=ppt/slides/slide29.xml><?xml version="1.0" encoding="utf-8"?>
+<file path=ppt/slides/slide3.xml><?xml version="1.0" encoding="utf-8"?>
+<p:sld xmlns:a="http://schemas.openxmlformats.org/drawingml/2006/main" xmlns:r="http://schemas.openxmlformats.org/officeDocument/2006/relationships" xmlns:p="http://schemas.openxmlformats.org/presentationml/2006/main">
+  <p:cSld>
+    <p:spTree>
+      <p:nvGrpSpPr>
+        <p:cNvPr id="1" name=""/>
+        <p:cNvGrpSpPr/>
+        <p:nvPr/>
+      </p:nvGrpSpPr>
+      <p:grpSpPr>
+        <a:xfrm>
+          <a:off x="0" y="0"/>
+          <a:ext cx="0" cy="0"/>
+          <a:chOff x="0" y="0"/>
+          <a:chExt cx="0" cy="0"/>
+        </a:xfrm>
+      </p:grpSpPr>
+      <p:sp>
+        <p:nvSpPr>
+          <p:cNvPr id="295" name="矩形 9"/>
+          <p:cNvSpPr/>
+          <p:nvPr/>
+        </p:nvSpPr>
+        <p:spPr>
+          <a:xfrm>
+            <a:off x="1277957" y="1094341"/>
+            <a:ext cx="9636084" cy="4702368"/>
+          </a:xfrm>
+          <a:prstGeom prst="rect">
+            <a:avLst/>
+          </a:prstGeom>
+          <a:ln w="25400">
+            <a:solidFill>
+              <a:srgbClr val="3F403E"/>
+            </a:solidFill>
+            <a:miter/>
+          </a:ln>
+        </p:spPr>
+        <p:txBody>
+          <a:bodyPr lIns="45719" rIns="45719" anchor="ctr"/>
+          <a:lstStyle/>
+          <a:p>
+            <a:pPr algn="ctr">
+              <a:defRPr>
+                <a:solidFill>
+                  <a:srgbClr val="FFFFFF"/>
+                </a:solidFill>
+              </a:defRPr>
+            </a:pPr>
+            <a:endParaRPr/>
+          </a:p>
+        </p:txBody>
+      </p:sp>
+      <p:sp>
+        <p:nvSpPr>
+          <p:cNvPr id="296" name="矩形 1"/>
+          <p:cNvSpPr/>
+          <p:nvPr/>
+        </p:nvSpPr>
+        <p:spPr>
+          <a:xfrm>
+            <a:off x="3742063" y="0"/>
+            <a:ext cx="4707874" cy="6858000"/>
+          </a:xfrm>
+          <a:prstGeom prst="rect">
+            <a:avLst/>
+          </a:prstGeom>
+          <a:solidFill>
+            <a:srgbClr val="F9B359"/>
+          </a:solidFill>
+          <a:ln w="12700">
+            <a:miter lim="400000"/>
+          </a:ln>
+          <a:effectLst>
+            <a:outerShdw blurRad="127000" rotWithShape="0">
+              <a:srgbClr val="D5D7D5">
+                <a:alpha val="40000"/>
+              </a:srgbClr>
+            </a:outerShdw>
+          </a:effectLst>
+        </p:spPr>
+        <p:txBody>
+          <a:bodyPr lIns="45719" rIns="45719" anchor="ctr"/>
+          <a:lstStyle/>
+          <a:p>
+            <a:pPr algn="ctr">
+              <a:defRPr>
+                <a:solidFill>
+                  <a:srgbClr val="FFFFFF"/>
+                </a:solidFill>
+              </a:defRPr>
+            </a:pPr>
+            <a:endParaRPr/>
+          </a:p>
+        </p:txBody>
+      </p:sp>
+      <p:sp>
+        <p:nvSpPr>
+          <p:cNvPr id="297" name="矩形 2"/>
+          <p:cNvSpPr/>
+          <p:nvPr/>
+        </p:nvSpPr>
+        <p:spPr>
+          <a:xfrm>
+            <a:off x="1836144" y="1652529"/>
+            <a:ext cx="8519712" cy="3585991"/>
+          </a:xfrm>
+          <a:prstGeom prst="rect">
+            <a:avLst/>
+          </a:prstGeom>
+          <a:solidFill>
+            <a:srgbClr val="FCFCFD"/>
+          </a:solidFill>
+          <a:ln w="12700">
+            <a:miter lim="400000"/>
+          </a:ln>
+          <a:effectLst>
+            <a:outerShdw blurRad="254000" dist="38100" dir="5400000" rotWithShape="0">
+              <a:srgbClr val="969F98">
+                <a:alpha val="20000"/>
+              </a:srgbClr>
+            </a:outerShdw>
+          </a:effectLst>
+        </p:spPr>
+        <p:txBody>
+          <a:bodyPr lIns="45719" rIns="45719" anchor="ctr"/>
+          <a:lstStyle/>
+          <a:p>
+            <a:pPr algn="ctr">
+              <a:defRPr>
+                <a:solidFill>
+                  <a:srgbClr val="FFFFFF"/>
+                </a:solidFill>
+              </a:defRPr>
+            </a:pPr>
+            <a:endParaRPr/>
+          </a:p>
+        </p:txBody>
+      </p:sp>
+      <p:sp>
+        <p:nvSpPr>
+          <p:cNvPr id="298" name="文本框 4"/>
+          <p:cNvSpPr txBox="1"/>
+          <p:nvPr/>
+        </p:nvSpPr>
+        <p:spPr>
+          <a:xfrm>
+            <a:off x="2508173" y="3220586"/>
+            <a:ext cx="7175654" cy="1063176"/>
+          </a:xfrm>
+          <a:prstGeom prst="rect">
+            <a:avLst/>
+          </a:prstGeom>
+          <a:ln w="12700">
+            <a:miter lim="400000"/>
+          </a:ln>
+          <a:extLst>
+            <a:ext uri="{C572A759-6A51-4108-AA02-DFA0A04FC94B}">
+              <ma14:wrappingTextBoxFlag xmlns:ma14="http://schemas.microsoft.com/office/mac/drawingml/2011/main" xmlns="" val="1"/>
+            </a:ext>
+          </a:extLst>
+        </p:spPr>
+        <p:txBody>
+          <a:bodyPr lIns="45719" rIns="45719">
+            <a:spAutoFit/>
+          </a:bodyPr>
+          <a:lstStyle>
+            <a:lvl1pPr algn="ctr">
+              <a:lnSpc>
+                <a:spcPct val="120000"/>
+              </a:lnSpc>
+              <a:defRPr>
+                <a:solidFill>
+                  <a:srgbClr val="3F403E"/>
+                </a:solidFill>
+                <a:latin typeface="微软雅黑 Light"/>
+                <a:ea typeface="微软雅黑 Light"/>
+                <a:cs typeface="微软雅黑 Light"/>
+                <a:sym typeface="微软雅黑 Light"/>
+              </a:defRPr>
+            </a:lvl1pPr>
+          </a:lstStyle>
+          <a:p>
+            <a:r>
+              <a:rPr lang="zh-CN" altLang="zh-CN" dirty="0"/>
+              <a:t>标题：《软件需求规格说明》</a:t>
+            </a:r>
+          </a:p>
+          <a:p>
+            <a:r>
+              <a:rPr lang="zh-CN" altLang="zh-CN" dirty="0"/>
+              <a:t>简称：</a:t>
+            </a:r>
+            <a:r>
+              <a:rPr lang="en-US" altLang="zh-CN" dirty="0"/>
+              <a:t>SAS</a:t>
+            </a:r>
+            <a:endParaRPr lang="zh-CN" altLang="zh-CN" dirty="0"/>
+          </a:p>
+          <a:p>
+            <a:r>
+              <a:rPr lang="zh-CN" altLang="zh-CN" dirty="0"/>
+              <a:t>版本号：</a:t>
+            </a:r>
+            <a:r>
+              <a:rPr lang="en-US" altLang="zh-CN" dirty="0"/>
+              <a:t>v0.5</a:t>
+            </a:r>
+            <a:endParaRPr lang="zh-CN" altLang="zh-CN" dirty="0"/>
+          </a:p>
+        </p:txBody>
+      </p:sp>
+      <p:sp>
+        <p:nvSpPr>
+          <p:cNvPr id="299" name="文本框 5"/>
+          <p:cNvSpPr txBox="1"/>
+          <p:nvPr/>
+        </p:nvSpPr>
+        <p:spPr>
+          <a:xfrm>
+            <a:off x="5588175" y="2288543"/>
+            <a:ext cx="1015661" cy="646331"/>
+          </a:xfrm>
+          <a:prstGeom prst="rect">
+            <a:avLst/>
+          </a:prstGeom>
+          <a:ln w="12700">
+            <a:miter lim="400000"/>
+          </a:ln>
+          <a:extLst>
+            <a:ext uri="{C572A759-6A51-4108-AA02-DFA0A04FC94B}">
+              <ma14:wrappingTextBoxFlag xmlns:ma14="http://schemas.microsoft.com/office/mac/drawingml/2011/main" xmlns="" val="1"/>
+            </a:ext>
+          </a:extLst>
+        </p:spPr>
+        <p:txBody>
+          <a:bodyPr wrap="none" lIns="45719" rIns="45719">
+            <a:spAutoFit/>
+          </a:bodyPr>
+          <a:lstStyle>
+            <a:lvl1pPr algn="ctr">
+              <a:defRPr sz="3600" b="1">
+                <a:solidFill>
+                  <a:srgbClr val="3F403E"/>
+                </a:solidFill>
+                <a:latin typeface="微软雅黑"/>
+                <a:ea typeface="微软雅黑"/>
+                <a:cs typeface="微软雅黑"/>
+                <a:sym typeface="微软雅黑"/>
+              </a:defRPr>
+            </a:lvl1pPr>
+          </a:lstStyle>
+          <a:p>
+            <a:r>
+              <a:rPr lang="zh-CN" altLang="en-US" dirty="0"/>
+              <a:t>标识</a:t>
+            </a:r>
+            <a:endParaRPr dirty="0"/>
+          </a:p>
+        </p:txBody>
+      </p:sp>
+      <p:sp>
+        <p:nvSpPr>
+          <p:cNvPr id="300" name="直接连接符 6"/>
+          <p:cNvSpPr/>
+          <p:nvPr/>
+        </p:nvSpPr>
+        <p:spPr>
+          <a:xfrm flipH="1" flipV="1">
+            <a:off x="4095991" y="3065335"/>
+            <a:ext cx="4000016" cy="1"/>
+          </a:xfrm>
+          <a:prstGeom prst="line">
+            <a:avLst/>
+          </a:prstGeom>
+          <a:ln w="6350">
+            <a:solidFill>
+              <a:srgbClr val="969F98">
+                <a:alpha val="50000"/>
+              </a:srgbClr>
+            </a:solidFill>
+            <a:miter/>
+          </a:ln>
+        </p:spPr>
+        <p:txBody>
+          <a:bodyPr lIns="45719" rIns="45719"/>
+          <a:lstStyle/>
+          <a:p>
+            <a:endParaRPr/>
+          </a:p>
+        </p:txBody>
+      </p:sp>
+      <p:pic>
+        <p:nvPicPr>
+          <p:cNvPr id="8" name="图片 7">
+            <a:extLst>
+              <a:ext uri="{FF2B5EF4-FFF2-40B4-BE49-F238E27FC236}">
+                <a16:creationId xmlns:a16="http://schemas.microsoft.com/office/drawing/2014/main" id="{1760666A-8C83-4EF2-B0D7-90C0F4534C1D}"/>
+              </a:ext>
+            </a:extLst>
+          </p:cNvPr>
+          <p:cNvPicPr>
+            <a:picLocks noChangeAspect="1"/>
+          </p:cNvPicPr>
+          <p:nvPr/>
+        </p:nvPicPr>
+        <p:blipFill>
+          <a:blip r:embed="rId2" cstate="print">
+            <a:extLst>
+              <a:ext uri="{28A0092B-C50C-407E-A947-70E740481C1C}">
+                <a14:useLocalDpi xmlns:a14="http://schemas.microsoft.com/office/drawing/2010/main" val="0"/>
+              </a:ext>
+            </a:extLst>
+          </a:blip>
+          <a:stretch>
+            <a:fillRect/>
+          </a:stretch>
+        </p:blipFill>
+        <p:spPr>
+          <a:xfrm>
+            <a:off x="0" y="0"/>
+            <a:ext cx="701608" cy="701608"/>
+          </a:xfrm>
+          <a:prstGeom prst="rect">
+            <a:avLst/>
+          </a:prstGeom>
+        </p:spPr>
+      </p:pic>
+    </p:spTree>
+    <p:extLst>
+      <p:ext uri="{BB962C8B-B14F-4D97-AF65-F5344CB8AC3E}">
+        <p14:creationId xmlns:p14="http://schemas.microsoft.com/office/powerpoint/2010/main" val="1656238935"/>
+      </p:ext>
+    </p:extLst>
+  </p:cSld>
+  <p:clrMapOvr>
+    <a:masterClrMapping/>
+  </p:clrMapOvr>
+  <mc:AlternateContent xmlns:mc="http://schemas.openxmlformats.org/markup-compatibility/2006" xmlns:p14="http://schemas.microsoft.com/office/powerpoint/2010/main">
+    <mc:Choice Requires="p14">
+      <p:transition spd="slow" p14:dur="1200" advClick="0" advTm="8000">
+        <p:push dir="u"/>
+      </p:transition>
+    </mc:Choice>
+    <mc:Fallback xmlns="">
+      <p:transition spd="slow">
+        <p:fade/>
+      </p:transition>
+    </mc:Fallback>
+  </mc:AlternateContent>
+  <p:timing>
+    <p:tnLst>
+      <p:par>
+        <p:cTn id="1" dur="indefinite" restart="never" fill="hold" nodeType="tmRoot">
+          <p:childTnLst>
+            <p:seq concurrent="1" prevAc="none" nextAc="seek">
+              <p:cTn id="2" dur="indefinite" fill="hold" nodeType="mainSeq">
+                <p:childTnLst>
+                  <p:par>
+                    <p:cTn id="3" fill="hold">
+                      <p:stCondLst>
+                        <p:cond delay="indefinite"/>
+                        <p:cond evt="onBegin" delay="0">
+                          <p:tn val="2"/>
+                        </p:cond>
+                      </p:stCondLst>
+                      <p:childTnLst>
+                        <p:par>
+                          <p:cTn id="4" fill="hold">
+                            <p:stCondLst>
+                              <p:cond delay="0"/>
+                            </p:stCondLst>
+                            <p:childTnLst>
+                              <p:par>
+                                <p:cTn id="5" presetID="2" presetClass="entr" presetSubtype="1" fill="hold" grpId="0" nodeType="afterEffect">
+                                  <p:stCondLst>
+                                    <p:cond delay="0"/>
+                                  </p:stCondLst>
+                                  <p:iterate>
+                                    <p:tmAbs val="0"/>
+                                  </p:iterate>
+                                  <p:childTnLst>
+                                    <p:set>
+                                      <p:cBhvr>
+                                        <p:cTn id="6" fill="hold"/>
+                                        <p:tgtEl>
+                                          <p:spTgt spid="296"/>
+                                        </p:tgtEl>
+                                        <p:attrNameLst>
+                                          <p:attrName>style.visibility</p:attrName>
+                                        </p:attrNameLst>
+                                      </p:cBhvr>
+                                      <p:to>
+                                        <p:strVal val="visible"/>
+                                      </p:to>
+                                    </p:set>
+                                    <p:anim calcmode="lin" valueType="num">
+                                      <p:cBhvr>
+                                        <p:cTn id="7" dur="1000" fill="hold"/>
+                                        <p:tgtEl>
+                                          <p:spTgt spid="296"/>
+                                        </p:tgtEl>
+                                        <p:attrNameLst>
+                                          <p:attrName>ppt_x</p:attrName>
+                                        </p:attrNameLst>
+                                      </p:cBhvr>
+                                      <p:tavLst>
+                                        <p:tav tm="0">
+                                          <p:val>
+                                            <p:strVal val="#ppt_x"/>
+                                          </p:val>
+                                        </p:tav>
+                                        <p:tav tm="100000">
+                                          <p:val>
+                                            <p:strVal val="#ppt_x"/>
+                                          </p:val>
+                                        </p:tav>
+                                      </p:tavLst>
+                                    </p:anim>
+                                    <p:anim calcmode="lin" valueType="num">
+                                      <p:cBhvr>
+                                        <p:cTn id="8" dur="1000" fill="hold"/>
+                                        <p:tgtEl>
+                                          <p:spTgt spid="296"/>
+                                        </p:tgtEl>
+                                        <p:attrNameLst>
+                                          <p:attrName>ppt_y</p:attrName>
+                                        </p:attrNameLst>
+                                      </p:cBhvr>
+                                      <p:tavLst>
+                                        <p:tav tm="0">
+                                          <p:val>
+                                            <p:strVal val="0-#ppt_h/2"/>
+                                          </p:val>
+                                        </p:tav>
+                                        <p:tav tm="100000">
+                                          <p:val>
+                                            <p:strVal val="#ppt_y"/>
+                                          </p:val>
+                                        </p:tav>
+                                      </p:tavLst>
+                                    </p:anim>
+                                  </p:childTnLst>
+                                </p:cTn>
+                              </p:par>
+                            </p:childTnLst>
+                          </p:cTn>
+                        </p:par>
+                        <p:par>
+                          <p:cTn id="9" fill="hold">
+                            <p:stCondLst>
+                              <p:cond delay="1000"/>
+                            </p:stCondLst>
+                            <p:childTnLst>
+                              <p:par>
+                                <p:cTn id="10" presetID="9" presetClass="entr" fill="hold" grpId="0" nodeType="afterEffect">
+                                  <p:stCondLst>
+                                    <p:cond delay="0"/>
+                                  </p:stCondLst>
+                                  <p:iterate>
+                                    <p:tmAbs val="0"/>
+                                  </p:iterate>
+                                  <p:childTnLst>
+                                    <p:set>
+                                      <p:cBhvr>
+                                        <p:cTn id="11" fill="hold"/>
+                                        <p:tgtEl>
+                                          <p:spTgt spid="295"/>
+                                        </p:tgtEl>
+                                        <p:attrNameLst>
+                                          <p:attrName>style.visibility</p:attrName>
+                                        </p:attrNameLst>
+                                      </p:cBhvr>
+                                      <p:to>
+                                        <p:strVal val="visible"/>
+                                      </p:to>
+                                    </p:set>
+                                    <p:animEffect transition="in" filter="dissolve">
+                                      <p:cBhvr>
+                                        <p:cTn id="12" dur="1000"/>
+                                        <p:tgtEl>
+                                          <p:spTgt spid="295"/>
+                                        </p:tgtEl>
+                                      </p:cBhvr>
+                                    </p:animEffect>
+                                  </p:childTnLst>
+                                </p:cTn>
+                              </p:par>
+                            </p:childTnLst>
+                          </p:cTn>
+                        </p:par>
+                        <p:par>
+                          <p:cTn id="13" fill="hold">
+                            <p:stCondLst>
+                              <p:cond delay="2000"/>
+                            </p:stCondLst>
+                            <p:childTnLst>
+                              <p:par>
+                                <p:cTn id="14" presetID="2" presetClass="entr" presetSubtype="4" fill="hold" grpId="0" nodeType="afterEffect">
+                                  <p:stCondLst>
+                                    <p:cond delay="0"/>
+                                  </p:stCondLst>
+                                  <p:iterate>
+                                    <p:tmAbs val="0"/>
+                                  </p:iterate>
+                                  <p:childTnLst>
+                                    <p:set>
+                                      <p:cBhvr>
+                                        <p:cTn id="15" fill="hold"/>
+                                        <p:tgtEl>
+                                          <p:spTgt spid="297"/>
+                                        </p:tgtEl>
+                                        <p:attrNameLst>
+                                          <p:attrName>style.visibility</p:attrName>
+                                        </p:attrNameLst>
+                                      </p:cBhvr>
+                                      <p:to>
+                                        <p:strVal val="visible"/>
+                                      </p:to>
+                                    </p:set>
+                                    <p:anim calcmode="lin" valueType="num">
+                                      <p:cBhvr>
+                                        <p:cTn id="16" dur="1000" fill="hold"/>
+                                        <p:tgtEl>
+                                          <p:spTgt spid="297"/>
+                                        </p:tgtEl>
+                                        <p:attrNameLst>
+                                          <p:attrName>ppt_x</p:attrName>
+                                        </p:attrNameLst>
+                                      </p:cBhvr>
+                                      <p:tavLst>
+                                        <p:tav tm="0">
+                                          <p:val>
+                                            <p:strVal val="#ppt_x"/>
+                                          </p:val>
+                                        </p:tav>
+                                        <p:tav tm="100000">
+                                          <p:val>
+                                            <p:strVal val="#ppt_x"/>
+                                          </p:val>
+                                        </p:tav>
+                                      </p:tavLst>
+                                    </p:anim>
+                                    <p:anim calcmode="lin" valueType="num">
+                                      <p:cBhvr>
+                                        <p:cTn id="17" dur="1000" fill="hold"/>
+                                        <p:tgtEl>
+                                          <p:spTgt spid="297"/>
+                                        </p:tgtEl>
+                                        <p:attrNameLst>
+                                          <p:attrName>ppt_y</p:attrName>
+                                        </p:attrNameLst>
+                                      </p:cBhvr>
+                                      <p:tavLst>
+                                        <p:tav tm="0">
+                                          <p:val>
+                                            <p:strVal val="1+#ppt_h/2"/>
+                                          </p:val>
+                                        </p:tav>
+                                        <p:tav tm="100000">
+                                          <p:val>
+                                            <p:strVal val="#ppt_y"/>
+                                          </p:val>
+                                        </p:tav>
+                                      </p:tavLst>
+                                    </p:anim>
+                                  </p:childTnLst>
+                                </p:cTn>
+                              </p:par>
+                            </p:childTnLst>
+                          </p:cTn>
+                        </p:par>
+                        <p:par>
+                          <p:cTn id="18" fill="hold">
+                            <p:stCondLst>
+                              <p:cond delay="3000"/>
+                            </p:stCondLst>
+                            <p:childTnLst>
+                              <p:par>
+                                <p:cTn id="19" presetID="9" presetClass="entr" fill="hold" grpId="0" nodeType="afterEffect">
+                                  <p:stCondLst>
+                                    <p:cond delay="0"/>
+                                  </p:stCondLst>
+                                  <p:iterate>
+                                    <p:tmAbs val="0"/>
+                                  </p:iterate>
+                                  <p:childTnLst>
+                                    <p:set>
+                                      <p:cBhvr>
+                                        <p:cTn id="20" fill="hold"/>
+                                        <p:tgtEl>
+                                          <p:spTgt spid="299"/>
+                                        </p:tgtEl>
+                                        <p:attrNameLst>
+                                          <p:attrName>style.visibility</p:attrName>
+                                        </p:attrNameLst>
+                                      </p:cBhvr>
+                                      <p:to>
+                                        <p:strVal val="visible"/>
+                                      </p:to>
+                                    </p:set>
+                                    <p:animEffect transition="in" filter="dissolve">
+                                      <p:cBhvr>
+                                        <p:cTn id="21" dur="500"/>
+                                        <p:tgtEl>
+                                          <p:spTgt spid="299"/>
+                                        </p:tgtEl>
+                                      </p:cBhvr>
+                                    </p:animEffect>
+                                  </p:childTnLst>
+                                </p:cTn>
+                              </p:par>
+                            </p:childTnLst>
+                          </p:cTn>
+                        </p:par>
+                        <p:par>
+                          <p:cTn id="22" fill="hold">
+                            <p:stCondLst>
+                              <p:cond delay="3500"/>
+                            </p:stCondLst>
+                            <p:childTnLst>
+                              <p:par>
+                                <p:cTn id="23" presetID="22" presetClass="entr" presetSubtype="8" fill="hold" grpId="0" nodeType="afterEffect">
+                                  <p:stCondLst>
+                                    <p:cond delay="0"/>
+                                  </p:stCondLst>
+                                  <p:iterate>
+                                    <p:tmAbs val="0"/>
+                                  </p:iterate>
+                                  <p:childTnLst>
+                                    <p:set>
+                                      <p:cBhvr>
+                                        <p:cTn id="24" fill="hold"/>
+                                        <p:tgtEl>
+                                          <p:spTgt spid="300"/>
+                                        </p:tgtEl>
+                                        <p:attrNameLst>
+                                          <p:attrName>style.visibility</p:attrName>
+                                        </p:attrNameLst>
+                                      </p:cBhvr>
+                                      <p:to>
+                                        <p:strVal val="visible"/>
+                                      </p:to>
+                                    </p:set>
+                                    <p:animEffect transition="in" filter="wipe(left)">
+                                      <p:cBhvr>
+                                        <p:cTn id="25" dur="500"/>
+                                        <p:tgtEl>
+                                          <p:spTgt spid="300"/>
+                                        </p:tgtEl>
+                                      </p:cBhvr>
+                                    </p:animEffect>
+                                  </p:childTnLst>
+                                </p:cTn>
+                              </p:par>
+                            </p:childTnLst>
+                          </p:cTn>
+                        </p:par>
+                        <p:par>
+                          <p:cTn id="26" fill="hold">
+                            <p:stCondLst>
+                              <p:cond delay="4000"/>
+                            </p:stCondLst>
+                            <p:childTnLst>
+                              <p:par>
+                                <p:cTn id="27" presetID="22" presetClass="entr" presetSubtype="1" fill="hold" grpId="0" nodeType="afterEffect">
+                                  <p:stCondLst>
+                                    <p:cond delay="0"/>
+                                  </p:stCondLst>
+                                  <p:iterate>
+                                    <p:tmAbs val="0"/>
+                                  </p:iterate>
+                                  <p:childTnLst>
+                                    <p:set>
+                                      <p:cBhvr>
+                                        <p:cTn id="28" fill="hold"/>
+                                        <p:tgtEl>
+                                          <p:spTgt spid="298"/>
+                                        </p:tgtEl>
+                                        <p:attrNameLst>
+                                          <p:attrName>style.visibility</p:attrName>
+                                        </p:attrNameLst>
+                                      </p:cBhvr>
+                                      <p:to>
+                                        <p:strVal val="visible"/>
+                                      </p:to>
+                                    </p:set>
+                                    <p:animEffect transition="in" filter="wipe(up)">
+                                      <p:cBhvr>
+                                        <p:cTn id="29" dur="1000"/>
+                                        <p:tgtEl>
+                                          <p:spTgt spid="298"/>
+                                        </p:tgtEl>
+                                      </p:cBhvr>
+                                    </p:animEffect>
+                                  </p:childTnLst>
+                                </p:cTn>
+                              </p:par>
+                              <p:par>
+                                <p:cTn id="30" presetID="10" presetClass="entr" presetSubtype="0" fill="hold" nodeType="withEffect">
+                                  <p:stCondLst>
+                                    <p:cond delay="0"/>
+                                  </p:stCondLst>
+                                  <p:childTnLst>
+                                    <p:set>
+                                      <p:cBhvr>
+                                        <p:cTn id="31" dur="1" fill="hold">
+                                          <p:stCondLst>
+                                            <p:cond delay="0"/>
+                                          </p:stCondLst>
+                                        </p:cTn>
+                                        <p:tgtEl>
+                                          <p:spTgt spid="8"/>
+                                        </p:tgtEl>
+                                        <p:attrNameLst>
+                                          <p:attrName>style.visibility</p:attrName>
+                                        </p:attrNameLst>
+                                      </p:cBhvr>
+                                      <p:to>
+                                        <p:strVal val="visible"/>
+                                      </p:to>
+                                    </p:set>
+                                    <p:animEffect transition="in" filter="fade">
+                                      <p:cBhvr>
+                                        <p:cTn id="32" dur="1000"/>
+                                        <p:tgtEl>
+                                          <p:spTgt spid="8"/>
+                                        </p:tgtEl>
+                                      </p:cBhvr>
+                                    </p:animEffect>
+                                  </p:childTnLst>
+                                </p:cTn>
+                              </p:par>
+                            </p:childTnLst>
+                          </p:cTn>
+                        </p:par>
+                      </p:childTnLst>
+                    </p:cTn>
+                  </p:par>
+                </p:childTnLst>
+              </p:cTn>
+              <p:prevCondLst>
+                <p:cond evt="onPrev" delay="0">
+                  <p:tgtEl>
+                    <p:sldTgt/>
+                  </p:tgtEl>
+                </p:cond>
+              </p:prevCondLst>
+              <p:nextCondLst>
+                <p:cond evt="onNext" delay="0">
+                  <p:tgtEl>
+                    <p:sldTgt/>
+                  </p:tgtEl>
+                </p:cond>
+              </p:nextCondLst>
+            </p:seq>
+          </p:childTnLst>
+        </p:cTn>
+      </p:par>
+    </p:tnLst>
+    <p:bldLst>
+      <p:bldP spid="295" grpId="0" animBg="1" advAuto="0"/>
+      <p:bldP spid="296" grpId="0" animBg="1" advAuto="0"/>
+      <p:bldP spid="297" grpId="0" animBg="1" advAuto="0"/>
+      <p:bldP spid="298" grpId="0" animBg="1" advAuto="0"/>
+      <p:bldP spid="299" grpId="0" animBg="1" advAuto="0"/>
+      <p:bldP spid="300" grpId="0" animBg="1" advAuto="0"/>
+    </p:bldLst>
+  </p:timing>
+</p:sld>
+</file>
+
+<file path=ppt/slides/slide30.xml><?xml version="1.0" encoding="utf-8"?>
 <p:sld xmlns:a="http://schemas.openxmlformats.org/drawingml/2006/main" xmlns:r="http://schemas.openxmlformats.org/officeDocument/2006/relationships" xmlns:p="http://schemas.openxmlformats.org/presentationml/2006/main">
   <p:cSld>
     <p:spTree>
@@ -24490,7 +25684,7 @@
           </a:ln>
           <a:extLst>
             <a:ext uri="{C572A759-6A51-4108-AA02-DFA0A04FC94B}">
-              <ma14:wrappingTextBoxFlag xmlns="" xmlns:ma14="http://schemas.microsoft.com/office/mac/drawingml/2011/main" val="1"/>
+              <ma14:wrappingTextBoxFlag xmlns:ma14="http://schemas.microsoft.com/office/mac/drawingml/2011/main" xmlns="" val="1"/>
             </a:ext>
           </a:extLst>
         </p:spPr>
@@ -24539,7 +25733,7 @@
           </a:ln>
           <a:extLst>
             <a:ext uri="{C572A759-6A51-4108-AA02-DFA0A04FC94B}">
-              <ma14:wrappingTextBoxFlag xmlns="" xmlns:ma14="http://schemas.microsoft.com/office/mac/drawingml/2011/main" val="1"/>
+              <ma14:wrappingTextBoxFlag xmlns:ma14="http://schemas.microsoft.com/office/mac/drawingml/2011/main" xmlns="" val="1"/>
             </a:ext>
           </a:extLst>
         </p:spPr>
@@ -24971,779 +26165,7 @@
 </p:sld>
 </file>
 
-<file path=ppt/slides/slide3.xml><?xml version="1.0" encoding="utf-8"?>
-<p:sld xmlns:a="http://schemas.openxmlformats.org/drawingml/2006/main" xmlns:r="http://schemas.openxmlformats.org/officeDocument/2006/relationships" xmlns:p="http://schemas.openxmlformats.org/presentationml/2006/main">
-  <p:cSld>
-    <p:spTree>
-      <p:nvGrpSpPr>
-        <p:cNvPr id="1" name=""/>
-        <p:cNvGrpSpPr/>
-        <p:nvPr/>
-      </p:nvGrpSpPr>
-      <p:grpSpPr>
-        <a:xfrm>
-          <a:off x="0" y="0"/>
-          <a:ext cx="0" cy="0"/>
-          <a:chOff x="0" y="0"/>
-          <a:chExt cx="0" cy="0"/>
-        </a:xfrm>
-      </p:grpSpPr>
-      <p:sp>
-        <p:nvSpPr>
-          <p:cNvPr id="295" name="矩形 9"/>
-          <p:cNvSpPr/>
-          <p:nvPr/>
-        </p:nvSpPr>
-        <p:spPr>
-          <a:xfrm>
-            <a:off x="1277957" y="1094341"/>
-            <a:ext cx="9636084" cy="4702368"/>
-          </a:xfrm>
-          <a:prstGeom prst="rect">
-            <a:avLst/>
-          </a:prstGeom>
-          <a:ln w="25400">
-            <a:solidFill>
-              <a:srgbClr val="3F403E"/>
-            </a:solidFill>
-            <a:miter/>
-          </a:ln>
-        </p:spPr>
-        <p:txBody>
-          <a:bodyPr lIns="45719" rIns="45719" anchor="ctr"/>
-          <a:lstStyle/>
-          <a:p>
-            <a:pPr algn="ctr">
-              <a:defRPr>
-                <a:solidFill>
-                  <a:srgbClr val="FFFFFF"/>
-                </a:solidFill>
-              </a:defRPr>
-            </a:pPr>
-            <a:endParaRPr/>
-          </a:p>
-        </p:txBody>
-      </p:sp>
-      <p:sp>
-        <p:nvSpPr>
-          <p:cNvPr id="296" name="矩形 1"/>
-          <p:cNvSpPr/>
-          <p:nvPr/>
-        </p:nvSpPr>
-        <p:spPr>
-          <a:xfrm>
-            <a:off x="3742063" y="0"/>
-            <a:ext cx="4707874" cy="6858000"/>
-          </a:xfrm>
-          <a:prstGeom prst="rect">
-            <a:avLst/>
-          </a:prstGeom>
-          <a:solidFill>
-            <a:srgbClr val="F9B359"/>
-          </a:solidFill>
-          <a:ln w="12700">
-            <a:miter lim="400000"/>
-          </a:ln>
-          <a:effectLst>
-            <a:outerShdw blurRad="127000" rotWithShape="0">
-              <a:srgbClr val="D5D7D5">
-                <a:alpha val="40000"/>
-              </a:srgbClr>
-            </a:outerShdw>
-          </a:effectLst>
-        </p:spPr>
-        <p:txBody>
-          <a:bodyPr lIns="45719" rIns="45719" anchor="ctr"/>
-          <a:lstStyle/>
-          <a:p>
-            <a:pPr algn="ctr">
-              <a:defRPr>
-                <a:solidFill>
-                  <a:srgbClr val="FFFFFF"/>
-                </a:solidFill>
-              </a:defRPr>
-            </a:pPr>
-            <a:endParaRPr/>
-          </a:p>
-        </p:txBody>
-      </p:sp>
-      <p:sp>
-        <p:nvSpPr>
-          <p:cNvPr id="297" name="矩形 2"/>
-          <p:cNvSpPr/>
-          <p:nvPr/>
-        </p:nvSpPr>
-        <p:spPr>
-          <a:xfrm>
-            <a:off x="1836144" y="1652529"/>
-            <a:ext cx="8519712" cy="3585991"/>
-          </a:xfrm>
-          <a:prstGeom prst="rect">
-            <a:avLst/>
-          </a:prstGeom>
-          <a:solidFill>
-            <a:srgbClr val="FCFCFD"/>
-          </a:solidFill>
-          <a:ln w="12700">
-            <a:miter lim="400000"/>
-          </a:ln>
-          <a:effectLst>
-            <a:outerShdw blurRad="254000" dist="38100" dir="5400000" rotWithShape="0">
-              <a:srgbClr val="969F98">
-                <a:alpha val="20000"/>
-              </a:srgbClr>
-            </a:outerShdw>
-          </a:effectLst>
-        </p:spPr>
-        <p:txBody>
-          <a:bodyPr lIns="45719" rIns="45719" anchor="ctr"/>
-          <a:lstStyle/>
-          <a:p>
-            <a:pPr algn="ctr">
-              <a:defRPr>
-                <a:solidFill>
-                  <a:srgbClr val="FFFFFF"/>
-                </a:solidFill>
-              </a:defRPr>
-            </a:pPr>
-            <a:endParaRPr/>
-          </a:p>
-        </p:txBody>
-      </p:sp>
-      <p:sp>
-        <p:nvSpPr>
-          <p:cNvPr id="298" name="文本框 4"/>
-          <p:cNvSpPr txBox="1"/>
-          <p:nvPr/>
-        </p:nvSpPr>
-        <p:spPr>
-          <a:xfrm>
-            <a:off x="2508173" y="3220586"/>
-            <a:ext cx="7175654" cy="1063176"/>
-          </a:xfrm>
-          <a:prstGeom prst="rect">
-            <a:avLst/>
-          </a:prstGeom>
-          <a:ln w="12700">
-            <a:miter lim="400000"/>
-          </a:ln>
-          <a:extLst>
-            <a:ext uri="{C572A759-6A51-4108-AA02-DFA0A04FC94B}">
-              <ma14:wrappingTextBoxFlag xmlns="" xmlns:ma14="http://schemas.microsoft.com/office/mac/drawingml/2011/main" val="1"/>
-            </a:ext>
-          </a:extLst>
-        </p:spPr>
-        <p:txBody>
-          <a:bodyPr lIns="45719" rIns="45719">
-            <a:spAutoFit/>
-          </a:bodyPr>
-          <a:lstStyle>
-            <a:lvl1pPr algn="ctr">
-              <a:lnSpc>
-                <a:spcPct val="120000"/>
-              </a:lnSpc>
-              <a:defRPr>
-                <a:solidFill>
-                  <a:srgbClr val="3F403E"/>
-                </a:solidFill>
-                <a:latin typeface="微软雅黑 Light"/>
-                <a:ea typeface="微软雅黑 Light"/>
-                <a:cs typeface="微软雅黑 Light"/>
-                <a:sym typeface="微软雅黑 Light"/>
-              </a:defRPr>
-            </a:lvl1pPr>
-          </a:lstStyle>
-          <a:p>
-            <a:r>
-              <a:rPr lang="zh-CN" altLang="zh-CN" dirty="0"/>
-              <a:t>标题：《软件需求规格说明》</a:t>
-            </a:r>
-          </a:p>
-          <a:p>
-            <a:r>
-              <a:rPr lang="zh-CN" altLang="zh-CN" dirty="0"/>
-              <a:t>简称：</a:t>
-            </a:r>
-            <a:r>
-              <a:rPr lang="en-US" altLang="zh-CN" dirty="0"/>
-              <a:t>SAS</a:t>
-            </a:r>
-            <a:endParaRPr lang="zh-CN" altLang="zh-CN" dirty="0"/>
-          </a:p>
-          <a:p>
-            <a:r>
-              <a:rPr lang="zh-CN" altLang="zh-CN" dirty="0"/>
-              <a:t>版本号：</a:t>
-            </a:r>
-            <a:r>
-              <a:rPr lang="en-US" altLang="zh-CN" dirty="0"/>
-              <a:t>v0.5</a:t>
-            </a:r>
-            <a:endParaRPr lang="zh-CN" altLang="zh-CN" dirty="0"/>
-          </a:p>
-        </p:txBody>
-      </p:sp>
-      <p:sp>
-        <p:nvSpPr>
-          <p:cNvPr id="299" name="文本框 5"/>
-          <p:cNvSpPr txBox="1"/>
-          <p:nvPr/>
-        </p:nvSpPr>
-        <p:spPr>
-          <a:xfrm>
-            <a:off x="5588175" y="2288543"/>
-            <a:ext cx="1015661" cy="646331"/>
-          </a:xfrm>
-          <a:prstGeom prst="rect">
-            <a:avLst/>
-          </a:prstGeom>
-          <a:ln w="12700">
-            <a:miter lim="400000"/>
-          </a:ln>
-          <a:extLst>
-            <a:ext uri="{C572A759-6A51-4108-AA02-DFA0A04FC94B}">
-              <ma14:wrappingTextBoxFlag xmlns="" xmlns:ma14="http://schemas.microsoft.com/office/mac/drawingml/2011/main" val="1"/>
-            </a:ext>
-          </a:extLst>
-        </p:spPr>
-        <p:txBody>
-          <a:bodyPr wrap="none" lIns="45719" rIns="45719">
-            <a:spAutoFit/>
-          </a:bodyPr>
-          <a:lstStyle>
-            <a:lvl1pPr algn="ctr">
-              <a:defRPr sz="3600" b="1">
-                <a:solidFill>
-                  <a:srgbClr val="3F403E"/>
-                </a:solidFill>
-                <a:latin typeface="微软雅黑"/>
-                <a:ea typeface="微软雅黑"/>
-                <a:cs typeface="微软雅黑"/>
-                <a:sym typeface="微软雅黑"/>
-              </a:defRPr>
-            </a:lvl1pPr>
-          </a:lstStyle>
-          <a:p>
-            <a:r>
-              <a:rPr lang="zh-CN" altLang="en-US" dirty="0"/>
-              <a:t>标识</a:t>
-            </a:r>
-            <a:endParaRPr dirty="0"/>
-          </a:p>
-        </p:txBody>
-      </p:sp>
-      <p:sp>
-        <p:nvSpPr>
-          <p:cNvPr id="300" name="直接连接符 6"/>
-          <p:cNvSpPr/>
-          <p:nvPr/>
-        </p:nvSpPr>
-        <p:spPr>
-          <a:xfrm flipH="1" flipV="1">
-            <a:off x="4095991" y="3065335"/>
-            <a:ext cx="4000016" cy="1"/>
-          </a:xfrm>
-          <a:prstGeom prst="line">
-            <a:avLst/>
-          </a:prstGeom>
-          <a:ln w="6350">
-            <a:solidFill>
-              <a:srgbClr val="969F98">
-                <a:alpha val="50000"/>
-              </a:srgbClr>
-            </a:solidFill>
-            <a:miter/>
-          </a:ln>
-        </p:spPr>
-        <p:txBody>
-          <a:bodyPr lIns="45719" rIns="45719"/>
-          <a:lstStyle/>
-          <a:p>
-            <a:endParaRPr/>
-          </a:p>
-        </p:txBody>
-      </p:sp>
-      <p:pic>
-        <p:nvPicPr>
-          <p:cNvPr id="8" name="图片 7">
-            <a:extLst>
-              <a:ext uri="{FF2B5EF4-FFF2-40B4-BE49-F238E27FC236}">
-                <a16:creationId xmlns:a16="http://schemas.microsoft.com/office/drawing/2014/main" id="{1760666A-8C83-4EF2-B0D7-90C0F4534C1D}"/>
-              </a:ext>
-            </a:extLst>
-          </p:cNvPr>
-          <p:cNvPicPr>
-            <a:picLocks noChangeAspect="1"/>
-          </p:cNvPicPr>
-          <p:nvPr/>
-        </p:nvPicPr>
-        <p:blipFill>
-          <a:blip r:embed="rId2" cstate="print">
-            <a:extLst>
-              <a:ext uri="{28A0092B-C50C-407E-A947-70E740481C1C}">
-                <a14:useLocalDpi xmlns:a14="http://schemas.microsoft.com/office/drawing/2010/main" val="0"/>
-              </a:ext>
-            </a:extLst>
-          </a:blip>
-          <a:stretch>
-            <a:fillRect/>
-          </a:stretch>
-        </p:blipFill>
-        <p:spPr>
-          <a:xfrm>
-            <a:off x="0" y="0"/>
-            <a:ext cx="701608" cy="701608"/>
-          </a:xfrm>
-          <a:prstGeom prst="rect">
-            <a:avLst/>
-          </a:prstGeom>
-        </p:spPr>
-      </p:pic>
-    </p:spTree>
-    <p:extLst>
-      <p:ext uri="{BB962C8B-B14F-4D97-AF65-F5344CB8AC3E}">
-        <p14:creationId xmlns:p14="http://schemas.microsoft.com/office/powerpoint/2010/main" val="1656238935"/>
-      </p:ext>
-    </p:extLst>
-  </p:cSld>
-  <p:clrMapOvr>
-    <a:masterClrMapping/>
-  </p:clrMapOvr>
-  <mc:AlternateContent xmlns:mc="http://schemas.openxmlformats.org/markup-compatibility/2006" xmlns:p14="http://schemas.microsoft.com/office/powerpoint/2010/main">
-    <mc:Choice Requires="p14">
-      <p:transition spd="slow" p14:dur="1200" advClick="0" advTm="8000">
-        <p:push dir="u"/>
-      </p:transition>
-    </mc:Choice>
-    <mc:Fallback xmlns="">
-      <p:transition spd="slow">
-        <p:fade/>
-      </p:transition>
-    </mc:Fallback>
-  </mc:AlternateContent>
-  <p:timing>
-    <p:tnLst>
-      <p:par>
-        <p:cTn id="1" dur="indefinite" restart="never" fill="hold" nodeType="tmRoot">
-          <p:childTnLst>
-            <p:seq concurrent="1" prevAc="none" nextAc="seek">
-              <p:cTn id="2" dur="indefinite" fill="hold" nodeType="mainSeq">
-                <p:childTnLst>
-                  <p:par>
-                    <p:cTn id="3" fill="hold">
-                      <p:stCondLst>
-                        <p:cond delay="indefinite"/>
-                        <p:cond evt="onBegin" delay="0">
-                          <p:tn val="2"/>
-                        </p:cond>
-                      </p:stCondLst>
-                      <p:childTnLst>
-                        <p:par>
-                          <p:cTn id="4" fill="hold">
-                            <p:stCondLst>
-                              <p:cond delay="0"/>
-                            </p:stCondLst>
-                            <p:childTnLst>
-                              <p:par>
-                                <p:cTn id="5" presetID="2" presetClass="entr" presetSubtype="1" fill="hold" grpId="0" nodeType="afterEffect">
-                                  <p:stCondLst>
-                                    <p:cond delay="0"/>
-                                  </p:stCondLst>
-                                  <p:iterate>
-                                    <p:tmAbs val="0"/>
-                                  </p:iterate>
-                                  <p:childTnLst>
-                                    <p:set>
-                                      <p:cBhvr>
-                                        <p:cTn id="6" fill="hold"/>
-                                        <p:tgtEl>
-                                          <p:spTgt spid="296"/>
-                                        </p:tgtEl>
-                                        <p:attrNameLst>
-                                          <p:attrName>style.visibility</p:attrName>
-                                        </p:attrNameLst>
-                                      </p:cBhvr>
-                                      <p:to>
-                                        <p:strVal val="visible"/>
-                                      </p:to>
-                                    </p:set>
-                                    <p:anim calcmode="lin" valueType="num">
-                                      <p:cBhvr>
-                                        <p:cTn id="7" dur="1000" fill="hold"/>
-                                        <p:tgtEl>
-                                          <p:spTgt spid="296"/>
-                                        </p:tgtEl>
-                                        <p:attrNameLst>
-                                          <p:attrName>ppt_x</p:attrName>
-                                        </p:attrNameLst>
-                                      </p:cBhvr>
-                                      <p:tavLst>
-                                        <p:tav tm="0">
-                                          <p:val>
-                                            <p:strVal val="#ppt_x"/>
-                                          </p:val>
-                                        </p:tav>
-                                        <p:tav tm="100000">
-                                          <p:val>
-                                            <p:strVal val="#ppt_x"/>
-                                          </p:val>
-                                        </p:tav>
-                                      </p:tavLst>
-                                    </p:anim>
-                                    <p:anim calcmode="lin" valueType="num">
-                                      <p:cBhvr>
-                                        <p:cTn id="8" dur="1000" fill="hold"/>
-                                        <p:tgtEl>
-                                          <p:spTgt spid="296"/>
-                                        </p:tgtEl>
-                                        <p:attrNameLst>
-                                          <p:attrName>ppt_y</p:attrName>
-                                        </p:attrNameLst>
-                                      </p:cBhvr>
-                                      <p:tavLst>
-                                        <p:tav tm="0">
-                                          <p:val>
-                                            <p:strVal val="0-#ppt_h/2"/>
-                                          </p:val>
-                                        </p:tav>
-                                        <p:tav tm="100000">
-                                          <p:val>
-                                            <p:strVal val="#ppt_y"/>
-                                          </p:val>
-                                        </p:tav>
-                                      </p:tavLst>
-                                    </p:anim>
-                                  </p:childTnLst>
-                                </p:cTn>
-                              </p:par>
-                            </p:childTnLst>
-                          </p:cTn>
-                        </p:par>
-                        <p:par>
-                          <p:cTn id="9" fill="hold">
-                            <p:stCondLst>
-                              <p:cond delay="1000"/>
-                            </p:stCondLst>
-                            <p:childTnLst>
-                              <p:par>
-                                <p:cTn id="10" presetID="9" presetClass="entr" fill="hold" grpId="0" nodeType="afterEffect">
-                                  <p:stCondLst>
-                                    <p:cond delay="0"/>
-                                  </p:stCondLst>
-                                  <p:iterate>
-                                    <p:tmAbs val="0"/>
-                                  </p:iterate>
-                                  <p:childTnLst>
-                                    <p:set>
-                                      <p:cBhvr>
-                                        <p:cTn id="11" fill="hold"/>
-                                        <p:tgtEl>
-                                          <p:spTgt spid="295"/>
-                                        </p:tgtEl>
-                                        <p:attrNameLst>
-                                          <p:attrName>style.visibility</p:attrName>
-                                        </p:attrNameLst>
-                                      </p:cBhvr>
-                                      <p:to>
-                                        <p:strVal val="visible"/>
-                                      </p:to>
-                                    </p:set>
-                                    <p:animEffect transition="in" filter="dissolve">
-                                      <p:cBhvr>
-                                        <p:cTn id="12" dur="1000"/>
-                                        <p:tgtEl>
-                                          <p:spTgt spid="295"/>
-                                        </p:tgtEl>
-                                      </p:cBhvr>
-                                    </p:animEffect>
-                                  </p:childTnLst>
-                                </p:cTn>
-                              </p:par>
-                            </p:childTnLst>
-                          </p:cTn>
-                        </p:par>
-                        <p:par>
-                          <p:cTn id="13" fill="hold">
-                            <p:stCondLst>
-                              <p:cond delay="2000"/>
-                            </p:stCondLst>
-                            <p:childTnLst>
-                              <p:par>
-                                <p:cTn id="14" presetID="2" presetClass="entr" presetSubtype="4" fill="hold" grpId="0" nodeType="afterEffect">
-                                  <p:stCondLst>
-                                    <p:cond delay="0"/>
-                                  </p:stCondLst>
-                                  <p:iterate>
-                                    <p:tmAbs val="0"/>
-                                  </p:iterate>
-                                  <p:childTnLst>
-                                    <p:set>
-                                      <p:cBhvr>
-                                        <p:cTn id="15" fill="hold"/>
-                                        <p:tgtEl>
-                                          <p:spTgt spid="297"/>
-                                        </p:tgtEl>
-                                        <p:attrNameLst>
-                                          <p:attrName>style.visibility</p:attrName>
-                                        </p:attrNameLst>
-                                      </p:cBhvr>
-                                      <p:to>
-                                        <p:strVal val="visible"/>
-                                      </p:to>
-                                    </p:set>
-                                    <p:anim calcmode="lin" valueType="num">
-                                      <p:cBhvr>
-                                        <p:cTn id="16" dur="1000" fill="hold"/>
-                                        <p:tgtEl>
-                                          <p:spTgt spid="297"/>
-                                        </p:tgtEl>
-                                        <p:attrNameLst>
-                                          <p:attrName>ppt_x</p:attrName>
-                                        </p:attrNameLst>
-                                      </p:cBhvr>
-                                      <p:tavLst>
-                                        <p:tav tm="0">
-                                          <p:val>
-                                            <p:strVal val="#ppt_x"/>
-                                          </p:val>
-                                        </p:tav>
-                                        <p:tav tm="100000">
-                                          <p:val>
-                                            <p:strVal val="#ppt_x"/>
-                                          </p:val>
-                                        </p:tav>
-                                      </p:tavLst>
-                                    </p:anim>
-                                    <p:anim calcmode="lin" valueType="num">
-                                      <p:cBhvr>
-                                        <p:cTn id="17" dur="1000" fill="hold"/>
-                                        <p:tgtEl>
-                                          <p:spTgt spid="297"/>
-                                        </p:tgtEl>
-                                        <p:attrNameLst>
-                                          <p:attrName>ppt_y</p:attrName>
-                                        </p:attrNameLst>
-                                      </p:cBhvr>
-                                      <p:tavLst>
-                                        <p:tav tm="0">
-                                          <p:val>
-                                            <p:strVal val="1+#ppt_h/2"/>
-                                          </p:val>
-                                        </p:tav>
-                                        <p:tav tm="100000">
-                                          <p:val>
-                                            <p:strVal val="#ppt_y"/>
-                                          </p:val>
-                                        </p:tav>
-                                      </p:tavLst>
-                                    </p:anim>
-                                  </p:childTnLst>
-                                </p:cTn>
-                              </p:par>
-                            </p:childTnLst>
-                          </p:cTn>
-                        </p:par>
-                        <p:par>
-                          <p:cTn id="18" fill="hold">
-                            <p:stCondLst>
-                              <p:cond delay="3000"/>
-                            </p:stCondLst>
-                            <p:childTnLst>
-                              <p:par>
-                                <p:cTn id="19" presetID="9" presetClass="entr" fill="hold" grpId="0" nodeType="afterEffect">
-                                  <p:stCondLst>
-                                    <p:cond delay="0"/>
-                                  </p:stCondLst>
-                                  <p:iterate>
-                                    <p:tmAbs val="0"/>
-                                  </p:iterate>
-                                  <p:childTnLst>
-                                    <p:set>
-                                      <p:cBhvr>
-                                        <p:cTn id="20" fill="hold"/>
-                                        <p:tgtEl>
-                                          <p:spTgt spid="299"/>
-                                        </p:tgtEl>
-                                        <p:attrNameLst>
-                                          <p:attrName>style.visibility</p:attrName>
-                                        </p:attrNameLst>
-                                      </p:cBhvr>
-                                      <p:to>
-                                        <p:strVal val="visible"/>
-                                      </p:to>
-                                    </p:set>
-                                    <p:animEffect transition="in" filter="dissolve">
-                                      <p:cBhvr>
-                                        <p:cTn id="21" dur="500"/>
-                                        <p:tgtEl>
-                                          <p:spTgt spid="299"/>
-                                        </p:tgtEl>
-                                      </p:cBhvr>
-                                    </p:animEffect>
-                                  </p:childTnLst>
-                                </p:cTn>
-                              </p:par>
-                            </p:childTnLst>
-                          </p:cTn>
-                        </p:par>
-                        <p:par>
-                          <p:cTn id="22" fill="hold">
-                            <p:stCondLst>
-                              <p:cond delay="3500"/>
-                            </p:stCondLst>
-                            <p:childTnLst>
-                              <p:par>
-                                <p:cTn id="23" presetID="22" presetClass="entr" presetSubtype="8" fill="hold" grpId="0" nodeType="afterEffect">
-                                  <p:stCondLst>
-                                    <p:cond delay="0"/>
-                                  </p:stCondLst>
-                                  <p:iterate>
-                                    <p:tmAbs val="0"/>
-                                  </p:iterate>
-                                  <p:childTnLst>
-                                    <p:set>
-                                      <p:cBhvr>
-                                        <p:cTn id="24" fill="hold"/>
-                                        <p:tgtEl>
-                                          <p:spTgt spid="300"/>
-                                        </p:tgtEl>
-                                        <p:attrNameLst>
-                                          <p:attrName>style.visibility</p:attrName>
-                                        </p:attrNameLst>
-                                      </p:cBhvr>
-                                      <p:to>
-                                        <p:strVal val="visible"/>
-                                      </p:to>
-                                    </p:set>
-                                    <p:animEffect transition="in" filter="wipe(left)">
-                                      <p:cBhvr>
-                                        <p:cTn id="25" dur="500"/>
-                                        <p:tgtEl>
-                                          <p:spTgt spid="300"/>
-                                        </p:tgtEl>
-                                      </p:cBhvr>
-                                    </p:animEffect>
-                                  </p:childTnLst>
-                                </p:cTn>
-                              </p:par>
-                            </p:childTnLst>
-                          </p:cTn>
-                        </p:par>
-                        <p:par>
-                          <p:cTn id="26" fill="hold">
-                            <p:stCondLst>
-                              <p:cond delay="4000"/>
-                            </p:stCondLst>
-                            <p:childTnLst>
-                              <p:par>
-                                <p:cTn id="27" presetID="22" presetClass="entr" presetSubtype="1" fill="hold" grpId="0" nodeType="afterEffect">
-                                  <p:stCondLst>
-                                    <p:cond delay="0"/>
-                                  </p:stCondLst>
-                                  <p:iterate>
-                                    <p:tmAbs val="0"/>
-                                  </p:iterate>
-                                  <p:childTnLst>
-                                    <p:set>
-                                      <p:cBhvr>
-                                        <p:cTn id="28" fill="hold"/>
-                                        <p:tgtEl>
-                                          <p:spTgt spid="298"/>
-                                        </p:tgtEl>
-                                        <p:attrNameLst>
-                                          <p:attrName>style.visibility</p:attrName>
-                                        </p:attrNameLst>
-                                      </p:cBhvr>
-                                      <p:to>
-                                        <p:strVal val="visible"/>
-                                      </p:to>
-                                    </p:set>
-                                    <p:animEffect transition="in" filter="wipe(up)">
-                                      <p:cBhvr>
-                                        <p:cTn id="29" dur="1000"/>
-                                        <p:tgtEl>
-                                          <p:spTgt spid="298"/>
-                                        </p:tgtEl>
-                                      </p:cBhvr>
-                                    </p:animEffect>
-                                  </p:childTnLst>
-                                </p:cTn>
-                              </p:par>
-                              <p:par>
-                                <p:cTn id="30" presetID="10" presetClass="entr" presetSubtype="0" fill="hold" nodeType="withEffect">
-                                  <p:stCondLst>
-                                    <p:cond delay="0"/>
-                                  </p:stCondLst>
-                                  <p:childTnLst>
-                                    <p:set>
-                                      <p:cBhvr>
-                                        <p:cTn id="31" dur="1" fill="hold">
-                                          <p:stCondLst>
-                                            <p:cond delay="0"/>
-                                          </p:stCondLst>
-                                        </p:cTn>
-                                        <p:tgtEl>
-                                          <p:spTgt spid="8"/>
-                                        </p:tgtEl>
-                                        <p:attrNameLst>
-                                          <p:attrName>style.visibility</p:attrName>
-                                        </p:attrNameLst>
-                                      </p:cBhvr>
-                                      <p:to>
-                                        <p:strVal val="visible"/>
-                                      </p:to>
-                                    </p:set>
-                                    <p:animEffect transition="in" filter="fade">
-                                      <p:cBhvr>
-                                        <p:cTn id="32" dur="1000"/>
-                                        <p:tgtEl>
-                                          <p:spTgt spid="8"/>
-                                        </p:tgtEl>
-                                      </p:cBhvr>
-                                    </p:animEffect>
-                                  </p:childTnLst>
-                                </p:cTn>
-                              </p:par>
-                            </p:childTnLst>
-                          </p:cTn>
-                        </p:par>
-                      </p:childTnLst>
-                    </p:cTn>
-                  </p:par>
-                </p:childTnLst>
-              </p:cTn>
-              <p:prevCondLst>
-                <p:cond evt="onPrev" delay="0">
-                  <p:tgtEl>
-                    <p:sldTgt/>
-                  </p:tgtEl>
-                </p:cond>
-              </p:prevCondLst>
-              <p:nextCondLst>
-                <p:cond evt="onNext" delay="0">
-                  <p:tgtEl>
-                    <p:sldTgt/>
-                  </p:tgtEl>
-                </p:cond>
-              </p:nextCondLst>
-            </p:seq>
-          </p:childTnLst>
-        </p:cTn>
-      </p:par>
-    </p:tnLst>
-    <p:bldLst>
-      <p:bldP spid="295" grpId="0" animBg="1" advAuto="0"/>
-      <p:bldP spid="296" grpId="0" animBg="1" advAuto="0"/>
-      <p:bldP spid="297" grpId="0" animBg="1" advAuto="0"/>
-      <p:bldP spid="298" grpId="0" animBg="1" advAuto="0"/>
-      <p:bldP spid="299" grpId="0" animBg="1" advAuto="0"/>
-      <p:bldP spid="300" grpId="0" animBg="1" advAuto="0"/>
-    </p:bldLst>
-  </p:timing>
-</p:sld>
-</file>
-
-<file path=ppt/slides/slide30.xml><?xml version="1.0" encoding="utf-8"?>
+<file path=ppt/slides/slide31.xml><?xml version="1.0" encoding="utf-8"?>
 <p:sld xmlns:a="http://schemas.openxmlformats.org/drawingml/2006/main" xmlns:r="http://schemas.openxmlformats.org/officeDocument/2006/relationships" xmlns:p="http://schemas.openxmlformats.org/presentationml/2006/main">
   <p:cSld>
     <p:spTree>
@@ -25933,7 +26355,7 @@
         </p:blipFill>
         <p:spPr>
           <a:xfrm>
-            <a:off x="4886765" y="1863434"/>
+            <a:off x="4868104" y="1537840"/>
             <a:ext cx="6096851" cy="2857899"/>
           </a:xfrm>
           <a:prstGeom prst="rect">
@@ -26077,7 +26499,7 @@
 </p:sld>
 </file>
 
-<file path=ppt/slides/slide31.xml><?xml version="1.0" encoding="utf-8"?>
+<file path=ppt/slides/slide32.xml><?xml version="1.0" encoding="utf-8"?>
 <p:sld xmlns:a="http://schemas.openxmlformats.org/drawingml/2006/main" xmlns:r="http://schemas.openxmlformats.org/officeDocument/2006/relationships" xmlns:p="http://schemas.openxmlformats.org/presentationml/2006/main">
   <p:cSld>
     <p:spTree>
@@ -26237,7 +26659,7 @@
           </a:ln>
           <a:extLst>
             <a:ext uri="{C572A759-6A51-4108-AA02-DFA0A04FC94B}">
-              <ma14:wrappingTextBoxFlag xmlns="" xmlns:ma14="http://schemas.microsoft.com/office/mac/drawingml/2011/main" val="1"/>
+              <ma14:wrappingTextBoxFlag xmlns:ma14="http://schemas.microsoft.com/office/mac/drawingml/2011/main" xmlns="" val="1"/>
             </a:ext>
           </a:extLst>
         </p:spPr>
@@ -26286,7 +26708,7 @@
           </a:ln>
           <a:extLst>
             <a:ext uri="{C572A759-6A51-4108-AA02-DFA0A04FC94B}">
-              <ma14:wrappingTextBoxFlag xmlns="" xmlns:ma14="http://schemas.microsoft.com/office/mac/drawingml/2011/main" val="1"/>
+              <ma14:wrappingTextBoxFlag xmlns:ma14="http://schemas.microsoft.com/office/mac/drawingml/2011/main" xmlns="" val="1"/>
             </a:ext>
           </a:extLst>
         </p:spPr>
@@ -26718,7 +27140,7 @@
 </p:sld>
 </file>
 
-<file path=ppt/slides/slide32.xml><?xml version="1.0" encoding="utf-8"?>
+<file path=ppt/slides/slide33.xml><?xml version="1.0" encoding="utf-8"?>
 <p:sld xmlns:a="http://schemas.openxmlformats.org/drawingml/2006/main" xmlns:r="http://schemas.openxmlformats.org/officeDocument/2006/relationships" xmlns:p="http://schemas.openxmlformats.org/presentationml/2006/main">
   <p:cSld>
     <p:spTree>
@@ -26735,36 +27157,6 @@
           <a:chExt cx="0" cy="0"/>
         </a:xfrm>
       </p:grpSpPr>
-      <p:pic>
-        <p:nvPicPr>
-          <p:cNvPr id="2" name="图片 1"/>
-          <p:cNvPicPr>
-            <a:picLocks noChangeAspect="1"/>
-          </p:cNvPicPr>
-          <p:nvPr/>
-        </p:nvPicPr>
-        <p:blipFill>
-          <a:blip r:embed="rId2">
-            <a:extLst>
-              <a:ext uri="{28A0092B-C50C-407E-A947-70E740481C1C}">
-                <a14:useLocalDpi xmlns:a14="http://schemas.microsoft.com/office/drawing/2010/main" val="0"/>
-              </a:ext>
-            </a:extLst>
-          </a:blip>
-          <a:stretch>
-            <a:fillRect/>
-          </a:stretch>
-        </p:blipFill>
-        <p:spPr>
-          <a:xfrm>
-            <a:off x="2471231" y="1723787"/>
-            <a:ext cx="7249537" cy="3410426"/>
-          </a:xfrm>
-          <a:prstGeom prst="rect">
-            <a:avLst/>
-          </a:prstGeom>
-        </p:spPr>
-      </p:pic>
       <p:pic>
         <p:nvPicPr>
           <p:cNvPr id="3" name="图片 2">
@@ -26801,6 +27193,63 @@
           </a:prstGeom>
         </p:spPr>
       </p:pic>
+      <p:graphicFrame>
+        <p:nvGraphicFramePr>
+          <p:cNvPr id="4" name="对象 3"/>
+          <p:cNvGraphicFramePr>
+            <a:graphicFrameLocks noChangeAspect="1"/>
+          </p:cNvGraphicFramePr>
+          <p:nvPr>
+            <p:extLst>
+              <p:ext uri="{D42A27DB-BD31-4B8C-83A1-F6EECF244321}">
+                <p14:modId xmlns:p14="http://schemas.microsoft.com/office/powerpoint/2010/main" val="1578423349"/>
+              </p:ext>
+            </p:extLst>
+          </p:nvPr>
+        </p:nvGraphicFramePr>
+        <p:xfrm>
+          <a:off x="2521113" y="1787655"/>
+          <a:ext cx="7286625" cy="3267075"/>
+        </p:xfrm>
+        <a:graphic>
+          <a:graphicData uri="http://schemas.openxmlformats.org/presentationml/2006/ole">
+            <mc:AlternateContent xmlns:mc="http://schemas.openxmlformats.org/markup-compatibility/2006">
+              <mc:Choice xmlns:v="urn:schemas-microsoft-com:vml" Requires="v">
+                <p:oleObj spid="_x0000_s13318" name="工作表" r:id="rId4" imgW="7286657" imgH="3266939" progId="Excel.Sheet.12">
+                  <p:embed/>
+                </p:oleObj>
+              </mc:Choice>
+              <mc:Fallback>
+                <p:oleObj name="工作表" r:id="rId4" imgW="7286657" imgH="3266939" progId="Excel.Sheet.12">
+                  <p:embed/>
+                  <p:pic>
+                    <p:nvPicPr>
+                      <p:cNvPr id="0" name=""/>
+                      <p:cNvPicPr/>
+                      <p:nvPr/>
+                    </p:nvPicPr>
+                    <p:blipFill>
+                      <a:blip r:embed="rId5"/>
+                      <a:stretch>
+                        <a:fillRect/>
+                      </a:stretch>
+                    </p:blipFill>
+                    <p:spPr>
+                      <a:xfrm>
+                        <a:off x="2521113" y="1787655"/>
+                        <a:ext cx="7286625" cy="3267075"/>
+                      </a:xfrm>
+                      <a:prstGeom prst="rect">
+                        <a:avLst/>
+                      </a:prstGeom>
+                    </p:spPr>
+                  </p:pic>
+                </p:oleObj>
+              </mc:Fallback>
+            </mc:AlternateContent>
+          </a:graphicData>
+        </a:graphic>
+      </p:graphicFrame>
     </p:spTree>
     <p:extLst>
       <p:ext uri="{BB962C8B-B14F-4D97-AF65-F5344CB8AC3E}">
@@ -26901,7 +27350,7 @@
 </p:sld>
 </file>
 
-<file path=ppt/slides/slide33.xml><?xml version="1.0" encoding="utf-8"?>
+<file path=ppt/slides/slide34.xml><?xml version="1.0" encoding="utf-8"?>
 <p:sld xmlns:a="http://schemas.openxmlformats.org/drawingml/2006/main" xmlns:r="http://schemas.openxmlformats.org/officeDocument/2006/relationships" xmlns:p="http://schemas.openxmlformats.org/presentationml/2006/main">
   <p:cSld>
     <p:spTree>
@@ -26973,7 +27422,7 @@
           </a:ln>
           <a:extLst>
             <a:ext uri="{C572A759-6A51-4108-AA02-DFA0A04FC94B}">
-              <ma14:wrappingTextBoxFlag xmlns="" xmlns:ma14="http://schemas.microsoft.com/office/mac/drawingml/2011/main" val="1"/>
+              <ma14:wrappingTextBoxFlag xmlns:ma14="http://schemas.microsoft.com/office/mac/drawingml/2011/main" xmlns="" val="1"/>
             </a:ext>
           </a:extLst>
         </p:spPr>
@@ -27141,7 +27590,7 @@
           </a:ln>
           <a:extLst>
             <a:ext uri="{C572A759-6A51-4108-AA02-DFA0A04FC94B}">
-              <ma14:wrappingTextBoxFlag xmlns="" xmlns:ma14="http://schemas.microsoft.com/office/mac/drawingml/2011/main" val="1"/>
+              <ma14:wrappingTextBoxFlag xmlns:ma14="http://schemas.microsoft.com/office/mac/drawingml/2011/main" xmlns="" val="1"/>
             </a:ext>
           </a:extLst>
         </p:spPr>
@@ -27200,7 +27649,7 @@
           </a:ln>
           <a:extLst>
             <a:ext uri="{C572A759-6A51-4108-AA02-DFA0A04FC94B}">
-              <ma14:wrappingTextBoxFlag xmlns="" xmlns:ma14="http://schemas.microsoft.com/office/mac/drawingml/2011/main" val="1"/>
+              <ma14:wrappingTextBoxFlag xmlns:ma14="http://schemas.microsoft.com/office/mac/drawingml/2011/main" xmlns="" val="1"/>
             </a:ext>
           </a:extLst>
         </p:spPr>
@@ -27275,7 +27724,7 @@
         <p15:prstTrans prst="pageCurlDouble"/>
       </p:transition>
     </mc:Choice>
-    <mc:Choice xmlns="" xmlns:p14="http://schemas.microsoft.com/office/powerpoint/2010/main" Requires="p14">
+    <mc:Choice xmlns:p14="http://schemas.microsoft.com/office/powerpoint/2010/main" xmlns="" Requires="p14">
       <p:transition spd="slow" advClick="1" p14:dur="1200">
         <p14:prism dir="d"/>
       </p:transition>
@@ -28062,7 +28511,7 @@
           </a:ln>
           <a:extLst>
             <a:ext uri="{C572A759-6A51-4108-AA02-DFA0A04FC94B}">
-              <ma14:wrappingTextBoxFlag xmlns="" xmlns:ma14="http://schemas.microsoft.com/office/mac/drawingml/2011/main" val="1"/>
+              <ma14:wrappingTextBoxFlag xmlns:ma14="http://schemas.microsoft.com/office/mac/drawingml/2011/main" xmlns="" val="1"/>
             </a:ext>
           </a:extLst>
         </p:spPr>
@@ -28113,7 +28562,7 @@
           </a:ln>
           <a:extLst>
             <a:ext uri="{C572A759-6A51-4108-AA02-DFA0A04FC94B}">
-              <ma14:wrappingTextBoxFlag xmlns="" xmlns:ma14="http://schemas.microsoft.com/office/mac/drawingml/2011/main" val="1"/>
+              <ma14:wrappingTextBoxFlag xmlns:ma14="http://schemas.microsoft.com/office/mac/drawingml/2011/main" xmlns="" val="1"/>
             </a:ext>
           </a:extLst>
         </p:spPr>
@@ -28812,7 +29261,7 @@
           </a:ln>
           <a:extLst>
             <a:ext uri="{C572A759-6A51-4108-AA02-DFA0A04FC94B}">
-              <ma14:wrappingTextBoxFlag xmlns="" xmlns:ma14="http://schemas.microsoft.com/office/mac/drawingml/2011/main" val="1"/>
+              <ma14:wrappingTextBoxFlag xmlns:ma14="http://schemas.microsoft.com/office/mac/drawingml/2011/main" xmlns="" val="1"/>
             </a:ext>
           </a:extLst>
         </p:spPr>
@@ -28982,7 +29431,7 @@
           </a:ln>
           <a:extLst>
             <a:ext uri="{C572A759-6A51-4108-AA02-DFA0A04FC94B}">
-              <ma14:wrappingTextBoxFlag xmlns="" xmlns:ma14="http://schemas.microsoft.com/office/mac/drawingml/2011/main" val="1"/>
+              <ma14:wrappingTextBoxFlag xmlns:ma14="http://schemas.microsoft.com/office/mac/drawingml/2011/main" xmlns="" val="1"/>
             </a:ext>
           </a:extLst>
         </p:spPr>
@@ -29683,7 +30132,7 @@
           </a:ln>
           <a:extLst>
             <a:ext uri="{C572A759-6A51-4108-AA02-DFA0A04FC94B}">
-              <ma14:wrappingTextBoxFlag xmlns="" xmlns:ma14="http://schemas.microsoft.com/office/mac/drawingml/2011/main" val="1"/>
+              <ma14:wrappingTextBoxFlag xmlns:ma14="http://schemas.microsoft.com/office/mac/drawingml/2011/main" xmlns="" val="1"/>
             </a:ext>
           </a:extLst>
         </p:spPr>
@@ -29732,7 +30181,7 @@
           </a:ln>
           <a:extLst>
             <a:ext uri="{C572A759-6A51-4108-AA02-DFA0A04FC94B}">
-              <ma14:wrappingTextBoxFlag xmlns="" xmlns:ma14="http://schemas.microsoft.com/office/mac/drawingml/2011/main" val="1"/>
+              <ma14:wrappingTextBoxFlag xmlns:ma14="http://schemas.microsoft.com/office/mac/drawingml/2011/main" xmlns="" val="1"/>
             </a:ext>
           </a:extLst>
         </p:spPr>
@@ -30305,7 +30754,7 @@
           </a:ln>
           <a:extLst>
             <a:ext uri="{C572A759-6A51-4108-AA02-DFA0A04FC94B}">
-              <ma14:wrappingTextBoxFlag xmlns="" xmlns:ma14="http://schemas.microsoft.com/office/mac/drawingml/2011/main" val="1"/>
+              <ma14:wrappingTextBoxFlag xmlns:ma14="http://schemas.microsoft.com/office/mac/drawingml/2011/main" xmlns="" val="1"/>
             </a:ext>
           </a:extLst>
         </p:spPr>
@@ -30395,7 +30844,7 @@
           </a:ln>
           <a:extLst>
             <a:ext uri="{C572A759-6A51-4108-AA02-DFA0A04FC94B}">
-              <ma14:wrappingTextBoxFlag xmlns="" xmlns:ma14="http://schemas.microsoft.com/office/mac/drawingml/2011/main" val="1"/>
+              <ma14:wrappingTextBoxFlag xmlns:ma14="http://schemas.microsoft.com/office/mac/drawingml/2011/main" xmlns="" val="1"/>
             </a:ext>
           </a:extLst>
         </p:spPr>
@@ -30444,7 +30893,7 @@
           </a:ln>
           <a:extLst>
             <a:ext uri="{C572A759-6A51-4108-AA02-DFA0A04FC94B}">
-              <ma14:wrappingTextBoxFlag xmlns="" xmlns:ma14="http://schemas.microsoft.com/office/mac/drawingml/2011/main" val="1"/>
+              <ma14:wrappingTextBoxFlag xmlns:ma14="http://schemas.microsoft.com/office/mac/drawingml/2011/main" xmlns="" val="1"/>
             </a:ext>
           </a:extLst>
         </p:spPr>
@@ -30736,7 +31185,7 @@
         <p15:prstTrans prst="pageCurlDouble"/>
       </p:transition>
     </mc:Choice>
-    <mc:Choice xmlns="" xmlns:p14="http://schemas.microsoft.com/office/powerpoint/2010/main" Requires="p14">
+    <mc:Choice xmlns:p14="http://schemas.microsoft.com/office/powerpoint/2010/main" xmlns="" Requires="p14">
       <p:transition spd="slow" advClick="0" advTm="4000" p14:dur="1200">
         <p14:prism dir="l"/>
       </p:transition>
@@ -31442,7 +31891,7 @@
           </a:ln>
           <a:extLst>
             <a:ext uri="{C572A759-6A51-4108-AA02-DFA0A04FC94B}">
-              <ma14:wrappingTextBoxFlag xmlns="" xmlns:ma14="http://schemas.microsoft.com/office/mac/drawingml/2011/main" val="1"/>
+              <ma14:wrappingTextBoxFlag xmlns:ma14="http://schemas.microsoft.com/office/mac/drawingml/2011/main" xmlns="" val="1"/>
             </a:ext>
           </a:extLst>
         </p:spPr>
@@ -31577,7 +32026,7 @@
           <a:graphicData uri="http://schemas.openxmlformats.org/presentationml/2006/ole">
             <mc:AlternateContent xmlns:mc="http://schemas.openxmlformats.org/markup-compatibility/2006">
               <mc:Choice xmlns:v="urn:schemas-microsoft-com:vml" Requires="v">
-                <p:oleObj spid="_x0000_s4120" r:id="rId3" imgW="3095669" imgH="5972323" progId="Visio.Drawing.15">
+                <p:oleObj spid="_x0000_s4126" r:id="rId3" imgW="3095669" imgH="5972323" progId="Visio.Drawing.15">
                   <p:embed/>
                 </p:oleObj>
               </mc:Choice>
@@ -32124,7 +32573,7 @@
           </a:ln>
           <a:extLst>
             <a:ext uri="{C572A759-6A51-4108-AA02-DFA0A04FC94B}">
-              <ma14:wrappingTextBoxFlag xmlns="" xmlns:ma14="http://schemas.microsoft.com/office/mac/drawingml/2011/main" val="1"/>
+              <ma14:wrappingTextBoxFlag xmlns:ma14="http://schemas.microsoft.com/office/mac/drawingml/2011/main" xmlns="" val="1"/>
             </a:ext>
           </a:extLst>
         </p:spPr>
@@ -32250,7 +32699,7 @@
           <a:graphicData uri="http://schemas.openxmlformats.org/presentationml/2006/ole">
             <mc:AlternateContent xmlns:mc="http://schemas.openxmlformats.org/markup-compatibility/2006">
               <mc:Choice xmlns:v="urn:schemas-microsoft-com:vml" Requires="v">
-                <p:oleObj spid="_x0000_s5144" name="Visio" r:id="rId3" imgW="6505390" imgH="4419736" progId="Visio.Drawing.15">
+                <p:oleObj spid="_x0000_s5150" name="Visio" r:id="rId3" imgW="6505390" imgH="4419736" progId="Visio.Drawing.15">
                   <p:embed/>
                 </p:oleObj>
               </mc:Choice>

--- a/评审PPT/SE2019春-G11-软件需求规格说明(SRS)/SE2019春-G11-软件需求规格说明(SRS)PPT.pptx
+++ b/评审PPT/SE2019春-G11-软件需求规格说明(SRS)/SE2019春-G11-软件需求规格说明(SRS)PPT.pptx
@@ -4253,7 +4253,7 @@
           </a:ln>
           <a:extLst>
             <a:ext uri="{C572A759-6A51-4108-AA02-DFA0A04FC94B}">
-              <ma14:wrappingTextBoxFlag xmlns:ma14="http://schemas.microsoft.com/office/mac/drawingml/2011/main" xmlns="" val="1"/>
+              <ma14:wrappingTextBoxFlag xmlns="" xmlns:ma14="http://schemas.microsoft.com/office/mac/drawingml/2011/main" val="1"/>
             </a:ext>
           </a:extLst>
         </p:spPr>
@@ -4292,7 +4292,7 @@
           </a:ln>
           <a:extLst>
             <a:ext uri="{C572A759-6A51-4108-AA02-DFA0A04FC94B}">
-              <ma14:wrappingTextBoxFlag xmlns:ma14="http://schemas.microsoft.com/office/mac/drawingml/2011/main" xmlns="" val="1"/>
+              <ma14:wrappingTextBoxFlag xmlns="" xmlns:ma14="http://schemas.microsoft.com/office/mac/drawingml/2011/main" val="1"/>
             </a:ext>
           </a:extLst>
         </p:spPr>
@@ -5268,7 +5268,7 @@
           </a:ln>
           <a:extLst>
             <a:ext uri="{C572A759-6A51-4108-AA02-DFA0A04FC94B}">
-              <ma14:wrappingTextBoxFlag xmlns:ma14="http://schemas.microsoft.com/office/mac/drawingml/2011/main" xmlns="" val="1"/>
+              <ma14:wrappingTextBoxFlag xmlns="" xmlns:ma14="http://schemas.microsoft.com/office/mac/drawingml/2011/main" val="1"/>
             </a:ext>
           </a:extLst>
         </p:spPr>
@@ -5436,7 +5436,7 @@
           </a:ln>
           <a:extLst>
             <a:ext uri="{C572A759-6A51-4108-AA02-DFA0A04FC94B}">
-              <ma14:wrappingTextBoxFlag xmlns:ma14="http://schemas.microsoft.com/office/mac/drawingml/2011/main" xmlns="" val="1"/>
+              <ma14:wrappingTextBoxFlag xmlns="" xmlns:ma14="http://schemas.microsoft.com/office/mac/drawingml/2011/main" val="1"/>
             </a:ext>
           </a:extLst>
         </p:spPr>
@@ -5535,7 +5535,7 @@
           </a:ln>
           <a:extLst>
             <a:ext uri="{C572A759-6A51-4108-AA02-DFA0A04FC94B}">
-              <ma14:wrappingTextBoxFlag xmlns:ma14="http://schemas.microsoft.com/office/mac/drawingml/2011/main" xmlns="" val="1"/>
+              <ma14:wrappingTextBoxFlag xmlns="" xmlns:ma14="http://schemas.microsoft.com/office/mac/drawingml/2011/main" val="1"/>
             </a:ext>
           </a:extLst>
         </p:spPr>
@@ -5590,7 +5590,7 @@
           </a:ln>
           <a:extLst>
             <a:ext uri="{C572A759-6A51-4108-AA02-DFA0A04FC94B}">
-              <ma14:wrappingTextBoxFlag xmlns:ma14="http://schemas.microsoft.com/office/mac/drawingml/2011/main" xmlns="" val="1"/>
+              <ma14:wrappingTextBoxFlag xmlns="" xmlns:ma14="http://schemas.microsoft.com/office/mac/drawingml/2011/main" val="1"/>
             </a:ext>
           </a:extLst>
         </p:spPr>
@@ -5644,7 +5644,7 @@
           </a:ln>
           <a:extLst>
             <a:ext uri="{C572A759-6A51-4108-AA02-DFA0A04FC94B}">
-              <ma14:wrappingTextBoxFlag xmlns:ma14="http://schemas.microsoft.com/office/mac/drawingml/2011/main" xmlns="" val="1"/>
+              <ma14:wrappingTextBoxFlag xmlns="" xmlns:ma14="http://schemas.microsoft.com/office/mac/drawingml/2011/main" val="1"/>
             </a:ext>
           </a:extLst>
         </p:spPr>
@@ -6457,7 +6457,7 @@
           </a:ln>
           <a:extLst>
             <a:ext uri="{C572A759-6A51-4108-AA02-DFA0A04FC94B}">
-              <ma14:wrappingTextBoxFlag xmlns:ma14="http://schemas.microsoft.com/office/mac/drawingml/2011/main" xmlns="" val="1"/>
+              <ma14:wrappingTextBoxFlag xmlns="" xmlns:ma14="http://schemas.microsoft.com/office/mac/drawingml/2011/main" val="1"/>
             </a:ext>
           </a:extLst>
         </p:spPr>
@@ -6584,7 +6584,7 @@
           <a:graphicData uri="http://schemas.openxmlformats.org/presentationml/2006/ole">
             <mc:AlternateContent xmlns:mc="http://schemas.openxmlformats.org/markup-compatibility/2006">
               <mc:Choice xmlns:v="urn:schemas-microsoft-com:vml" Requires="v">
-                <p:oleObj spid="_x0000_s6173" r:id="rId3" imgW="5552853" imgH="4086018" progId="Visio.Drawing.15">
+                <p:oleObj spid="_x0000_s6175" r:id="rId3" imgW="5552853" imgH="4086018" progId="Visio.Drawing.15">
                   <p:embed/>
                 </p:oleObj>
               </mc:Choice>
@@ -7118,7 +7118,7 @@
           </a:ln>
           <a:extLst>
             <a:ext uri="{C572A759-6A51-4108-AA02-DFA0A04FC94B}">
-              <ma14:wrappingTextBoxFlag xmlns:ma14="http://schemas.microsoft.com/office/mac/drawingml/2011/main" xmlns="" val="1"/>
+              <ma14:wrappingTextBoxFlag xmlns="" xmlns:ma14="http://schemas.microsoft.com/office/mac/drawingml/2011/main" val="1"/>
             </a:ext>
           </a:extLst>
         </p:spPr>
@@ -7210,7 +7210,7 @@
           <a:graphicData uri="http://schemas.openxmlformats.org/presentationml/2006/ole">
             <mc:AlternateContent xmlns:mc="http://schemas.openxmlformats.org/markup-compatibility/2006">
               <mc:Choice xmlns:v="urn:schemas-microsoft-com:vml" Requires="v">
-                <p:oleObj spid="_x0000_s12295" name="Visio" r:id="rId4" imgW="6324753" imgH="3162436" progId="Visio.Drawing.15">
+                <p:oleObj spid="_x0000_s12297" name="Visio" r:id="rId4" imgW="6324753" imgH="3162436" progId="Visio.Drawing.15">
                   <p:embed/>
                 </p:oleObj>
               </mc:Choice>
@@ -7708,7 +7708,7 @@
           </a:ln>
           <a:extLst>
             <a:ext uri="{C572A759-6A51-4108-AA02-DFA0A04FC94B}">
-              <ma14:wrappingTextBoxFlag xmlns:ma14="http://schemas.microsoft.com/office/mac/drawingml/2011/main" xmlns="" val="1"/>
+              <ma14:wrappingTextBoxFlag xmlns="" xmlns:ma14="http://schemas.microsoft.com/office/mac/drawingml/2011/main" val="1"/>
             </a:ext>
           </a:extLst>
         </p:spPr>
@@ -7776,7 +7776,7 @@
           </a:ln>
           <a:extLst>
             <a:ext uri="{C572A759-6A51-4108-AA02-DFA0A04FC94B}">
-              <ma14:wrappingTextBoxFlag xmlns:ma14="http://schemas.microsoft.com/office/mac/drawingml/2011/main" xmlns="" val="1"/>
+              <ma14:wrappingTextBoxFlag xmlns="" xmlns:ma14="http://schemas.microsoft.com/office/mac/drawingml/2011/main" val="1"/>
             </a:ext>
           </a:extLst>
         </p:spPr>
@@ -8112,7 +8112,7 @@
         <p15:prstTrans prst="pageCurlDouble"/>
       </p:transition>
     </mc:Choice>
-    <mc:Choice xmlns:p14="http://schemas.microsoft.com/office/powerpoint/2010/main" xmlns="" Requires="p14">
+    <mc:Choice xmlns="" xmlns:p14="http://schemas.microsoft.com/office/powerpoint/2010/main" Requires="p14">
       <p:transition spd="slow" advClick="0" advTm="9000" p14:dur="1200">
         <p14:prism dir="l"/>
       </p:transition>
@@ -8749,7 +8749,7 @@
           <a:graphicData uri="http://schemas.openxmlformats.org/presentationml/2006/ole">
             <mc:AlternateContent xmlns:mc="http://schemas.openxmlformats.org/markup-compatibility/2006">
               <mc:Choice xmlns:v="urn:schemas-microsoft-com:vml" Requires="v">
-                <p:oleObj spid="_x0000_s7204" r:id="rId3" imgW="4324261" imgH="1580893" progId="Visio.Drawing.15">
+                <p:oleObj spid="_x0000_s7206" r:id="rId3" imgW="4324261" imgH="1580893" progId="Visio.Drawing.15">
                   <p:embed/>
                 </p:oleObj>
               </mc:Choice>
@@ -9181,7 +9181,7 @@
           <a:graphicData uri="http://schemas.openxmlformats.org/presentationml/2006/ole">
             <mc:AlternateContent xmlns:mc="http://schemas.openxmlformats.org/markup-compatibility/2006">
               <mc:Choice xmlns:v="urn:schemas-microsoft-com:vml" Requires="v">
-                <p:oleObj spid="_x0000_s8222" r:id="rId3" imgW="4324261" imgH="4114800" progId="Visio.Drawing.15">
+                <p:oleObj spid="_x0000_s8224" r:id="rId3" imgW="4324261" imgH="4114800" progId="Visio.Drawing.15">
                   <p:embed/>
                 </p:oleObj>
               </mc:Choice>
@@ -9591,7 +9591,7 @@
           <a:graphicData uri="http://schemas.openxmlformats.org/presentationml/2006/ole">
             <mc:AlternateContent xmlns:mc="http://schemas.openxmlformats.org/markup-compatibility/2006">
               <mc:Choice xmlns:v="urn:schemas-microsoft-com:vml" Requires="v">
-                <p:oleObj spid="_x0000_s9275" r:id="rId3" imgW="2572016" imgH="5315128" progId="Visio.Drawing.15">
+                <p:oleObj spid="_x0000_s9279" r:id="rId3" imgW="2572016" imgH="5315128" progId="Visio.Drawing.15">
                   <p:embed/>
                 </p:oleObj>
               </mc:Choice>
@@ -9744,7 +9744,7 @@
           <a:graphicData uri="http://schemas.openxmlformats.org/presentationml/2006/ole">
             <mc:AlternateContent xmlns:mc="http://schemas.openxmlformats.org/markup-compatibility/2006">
               <mc:Choice xmlns:v="urn:schemas-microsoft-com:vml" Requires="v">
-                <p:oleObj spid="_x0000_s9276" r:id="rId5" imgW="5552853" imgH="1876178" progId="Visio.Drawing.15">
+                <p:oleObj spid="_x0000_s9280" r:id="rId5" imgW="5552853" imgH="1876178" progId="Visio.Drawing.15">
                   <p:embed/>
                 </p:oleObj>
               </mc:Choice>
@@ -10094,7 +10094,7 @@
           <a:graphicData uri="http://schemas.openxmlformats.org/presentationml/2006/ole">
             <mc:AlternateContent xmlns:mc="http://schemas.openxmlformats.org/markup-compatibility/2006">
               <mc:Choice xmlns:v="urn:schemas-microsoft-com:vml" Requires="v">
-                <p:oleObj spid="_x0000_s10297" r:id="rId3" imgW="2572016" imgH="5315128" progId="Visio.Drawing.15">
+                <p:oleObj spid="_x0000_s10301" r:id="rId3" imgW="2572016" imgH="5315128" progId="Visio.Drawing.15">
                   <p:embed/>
                 </p:oleObj>
               </mc:Choice>
@@ -10262,7 +10262,7 @@
           <a:graphicData uri="http://schemas.openxmlformats.org/presentationml/2006/ole">
             <mc:AlternateContent xmlns:mc="http://schemas.openxmlformats.org/markup-compatibility/2006">
               <mc:Choice xmlns:v="urn:schemas-microsoft-com:vml" Requires="v">
-                <p:oleObj spid="_x0000_s10298" r:id="rId5" imgW="5552853" imgH="1876178" progId="Visio.Drawing.15">
+                <p:oleObj spid="_x0000_s10302" r:id="rId5" imgW="5552853" imgH="1876178" progId="Visio.Drawing.15">
                   <p:embed/>
                 </p:oleObj>
               </mc:Choice>
@@ -10707,7 +10707,7 @@
           <a:graphicData uri="http://schemas.openxmlformats.org/presentationml/2006/ole">
             <mc:AlternateContent xmlns:mc="http://schemas.openxmlformats.org/markup-compatibility/2006">
               <mc:Choice xmlns:v="urn:schemas-microsoft-com:vml" Requires="v">
-                <p:oleObj spid="_x0000_s11323" r:id="rId3" imgW="2572016" imgH="5315128" progId="Visio.Drawing.15">
+                <p:oleObj spid="_x0000_s11327" r:id="rId3" imgW="2572016" imgH="5315128" progId="Visio.Drawing.15">
                   <p:embed/>
                 </p:oleObj>
               </mc:Choice>
@@ -10780,7 +10780,7 @@
           <a:graphicData uri="http://schemas.openxmlformats.org/presentationml/2006/ole">
             <mc:AlternateContent xmlns:mc="http://schemas.openxmlformats.org/markup-compatibility/2006">
               <mc:Choice xmlns:v="urn:schemas-microsoft-com:vml" Requires="v">
-                <p:oleObj spid="_x0000_s11324" r:id="rId5" imgW="5495969" imgH="1876178" progId="Visio.Drawing.15">
+                <p:oleObj spid="_x0000_s11328" r:id="rId5" imgW="5495969" imgH="1876178" progId="Visio.Drawing.15">
                   <p:embed/>
                 </p:oleObj>
               </mc:Choice>
@@ -11243,7 +11243,7 @@
           </a:ln>
           <a:extLst>
             <a:ext uri="{C572A759-6A51-4108-AA02-DFA0A04FC94B}">
-              <ma14:wrappingTextBoxFlag xmlns:ma14="http://schemas.microsoft.com/office/mac/drawingml/2011/main" xmlns="" val="1"/>
+              <ma14:wrappingTextBoxFlag xmlns="" xmlns:ma14="http://schemas.microsoft.com/office/mac/drawingml/2011/main" val="1"/>
             </a:ext>
           </a:extLst>
         </p:spPr>
@@ -11468,7 +11468,7 @@
           </a:ln>
           <a:extLst>
             <a:ext uri="{C572A759-6A51-4108-AA02-DFA0A04FC94B}">
-              <ma14:wrappingTextBoxFlag xmlns:ma14="http://schemas.microsoft.com/office/mac/drawingml/2011/main" xmlns="" val="1"/>
+              <ma14:wrappingTextBoxFlag xmlns="" xmlns:ma14="http://schemas.microsoft.com/office/mac/drawingml/2011/main" val="1"/>
             </a:ext>
           </a:extLst>
         </p:spPr>
@@ -12099,7 +12099,7 @@
           </a:ln>
           <a:extLst>
             <a:ext uri="{C572A759-6A51-4108-AA02-DFA0A04FC94B}">
-              <ma14:wrappingTextBoxFlag xmlns:ma14="http://schemas.microsoft.com/office/mac/drawingml/2011/main" xmlns="" val="1"/>
+              <ma14:wrappingTextBoxFlag xmlns="" xmlns:ma14="http://schemas.microsoft.com/office/mac/drawingml/2011/main" val="1"/>
             </a:ext>
           </a:extLst>
         </p:spPr>
@@ -12331,7 +12331,7 @@
           </a:ln>
           <a:extLst>
             <a:ext uri="{C572A759-6A51-4108-AA02-DFA0A04FC94B}">
-              <ma14:wrappingTextBoxFlag xmlns:ma14="http://schemas.microsoft.com/office/mac/drawingml/2011/main" xmlns="" val="1"/>
+              <ma14:wrappingTextBoxFlag xmlns="" xmlns:ma14="http://schemas.microsoft.com/office/mac/drawingml/2011/main" val="1"/>
             </a:ext>
           </a:extLst>
         </p:spPr>
@@ -12932,7 +12932,7 @@
           </a:ln>
           <a:extLst>
             <a:ext uri="{C572A759-6A51-4108-AA02-DFA0A04FC94B}">
-              <ma14:wrappingTextBoxFlag xmlns:ma14="http://schemas.microsoft.com/office/mac/drawingml/2011/main" xmlns="" val="1"/>
+              <ma14:wrappingTextBoxFlag xmlns="" xmlns:ma14="http://schemas.microsoft.com/office/mac/drawingml/2011/main" val="1"/>
             </a:ext>
           </a:extLst>
         </p:spPr>
@@ -12981,7 +12981,7 @@
           </a:ln>
           <a:extLst>
             <a:ext uri="{C572A759-6A51-4108-AA02-DFA0A04FC94B}">
-              <ma14:wrappingTextBoxFlag xmlns:ma14="http://schemas.microsoft.com/office/mac/drawingml/2011/main" xmlns="" val="1"/>
+              <ma14:wrappingTextBoxFlag xmlns="" xmlns:ma14="http://schemas.microsoft.com/office/mac/drawingml/2011/main" val="1"/>
             </a:ext>
           </a:extLst>
         </p:spPr>
@@ -13059,7 +13059,7 @@
           </a:ln>
           <a:extLst>
             <a:ext uri="{C572A759-6A51-4108-AA02-DFA0A04FC94B}">
-              <ma14:wrappingTextBoxFlag xmlns:ma14="http://schemas.microsoft.com/office/mac/drawingml/2011/main" xmlns="" val="1"/>
+              <ma14:wrappingTextBoxFlag xmlns="" xmlns:ma14="http://schemas.microsoft.com/office/mac/drawingml/2011/main" val="1"/>
             </a:ext>
           </a:extLst>
         </p:spPr>
@@ -13108,7 +13108,7 @@
           </a:ln>
           <a:extLst>
             <a:ext uri="{C572A759-6A51-4108-AA02-DFA0A04FC94B}">
-              <ma14:wrappingTextBoxFlag xmlns:ma14="http://schemas.microsoft.com/office/mac/drawingml/2011/main" xmlns="" val="1"/>
+              <ma14:wrappingTextBoxFlag xmlns="" xmlns:ma14="http://schemas.microsoft.com/office/mac/drawingml/2011/main" val="1"/>
             </a:ext>
           </a:extLst>
         </p:spPr>
@@ -13156,7 +13156,7 @@
           </a:ln>
           <a:extLst>
             <a:ext uri="{C572A759-6A51-4108-AA02-DFA0A04FC94B}">
-              <ma14:wrappingTextBoxFlag xmlns:ma14="http://schemas.microsoft.com/office/mac/drawingml/2011/main" xmlns="" val="1"/>
+              <ma14:wrappingTextBoxFlag xmlns="" xmlns:ma14="http://schemas.microsoft.com/office/mac/drawingml/2011/main" val="1"/>
             </a:ext>
           </a:extLst>
         </p:spPr>
@@ -13205,7 +13205,7 @@
           </a:ln>
           <a:extLst>
             <a:ext uri="{C572A759-6A51-4108-AA02-DFA0A04FC94B}">
-              <ma14:wrappingTextBoxFlag xmlns:ma14="http://schemas.microsoft.com/office/mac/drawingml/2011/main" xmlns="" val="1"/>
+              <ma14:wrappingTextBoxFlag xmlns="" xmlns:ma14="http://schemas.microsoft.com/office/mac/drawingml/2011/main" val="1"/>
             </a:ext>
           </a:extLst>
         </p:spPr>
@@ -13253,7 +13253,7 @@
           </a:ln>
           <a:extLst>
             <a:ext uri="{C572A759-6A51-4108-AA02-DFA0A04FC94B}">
-              <ma14:wrappingTextBoxFlag xmlns:ma14="http://schemas.microsoft.com/office/mac/drawingml/2011/main" xmlns="" val="1"/>
+              <ma14:wrappingTextBoxFlag xmlns="" xmlns:ma14="http://schemas.microsoft.com/office/mac/drawingml/2011/main" val="1"/>
             </a:ext>
           </a:extLst>
         </p:spPr>
@@ -13302,7 +13302,7 @@
           </a:ln>
           <a:extLst>
             <a:ext uri="{C572A759-6A51-4108-AA02-DFA0A04FC94B}">
-              <ma14:wrappingTextBoxFlag xmlns:ma14="http://schemas.microsoft.com/office/mac/drawingml/2011/main" xmlns="" val="1"/>
+              <ma14:wrappingTextBoxFlag xmlns="" xmlns:ma14="http://schemas.microsoft.com/office/mac/drawingml/2011/main" val="1"/>
             </a:ext>
           </a:extLst>
         </p:spPr>
@@ -13392,7 +13392,7 @@
           </a:ln>
           <a:extLst>
             <a:ext uri="{C572A759-6A51-4108-AA02-DFA0A04FC94B}">
-              <ma14:wrappingTextBoxFlag xmlns:ma14="http://schemas.microsoft.com/office/mac/drawingml/2011/main" xmlns="" val="1"/>
+              <ma14:wrappingTextBoxFlag xmlns="" xmlns:ma14="http://schemas.microsoft.com/office/mac/drawingml/2011/main" val="1"/>
             </a:ext>
           </a:extLst>
         </p:spPr>
@@ -14323,7 +14323,7 @@
           </a:ln>
           <a:extLst>
             <a:ext uri="{C572A759-6A51-4108-AA02-DFA0A04FC94B}">
-              <ma14:wrappingTextBoxFlag xmlns:ma14="http://schemas.microsoft.com/office/mac/drawingml/2011/main" xmlns="" val="1"/>
+              <ma14:wrappingTextBoxFlag xmlns="" xmlns:ma14="http://schemas.microsoft.com/office/mac/drawingml/2011/main" val="1"/>
             </a:ext>
           </a:extLst>
         </p:spPr>
@@ -14544,7 +14544,7 @@
           </a:ln>
           <a:extLst>
             <a:ext uri="{C572A759-6A51-4108-AA02-DFA0A04FC94B}">
-              <ma14:wrappingTextBoxFlag xmlns:ma14="http://schemas.microsoft.com/office/mac/drawingml/2011/main" xmlns="" val="1"/>
+              <ma14:wrappingTextBoxFlag xmlns="" xmlns:ma14="http://schemas.microsoft.com/office/mac/drawingml/2011/main" val="1"/>
             </a:ext>
           </a:extLst>
         </p:spPr>
@@ -15918,7 +15918,7 @@
           </a:ln>
           <a:extLst>
             <a:ext uri="{C572A759-6A51-4108-AA02-DFA0A04FC94B}">
-              <ma14:wrappingTextBoxFlag xmlns:ma14="http://schemas.microsoft.com/office/mac/drawingml/2011/main" xmlns="" val="1"/>
+              <ma14:wrappingTextBoxFlag xmlns="" xmlns:ma14="http://schemas.microsoft.com/office/mac/drawingml/2011/main" val="1"/>
             </a:ext>
           </a:extLst>
         </p:spPr>
@@ -16060,7 +16060,7 @@
           </a:ln>
           <a:extLst>
             <a:ext uri="{C572A759-6A51-4108-AA02-DFA0A04FC94B}">
-              <ma14:wrappingTextBoxFlag xmlns:ma14="http://schemas.microsoft.com/office/mac/drawingml/2011/main" xmlns="" val="1"/>
+              <ma14:wrappingTextBoxFlag xmlns="" xmlns:ma14="http://schemas.microsoft.com/office/mac/drawingml/2011/main" val="1"/>
             </a:ext>
           </a:extLst>
         </p:spPr>
@@ -17815,7 +17815,7 @@
           </a:ln>
           <a:extLst>
             <a:ext uri="{C572A759-6A51-4108-AA02-DFA0A04FC94B}">
-              <ma14:wrappingTextBoxFlag xmlns:ma14="http://schemas.microsoft.com/office/mac/drawingml/2011/main" xmlns="" val="1"/>
+              <ma14:wrappingTextBoxFlag xmlns="" xmlns:ma14="http://schemas.microsoft.com/office/mac/drawingml/2011/main" val="1"/>
             </a:ext>
           </a:extLst>
         </p:spPr>
@@ -17944,7 +17944,7 @@
           </a:ln>
           <a:extLst>
             <a:ext uri="{C572A759-6A51-4108-AA02-DFA0A04FC94B}">
-              <ma14:wrappingTextBoxFlag xmlns:ma14="http://schemas.microsoft.com/office/mac/drawingml/2011/main" xmlns="" val="1"/>
+              <ma14:wrappingTextBoxFlag xmlns="" xmlns:ma14="http://schemas.microsoft.com/office/mac/drawingml/2011/main" val="1"/>
             </a:ext>
           </a:extLst>
         </p:spPr>
@@ -18024,7 +18024,7 @@
           </a:ln>
           <a:extLst>
             <a:ext uri="{C572A759-6A51-4108-AA02-DFA0A04FC94B}">
-              <ma14:wrappingTextBoxFlag xmlns:ma14="http://schemas.microsoft.com/office/mac/drawingml/2011/main" xmlns="" val="1"/>
+              <ma14:wrappingTextBoxFlag xmlns="" xmlns:ma14="http://schemas.microsoft.com/office/mac/drawingml/2011/main" val="1"/>
             </a:ext>
           </a:extLst>
         </p:spPr>
@@ -18082,7 +18082,7 @@
           </a:ln>
           <a:extLst>
             <a:ext uri="{C572A759-6A51-4108-AA02-DFA0A04FC94B}">
-              <ma14:wrappingTextBoxFlag xmlns:ma14="http://schemas.microsoft.com/office/mac/drawingml/2011/main" xmlns="" val="1"/>
+              <ma14:wrappingTextBoxFlag xmlns="" xmlns:ma14="http://schemas.microsoft.com/office/mac/drawingml/2011/main" val="1"/>
             </a:ext>
           </a:extLst>
         </p:spPr>
@@ -18162,7 +18162,7 @@
           </a:ln>
           <a:extLst>
             <a:ext uri="{C572A759-6A51-4108-AA02-DFA0A04FC94B}">
-              <ma14:wrappingTextBoxFlag xmlns:ma14="http://schemas.microsoft.com/office/mac/drawingml/2011/main" xmlns="" val="1"/>
+              <ma14:wrappingTextBoxFlag xmlns="" xmlns:ma14="http://schemas.microsoft.com/office/mac/drawingml/2011/main" val="1"/>
             </a:ext>
           </a:extLst>
         </p:spPr>
@@ -18229,7 +18229,7 @@
           </a:ln>
           <a:extLst>
             <a:ext uri="{C572A759-6A51-4108-AA02-DFA0A04FC94B}">
-              <ma14:wrappingTextBoxFlag xmlns:ma14="http://schemas.microsoft.com/office/mac/drawingml/2011/main" xmlns="" val="1"/>
+              <ma14:wrappingTextBoxFlag xmlns="" xmlns:ma14="http://schemas.microsoft.com/office/mac/drawingml/2011/main" val="1"/>
             </a:ext>
           </a:extLst>
         </p:spPr>
@@ -18281,7 +18281,7 @@
           </a:ln>
           <a:extLst>
             <a:ext uri="{C572A759-6A51-4108-AA02-DFA0A04FC94B}">
-              <ma14:wrappingTextBoxFlag xmlns:ma14="http://schemas.microsoft.com/office/mac/drawingml/2011/main" xmlns="" val="1"/>
+              <ma14:wrappingTextBoxFlag xmlns="" xmlns:ma14="http://schemas.microsoft.com/office/mac/drawingml/2011/main" val="1"/>
             </a:ext>
           </a:extLst>
         </p:spPr>
@@ -20116,7 +20116,7 @@
           </a:ln>
           <a:extLst>
             <a:ext uri="{C572A759-6A51-4108-AA02-DFA0A04FC94B}">
-              <ma14:wrappingTextBoxFlag xmlns:ma14="http://schemas.microsoft.com/office/mac/drawingml/2011/main" xmlns="" val="1"/>
+              <ma14:wrappingTextBoxFlag xmlns="" xmlns:ma14="http://schemas.microsoft.com/office/mac/drawingml/2011/main" val="1"/>
             </a:ext>
           </a:extLst>
         </p:spPr>
@@ -20257,7 +20257,7 @@
           </a:ln>
           <a:extLst>
             <a:ext uri="{C572A759-6A51-4108-AA02-DFA0A04FC94B}">
-              <ma14:wrappingTextBoxFlag xmlns:ma14="http://schemas.microsoft.com/office/mac/drawingml/2011/main" xmlns="" val="1"/>
+              <ma14:wrappingTextBoxFlag xmlns="" xmlns:ma14="http://schemas.microsoft.com/office/mac/drawingml/2011/main" val="1"/>
             </a:ext>
           </a:extLst>
         </p:spPr>
@@ -20951,7 +20951,7 @@
           </a:ln>
           <a:extLst>
             <a:ext uri="{C572A759-6A51-4108-AA02-DFA0A04FC94B}">
-              <ma14:wrappingTextBoxFlag xmlns:ma14="http://schemas.microsoft.com/office/mac/drawingml/2011/main" xmlns="" val="1"/>
+              <ma14:wrappingTextBoxFlag xmlns="" xmlns:ma14="http://schemas.microsoft.com/office/mac/drawingml/2011/main" val="1"/>
             </a:ext>
           </a:extLst>
         </p:spPr>
@@ -21017,7 +21017,7 @@
           </a:ln>
           <a:extLst>
             <a:ext uri="{C572A759-6A51-4108-AA02-DFA0A04FC94B}">
-              <ma14:wrappingTextBoxFlag xmlns:ma14="http://schemas.microsoft.com/office/mac/drawingml/2011/main" xmlns="" val="1"/>
+              <ma14:wrappingTextBoxFlag xmlns="" xmlns:ma14="http://schemas.microsoft.com/office/mac/drawingml/2011/main" val="1"/>
             </a:ext>
           </a:extLst>
         </p:spPr>
@@ -21716,7 +21716,7 @@
           </a:ln>
           <a:extLst>
             <a:ext uri="{C572A759-6A51-4108-AA02-DFA0A04FC94B}">
-              <ma14:wrappingTextBoxFlag xmlns:ma14="http://schemas.microsoft.com/office/mac/drawingml/2011/main" xmlns="" val="1"/>
+              <ma14:wrappingTextBoxFlag xmlns="" xmlns:ma14="http://schemas.microsoft.com/office/mac/drawingml/2011/main" val="1"/>
             </a:ext>
           </a:extLst>
         </p:spPr>
@@ -21801,7 +21801,7 @@
           </a:ln>
           <a:extLst>
             <a:ext uri="{C572A759-6A51-4108-AA02-DFA0A04FC94B}">
-              <ma14:wrappingTextBoxFlag xmlns:ma14="http://schemas.microsoft.com/office/mac/drawingml/2011/main" xmlns="" val="1"/>
+              <ma14:wrappingTextBoxFlag xmlns="" xmlns:ma14="http://schemas.microsoft.com/office/mac/drawingml/2011/main" val="1"/>
             </a:ext>
           </a:extLst>
         </p:spPr>
@@ -22359,150 +22359,6 @@
           <a:chExt cx="0" cy="0"/>
         </a:xfrm>
       </p:grpSpPr>
-      <p:pic>
-        <p:nvPicPr>
-          <p:cNvPr id="7" name="图片 6">
-            <a:extLst>
-              <a:ext uri="{FF2B5EF4-FFF2-40B4-BE49-F238E27FC236}">
-                <a16:creationId xmlns:a16="http://schemas.microsoft.com/office/drawing/2014/main" id="{DFFA8F2E-6A74-43E5-B259-C20AA92B6AC8}"/>
-              </a:ext>
-            </a:extLst>
-          </p:cNvPr>
-          <p:cNvPicPr>
-            <a:picLocks noChangeAspect="1"/>
-          </p:cNvPicPr>
-          <p:nvPr/>
-        </p:nvPicPr>
-        <p:blipFill>
-          <a:blip r:embed="rId2">
-            <a:extLst>
-              <a:ext uri="{28A0092B-C50C-407E-A947-70E740481C1C}">
-                <a14:useLocalDpi xmlns:a14="http://schemas.microsoft.com/office/drawing/2010/main" val="0"/>
-              </a:ext>
-            </a:extLst>
-          </a:blip>
-          <a:stretch>
-            <a:fillRect/>
-          </a:stretch>
-        </p:blipFill>
-        <p:spPr>
-          <a:xfrm>
-            <a:off x="83497" y="1851560"/>
-            <a:ext cx="2874377" cy="4299334"/>
-          </a:xfrm>
-          <a:prstGeom prst="rect">
-            <a:avLst/>
-          </a:prstGeom>
-        </p:spPr>
-      </p:pic>
-      <p:pic>
-        <p:nvPicPr>
-          <p:cNvPr id="10" name="图片 9">
-            <a:extLst>
-              <a:ext uri="{FF2B5EF4-FFF2-40B4-BE49-F238E27FC236}">
-                <a16:creationId xmlns:a16="http://schemas.microsoft.com/office/drawing/2014/main" id="{B5641CCE-9265-42A0-A255-53C7F3CC9266}"/>
-              </a:ext>
-            </a:extLst>
-          </p:cNvPr>
-          <p:cNvPicPr>
-            <a:picLocks noChangeAspect="1"/>
-          </p:cNvPicPr>
-          <p:nvPr/>
-        </p:nvPicPr>
-        <p:blipFill>
-          <a:blip r:embed="rId3">
-            <a:extLst>
-              <a:ext uri="{28A0092B-C50C-407E-A947-70E740481C1C}">
-                <a14:useLocalDpi xmlns:a14="http://schemas.microsoft.com/office/drawing/2010/main" val="0"/>
-              </a:ext>
-            </a:extLst>
-          </a:blip>
-          <a:stretch>
-            <a:fillRect/>
-          </a:stretch>
-        </p:blipFill>
-        <p:spPr>
-          <a:xfrm>
-            <a:off x="3119215" y="1872752"/>
-            <a:ext cx="2852094" cy="4299334"/>
-          </a:xfrm>
-          <a:prstGeom prst="rect">
-            <a:avLst/>
-          </a:prstGeom>
-        </p:spPr>
-      </p:pic>
-      <p:pic>
-        <p:nvPicPr>
-          <p:cNvPr id="12" name="图片 11">
-            <a:extLst>
-              <a:ext uri="{FF2B5EF4-FFF2-40B4-BE49-F238E27FC236}">
-                <a16:creationId xmlns:a16="http://schemas.microsoft.com/office/drawing/2014/main" id="{D35E61DD-873B-45D5-BB55-B1810E9F045F}"/>
-              </a:ext>
-            </a:extLst>
-          </p:cNvPr>
-          <p:cNvPicPr>
-            <a:picLocks noChangeAspect="1"/>
-          </p:cNvPicPr>
-          <p:nvPr/>
-        </p:nvPicPr>
-        <p:blipFill>
-          <a:blip r:embed="rId4">
-            <a:extLst>
-              <a:ext uri="{28A0092B-C50C-407E-A947-70E740481C1C}">
-                <a14:useLocalDpi xmlns:a14="http://schemas.microsoft.com/office/drawing/2010/main" val="0"/>
-              </a:ext>
-            </a:extLst>
-          </a:blip>
-          <a:stretch>
-            <a:fillRect/>
-          </a:stretch>
-        </p:blipFill>
-        <p:spPr>
-          <a:xfrm>
-            <a:off x="6121753" y="1893944"/>
-            <a:ext cx="2874376" cy="4278142"/>
-          </a:xfrm>
-          <a:prstGeom prst="rect">
-            <a:avLst/>
-          </a:prstGeom>
-        </p:spPr>
-      </p:pic>
-      <p:pic>
-        <p:nvPicPr>
-          <p:cNvPr id="14" name="图片 13">
-            <a:extLst>
-              <a:ext uri="{FF2B5EF4-FFF2-40B4-BE49-F238E27FC236}">
-                <a16:creationId xmlns:a16="http://schemas.microsoft.com/office/drawing/2014/main" id="{D9B694E7-CB89-47F3-B5A6-1D6E0964B5A8}"/>
-              </a:ext>
-            </a:extLst>
-          </p:cNvPr>
-          <p:cNvPicPr>
-            <a:picLocks noChangeAspect="1"/>
-          </p:cNvPicPr>
-          <p:nvPr/>
-        </p:nvPicPr>
-        <p:blipFill>
-          <a:blip r:embed="rId5">
-            <a:extLst>
-              <a:ext uri="{28A0092B-C50C-407E-A947-70E740481C1C}">
-                <a14:useLocalDpi xmlns:a14="http://schemas.microsoft.com/office/drawing/2010/main" val="0"/>
-              </a:ext>
-            </a:extLst>
-          </a:blip>
-          <a:stretch>
-            <a:fillRect/>
-          </a:stretch>
-        </p:blipFill>
-        <p:spPr>
-          <a:xfrm>
-            <a:off x="9146573" y="1872752"/>
-            <a:ext cx="2852094" cy="4278142"/>
-          </a:xfrm>
-          <a:prstGeom prst="rect">
-            <a:avLst/>
-          </a:prstGeom>
-        </p:spPr>
-      </p:pic>
       <p:sp>
         <p:nvSpPr>
           <p:cNvPr id="6" name="矩形 1"/>
@@ -22565,7 +22421,7 @@
           </a:ln>
           <a:extLst>
             <a:ext uri="{C572A759-6A51-4108-AA02-DFA0A04FC94B}">
-              <ma14:wrappingTextBoxFlag xmlns:ma14="http://schemas.microsoft.com/office/mac/drawingml/2011/main" xmlns="" val="1"/>
+              <ma14:wrappingTextBoxFlag xmlns="" xmlns:ma14="http://schemas.microsoft.com/office/mac/drawingml/2011/main" val="1"/>
             </a:ext>
           </a:extLst>
         </p:spPr>
@@ -22599,6 +22455,126 @@
           </a:p>
         </p:txBody>
       </p:sp>
+      <p:pic>
+        <p:nvPicPr>
+          <p:cNvPr id="2" name="图片 1"/>
+          <p:cNvPicPr>
+            <a:picLocks noChangeAspect="1"/>
+          </p:cNvPicPr>
+          <p:nvPr/>
+        </p:nvPicPr>
+        <p:blipFill>
+          <a:blip r:embed="rId2" cstate="print">
+            <a:extLst>
+              <a:ext uri="{28A0092B-C50C-407E-A947-70E740481C1C}">
+                <a14:useLocalDpi xmlns:a14="http://schemas.microsoft.com/office/drawing/2010/main" val="0"/>
+              </a:ext>
+            </a:extLst>
+          </a:blip>
+          <a:stretch>
+            <a:fillRect/>
+          </a:stretch>
+        </p:blipFill>
+        <p:spPr>
+          <a:xfrm>
+            <a:off x="852053" y="1887855"/>
+            <a:ext cx="2196463" cy="4949363"/>
+          </a:xfrm>
+          <a:prstGeom prst="rect">
+            <a:avLst/>
+          </a:prstGeom>
+        </p:spPr>
+      </p:pic>
+      <p:pic>
+        <p:nvPicPr>
+          <p:cNvPr id="3" name="图片 2"/>
+          <p:cNvPicPr>
+            <a:picLocks noChangeAspect="1"/>
+          </p:cNvPicPr>
+          <p:nvPr/>
+        </p:nvPicPr>
+        <p:blipFill>
+          <a:blip r:embed="rId3" cstate="print">
+            <a:extLst>
+              <a:ext uri="{28A0092B-C50C-407E-A947-70E740481C1C}">
+                <a14:useLocalDpi xmlns:a14="http://schemas.microsoft.com/office/drawing/2010/main" val="0"/>
+              </a:ext>
+            </a:extLst>
+          </a:blip>
+          <a:stretch>
+            <a:fillRect/>
+          </a:stretch>
+        </p:blipFill>
+        <p:spPr>
+          <a:xfrm>
+            <a:off x="3048516" y="1887855"/>
+            <a:ext cx="2782625" cy="4949363"/>
+          </a:xfrm>
+          <a:prstGeom prst="rect">
+            <a:avLst/>
+          </a:prstGeom>
+        </p:spPr>
+      </p:pic>
+      <p:pic>
+        <p:nvPicPr>
+          <p:cNvPr id="4" name="图片 3"/>
+          <p:cNvPicPr>
+            <a:picLocks noChangeAspect="1"/>
+          </p:cNvPicPr>
+          <p:nvPr/>
+        </p:nvPicPr>
+        <p:blipFill>
+          <a:blip r:embed="rId4" cstate="print">
+            <a:extLst>
+              <a:ext uri="{28A0092B-C50C-407E-A947-70E740481C1C}">
+                <a14:useLocalDpi xmlns:a14="http://schemas.microsoft.com/office/drawing/2010/main" val="0"/>
+              </a:ext>
+            </a:extLst>
+          </a:blip>
+          <a:stretch>
+            <a:fillRect/>
+          </a:stretch>
+        </p:blipFill>
+        <p:spPr>
+          <a:xfrm>
+            <a:off x="5850080" y="1884053"/>
+            <a:ext cx="2784764" cy="4953166"/>
+          </a:xfrm>
+          <a:prstGeom prst="rect">
+            <a:avLst/>
+          </a:prstGeom>
+        </p:spPr>
+      </p:pic>
+      <p:pic>
+        <p:nvPicPr>
+          <p:cNvPr id="5" name="图片 4"/>
+          <p:cNvPicPr>
+            <a:picLocks noChangeAspect="1"/>
+          </p:cNvPicPr>
+          <p:nvPr/>
+        </p:nvPicPr>
+        <p:blipFill>
+          <a:blip r:embed="rId5" cstate="print">
+            <a:extLst>
+              <a:ext uri="{28A0092B-C50C-407E-A947-70E740481C1C}">
+                <a14:useLocalDpi xmlns:a14="http://schemas.microsoft.com/office/drawing/2010/main" val="0"/>
+              </a:ext>
+            </a:extLst>
+          </a:blip>
+          <a:stretch>
+            <a:fillRect/>
+          </a:stretch>
+        </p:blipFill>
+        <p:spPr>
+          <a:xfrm>
+            <a:off x="8653782" y="1887857"/>
+            <a:ext cx="2782625" cy="4949361"/>
+          </a:xfrm>
+          <a:prstGeom prst="rect">
+            <a:avLst/>
+          </a:prstGeom>
+        </p:spPr>
+      </p:pic>
     </p:spTree>
     <p:extLst>
       <p:ext uri="{BB962C8B-B14F-4D97-AF65-F5344CB8AC3E}">
@@ -23576,7 +23552,7 @@
           </a:ln>
           <a:extLst>
             <a:ext uri="{C572A759-6A51-4108-AA02-DFA0A04FC94B}">
-              <ma14:wrappingTextBoxFlag xmlns:ma14="http://schemas.microsoft.com/office/mac/drawingml/2011/main" xmlns="" val="1"/>
+              <ma14:wrappingTextBoxFlag xmlns="" xmlns:ma14="http://schemas.microsoft.com/office/mac/drawingml/2011/main" val="1"/>
             </a:ext>
           </a:extLst>
         </p:spPr>
@@ -23625,7 +23601,7 @@
           </a:ln>
           <a:extLst>
             <a:ext uri="{C572A759-6A51-4108-AA02-DFA0A04FC94B}">
-              <ma14:wrappingTextBoxFlag xmlns:ma14="http://schemas.microsoft.com/office/mac/drawingml/2011/main" xmlns="" val="1"/>
+              <ma14:wrappingTextBoxFlag xmlns="" xmlns:ma14="http://schemas.microsoft.com/office/mac/drawingml/2011/main" val="1"/>
             </a:ext>
           </a:extLst>
         </p:spPr>
@@ -24910,7 +24886,7 @@
           </a:ln>
           <a:extLst>
             <a:ext uri="{C572A759-6A51-4108-AA02-DFA0A04FC94B}">
-              <ma14:wrappingTextBoxFlag xmlns:ma14="http://schemas.microsoft.com/office/mac/drawingml/2011/main" xmlns="" val="1"/>
+              <ma14:wrappingTextBoxFlag xmlns="" xmlns:ma14="http://schemas.microsoft.com/office/mac/drawingml/2011/main" val="1"/>
             </a:ext>
           </a:extLst>
         </p:spPr>
@@ -24983,7 +24959,7 @@
           </a:ln>
           <a:extLst>
             <a:ext uri="{C572A759-6A51-4108-AA02-DFA0A04FC94B}">
-              <ma14:wrappingTextBoxFlag xmlns:ma14="http://schemas.microsoft.com/office/mac/drawingml/2011/main" xmlns="" val="1"/>
+              <ma14:wrappingTextBoxFlag xmlns="" xmlns:ma14="http://schemas.microsoft.com/office/mac/drawingml/2011/main" val="1"/>
             </a:ext>
           </a:extLst>
         </p:spPr>
@@ -25684,7 +25660,7 @@
           </a:ln>
           <a:extLst>
             <a:ext uri="{C572A759-6A51-4108-AA02-DFA0A04FC94B}">
-              <ma14:wrappingTextBoxFlag xmlns:ma14="http://schemas.microsoft.com/office/mac/drawingml/2011/main" xmlns="" val="1"/>
+              <ma14:wrappingTextBoxFlag xmlns="" xmlns:ma14="http://schemas.microsoft.com/office/mac/drawingml/2011/main" val="1"/>
             </a:ext>
           </a:extLst>
         </p:spPr>
@@ -25733,7 +25709,7 @@
           </a:ln>
           <a:extLst>
             <a:ext uri="{C572A759-6A51-4108-AA02-DFA0A04FC94B}">
-              <ma14:wrappingTextBoxFlag xmlns:ma14="http://schemas.microsoft.com/office/mac/drawingml/2011/main" xmlns="" val="1"/>
+              <ma14:wrappingTextBoxFlag xmlns="" xmlns:ma14="http://schemas.microsoft.com/office/mac/drawingml/2011/main" val="1"/>
             </a:ext>
           </a:extLst>
         </p:spPr>
@@ -26659,7 +26635,7 @@
           </a:ln>
           <a:extLst>
             <a:ext uri="{C572A759-6A51-4108-AA02-DFA0A04FC94B}">
-              <ma14:wrappingTextBoxFlag xmlns:ma14="http://schemas.microsoft.com/office/mac/drawingml/2011/main" xmlns="" val="1"/>
+              <ma14:wrappingTextBoxFlag xmlns="" xmlns:ma14="http://schemas.microsoft.com/office/mac/drawingml/2011/main" val="1"/>
             </a:ext>
           </a:extLst>
         </p:spPr>
@@ -26708,7 +26684,7 @@
           </a:ln>
           <a:extLst>
             <a:ext uri="{C572A759-6A51-4108-AA02-DFA0A04FC94B}">
-              <ma14:wrappingTextBoxFlag xmlns:ma14="http://schemas.microsoft.com/office/mac/drawingml/2011/main" xmlns="" val="1"/>
+              <ma14:wrappingTextBoxFlag xmlns="" xmlns:ma14="http://schemas.microsoft.com/office/mac/drawingml/2011/main" val="1"/>
             </a:ext>
           </a:extLst>
         </p:spPr>
@@ -27215,7 +27191,7 @@
           <a:graphicData uri="http://schemas.openxmlformats.org/presentationml/2006/ole">
             <mc:AlternateContent xmlns:mc="http://schemas.openxmlformats.org/markup-compatibility/2006">
               <mc:Choice xmlns:v="urn:schemas-microsoft-com:vml" Requires="v">
-                <p:oleObj spid="_x0000_s13318" name="工作表" r:id="rId4" imgW="7286657" imgH="3266939" progId="Excel.Sheet.12">
+                <p:oleObj spid="_x0000_s13320" name="工作表" r:id="rId4" imgW="7286657" imgH="3266939" progId="Excel.Sheet.12">
                   <p:embed/>
                 </p:oleObj>
               </mc:Choice>
@@ -27422,7 +27398,7 @@
           </a:ln>
           <a:extLst>
             <a:ext uri="{C572A759-6A51-4108-AA02-DFA0A04FC94B}">
-              <ma14:wrappingTextBoxFlag xmlns:ma14="http://schemas.microsoft.com/office/mac/drawingml/2011/main" xmlns="" val="1"/>
+              <ma14:wrappingTextBoxFlag xmlns="" xmlns:ma14="http://schemas.microsoft.com/office/mac/drawingml/2011/main" val="1"/>
             </a:ext>
           </a:extLst>
         </p:spPr>
@@ -27590,7 +27566,7 @@
           </a:ln>
           <a:extLst>
             <a:ext uri="{C572A759-6A51-4108-AA02-DFA0A04FC94B}">
-              <ma14:wrappingTextBoxFlag xmlns:ma14="http://schemas.microsoft.com/office/mac/drawingml/2011/main" xmlns="" val="1"/>
+              <ma14:wrappingTextBoxFlag xmlns="" xmlns:ma14="http://schemas.microsoft.com/office/mac/drawingml/2011/main" val="1"/>
             </a:ext>
           </a:extLst>
         </p:spPr>
@@ -27649,7 +27625,7 @@
           </a:ln>
           <a:extLst>
             <a:ext uri="{C572A759-6A51-4108-AA02-DFA0A04FC94B}">
-              <ma14:wrappingTextBoxFlag xmlns:ma14="http://schemas.microsoft.com/office/mac/drawingml/2011/main" xmlns="" val="1"/>
+              <ma14:wrappingTextBoxFlag xmlns="" xmlns:ma14="http://schemas.microsoft.com/office/mac/drawingml/2011/main" val="1"/>
             </a:ext>
           </a:extLst>
         </p:spPr>
@@ -27724,7 +27700,7 @@
         <p15:prstTrans prst="pageCurlDouble"/>
       </p:transition>
     </mc:Choice>
-    <mc:Choice xmlns:p14="http://schemas.microsoft.com/office/powerpoint/2010/main" xmlns="" Requires="p14">
+    <mc:Choice xmlns="" xmlns:p14="http://schemas.microsoft.com/office/powerpoint/2010/main" Requires="p14">
       <p:transition spd="slow" advClick="1" p14:dur="1200">
         <p14:prism dir="d"/>
       </p:transition>
@@ -28511,7 +28487,7 @@
           </a:ln>
           <a:extLst>
             <a:ext uri="{C572A759-6A51-4108-AA02-DFA0A04FC94B}">
-              <ma14:wrappingTextBoxFlag xmlns:ma14="http://schemas.microsoft.com/office/mac/drawingml/2011/main" xmlns="" val="1"/>
+              <ma14:wrappingTextBoxFlag xmlns="" xmlns:ma14="http://schemas.microsoft.com/office/mac/drawingml/2011/main" val="1"/>
             </a:ext>
           </a:extLst>
         </p:spPr>
@@ -28562,7 +28538,7 @@
           </a:ln>
           <a:extLst>
             <a:ext uri="{C572A759-6A51-4108-AA02-DFA0A04FC94B}">
-              <ma14:wrappingTextBoxFlag xmlns:ma14="http://schemas.microsoft.com/office/mac/drawingml/2011/main" xmlns="" val="1"/>
+              <ma14:wrappingTextBoxFlag xmlns="" xmlns:ma14="http://schemas.microsoft.com/office/mac/drawingml/2011/main" val="1"/>
             </a:ext>
           </a:extLst>
         </p:spPr>
@@ -29261,7 +29237,7 @@
           </a:ln>
           <a:extLst>
             <a:ext uri="{C572A759-6A51-4108-AA02-DFA0A04FC94B}">
-              <ma14:wrappingTextBoxFlag xmlns:ma14="http://schemas.microsoft.com/office/mac/drawingml/2011/main" xmlns="" val="1"/>
+              <ma14:wrappingTextBoxFlag xmlns="" xmlns:ma14="http://schemas.microsoft.com/office/mac/drawingml/2011/main" val="1"/>
             </a:ext>
           </a:extLst>
         </p:spPr>
@@ -29431,7 +29407,7 @@
           </a:ln>
           <a:extLst>
             <a:ext uri="{C572A759-6A51-4108-AA02-DFA0A04FC94B}">
-              <ma14:wrappingTextBoxFlag xmlns:ma14="http://schemas.microsoft.com/office/mac/drawingml/2011/main" xmlns="" val="1"/>
+              <ma14:wrappingTextBoxFlag xmlns="" xmlns:ma14="http://schemas.microsoft.com/office/mac/drawingml/2011/main" val="1"/>
             </a:ext>
           </a:extLst>
         </p:spPr>
@@ -30132,7 +30108,7 @@
           </a:ln>
           <a:extLst>
             <a:ext uri="{C572A759-6A51-4108-AA02-DFA0A04FC94B}">
-              <ma14:wrappingTextBoxFlag xmlns:ma14="http://schemas.microsoft.com/office/mac/drawingml/2011/main" xmlns="" val="1"/>
+              <ma14:wrappingTextBoxFlag xmlns="" xmlns:ma14="http://schemas.microsoft.com/office/mac/drawingml/2011/main" val="1"/>
             </a:ext>
           </a:extLst>
         </p:spPr>
@@ -30181,7 +30157,7 @@
           </a:ln>
           <a:extLst>
             <a:ext uri="{C572A759-6A51-4108-AA02-DFA0A04FC94B}">
-              <ma14:wrappingTextBoxFlag xmlns:ma14="http://schemas.microsoft.com/office/mac/drawingml/2011/main" xmlns="" val="1"/>
+              <ma14:wrappingTextBoxFlag xmlns="" xmlns:ma14="http://schemas.microsoft.com/office/mac/drawingml/2011/main" val="1"/>
             </a:ext>
           </a:extLst>
         </p:spPr>
@@ -30754,7 +30730,7 @@
           </a:ln>
           <a:extLst>
             <a:ext uri="{C572A759-6A51-4108-AA02-DFA0A04FC94B}">
-              <ma14:wrappingTextBoxFlag xmlns:ma14="http://schemas.microsoft.com/office/mac/drawingml/2011/main" xmlns="" val="1"/>
+              <ma14:wrappingTextBoxFlag xmlns="" xmlns:ma14="http://schemas.microsoft.com/office/mac/drawingml/2011/main" val="1"/>
             </a:ext>
           </a:extLst>
         </p:spPr>
@@ -30844,7 +30820,7 @@
           </a:ln>
           <a:extLst>
             <a:ext uri="{C572A759-6A51-4108-AA02-DFA0A04FC94B}">
-              <ma14:wrappingTextBoxFlag xmlns:ma14="http://schemas.microsoft.com/office/mac/drawingml/2011/main" xmlns="" val="1"/>
+              <ma14:wrappingTextBoxFlag xmlns="" xmlns:ma14="http://schemas.microsoft.com/office/mac/drawingml/2011/main" val="1"/>
             </a:ext>
           </a:extLst>
         </p:spPr>
@@ -30893,7 +30869,7 @@
           </a:ln>
           <a:extLst>
             <a:ext uri="{C572A759-6A51-4108-AA02-DFA0A04FC94B}">
-              <ma14:wrappingTextBoxFlag xmlns:ma14="http://schemas.microsoft.com/office/mac/drawingml/2011/main" xmlns="" val="1"/>
+              <ma14:wrappingTextBoxFlag xmlns="" xmlns:ma14="http://schemas.microsoft.com/office/mac/drawingml/2011/main" val="1"/>
             </a:ext>
           </a:extLst>
         </p:spPr>
@@ -31185,7 +31161,7 @@
         <p15:prstTrans prst="pageCurlDouble"/>
       </p:transition>
     </mc:Choice>
-    <mc:Choice xmlns:p14="http://schemas.microsoft.com/office/powerpoint/2010/main" xmlns="" Requires="p14">
+    <mc:Choice xmlns="" xmlns:p14="http://schemas.microsoft.com/office/powerpoint/2010/main" Requires="p14">
       <p:transition spd="slow" advClick="0" advTm="4000" p14:dur="1200">
         <p14:prism dir="l"/>
       </p:transition>
@@ -31891,7 +31867,7 @@
           </a:ln>
           <a:extLst>
             <a:ext uri="{C572A759-6A51-4108-AA02-DFA0A04FC94B}">
-              <ma14:wrappingTextBoxFlag xmlns:ma14="http://schemas.microsoft.com/office/mac/drawingml/2011/main" xmlns="" val="1"/>
+              <ma14:wrappingTextBoxFlag xmlns="" xmlns:ma14="http://schemas.microsoft.com/office/mac/drawingml/2011/main" val="1"/>
             </a:ext>
           </a:extLst>
         </p:spPr>
@@ -32026,7 +32002,7 @@
           <a:graphicData uri="http://schemas.openxmlformats.org/presentationml/2006/ole">
             <mc:AlternateContent xmlns:mc="http://schemas.openxmlformats.org/markup-compatibility/2006">
               <mc:Choice xmlns:v="urn:schemas-microsoft-com:vml" Requires="v">
-                <p:oleObj spid="_x0000_s4126" r:id="rId3" imgW="3095669" imgH="5972323" progId="Visio.Drawing.15">
+                <p:oleObj spid="_x0000_s4128" r:id="rId3" imgW="3095669" imgH="5972323" progId="Visio.Drawing.15">
                   <p:embed/>
                 </p:oleObj>
               </mc:Choice>
@@ -32573,7 +32549,7 @@
           </a:ln>
           <a:extLst>
             <a:ext uri="{C572A759-6A51-4108-AA02-DFA0A04FC94B}">
-              <ma14:wrappingTextBoxFlag xmlns:ma14="http://schemas.microsoft.com/office/mac/drawingml/2011/main" xmlns="" val="1"/>
+              <ma14:wrappingTextBoxFlag xmlns="" xmlns:ma14="http://schemas.microsoft.com/office/mac/drawingml/2011/main" val="1"/>
             </a:ext>
           </a:extLst>
         </p:spPr>
@@ -32699,7 +32675,7 @@
           <a:graphicData uri="http://schemas.openxmlformats.org/presentationml/2006/ole">
             <mc:AlternateContent xmlns:mc="http://schemas.openxmlformats.org/markup-compatibility/2006">
               <mc:Choice xmlns:v="urn:schemas-microsoft-com:vml" Requires="v">
-                <p:oleObj spid="_x0000_s5150" name="Visio" r:id="rId3" imgW="6505390" imgH="4419736" progId="Visio.Drawing.15">
+                <p:oleObj spid="_x0000_s5152" name="Visio" r:id="rId3" imgW="6505390" imgH="4419736" progId="Visio.Drawing.15">
                   <p:embed/>
                 </p:oleObj>
               </mc:Choice>

--- a/评审PPT/SE2019春-G11-软件需求规格说明(SRS)/SE2019春-G11-软件需求规格说明(SRS)PPT.pptx
+++ b/评审PPT/SE2019春-G11-软件需求规格说明(SRS)/SE2019春-G11-软件需求规格说明(SRS)PPT.pptx
@@ -4253,7 +4253,7 @@
           </a:ln>
           <a:extLst>
             <a:ext uri="{C572A759-6A51-4108-AA02-DFA0A04FC94B}">
-              <ma14:wrappingTextBoxFlag xmlns="" xmlns:ma14="http://schemas.microsoft.com/office/mac/drawingml/2011/main" val="1"/>
+              <ma14:wrappingTextBoxFlag xmlns:ma14="http://schemas.microsoft.com/office/mac/drawingml/2011/main" xmlns="" val="1"/>
             </a:ext>
           </a:extLst>
         </p:spPr>
@@ -4292,7 +4292,7 @@
           </a:ln>
           <a:extLst>
             <a:ext uri="{C572A759-6A51-4108-AA02-DFA0A04FC94B}">
-              <ma14:wrappingTextBoxFlag xmlns="" xmlns:ma14="http://schemas.microsoft.com/office/mac/drawingml/2011/main" val="1"/>
+              <ma14:wrappingTextBoxFlag xmlns:ma14="http://schemas.microsoft.com/office/mac/drawingml/2011/main" xmlns="" val="1"/>
             </a:ext>
           </a:extLst>
         </p:spPr>
@@ -5268,7 +5268,7 @@
           </a:ln>
           <a:extLst>
             <a:ext uri="{C572A759-6A51-4108-AA02-DFA0A04FC94B}">
-              <ma14:wrappingTextBoxFlag xmlns="" xmlns:ma14="http://schemas.microsoft.com/office/mac/drawingml/2011/main" val="1"/>
+              <ma14:wrappingTextBoxFlag xmlns:ma14="http://schemas.microsoft.com/office/mac/drawingml/2011/main" xmlns="" val="1"/>
             </a:ext>
           </a:extLst>
         </p:spPr>
@@ -5436,7 +5436,7 @@
           </a:ln>
           <a:extLst>
             <a:ext uri="{C572A759-6A51-4108-AA02-DFA0A04FC94B}">
-              <ma14:wrappingTextBoxFlag xmlns="" xmlns:ma14="http://schemas.microsoft.com/office/mac/drawingml/2011/main" val="1"/>
+              <ma14:wrappingTextBoxFlag xmlns:ma14="http://schemas.microsoft.com/office/mac/drawingml/2011/main" xmlns="" val="1"/>
             </a:ext>
           </a:extLst>
         </p:spPr>
@@ -5535,7 +5535,7 @@
           </a:ln>
           <a:extLst>
             <a:ext uri="{C572A759-6A51-4108-AA02-DFA0A04FC94B}">
-              <ma14:wrappingTextBoxFlag xmlns="" xmlns:ma14="http://schemas.microsoft.com/office/mac/drawingml/2011/main" val="1"/>
+              <ma14:wrappingTextBoxFlag xmlns:ma14="http://schemas.microsoft.com/office/mac/drawingml/2011/main" xmlns="" val="1"/>
             </a:ext>
           </a:extLst>
         </p:spPr>
@@ -5590,7 +5590,7 @@
           </a:ln>
           <a:extLst>
             <a:ext uri="{C572A759-6A51-4108-AA02-DFA0A04FC94B}">
-              <ma14:wrappingTextBoxFlag xmlns="" xmlns:ma14="http://schemas.microsoft.com/office/mac/drawingml/2011/main" val="1"/>
+              <ma14:wrappingTextBoxFlag xmlns:ma14="http://schemas.microsoft.com/office/mac/drawingml/2011/main" xmlns="" val="1"/>
             </a:ext>
           </a:extLst>
         </p:spPr>
@@ -5644,7 +5644,7 @@
           </a:ln>
           <a:extLst>
             <a:ext uri="{C572A759-6A51-4108-AA02-DFA0A04FC94B}">
-              <ma14:wrappingTextBoxFlag xmlns="" xmlns:ma14="http://schemas.microsoft.com/office/mac/drawingml/2011/main" val="1"/>
+              <ma14:wrappingTextBoxFlag xmlns:ma14="http://schemas.microsoft.com/office/mac/drawingml/2011/main" xmlns="" val="1"/>
             </a:ext>
           </a:extLst>
         </p:spPr>
@@ -6457,7 +6457,7 @@
           </a:ln>
           <a:extLst>
             <a:ext uri="{C572A759-6A51-4108-AA02-DFA0A04FC94B}">
-              <ma14:wrappingTextBoxFlag xmlns="" xmlns:ma14="http://schemas.microsoft.com/office/mac/drawingml/2011/main" val="1"/>
+              <ma14:wrappingTextBoxFlag xmlns:ma14="http://schemas.microsoft.com/office/mac/drawingml/2011/main" xmlns="" val="1"/>
             </a:ext>
           </a:extLst>
         </p:spPr>
@@ -6584,7 +6584,7 @@
           <a:graphicData uri="http://schemas.openxmlformats.org/presentationml/2006/ole">
             <mc:AlternateContent xmlns:mc="http://schemas.openxmlformats.org/markup-compatibility/2006">
               <mc:Choice xmlns:v="urn:schemas-microsoft-com:vml" Requires="v">
-                <p:oleObj spid="_x0000_s6175" r:id="rId3" imgW="5552853" imgH="4086018" progId="Visio.Drawing.15">
+                <p:oleObj spid="_x0000_s6177" r:id="rId3" imgW="5552853" imgH="4086018" progId="Visio.Drawing.15">
                   <p:embed/>
                 </p:oleObj>
               </mc:Choice>
@@ -7118,7 +7118,7 @@
           </a:ln>
           <a:extLst>
             <a:ext uri="{C572A759-6A51-4108-AA02-DFA0A04FC94B}">
-              <ma14:wrappingTextBoxFlag xmlns="" xmlns:ma14="http://schemas.microsoft.com/office/mac/drawingml/2011/main" val="1"/>
+              <ma14:wrappingTextBoxFlag xmlns:ma14="http://schemas.microsoft.com/office/mac/drawingml/2011/main" xmlns="" val="1"/>
             </a:ext>
           </a:extLst>
         </p:spPr>
@@ -7210,7 +7210,7 @@
           <a:graphicData uri="http://schemas.openxmlformats.org/presentationml/2006/ole">
             <mc:AlternateContent xmlns:mc="http://schemas.openxmlformats.org/markup-compatibility/2006">
               <mc:Choice xmlns:v="urn:schemas-microsoft-com:vml" Requires="v">
-                <p:oleObj spid="_x0000_s12297" name="Visio" r:id="rId4" imgW="6324753" imgH="3162436" progId="Visio.Drawing.15">
+                <p:oleObj spid="_x0000_s12299" name="Visio" r:id="rId4" imgW="6324753" imgH="3162436" progId="Visio.Drawing.15">
                   <p:embed/>
                 </p:oleObj>
               </mc:Choice>
@@ -7708,7 +7708,7 @@
           </a:ln>
           <a:extLst>
             <a:ext uri="{C572A759-6A51-4108-AA02-DFA0A04FC94B}">
-              <ma14:wrappingTextBoxFlag xmlns="" xmlns:ma14="http://schemas.microsoft.com/office/mac/drawingml/2011/main" val="1"/>
+              <ma14:wrappingTextBoxFlag xmlns:ma14="http://schemas.microsoft.com/office/mac/drawingml/2011/main" xmlns="" val="1"/>
             </a:ext>
           </a:extLst>
         </p:spPr>
@@ -7776,7 +7776,7 @@
           </a:ln>
           <a:extLst>
             <a:ext uri="{C572A759-6A51-4108-AA02-DFA0A04FC94B}">
-              <ma14:wrappingTextBoxFlag xmlns="" xmlns:ma14="http://schemas.microsoft.com/office/mac/drawingml/2011/main" val="1"/>
+              <ma14:wrappingTextBoxFlag xmlns:ma14="http://schemas.microsoft.com/office/mac/drawingml/2011/main" xmlns="" val="1"/>
             </a:ext>
           </a:extLst>
         </p:spPr>
@@ -8112,7 +8112,7 @@
         <p15:prstTrans prst="pageCurlDouble"/>
       </p:transition>
     </mc:Choice>
-    <mc:Choice xmlns="" xmlns:p14="http://schemas.microsoft.com/office/powerpoint/2010/main" Requires="p14">
+    <mc:Choice xmlns:p14="http://schemas.microsoft.com/office/powerpoint/2010/main" xmlns="" Requires="p14">
       <p:transition spd="slow" advClick="0" advTm="9000" p14:dur="1200">
         <p14:prism dir="l"/>
       </p:transition>
@@ -8749,7 +8749,7 @@
           <a:graphicData uri="http://schemas.openxmlformats.org/presentationml/2006/ole">
             <mc:AlternateContent xmlns:mc="http://schemas.openxmlformats.org/markup-compatibility/2006">
               <mc:Choice xmlns:v="urn:schemas-microsoft-com:vml" Requires="v">
-                <p:oleObj spid="_x0000_s7206" r:id="rId3" imgW="4324261" imgH="1580893" progId="Visio.Drawing.15">
+                <p:oleObj spid="_x0000_s7208" r:id="rId3" imgW="4324261" imgH="1580893" progId="Visio.Drawing.15">
                   <p:embed/>
                 </p:oleObj>
               </mc:Choice>
@@ -9181,7 +9181,7 @@
           <a:graphicData uri="http://schemas.openxmlformats.org/presentationml/2006/ole">
             <mc:AlternateContent xmlns:mc="http://schemas.openxmlformats.org/markup-compatibility/2006">
               <mc:Choice xmlns:v="urn:schemas-microsoft-com:vml" Requires="v">
-                <p:oleObj spid="_x0000_s8224" r:id="rId3" imgW="4324261" imgH="4114800" progId="Visio.Drawing.15">
+                <p:oleObj spid="_x0000_s8226" r:id="rId3" imgW="4324261" imgH="4114800" progId="Visio.Drawing.15">
                   <p:embed/>
                 </p:oleObj>
               </mc:Choice>
@@ -9591,7 +9591,7 @@
           <a:graphicData uri="http://schemas.openxmlformats.org/presentationml/2006/ole">
             <mc:AlternateContent xmlns:mc="http://schemas.openxmlformats.org/markup-compatibility/2006">
               <mc:Choice xmlns:v="urn:schemas-microsoft-com:vml" Requires="v">
-                <p:oleObj spid="_x0000_s9279" r:id="rId3" imgW="2572016" imgH="5315128" progId="Visio.Drawing.15">
+                <p:oleObj spid="_x0000_s9283" r:id="rId3" imgW="2572016" imgH="5315128" progId="Visio.Drawing.15">
                   <p:embed/>
                 </p:oleObj>
               </mc:Choice>
@@ -9683,7 +9683,7 @@
           <a:lstStyle/>
           <a:p>
             <a:r>
-              <a:rPr lang="zh-CN" altLang="en-US" sz="2800" dirty="0">
+              <a:rPr lang="zh-CN" altLang="en-US" sz="2800" dirty="0" smtClean="0">
                 <a:solidFill>
                   <a:srgbClr val="3F403E"/>
                 </a:solidFill>
@@ -9701,7 +9701,17 @@
                 <a:ea typeface="微软雅黑"/>
                 <a:sym typeface="微软雅黑"/>
               </a:rPr>
-              <a:t>拿代</a:t>
+              <a:t>代拿</a:t>
+            </a:r>
+            <a:r>
+              <a:rPr lang="zh-CN" altLang="en-US" sz="2800" dirty="0" smtClean="0">
+                <a:solidFill>
+                  <a:srgbClr val="3F403E"/>
+                </a:solidFill>
+                <a:latin typeface="微软雅黑 Light"/>
+                <a:ea typeface="微软雅黑 Light"/>
+              </a:rPr>
+              <a:t>流程图</a:t>
             </a:r>
             <a:r>
               <a:rPr lang="zh-CN" altLang="en-US" sz="2800" dirty="0">
@@ -9711,7 +9721,7 @@
                 <a:latin typeface="微软雅黑 Light"/>
                 <a:ea typeface="微软雅黑 Light"/>
               </a:rPr>
-              <a:t>流程图及数据字典</a:t>
+              <a:t>及数据字典</a:t>
             </a:r>
           </a:p>
         </p:txBody>
@@ -9744,7 +9754,7 @@
           <a:graphicData uri="http://schemas.openxmlformats.org/presentationml/2006/ole">
             <mc:AlternateContent xmlns:mc="http://schemas.openxmlformats.org/markup-compatibility/2006">
               <mc:Choice xmlns:v="urn:schemas-microsoft-com:vml" Requires="v">
-                <p:oleObj spid="_x0000_s9280" r:id="rId5" imgW="5552853" imgH="1876178" progId="Visio.Drawing.15">
+                <p:oleObj spid="_x0000_s9284" r:id="rId5" imgW="5552853" imgH="1876178" progId="Visio.Drawing.15">
                   <p:embed/>
                 </p:oleObj>
               </mc:Choice>
@@ -10094,7 +10104,7 @@
           <a:graphicData uri="http://schemas.openxmlformats.org/presentationml/2006/ole">
             <mc:AlternateContent xmlns:mc="http://schemas.openxmlformats.org/markup-compatibility/2006">
               <mc:Choice xmlns:v="urn:schemas-microsoft-com:vml" Requires="v">
-                <p:oleObj spid="_x0000_s10301" r:id="rId3" imgW="2572016" imgH="5315128" progId="Visio.Drawing.15">
+                <p:oleObj spid="_x0000_s10305" r:id="rId3" imgW="2572016" imgH="5315128" progId="Visio.Drawing.15">
                   <p:embed/>
                 </p:oleObj>
               </mc:Choice>
@@ -10262,7 +10272,7 @@
           <a:graphicData uri="http://schemas.openxmlformats.org/presentationml/2006/ole">
             <mc:AlternateContent xmlns:mc="http://schemas.openxmlformats.org/markup-compatibility/2006">
               <mc:Choice xmlns:v="urn:schemas-microsoft-com:vml" Requires="v">
-                <p:oleObj spid="_x0000_s10302" r:id="rId5" imgW="5552853" imgH="1876178" progId="Visio.Drawing.15">
+                <p:oleObj spid="_x0000_s10306" r:id="rId5" imgW="5552853" imgH="1876178" progId="Visio.Drawing.15">
                   <p:embed/>
                 </p:oleObj>
               </mc:Choice>
@@ -10707,7 +10717,7 @@
           <a:graphicData uri="http://schemas.openxmlformats.org/presentationml/2006/ole">
             <mc:AlternateContent xmlns:mc="http://schemas.openxmlformats.org/markup-compatibility/2006">
               <mc:Choice xmlns:v="urn:schemas-microsoft-com:vml" Requires="v">
-                <p:oleObj spid="_x0000_s11327" r:id="rId3" imgW="2572016" imgH="5315128" progId="Visio.Drawing.15">
+                <p:oleObj spid="_x0000_s11331" r:id="rId3" imgW="2572016" imgH="5315128" progId="Visio.Drawing.15">
                   <p:embed/>
                 </p:oleObj>
               </mc:Choice>
@@ -10780,7 +10790,7 @@
           <a:graphicData uri="http://schemas.openxmlformats.org/presentationml/2006/ole">
             <mc:AlternateContent xmlns:mc="http://schemas.openxmlformats.org/markup-compatibility/2006">
               <mc:Choice xmlns:v="urn:schemas-microsoft-com:vml" Requires="v">
-                <p:oleObj spid="_x0000_s11328" r:id="rId5" imgW="5495969" imgH="1876178" progId="Visio.Drawing.15">
+                <p:oleObj spid="_x0000_s11332" r:id="rId5" imgW="5495969" imgH="1876178" progId="Visio.Drawing.15">
                   <p:embed/>
                 </p:oleObj>
               </mc:Choice>
@@ -11243,7 +11253,7 @@
           </a:ln>
           <a:extLst>
             <a:ext uri="{C572A759-6A51-4108-AA02-DFA0A04FC94B}">
-              <ma14:wrappingTextBoxFlag xmlns="" xmlns:ma14="http://schemas.microsoft.com/office/mac/drawingml/2011/main" val="1"/>
+              <ma14:wrappingTextBoxFlag xmlns:ma14="http://schemas.microsoft.com/office/mac/drawingml/2011/main" xmlns="" val="1"/>
             </a:ext>
           </a:extLst>
         </p:spPr>
@@ -11468,7 +11478,7 @@
           </a:ln>
           <a:extLst>
             <a:ext uri="{C572A759-6A51-4108-AA02-DFA0A04FC94B}">
-              <ma14:wrappingTextBoxFlag xmlns="" xmlns:ma14="http://schemas.microsoft.com/office/mac/drawingml/2011/main" val="1"/>
+              <ma14:wrappingTextBoxFlag xmlns:ma14="http://schemas.microsoft.com/office/mac/drawingml/2011/main" xmlns="" val="1"/>
             </a:ext>
           </a:extLst>
         </p:spPr>
@@ -12099,7 +12109,7 @@
           </a:ln>
           <a:extLst>
             <a:ext uri="{C572A759-6A51-4108-AA02-DFA0A04FC94B}">
-              <ma14:wrappingTextBoxFlag xmlns="" xmlns:ma14="http://schemas.microsoft.com/office/mac/drawingml/2011/main" val="1"/>
+              <ma14:wrappingTextBoxFlag xmlns:ma14="http://schemas.microsoft.com/office/mac/drawingml/2011/main" xmlns="" val="1"/>
             </a:ext>
           </a:extLst>
         </p:spPr>
@@ -12331,7 +12341,7 @@
           </a:ln>
           <a:extLst>
             <a:ext uri="{C572A759-6A51-4108-AA02-DFA0A04FC94B}">
-              <ma14:wrappingTextBoxFlag xmlns="" xmlns:ma14="http://schemas.microsoft.com/office/mac/drawingml/2011/main" val="1"/>
+              <ma14:wrappingTextBoxFlag xmlns:ma14="http://schemas.microsoft.com/office/mac/drawingml/2011/main" xmlns="" val="1"/>
             </a:ext>
           </a:extLst>
         </p:spPr>
@@ -12932,7 +12942,7 @@
           </a:ln>
           <a:extLst>
             <a:ext uri="{C572A759-6A51-4108-AA02-DFA0A04FC94B}">
-              <ma14:wrappingTextBoxFlag xmlns="" xmlns:ma14="http://schemas.microsoft.com/office/mac/drawingml/2011/main" val="1"/>
+              <ma14:wrappingTextBoxFlag xmlns:ma14="http://schemas.microsoft.com/office/mac/drawingml/2011/main" xmlns="" val="1"/>
             </a:ext>
           </a:extLst>
         </p:spPr>
@@ -12981,7 +12991,7 @@
           </a:ln>
           <a:extLst>
             <a:ext uri="{C572A759-6A51-4108-AA02-DFA0A04FC94B}">
-              <ma14:wrappingTextBoxFlag xmlns="" xmlns:ma14="http://schemas.microsoft.com/office/mac/drawingml/2011/main" val="1"/>
+              <ma14:wrappingTextBoxFlag xmlns:ma14="http://schemas.microsoft.com/office/mac/drawingml/2011/main" xmlns="" val="1"/>
             </a:ext>
           </a:extLst>
         </p:spPr>
@@ -13059,7 +13069,7 @@
           </a:ln>
           <a:extLst>
             <a:ext uri="{C572A759-6A51-4108-AA02-DFA0A04FC94B}">
-              <ma14:wrappingTextBoxFlag xmlns="" xmlns:ma14="http://schemas.microsoft.com/office/mac/drawingml/2011/main" val="1"/>
+              <ma14:wrappingTextBoxFlag xmlns:ma14="http://schemas.microsoft.com/office/mac/drawingml/2011/main" xmlns="" val="1"/>
             </a:ext>
           </a:extLst>
         </p:spPr>
@@ -13108,7 +13118,7 @@
           </a:ln>
           <a:extLst>
             <a:ext uri="{C572A759-6A51-4108-AA02-DFA0A04FC94B}">
-              <ma14:wrappingTextBoxFlag xmlns="" xmlns:ma14="http://schemas.microsoft.com/office/mac/drawingml/2011/main" val="1"/>
+              <ma14:wrappingTextBoxFlag xmlns:ma14="http://schemas.microsoft.com/office/mac/drawingml/2011/main" xmlns="" val="1"/>
             </a:ext>
           </a:extLst>
         </p:spPr>
@@ -13156,7 +13166,7 @@
           </a:ln>
           <a:extLst>
             <a:ext uri="{C572A759-6A51-4108-AA02-DFA0A04FC94B}">
-              <ma14:wrappingTextBoxFlag xmlns="" xmlns:ma14="http://schemas.microsoft.com/office/mac/drawingml/2011/main" val="1"/>
+              <ma14:wrappingTextBoxFlag xmlns:ma14="http://schemas.microsoft.com/office/mac/drawingml/2011/main" xmlns="" val="1"/>
             </a:ext>
           </a:extLst>
         </p:spPr>
@@ -13205,7 +13215,7 @@
           </a:ln>
           <a:extLst>
             <a:ext uri="{C572A759-6A51-4108-AA02-DFA0A04FC94B}">
-              <ma14:wrappingTextBoxFlag xmlns="" xmlns:ma14="http://schemas.microsoft.com/office/mac/drawingml/2011/main" val="1"/>
+              <ma14:wrappingTextBoxFlag xmlns:ma14="http://schemas.microsoft.com/office/mac/drawingml/2011/main" xmlns="" val="1"/>
             </a:ext>
           </a:extLst>
         </p:spPr>
@@ -13253,7 +13263,7 @@
           </a:ln>
           <a:extLst>
             <a:ext uri="{C572A759-6A51-4108-AA02-DFA0A04FC94B}">
-              <ma14:wrappingTextBoxFlag xmlns="" xmlns:ma14="http://schemas.microsoft.com/office/mac/drawingml/2011/main" val="1"/>
+              <ma14:wrappingTextBoxFlag xmlns:ma14="http://schemas.microsoft.com/office/mac/drawingml/2011/main" xmlns="" val="1"/>
             </a:ext>
           </a:extLst>
         </p:spPr>
@@ -13302,7 +13312,7 @@
           </a:ln>
           <a:extLst>
             <a:ext uri="{C572A759-6A51-4108-AA02-DFA0A04FC94B}">
-              <ma14:wrappingTextBoxFlag xmlns="" xmlns:ma14="http://schemas.microsoft.com/office/mac/drawingml/2011/main" val="1"/>
+              <ma14:wrappingTextBoxFlag xmlns:ma14="http://schemas.microsoft.com/office/mac/drawingml/2011/main" xmlns="" val="1"/>
             </a:ext>
           </a:extLst>
         </p:spPr>
@@ -13392,7 +13402,7 @@
           </a:ln>
           <a:extLst>
             <a:ext uri="{C572A759-6A51-4108-AA02-DFA0A04FC94B}">
-              <ma14:wrappingTextBoxFlag xmlns="" xmlns:ma14="http://schemas.microsoft.com/office/mac/drawingml/2011/main" val="1"/>
+              <ma14:wrappingTextBoxFlag xmlns:ma14="http://schemas.microsoft.com/office/mac/drawingml/2011/main" xmlns="" val="1"/>
             </a:ext>
           </a:extLst>
         </p:spPr>
@@ -14323,7 +14333,7 @@
           </a:ln>
           <a:extLst>
             <a:ext uri="{C572A759-6A51-4108-AA02-DFA0A04FC94B}">
-              <ma14:wrappingTextBoxFlag xmlns="" xmlns:ma14="http://schemas.microsoft.com/office/mac/drawingml/2011/main" val="1"/>
+              <ma14:wrappingTextBoxFlag xmlns:ma14="http://schemas.microsoft.com/office/mac/drawingml/2011/main" xmlns="" val="1"/>
             </a:ext>
           </a:extLst>
         </p:spPr>
@@ -14544,7 +14554,7 @@
           </a:ln>
           <a:extLst>
             <a:ext uri="{C572A759-6A51-4108-AA02-DFA0A04FC94B}">
-              <ma14:wrappingTextBoxFlag xmlns="" xmlns:ma14="http://schemas.microsoft.com/office/mac/drawingml/2011/main" val="1"/>
+              <ma14:wrappingTextBoxFlag xmlns:ma14="http://schemas.microsoft.com/office/mac/drawingml/2011/main" xmlns="" val="1"/>
             </a:ext>
           </a:extLst>
         </p:spPr>
@@ -15918,7 +15928,7 @@
           </a:ln>
           <a:extLst>
             <a:ext uri="{C572A759-6A51-4108-AA02-DFA0A04FC94B}">
-              <ma14:wrappingTextBoxFlag xmlns="" xmlns:ma14="http://schemas.microsoft.com/office/mac/drawingml/2011/main" val="1"/>
+              <ma14:wrappingTextBoxFlag xmlns:ma14="http://schemas.microsoft.com/office/mac/drawingml/2011/main" xmlns="" val="1"/>
             </a:ext>
           </a:extLst>
         </p:spPr>
@@ -16060,7 +16070,7 @@
           </a:ln>
           <a:extLst>
             <a:ext uri="{C572A759-6A51-4108-AA02-DFA0A04FC94B}">
-              <ma14:wrappingTextBoxFlag xmlns="" xmlns:ma14="http://schemas.microsoft.com/office/mac/drawingml/2011/main" val="1"/>
+              <ma14:wrappingTextBoxFlag xmlns:ma14="http://schemas.microsoft.com/office/mac/drawingml/2011/main" xmlns="" val="1"/>
             </a:ext>
           </a:extLst>
         </p:spPr>
@@ -17815,7 +17825,7 @@
           </a:ln>
           <a:extLst>
             <a:ext uri="{C572A759-6A51-4108-AA02-DFA0A04FC94B}">
-              <ma14:wrappingTextBoxFlag xmlns="" xmlns:ma14="http://schemas.microsoft.com/office/mac/drawingml/2011/main" val="1"/>
+              <ma14:wrappingTextBoxFlag xmlns:ma14="http://schemas.microsoft.com/office/mac/drawingml/2011/main" xmlns="" val="1"/>
             </a:ext>
           </a:extLst>
         </p:spPr>
@@ -17944,7 +17954,7 @@
           </a:ln>
           <a:extLst>
             <a:ext uri="{C572A759-6A51-4108-AA02-DFA0A04FC94B}">
-              <ma14:wrappingTextBoxFlag xmlns="" xmlns:ma14="http://schemas.microsoft.com/office/mac/drawingml/2011/main" val="1"/>
+              <ma14:wrappingTextBoxFlag xmlns:ma14="http://schemas.microsoft.com/office/mac/drawingml/2011/main" xmlns="" val="1"/>
             </a:ext>
           </a:extLst>
         </p:spPr>
@@ -18024,7 +18034,7 @@
           </a:ln>
           <a:extLst>
             <a:ext uri="{C572A759-6A51-4108-AA02-DFA0A04FC94B}">
-              <ma14:wrappingTextBoxFlag xmlns="" xmlns:ma14="http://schemas.microsoft.com/office/mac/drawingml/2011/main" val="1"/>
+              <ma14:wrappingTextBoxFlag xmlns:ma14="http://schemas.microsoft.com/office/mac/drawingml/2011/main" xmlns="" val="1"/>
             </a:ext>
           </a:extLst>
         </p:spPr>
@@ -18082,7 +18092,7 @@
           </a:ln>
           <a:extLst>
             <a:ext uri="{C572A759-6A51-4108-AA02-DFA0A04FC94B}">
-              <ma14:wrappingTextBoxFlag xmlns="" xmlns:ma14="http://schemas.microsoft.com/office/mac/drawingml/2011/main" val="1"/>
+              <ma14:wrappingTextBoxFlag xmlns:ma14="http://schemas.microsoft.com/office/mac/drawingml/2011/main" xmlns="" val="1"/>
             </a:ext>
           </a:extLst>
         </p:spPr>
@@ -18162,7 +18172,7 @@
           </a:ln>
           <a:extLst>
             <a:ext uri="{C572A759-6A51-4108-AA02-DFA0A04FC94B}">
-              <ma14:wrappingTextBoxFlag xmlns="" xmlns:ma14="http://schemas.microsoft.com/office/mac/drawingml/2011/main" val="1"/>
+              <ma14:wrappingTextBoxFlag xmlns:ma14="http://schemas.microsoft.com/office/mac/drawingml/2011/main" xmlns="" val="1"/>
             </a:ext>
           </a:extLst>
         </p:spPr>
@@ -18229,7 +18239,7 @@
           </a:ln>
           <a:extLst>
             <a:ext uri="{C572A759-6A51-4108-AA02-DFA0A04FC94B}">
-              <ma14:wrappingTextBoxFlag xmlns="" xmlns:ma14="http://schemas.microsoft.com/office/mac/drawingml/2011/main" val="1"/>
+              <ma14:wrappingTextBoxFlag xmlns:ma14="http://schemas.microsoft.com/office/mac/drawingml/2011/main" xmlns="" val="1"/>
             </a:ext>
           </a:extLst>
         </p:spPr>
@@ -18281,7 +18291,7 @@
           </a:ln>
           <a:extLst>
             <a:ext uri="{C572A759-6A51-4108-AA02-DFA0A04FC94B}">
-              <ma14:wrappingTextBoxFlag xmlns="" xmlns:ma14="http://schemas.microsoft.com/office/mac/drawingml/2011/main" val="1"/>
+              <ma14:wrappingTextBoxFlag xmlns:ma14="http://schemas.microsoft.com/office/mac/drawingml/2011/main" xmlns="" val="1"/>
             </a:ext>
           </a:extLst>
         </p:spPr>
@@ -20116,7 +20126,7 @@
           </a:ln>
           <a:extLst>
             <a:ext uri="{C572A759-6A51-4108-AA02-DFA0A04FC94B}">
-              <ma14:wrappingTextBoxFlag xmlns="" xmlns:ma14="http://schemas.microsoft.com/office/mac/drawingml/2011/main" val="1"/>
+              <ma14:wrappingTextBoxFlag xmlns:ma14="http://schemas.microsoft.com/office/mac/drawingml/2011/main" xmlns="" val="1"/>
             </a:ext>
           </a:extLst>
         </p:spPr>
@@ -20257,7 +20267,7 @@
           </a:ln>
           <a:extLst>
             <a:ext uri="{C572A759-6A51-4108-AA02-DFA0A04FC94B}">
-              <ma14:wrappingTextBoxFlag xmlns="" xmlns:ma14="http://schemas.microsoft.com/office/mac/drawingml/2011/main" val="1"/>
+              <ma14:wrappingTextBoxFlag xmlns:ma14="http://schemas.microsoft.com/office/mac/drawingml/2011/main" xmlns="" val="1"/>
             </a:ext>
           </a:extLst>
         </p:spPr>
@@ -20951,7 +20961,7 @@
           </a:ln>
           <a:extLst>
             <a:ext uri="{C572A759-6A51-4108-AA02-DFA0A04FC94B}">
-              <ma14:wrappingTextBoxFlag xmlns="" xmlns:ma14="http://schemas.microsoft.com/office/mac/drawingml/2011/main" val="1"/>
+              <ma14:wrappingTextBoxFlag xmlns:ma14="http://schemas.microsoft.com/office/mac/drawingml/2011/main" xmlns="" val="1"/>
             </a:ext>
           </a:extLst>
         </p:spPr>
@@ -21017,7 +21027,7 @@
           </a:ln>
           <a:extLst>
             <a:ext uri="{C572A759-6A51-4108-AA02-DFA0A04FC94B}">
-              <ma14:wrappingTextBoxFlag xmlns="" xmlns:ma14="http://schemas.microsoft.com/office/mac/drawingml/2011/main" val="1"/>
+              <ma14:wrappingTextBoxFlag xmlns:ma14="http://schemas.microsoft.com/office/mac/drawingml/2011/main" xmlns="" val="1"/>
             </a:ext>
           </a:extLst>
         </p:spPr>
@@ -21716,7 +21726,7 @@
           </a:ln>
           <a:extLst>
             <a:ext uri="{C572A759-6A51-4108-AA02-DFA0A04FC94B}">
-              <ma14:wrappingTextBoxFlag xmlns="" xmlns:ma14="http://schemas.microsoft.com/office/mac/drawingml/2011/main" val="1"/>
+              <ma14:wrappingTextBoxFlag xmlns:ma14="http://schemas.microsoft.com/office/mac/drawingml/2011/main" xmlns="" val="1"/>
             </a:ext>
           </a:extLst>
         </p:spPr>
@@ -21801,7 +21811,7 @@
           </a:ln>
           <a:extLst>
             <a:ext uri="{C572A759-6A51-4108-AA02-DFA0A04FC94B}">
-              <ma14:wrappingTextBoxFlag xmlns="" xmlns:ma14="http://schemas.microsoft.com/office/mac/drawingml/2011/main" val="1"/>
+              <ma14:wrappingTextBoxFlag xmlns:ma14="http://schemas.microsoft.com/office/mac/drawingml/2011/main" xmlns="" val="1"/>
             </a:ext>
           </a:extLst>
         </p:spPr>
@@ -22421,7 +22431,7 @@
           </a:ln>
           <a:extLst>
             <a:ext uri="{C572A759-6A51-4108-AA02-DFA0A04FC94B}">
-              <ma14:wrappingTextBoxFlag xmlns="" xmlns:ma14="http://schemas.microsoft.com/office/mac/drawingml/2011/main" val="1"/>
+              <ma14:wrappingTextBoxFlag xmlns:ma14="http://schemas.microsoft.com/office/mac/drawingml/2011/main" xmlns="" val="1"/>
             </a:ext>
           </a:extLst>
         </p:spPr>
@@ -23552,7 +23562,7 @@
           </a:ln>
           <a:extLst>
             <a:ext uri="{C572A759-6A51-4108-AA02-DFA0A04FC94B}">
-              <ma14:wrappingTextBoxFlag xmlns="" xmlns:ma14="http://schemas.microsoft.com/office/mac/drawingml/2011/main" val="1"/>
+              <ma14:wrappingTextBoxFlag xmlns:ma14="http://schemas.microsoft.com/office/mac/drawingml/2011/main" xmlns="" val="1"/>
             </a:ext>
           </a:extLst>
         </p:spPr>
@@ -23601,7 +23611,7 @@
           </a:ln>
           <a:extLst>
             <a:ext uri="{C572A759-6A51-4108-AA02-DFA0A04FC94B}">
-              <ma14:wrappingTextBoxFlag xmlns="" xmlns:ma14="http://schemas.microsoft.com/office/mac/drawingml/2011/main" val="1"/>
+              <ma14:wrappingTextBoxFlag xmlns:ma14="http://schemas.microsoft.com/office/mac/drawingml/2011/main" xmlns="" val="1"/>
             </a:ext>
           </a:extLst>
         </p:spPr>
@@ -24886,7 +24896,7 @@
           </a:ln>
           <a:extLst>
             <a:ext uri="{C572A759-6A51-4108-AA02-DFA0A04FC94B}">
-              <ma14:wrappingTextBoxFlag xmlns="" xmlns:ma14="http://schemas.microsoft.com/office/mac/drawingml/2011/main" val="1"/>
+              <ma14:wrappingTextBoxFlag xmlns:ma14="http://schemas.microsoft.com/office/mac/drawingml/2011/main" xmlns="" val="1"/>
             </a:ext>
           </a:extLst>
         </p:spPr>
@@ -24959,7 +24969,7 @@
           </a:ln>
           <a:extLst>
             <a:ext uri="{C572A759-6A51-4108-AA02-DFA0A04FC94B}">
-              <ma14:wrappingTextBoxFlag xmlns="" xmlns:ma14="http://schemas.microsoft.com/office/mac/drawingml/2011/main" val="1"/>
+              <ma14:wrappingTextBoxFlag xmlns:ma14="http://schemas.microsoft.com/office/mac/drawingml/2011/main" xmlns="" val="1"/>
             </a:ext>
           </a:extLst>
         </p:spPr>
@@ -25660,7 +25670,7 @@
           </a:ln>
           <a:extLst>
             <a:ext uri="{C572A759-6A51-4108-AA02-DFA0A04FC94B}">
-              <ma14:wrappingTextBoxFlag xmlns="" xmlns:ma14="http://schemas.microsoft.com/office/mac/drawingml/2011/main" val="1"/>
+              <ma14:wrappingTextBoxFlag xmlns:ma14="http://schemas.microsoft.com/office/mac/drawingml/2011/main" xmlns="" val="1"/>
             </a:ext>
           </a:extLst>
         </p:spPr>
@@ -25709,7 +25719,7 @@
           </a:ln>
           <a:extLst>
             <a:ext uri="{C572A759-6A51-4108-AA02-DFA0A04FC94B}">
-              <ma14:wrappingTextBoxFlag xmlns="" xmlns:ma14="http://schemas.microsoft.com/office/mac/drawingml/2011/main" val="1"/>
+              <ma14:wrappingTextBoxFlag xmlns:ma14="http://schemas.microsoft.com/office/mac/drawingml/2011/main" xmlns="" val="1"/>
             </a:ext>
           </a:extLst>
         </p:spPr>
@@ -26635,7 +26645,7 @@
           </a:ln>
           <a:extLst>
             <a:ext uri="{C572A759-6A51-4108-AA02-DFA0A04FC94B}">
-              <ma14:wrappingTextBoxFlag xmlns="" xmlns:ma14="http://schemas.microsoft.com/office/mac/drawingml/2011/main" val="1"/>
+              <ma14:wrappingTextBoxFlag xmlns:ma14="http://schemas.microsoft.com/office/mac/drawingml/2011/main" xmlns="" val="1"/>
             </a:ext>
           </a:extLst>
         </p:spPr>
@@ -26684,7 +26694,7 @@
           </a:ln>
           <a:extLst>
             <a:ext uri="{C572A759-6A51-4108-AA02-DFA0A04FC94B}">
-              <ma14:wrappingTextBoxFlag xmlns="" xmlns:ma14="http://schemas.microsoft.com/office/mac/drawingml/2011/main" val="1"/>
+              <ma14:wrappingTextBoxFlag xmlns:ma14="http://schemas.microsoft.com/office/mac/drawingml/2011/main" xmlns="" val="1"/>
             </a:ext>
           </a:extLst>
         </p:spPr>
@@ -27191,7 +27201,7 @@
           <a:graphicData uri="http://schemas.openxmlformats.org/presentationml/2006/ole">
             <mc:AlternateContent xmlns:mc="http://schemas.openxmlformats.org/markup-compatibility/2006">
               <mc:Choice xmlns:v="urn:schemas-microsoft-com:vml" Requires="v">
-                <p:oleObj spid="_x0000_s13320" name="工作表" r:id="rId4" imgW="7286657" imgH="3266939" progId="Excel.Sheet.12">
+                <p:oleObj spid="_x0000_s13322" name="工作表" r:id="rId4" imgW="7286657" imgH="3266939" progId="Excel.Sheet.12">
                   <p:embed/>
                 </p:oleObj>
               </mc:Choice>
@@ -27398,7 +27408,7 @@
           </a:ln>
           <a:extLst>
             <a:ext uri="{C572A759-6A51-4108-AA02-DFA0A04FC94B}">
-              <ma14:wrappingTextBoxFlag xmlns="" xmlns:ma14="http://schemas.microsoft.com/office/mac/drawingml/2011/main" val="1"/>
+              <ma14:wrappingTextBoxFlag xmlns:ma14="http://schemas.microsoft.com/office/mac/drawingml/2011/main" xmlns="" val="1"/>
             </a:ext>
           </a:extLst>
         </p:spPr>
@@ -27566,7 +27576,7 @@
           </a:ln>
           <a:extLst>
             <a:ext uri="{C572A759-6A51-4108-AA02-DFA0A04FC94B}">
-              <ma14:wrappingTextBoxFlag xmlns="" xmlns:ma14="http://schemas.microsoft.com/office/mac/drawingml/2011/main" val="1"/>
+              <ma14:wrappingTextBoxFlag xmlns:ma14="http://schemas.microsoft.com/office/mac/drawingml/2011/main" xmlns="" val="1"/>
             </a:ext>
           </a:extLst>
         </p:spPr>
@@ -27625,7 +27635,7 @@
           </a:ln>
           <a:extLst>
             <a:ext uri="{C572A759-6A51-4108-AA02-DFA0A04FC94B}">
-              <ma14:wrappingTextBoxFlag xmlns="" xmlns:ma14="http://schemas.microsoft.com/office/mac/drawingml/2011/main" val="1"/>
+              <ma14:wrappingTextBoxFlag xmlns:ma14="http://schemas.microsoft.com/office/mac/drawingml/2011/main" xmlns="" val="1"/>
             </a:ext>
           </a:extLst>
         </p:spPr>
@@ -27700,7 +27710,7 @@
         <p15:prstTrans prst="pageCurlDouble"/>
       </p:transition>
     </mc:Choice>
-    <mc:Choice xmlns="" xmlns:p14="http://schemas.microsoft.com/office/powerpoint/2010/main" Requires="p14">
+    <mc:Choice xmlns:p14="http://schemas.microsoft.com/office/powerpoint/2010/main" xmlns="" Requires="p14">
       <p:transition spd="slow" advClick="1" p14:dur="1200">
         <p14:prism dir="d"/>
       </p:transition>
@@ -28487,7 +28497,7 @@
           </a:ln>
           <a:extLst>
             <a:ext uri="{C572A759-6A51-4108-AA02-DFA0A04FC94B}">
-              <ma14:wrappingTextBoxFlag xmlns="" xmlns:ma14="http://schemas.microsoft.com/office/mac/drawingml/2011/main" val="1"/>
+              <ma14:wrappingTextBoxFlag xmlns:ma14="http://schemas.microsoft.com/office/mac/drawingml/2011/main" xmlns="" val="1"/>
             </a:ext>
           </a:extLst>
         </p:spPr>
@@ -28538,7 +28548,7 @@
           </a:ln>
           <a:extLst>
             <a:ext uri="{C572A759-6A51-4108-AA02-DFA0A04FC94B}">
-              <ma14:wrappingTextBoxFlag xmlns="" xmlns:ma14="http://schemas.microsoft.com/office/mac/drawingml/2011/main" val="1"/>
+              <ma14:wrappingTextBoxFlag xmlns:ma14="http://schemas.microsoft.com/office/mac/drawingml/2011/main" xmlns="" val="1"/>
             </a:ext>
           </a:extLst>
         </p:spPr>
@@ -29237,7 +29247,7 @@
           </a:ln>
           <a:extLst>
             <a:ext uri="{C572A759-6A51-4108-AA02-DFA0A04FC94B}">
-              <ma14:wrappingTextBoxFlag xmlns="" xmlns:ma14="http://schemas.microsoft.com/office/mac/drawingml/2011/main" val="1"/>
+              <ma14:wrappingTextBoxFlag xmlns:ma14="http://schemas.microsoft.com/office/mac/drawingml/2011/main" xmlns="" val="1"/>
             </a:ext>
           </a:extLst>
         </p:spPr>
@@ -29407,7 +29417,7 @@
           </a:ln>
           <a:extLst>
             <a:ext uri="{C572A759-6A51-4108-AA02-DFA0A04FC94B}">
-              <ma14:wrappingTextBoxFlag xmlns="" xmlns:ma14="http://schemas.microsoft.com/office/mac/drawingml/2011/main" val="1"/>
+              <ma14:wrappingTextBoxFlag xmlns:ma14="http://schemas.microsoft.com/office/mac/drawingml/2011/main" xmlns="" val="1"/>
             </a:ext>
           </a:extLst>
         </p:spPr>
@@ -30108,7 +30118,7 @@
           </a:ln>
           <a:extLst>
             <a:ext uri="{C572A759-6A51-4108-AA02-DFA0A04FC94B}">
-              <ma14:wrappingTextBoxFlag xmlns="" xmlns:ma14="http://schemas.microsoft.com/office/mac/drawingml/2011/main" val="1"/>
+              <ma14:wrappingTextBoxFlag xmlns:ma14="http://schemas.microsoft.com/office/mac/drawingml/2011/main" xmlns="" val="1"/>
             </a:ext>
           </a:extLst>
         </p:spPr>
@@ -30157,7 +30167,7 @@
           </a:ln>
           <a:extLst>
             <a:ext uri="{C572A759-6A51-4108-AA02-DFA0A04FC94B}">
-              <ma14:wrappingTextBoxFlag xmlns="" xmlns:ma14="http://schemas.microsoft.com/office/mac/drawingml/2011/main" val="1"/>
+              <ma14:wrappingTextBoxFlag xmlns:ma14="http://schemas.microsoft.com/office/mac/drawingml/2011/main" xmlns="" val="1"/>
             </a:ext>
           </a:extLst>
         </p:spPr>
@@ -30730,7 +30740,7 @@
           </a:ln>
           <a:extLst>
             <a:ext uri="{C572A759-6A51-4108-AA02-DFA0A04FC94B}">
-              <ma14:wrappingTextBoxFlag xmlns="" xmlns:ma14="http://schemas.microsoft.com/office/mac/drawingml/2011/main" val="1"/>
+              <ma14:wrappingTextBoxFlag xmlns:ma14="http://schemas.microsoft.com/office/mac/drawingml/2011/main" xmlns="" val="1"/>
             </a:ext>
           </a:extLst>
         </p:spPr>
@@ -30820,7 +30830,7 @@
           </a:ln>
           <a:extLst>
             <a:ext uri="{C572A759-6A51-4108-AA02-DFA0A04FC94B}">
-              <ma14:wrappingTextBoxFlag xmlns="" xmlns:ma14="http://schemas.microsoft.com/office/mac/drawingml/2011/main" val="1"/>
+              <ma14:wrappingTextBoxFlag xmlns:ma14="http://schemas.microsoft.com/office/mac/drawingml/2011/main" xmlns="" val="1"/>
             </a:ext>
           </a:extLst>
         </p:spPr>
@@ -30869,7 +30879,7 @@
           </a:ln>
           <a:extLst>
             <a:ext uri="{C572A759-6A51-4108-AA02-DFA0A04FC94B}">
-              <ma14:wrappingTextBoxFlag xmlns="" xmlns:ma14="http://schemas.microsoft.com/office/mac/drawingml/2011/main" val="1"/>
+              <ma14:wrappingTextBoxFlag xmlns:ma14="http://schemas.microsoft.com/office/mac/drawingml/2011/main" xmlns="" val="1"/>
             </a:ext>
           </a:extLst>
         </p:spPr>
@@ -31161,7 +31171,7 @@
         <p15:prstTrans prst="pageCurlDouble"/>
       </p:transition>
     </mc:Choice>
-    <mc:Choice xmlns="" xmlns:p14="http://schemas.microsoft.com/office/powerpoint/2010/main" Requires="p14">
+    <mc:Choice xmlns:p14="http://schemas.microsoft.com/office/powerpoint/2010/main" xmlns="" Requires="p14">
       <p:transition spd="slow" advClick="0" advTm="4000" p14:dur="1200">
         <p14:prism dir="l"/>
       </p:transition>
@@ -31867,7 +31877,7 @@
           </a:ln>
           <a:extLst>
             <a:ext uri="{C572A759-6A51-4108-AA02-DFA0A04FC94B}">
-              <ma14:wrappingTextBoxFlag xmlns="" xmlns:ma14="http://schemas.microsoft.com/office/mac/drawingml/2011/main" val="1"/>
+              <ma14:wrappingTextBoxFlag xmlns:ma14="http://schemas.microsoft.com/office/mac/drawingml/2011/main" xmlns="" val="1"/>
             </a:ext>
           </a:extLst>
         </p:spPr>
@@ -32002,7 +32012,7 @@
           <a:graphicData uri="http://schemas.openxmlformats.org/presentationml/2006/ole">
             <mc:AlternateContent xmlns:mc="http://schemas.openxmlformats.org/markup-compatibility/2006">
               <mc:Choice xmlns:v="urn:schemas-microsoft-com:vml" Requires="v">
-                <p:oleObj spid="_x0000_s4128" r:id="rId3" imgW="3095669" imgH="5972323" progId="Visio.Drawing.15">
+                <p:oleObj spid="_x0000_s4130" r:id="rId3" imgW="3095669" imgH="5972323" progId="Visio.Drawing.15">
                   <p:embed/>
                 </p:oleObj>
               </mc:Choice>
@@ -32549,7 +32559,7 @@
           </a:ln>
           <a:extLst>
             <a:ext uri="{C572A759-6A51-4108-AA02-DFA0A04FC94B}">
-              <ma14:wrappingTextBoxFlag xmlns="" xmlns:ma14="http://schemas.microsoft.com/office/mac/drawingml/2011/main" val="1"/>
+              <ma14:wrappingTextBoxFlag xmlns:ma14="http://schemas.microsoft.com/office/mac/drawingml/2011/main" xmlns="" val="1"/>
             </a:ext>
           </a:extLst>
         </p:spPr>
@@ -32675,7 +32685,7 @@
           <a:graphicData uri="http://schemas.openxmlformats.org/presentationml/2006/ole">
             <mc:AlternateContent xmlns:mc="http://schemas.openxmlformats.org/markup-compatibility/2006">
               <mc:Choice xmlns:v="urn:schemas-microsoft-com:vml" Requires="v">
-                <p:oleObj spid="_x0000_s5152" name="Visio" r:id="rId3" imgW="6505390" imgH="4419736" progId="Visio.Drawing.15">
+                <p:oleObj spid="_x0000_s5154" name="Visio" r:id="rId3" imgW="6505390" imgH="4419736" progId="Visio.Drawing.15">
                   <p:embed/>
                 </p:oleObj>
               </mc:Choice>
